--- a/study/6_Greedy.pptx
+++ b/study/6_Greedy.pptx
@@ -281,7 +281,7 @@
           <a:p>
             <a:fld id="{33C37291-AA83-40C0-9297-8F7F3693F6CC}" type="datetimeFigureOut">
               <a:rPr lang="ko-KR" altLang="en-US" smtClean="0"/>
-              <a:t>2022-09-14</a:t>
+              <a:t>2022-09-15</a:t>
             </a:fld>
             <a:endParaRPr lang="ko-KR" altLang="en-US"/>
           </a:p>
@@ -479,7 +479,7 @@
           <a:p>
             <a:fld id="{33C37291-AA83-40C0-9297-8F7F3693F6CC}" type="datetimeFigureOut">
               <a:rPr lang="ko-KR" altLang="en-US" smtClean="0"/>
-              <a:t>2022-09-14</a:t>
+              <a:t>2022-09-15</a:t>
             </a:fld>
             <a:endParaRPr lang="ko-KR" altLang="en-US"/>
           </a:p>
@@ -687,7 +687,7 @@
           <a:p>
             <a:fld id="{33C37291-AA83-40C0-9297-8F7F3693F6CC}" type="datetimeFigureOut">
               <a:rPr lang="ko-KR" altLang="en-US" smtClean="0"/>
-              <a:t>2022-09-14</a:t>
+              <a:t>2022-09-15</a:t>
             </a:fld>
             <a:endParaRPr lang="ko-KR" altLang="en-US"/>
           </a:p>
@@ -885,7 +885,7 @@
           <a:p>
             <a:fld id="{33C37291-AA83-40C0-9297-8F7F3693F6CC}" type="datetimeFigureOut">
               <a:rPr lang="ko-KR" altLang="en-US" smtClean="0"/>
-              <a:t>2022-09-14</a:t>
+              <a:t>2022-09-15</a:t>
             </a:fld>
             <a:endParaRPr lang="ko-KR" altLang="en-US"/>
           </a:p>
@@ -1160,7 +1160,7 @@
           <a:p>
             <a:fld id="{33C37291-AA83-40C0-9297-8F7F3693F6CC}" type="datetimeFigureOut">
               <a:rPr lang="ko-KR" altLang="en-US" smtClean="0"/>
-              <a:t>2022-09-14</a:t>
+              <a:t>2022-09-15</a:t>
             </a:fld>
             <a:endParaRPr lang="ko-KR" altLang="en-US"/>
           </a:p>
@@ -1425,7 +1425,7 @@
           <a:p>
             <a:fld id="{33C37291-AA83-40C0-9297-8F7F3693F6CC}" type="datetimeFigureOut">
               <a:rPr lang="ko-KR" altLang="en-US" smtClean="0"/>
-              <a:t>2022-09-14</a:t>
+              <a:t>2022-09-15</a:t>
             </a:fld>
             <a:endParaRPr lang="ko-KR" altLang="en-US"/>
           </a:p>
@@ -1837,7 +1837,7 @@
           <a:p>
             <a:fld id="{33C37291-AA83-40C0-9297-8F7F3693F6CC}" type="datetimeFigureOut">
               <a:rPr lang="ko-KR" altLang="en-US" smtClean="0"/>
-              <a:t>2022-09-14</a:t>
+              <a:t>2022-09-15</a:t>
             </a:fld>
             <a:endParaRPr lang="ko-KR" altLang="en-US"/>
           </a:p>
@@ -1978,7 +1978,7 @@
           <a:p>
             <a:fld id="{33C37291-AA83-40C0-9297-8F7F3693F6CC}" type="datetimeFigureOut">
               <a:rPr lang="ko-KR" altLang="en-US" smtClean="0"/>
-              <a:t>2022-09-14</a:t>
+              <a:t>2022-09-15</a:t>
             </a:fld>
             <a:endParaRPr lang="ko-KR" altLang="en-US"/>
           </a:p>
@@ -2091,7 +2091,7 @@
           <a:p>
             <a:fld id="{33C37291-AA83-40C0-9297-8F7F3693F6CC}" type="datetimeFigureOut">
               <a:rPr lang="ko-KR" altLang="en-US" smtClean="0"/>
-              <a:t>2022-09-14</a:t>
+              <a:t>2022-09-15</a:t>
             </a:fld>
             <a:endParaRPr lang="ko-KR" altLang="en-US"/>
           </a:p>
@@ -2402,7 +2402,7 @@
           <a:p>
             <a:fld id="{33C37291-AA83-40C0-9297-8F7F3693F6CC}" type="datetimeFigureOut">
               <a:rPr lang="ko-KR" altLang="en-US" smtClean="0"/>
-              <a:t>2022-09-14</a:t>
+              <a:t>2022-09-15</a:t>
             </a:fld>
             <a:endParaRPr lang="ko-KR" altLang="en-US"/>
           </a:p>
@@ -2690,7 +2690,7 @@
           <a:p>
             <a:fld id="{33C37291-AA83-40C0-9297-8F7F3693F6CC}" type="datetimeFigureOut">
               <a:rPr lang="ko-KR" altLang="en-US" smtClean="0"/>
-              <a:t>2022-09-14</a:t>
+              <a:t>2022-09-15</a:t>
             </a:fld>
             <a:endParaRPr lang="ko-KR" altLang="en-US"/>
           </a:p>
@@ -2931,7 +2931,7 @@
           <a:p>
             <a:fld id="{33C37291-AA83-40C0-9297-8F7F3693F6CC}" type="datetimeFigureOut">
               <a:rPr lang="ko-KR" altLang="en-US" smtClean="0"/>
-              <a:t>2022-09-14</a:t>
+              <a:t>2022-09-15</a:t>
             </a:fld>
             <a:endParaRPr lang="ko-KR" altLang="en-US"/>
           </a:p>
@@ -9375,8 +9375,8 @@
           </a:p>
         </p:txBody>
       </p:sp>
-      <mc:AlternateContent xmlns:mc="http://schemas.openxmlformats.org/markup-compatibility/2006">
-        <mc:Choice xmlns:a14="http://schemas.microsoft.com/office/drawing/2010/main" Requires="a14">
+      <mc:AlternateContent xmlns:mc="http://schemas.openxmlformats.org/markup-compatibility/2006" xmlns:a14="http://schemas.microsoft.com/office/drawing/2010/main">
+        <mc:Choice Requires="a14">
           <p:sp>
             <p:nvSpPr>
               <p:cNvPr id="14" name="TextBox 13">
@@ -9550,7 +9550,7 @@
             </p:txBody>
           </p:sp>
         </mc:Choice>
-        <mc:Fallback>
+        <mc:Fallback xmlns="">
           <p:sp>
             <p:nvSpPr>
               <p:cNvPr id="14" name="TextBox 13">
@@ -10035,8 +10035,8 @@
           </a:p>
         </p:txBody>
       </p:sp>
-      <mc:AlternateContent xmlns:mc="http://schemas.openxmlformats.org/markup-compatibility/2006">
-        <mc:Choice xmlns:a14="http://schemas.microsoft.com/office/drawing/2010/main" Requires="a14">
+      <mc:AlternateContent xmlns:mc="http://schemas.openxmlformats.org/markup-compatibility/2006" xmlns:a14="http://schemas.microsoft.com/office/drawing/2010/main">
+        <mc:Choice Requires="a14">
           <p:sp>
             <p:nvSpPr>
               <p:cNvPr id="3" name="TextBox 2">
@@ -10147,7 +10147,7 @@
             </p:txBody>
           </p:sp>
         </mc:Choice>
-        <mc:Fallback>
+        <mc:Fallback xmlns="">
           <p:sp>
             <p:nvSpPr>
               <p:cNvPr id="3" name="TextBox 2">
@@ -11287,7 +11287,7 @@
         </p:nvSpPr>
         <p:spPr>
           <a:xfrm>
-            <a:off x="942387" y="5196636"/>
+            <a:off x="942387" y="3568480"/>
             <a:ext cx="8553305" cy="369332"/>
           </a:xfrm>
           <a:prstGeom prst="rect">
@@ -11392,7 +11392,7 @@
         </p:nvSpPr>
         <p:spPr>
           <a:xfrm>
-            <a:off x="942387" y="5716797"/>
+            <a:off x="942387" y="4088641"/>
             <a:ext cx="10237694" cy="369332"/>
           </a:xfrm>
           <a:prstGeom prst="rect">
@@ -11481,7 +11481,94 @@
                 <a:latin typeface="나눔스퀘어 Light" panose="020B0600000101010101" pitchFamily="50" charset="-127"/>
                 <a:ea typeface="나눔스퀘어 Light" panose="020B0600000101010101" pitchFamily="50" charset="-127"/>
               </a:rPr>
-              <a:t>3. </a:t>
+              <a:t>3. 3135 </a:t>
+            </a:r>
+            <a:r>
+              <a:rPr lang="ko-KR" altLang="en-US" dirty="0">
+                <a:latin typeface="나눔스퀘어 Light" panose="020B0600000101010101" pitchFamily="50" charset="-127"/>
+                <a:ea typeface="나눔스퀘어 Light" panose="020B0600000101010101" pitchFamily="50" charset="-127"/>
+              </a:rPr>
+              <a:t>라디오</a:t>
+            </a:r>
+          </a:p>
+        </p:txBody>
+      </p:sp>
+      <p:sp>
+        <p:nvSpPr>
+          <p:cNvPr id="10" name="TextBox 9">
+            <a:extLst>
+              <a:ext uri="{FF2B5EF4-FFF2-40B4-BE49-F238E27FC236}">
+                <a16:creationId xmlns:a16="http://schemas.microsoft.com/office/drawing/2014/main" id="{C572282D-23DE-9D59-D1DB-6011A80C631D}"/>
+              </a:ext>
+            </a:extLst>
+          </p:cNvPr>
+          <p:cNvSpPr txBox="1"/>
+          <p:nvPr/>
+        </p:nvSpPr>
+        <p:spPr>
+          <a:xfrm>
+            <a:off x="942387" y="4457973"/>
+            <a:ext cx="10237694" cy="369332"/>
+          </a:xfrm>
+          <a:prstGeom prst="rect">
+            <a:avLst/>
+          </a:prstGeom>
+          <a:noFill/>
+        </p:spPr>
+        <p:txBody>
+          <a:bodyPr wrap="square" rtlCol="0">
+            <a:spAutoFit/>
+          </a:bodyPr>
+          <a:lstStyle/>
+          <a:p>
+            <a:r>
+              <a:rPr lang="en-US" altLang="ko-KR" dirty="0">
+                <a:latin typeface="나눔스퀘어 Light" panose="020B0600000101010101" pitchFamily="50" charset="-127"/>
+                <a:ea typeface="나눔스퀘어 Light" panose="020B0600000101010101" pitchFamily="50" charset="-127"/>
+              </a:rPr>
+              <a:t>DS</a:t>
+            </a:r>
+            <a:r>
+              <a:rPr lang="ko-KR" altLang="en-US" dirty="0">
+                <a:latin typeface="나눔스퀘어 Light" panose="020B0600000101010101" pitchFamily="50" charset="-127"/>
+                <a:ea typeface="나눔스퀘어 Light" panose="020B0600000101010101" pitchFamily="50" charset="-127"/>
+              </a:rPr>
+              <a:t> </a:t>
+            </a:r>
+            <a:r>
+              <a:rPr lang="en-US" altLang="ko-KR" dirty="0">
+                <a:latin typeface="나눔스퀘어 Light" panose="020B0600000101010101" pitchFamily="50" charset="-127"/>
+                <a:ea typeface="나눔스퀘어 Light" panose="020B0600000101010101" pitchFamily="50" charset="-127"/>
+              </a:rPr>
+              <a:t>/</a:t>
+            </a:r>
+            <a:r>
+              <a:rPr lang="ko-KR" altLang="en-US" dirty="0">
+                <a:latin typeface="나눔스퀘어 Light" panose="020B0600000101010101" pitchFamily="50" charset="-127"/>
+                <a:ea typeface="나눔스퀘어 Light" panose="020B0600000101010101" pitchFamily="50" charset="-127"/>
+              </a:rPr>
+              <a:t> </a:t>
+            </a:r>
+            <a:r>
+              <a:rPr lang="en-US" altLang="ko-KR" dirty="0">
+                <a:latin typeface="나눔스퀘어 Light" panose="020B0600000101010101" pitchFamily="50" charset="-127"/>
+                <a:ea typeface="나눔스퀘어 Light" panose="020B0600000101010101" pitchFamily="50" charset="-127"/>
+              </a:rPr>
+              <a:t>Algorithm</a:t>
+            </a:r>
+            <a:r>
+              <a:rPr lang="ko-KR" altLang="en-US" dirty="0">
+                <a:latin typeface="나눔스퀘어 Light" panose="020B0600000101010101" pitchFamily="50" charset="-127"/>
+                <a:ea typeface="나눔스퀘어 Light" panose="020B0600000101010101" pitchFamily="50" charset="-127"/>
+              </a:rPr>
+              <a:t> 수업 때 해보셨던 분들은 생략해도 좋습니다</a:t>
+            </a:r>
+            <a:r>
+              <a:rPr lang="en-US" altLang="ko-KR">
+                <a:latin typeface="나눔스퀘어 Light" panose="020B0600000101010101" pitchFamily="50" charset="-127"/>
+                <a:ea typeface="나눔스퀘어 Light" panose="020B0600000101010101" pitchFamily="50" charset="-127"/>
+              </a:rPr>
+              <a:t>.</a:t>
             </a:r>
             <a:endParaRPr lang="ko-KR" altLang="en-US" dirty="0">
               <a:latin typeface="나눔스퀘어 Light" panose="020B0600000101010101" pitchFamily="50" charset="-127"/>
@@ -11492,10 +11579,10 @@
       </p:sp>
       <p:sp>
         <p:nvSpPr>
-          <p:cNvPr id="10" name="TextBox 9">
-            <a:extLst>
-              <a:ext uri="{FF2B5EF4-FFF2-40B4-BE49-F238E27FC236}">
-                <a16:creationId xmlns:a16="http://schemas.microsoft.com/office/drawing/2014/main" id="{C572282D-23DE-9D59-D1DB-6011A80C631D}"/>
+          <p:cNvPr id="4" name="TextBox 3">
+            <a:extLst>
+              <a:ext uri="{FF2B5EF4-FFF2-40B4-BE49-F238E27FC236}">
+                <a16:creationId xmlns:a16="http://schemas.microsoft.com/office/drawing/2014/main" id="{1FFB0E97-045D-CAE2-D4D4-F6AFF27F568B}"/>
               </a:ext>
             </a:extLst>
           </p:cNvPr>
@@ -11504,7 +11591,7 @@
         </p:nvSpPr>
         <p:spPr>
           <a:xfrm>
-            <a:off x="942387" y="6086129"/>
+            <a:off x="942387" y="2775391"/>
             <a:ext cx="8553305" cy="369332"/>
           </a:xfrm>
           <a:prstGeom prst="rect">
@@ -11523,63 +11610,24 @@
                 <a:latin typeface="나눔스퀘어 Light" panose="020B0600000101010101" pitchFamily="50" charset="-127"/>
                 <a:ea typeface="나눔스퀘어 Light" panose="020B0600000101010101" pitchFamily="50" charset="-127"/>
               </a:rPr>
-              <a:t>DS</a:t>
-            </a:r>
-            <a:r>
-              <a:rPr lang="ko-KR" altLang="en-US" dirty="0">
-                <a:latin typeface="나눔스퀘어 Light" panose="020B0600000101010101" pitchFamily="50" charset="-127"/>
-                <a:ea typeface="나눔스퀘어 Light" panose="020B0600000101010101" pitchFamily="50" charset="-127"/>
-              </a:rPr>
-              <a:t> </a:t>
-            </a:r>
-            <a:r>
-              <a:rPr lang="en-US" altLang="ko-KR" dirty="0">
-                <a:latin typeface="나눔스퀘어 Light" panose="020B0600000101010101" pitchFamily="50" charset="-127"/>
-                <a:ea typeface="나눔스퀘어 Light" panose="020B0600000101010101" pitchFamily="50" charset="-127"/>
-              </a:rPr>
-              <a:t>/</a:t>
-            </a:r>
-            <a:r>
-              <a:rPr lang="ko-KR" altLang="en-US" dirty="0">
-                <a:latin typeface="나눔스퀘어 Light" panose="020B0600000101010101" pitchFamily="50" charset="-127"/>
-                <a:ea typeface="나눔스퀘어 Light" panose="020B0600000101010101" pitchFamily="50" charset="-127"/>
-              </a:rPr>
-              <a:t> </a:t>
-            </a:r>
-            <a:r>
-              <a:rPr lang="en-US" altLang="ko-KR" dirty="0">
-                <a:latin typeface="나눔스퀘어 Light" panose="020B0600000101010101" pitchFamily="50" charset="-127"/>
-                <a:ea typeface="나눔스퀘어 Light" panose="020B0600000101010101" pitchFamily="50" charset="-127"/>
-              </a:rPr>
-              <a:t>Algorithm</a:t>
-            </a:r>
-            <a:r>
-              <a:rPr lang="ko-KR" altLang="en-US" dirty="0">
-                <a:latin typeface="나눔스퀘어 Light" panose="020B0600000101010101" pitchFamily="50" charset="-127"/>
-                <a:ea typeface="나눔스퀘어 Light" panose="020B0600000101010101" pitchFamily="50" charset="-127"/>
-              </a:rPr>
-              <a:t> 수업 때 해보셨던 분들은 생략해도 좋습니다</a:t>
-            </a:r>
-            <a:r>
-              <a:rPr lang="en-US" altLang="ko-KR">
-                <a:latin typeface="나눔스퀘어 Light" panose="020B0600000101010101" pitchFamily="50" charset="-127"/>
-                <a:ea typeface="나눔스퀘어 Light" panose="020B0600000101010101" pitchFamily="50" charset="-127"/>
-              </a:rPr>
-              <a:t>.</a:t>
-            </a:r>
-            <a:endParaRPr lang="ko-KR" altLang="en-US" dirty="0">
-              <a:latin typeface="나눔스퀘어 Light" panose="020B0600000101010101" pitchFamily="50" charset="-127"/>
-              <a:ea typeface="나눔스퀘어 Light" panose="020B0600000101010101" pitchFamily="50" charset="-127"/>
-            </a:endParaRPr>
-          </a:p>
-        </p:txBody>
-      </p:sp>
-      <p:sp>
-        <p:nvSpPr>
-          <p:cNvPr id="4" name="TextBox 3">
-            <a:extLst>
-              <a:ext uri="{FF2B5EF4-FFF2-40B4-BE49-F238E27FC236}">
-                <a16:creationId xmlns:a16="http://schemas.microsoft.com/office/drawing/2014/main" id="{1FFB0E97-045D-CAE2-D4D4-F6AFF27F568B}"/>
+              <a:t>4. 16237 </a:t>
+            </a:r>
+            <a:r>
+              <a:rPr lang="ko-KR" altLang="en-US" dirty="0">
+                <a:latin typeface="나눔스퀘어 Light" panose="020B0600000101010101" pitchFamily="50" charset="-127"/>
+                <a:ea typeface="나눔스퀘어 Light" panose="020B0600000101010101" pitchFamily="50" charset="-127"/>
+              </a:rPr>
+              <a:t>이삿짐센터</a:t>
+            </a:r>
+          </a:p>
+        </p:txBody>
+      </p:sp>
+      <p:sp>
+        <p:nvSpPr>
+          <p:cNvPr id="3" name="TextBox 2">
+            <a:extLst>
+              <a:ext uri="{FF2B5EF4-FFF2-40B4-BE49-F238E27FC236}">
+                <a16:creationId xmlns:a16="http://schemas.microsoft.com/office/drawing/2014/main" id="{F3BF5F63-D9BC-ACFF-9CA6-E8F9B73609D8}"/>
               </a:ext>
             </a:extLst>
           </p:cNvPr>
@@ -11588,7 +11636,7 @@
         </p:nvSpPr>
         <p:spPr>
           <a:xfrm>
-            <a:off x="942387" y="2775391"/>
+            <a:off x="942387" y="5217225"/>
             <a:ext cx="8553305" cy="369332"/>
           </a:xfrm>
           <a:prstGeom prst="rect">
@@ -11603,11 +11651,95 @@
           <a:lstStyle/>
           <a:p>
             <a:r>
-              <a:rPr lang="en-US" altLang="ko-KR" dirty="0">
-                <a:latin typeface="나눔스퀘어 Light" panose="020B0600000101010101" pitchFamily="50" charset="-127"/>
-                <a:ea typeface="나눔스퀘어 Light" panose="020B0600000101010101" pitchFamily="50" charset="-127"/>
-              </a:rPr>
-              <a:t>4. </a:t>
+              <a:rPr lang="ko-KR" altLang="en-US" dirty="0">
+                <a:latin typeface="나눔스퀘어 Bold" panose="020B0600000101010101" pitchFamily="50" charset="-127"/>
+                <a:ea typeface="나눔스퀘어 Bold" panose="020B0600000101010101" pitchFamily="50" charset="-127"/>
+              </a:rPr>
+              <a:t>위 자료구조의 라이브러리 사용법을 익혀보세요</a:t>
+            </a:r>
+            <a:r>
+              <a:rPr lang="en-US" altLang="ko-KR" dirty="0">
+                <a:latin typeface="나눔스퀘어 Bold" panose="020B0600000101010101" pitchFamily="50" charset="-127"/>
+                <a:ea typeface="나눔스퀘어 Bold" panose="020B0600000101010101" pitchFamily="50" charset="-127"/>
+              </a:rPr>
+              <a:t>.</a:t>
+            </a:r>
+            <a:endParaRPr lang="ko-KR" altLang="en-US" dirty="0">
+              <a:latin typeface="나눔스퀘어 Bold" panose="020B0600000101010101" pitchFamily="50" charset="-127"/>
+              <a:ea typeface="나눔스퀘어 Bold" panose="020B0600000101010101" pitchFamily="50" charset="-127"/>
+            </a:endParaRPr>
+          </a:p>
+        </p:txBody>
+      </p:sp>
+      <p:sp>
+        <p:nvSpPr>
+          <p:cNvPr id="13" name="TextBox 12">
+            <a:extLst>
+              <a:ext uri="{FF2B5EF4-FFF2-40B4-BE49-F238E27FC236}">
+                <a16:creationId xmlns:a16="http://schemas.microsoft.com/office/drawing/2014/main" id="{43D6A103-105B-52CD-A54A-6EC1ECBA5EB8}"/>
+              </a:ext>
+            </a:extLst>
+          </p:cNvPr>
+          <p:cNvSpPr txBox="1"/>
+          <p:nvPr/>
+        </p:nvSpPr>
+        <p:spPr>
+          <a:xfrm>
+            <a:off x="942387" y="5777254"/>
+            <a:ext cx="10237694" cy="369332"/>
+          </a:xfrm>
+          <a:prstGeom prst="rect">
+            <a:avLst/>
+          </a:prstGeom>
+          <a:noFill/>
+        </p:spPr>
+        <p:txBody>
+          <a:bodyPr wrap="square" rtlCol="0">
+            <a:spAutoFit/>
+          </a:bodyPr>
+          <a:lstStyle/>
+          <a:p>
+            <a:r>
+              <a:rPr lang="en-US" altLang="ko-KR" dirty="0">
+                <a:latin typeface="나눔스퀘어 Light" panose="020B0600000101010101" pitchFamily="50" charset="-127"/>
+                <a:ea typeface="나눔스퀘어 Light" panose="020B0600000101010101" pitchFamily="50" charset="-127"/>
+              </a:rPr>
+              <a:t>C</a:t>
+            </a:r>
+            <a:r>
+              <a:rPr lang="ko-KR" altLang="en-US" dirty="0">
+                <a:latin typeface="나눔스퀘어 Light" panose="020B0600000101010101" pitchFamily="50" charset="-127"/>
+                <a:ea typeface="나눔스퀘어 Light" panose="020B0600000101010101" pitchFamily="50" charset="-127"/>
+              </a:rPr>
+              <a:t>언어의 경우</a:t>
+            </a:r>
+            <a:r>
+              <a:rPr lang="en-US" altLang="ko-KR" dirty="0">
+                <a:latin typeface="나눔스퀘어 Light" panose="020B0600000101010101" pitchFamily="50" charset="-127"/>
+                <a:ea typeface="나눔스퀘어 Light" panose="020B0600000101010101" pitchFamily="50" charset="-127"/>
+              </a:rPr>
+              <a:t>, C++ </a:t>
+            </a:r>
+            <a:r>
+              <a:rPr lang="en-US" altLang="ko-KR" dirty="0" err="1">
+                <a:latin typeface="나눔스퀘어 Light" panose="020B0600000101010101" pitchFamily="50" charset="-127"/>
+                <a:ea typeface="나눔스퀘어 Light" panose="020B0600000101010101" pitchFamily="50" charset="-127"/>
+              </a:rPr>
+              <a:t>stl</a:t>
+            </a:r>
+            <a:r>
+              <a:rPr lang="ko-KR" altLang="en-US" dirty="0">
+                <a:latin typeface="나눔스퀘어 Light" panose="020B0600000101010101" pitchFamily="50" charset="-127"/>
+                <a:ea typeface="나눔스퀘어 Light" panose="020B0600000101010101" pitchFamily="50" charset="-127"/>
+              </a:rPr>
+              <a:t>을 사용할 필요가 있습니다</a:t>
+            </a:r>
+            <a:r>
+              <a:rPr lang="en-US" altLang="ko-KR" dirty="0">
+                <a:latin typeface="나눔스퀘어 Light" panose="020B0600000101010101" pitchFamily="50" charset="-127"/>
+                <a:ea typeface="나눔스퀘어 Light" panose="020B0600000101010101" pitchFamily="50" charset="-127"/>
+              </a:rPr>
+              <a:t>.</a:t>
             </a:r>
             <a:endParaRPr lang="ko-KR" altLang="en-US" dirty="0">
               <a:latin typeface="나눔스퀘어 Light" panose="020B0600000101010101" pitchFamily="50" charset="-127"/>

--- a/study/6_Greedy.pptx
+++ b/study/6_Greedy.pptx
@@ -28,6 +28,8 @@
     <p:sldId id="374" r:id="rId22"/>
     <p:sldId id="375" r:id="rId23"/>
     <p:sldId id="298" r:id="rId24"/>
+    <p:sldId id="376" r:id="rId25"/>
+    <p:sldId id="377" r:id="rId26"/>
   </p:sldIdLst>
   <p:sldSz cx="12192000" cy="6858000"/>
   <p:notesSz cx="6858000" cy="9144000"/>
@@ -11655,7 +11657,7 @@
                 <a:latin typeface="나눔스퀘어 Bold" panose="020B0600000101010101" pitchFamily="50" charset="-127"/>
                 <a:ea typeface="나눔스퀘어 Bold" panose="020B0600000101010101" pitchFamily="50" charset="-127"/>
               </a:rPr>
-              <a:t>위 자료구조의 라이브러리 사용법을 익혀보세요</a:t>
+              <a:t>위 자료구조의 언어별 표준 라이브러리 사용법을 익혀보세요</a:t>
             </a:r>
             <a:r>
               <a:rPr lang="en-US" altLang="ko-KR" dirty="0">
@@ -11752,6 +11754,431 @@
     <p:extLst>
       <p:ext uri="{BB962C8B-B14F-4D97-AF65-F5344CB8AC3E}">
         <p14:creationId xmlns:p14="http://schemas.microsoft.com/office/powerpoint/2010/main" val="732558497"/>
+      </p:ext>
+    </p:extLst>
+  </p:cSld>
+  <p:clrMapOvr>
+    <a:masterClrMapping/>
+  </p:clrMapOvr>
+</p:sld>
+</file>
+
+<file path=ppt/slides/slide24.xml><?xml version="1.0" encoding="utf-8"?>
+<p:sld xmlns:a="http://schemas.openxmlformats.org/drawingml/2006/main" xmlns:r="http://schemas.openxmlformats.org/officeDocument/2006/relationships" xmlns:p="http://schemas.openxmlformats.org/presentationml/2006/main">
+  <p:cSld>
+    <p:spTree>
+      <p:nvGrpSpPr>
+        <p:cNvPr id="1" name=""/>
+        <p:cNvGrpSpPr/>
+        <p:nvPr/>
+      </p:nvGrpSpPr>
+      <p:grpSpPr>
+        <a:xfrm>
+          <a:off x="0" y="0"/>
+          <a:ext cx="0" cy="0"/>
+          <a:chOff x="0" y="0"/>
+          <a:chExt cx="0" cy="0"/>
+        </a:xfrm>
+      </p:grpSpPr>
+      <p:cxnSp>
+        <p:nvCxnSpPr>
+          <p:cNvPr id="5" name="직선 연결선 4">
+            <a:extLst>
+              <a:ext uri="{FF2B5EF4-FFF2-40B4-BE49-F238E27FC236}">
+                <a16:creationId xmlns:a16="http://schemas.microsoft.com/office/drawing/2014/main" id="{164C2827-EFCE-69A4-D037-1A218415F568}"/>
+              </a:ext>
+            </a:extLst>
+          </p:cNvPr>
+          <p:cNvCxnSpPr/>
+          <p:nvPr/>
+        </p:nvCxnSpPr>
+        <p:spPr>
+          <a:xfrm>
+            <a:off x="0" y="887505"/>
+            <a:ext cx="10237694" cy="0"/>
+          </a:xfrm>
+          <a:prstGeom prst="line">
+            <a:avLst/>
+          </a:prstGeom>
+          <a:ln w="76200">
+            <a:solidFill>
+              <a:schemeClr val="tx1">
+                <a:lumMod val="75000"/>
+                <a:lumOff val="25000"/>
+              </a:schemeClr>
+            </a:solidFill>
+          </a:ln>
+        </p:spPr>
+        <p:style>
+          <a:lnRef idx="1">
+            <a:schemeClr val="accent1"/>
+          </a:lnRef>
+          <a:fillRef idx="0">
+            <a:schemeClr val="accent1"/>
+          </a:fillRef>
+          <a:effectRef idx="0">
+            <a:schemeClr val="accent1"/>
+          </a:effectRef>
+          <a:fontRef idx="minor">
+            <a:schemeClr val="tx1"/>
+          </a:fontRef>
+        </p:style>
+      </p:cxnSp>
+      <p:sp>
+        <p:nvSpPr>
+          <p:cNvPr id="6" name="TextBox 5">
+            <a:extLst>
+              <a:ext uri="{FF2B5EF4-FFF2-40B4-BE49-F238E27FC236}">
+                <a16:creationId xmlns:a16="http://schemas.microsoft.com/office/drawing/2014/main" id="{908ED9B9-09D3-CFA8-625A-6F9BB9B6BD23}"/>
+              </a:ext>
+            </a:extLst>
+          </p:cNvPr>
+          <p:cNvSpPr txBox="1"/>
+          <p:nvPr/>
+        </p:nvSpPr>
+        <p:spPr>
+          <a:xfrm>
+            <a:off x="331694" y="177505"/>
+            <a:ext cx="2006190" cy="523220"/>
+          </a:xfrm>
+          <a:prstGeom prst="rect">
+            <a:avLst/>
+          </a:prstGeom>
+          <a:noFill/>
+        </p:spPr>
+        <p:txBody>
+          <a:bodyPr wrap="none" rtlCol="0">
+            <a:spAutoFit/>
+          </a:bodyPr>
+          <a:lstStyle/>
+          <a:p>
+            <a:r>
+              <a:rPr lang="en-US" altLang="ko-KR" sz="2800" dirty="0">
+                <a:latin typeface="나눔스퀘어 Bold" panose="020B0600000101010101" pitchFamily="50" charset="-127"/>
+                <a:ea typeface="나눔스퀘어 Bold" panose="020B0600000101010101" pitchFamily="50" charset="-127"/>
+              </a:rPr>
+              <a:t>Homework</a:t>
+            </a:r>
+            <a:endParaRPr lang="ko-KR" altLang="en-US" sz="2800" dirty="0">
+              <a:latin typeface="나눔스퀘어 Bold" panose="020B0600000101010101" pitchFamily="50" charset="-127"/>
+              <a:ea typeface="나눔스퀘어 Bold" panose="020B0600000101010101" pitchFamily="50" charset="-127"/>
+            </a:endParaRPr>
+          </a:p>
+        </p:txBody>
+      </p:sp>
+      <p:sp>
+        <p:nvSpPr>
+          <p:cNvPr id="9" name="TextBox 8">
+            <a:extLst>
+              <a:ext uri="{FF2B5EF4-FFF2-40B4-BE49-F238E27FC236}">
+                <a16:creationId xmlns:a16="http://schemas.microsoft.com/office/drawing/2014/main" id="{F3F091EF-3E70-16E8-983D-D9C14C2EAD61}"/>
+              </a:ext>
+            </a:extLst>
+          </p:cNvPr>
+          <p:cNvSpPr txBox="1"/>
+          <p:nvPr/>
+        </p:nvSpPr>
+        <p:spPr>
+          <a:xfrm>
+            <a:off x="942387" y="1190024"/>
+            <a:ext cx="10237694" cy="369332"/>
+          </a:xfrm>
+          <a:prstGeom prst="rect">
+            <a:avLst/>
+          </a:prstGeom>
+          <a:noFill/>
+        </p:spPr>
+        <p:txBody>
+          <a:bodyPr wrap="square" rtlCol="0">
+            <a:spAutoFit/>
+          </a:bodyPr>
+          <a:lstStyle/>
+          <a:p>
+            <a:r>
+              <a:rPr lang="en-US" altLang="ko-KR" dirty="0">
+                <a:latin typeface="나눔스퀘어 Bold" panose="020B0600000101010101" pitchFamily="50" charset="-127"/>
+                <a:ea typeface="나눔스퀘어 Bold" panose="020B0600000101010101" pitchFamily="50" charset="-127"/>
+              </a:rPr>
+              <a:t>C++ STL Stack</a:t>
+            </a:r>
+            <a:endParaRPr lang="ko-KR" altLang="en-US" dirty="0">
+              <a:latin typeface="나눔스퀘어 Bold" panose="020B0600000101010101" pitchFamily="50" charset="-127"/>
+              <a:ea typeface="나눔스퀘어 Bold" panose="020B0600000101010101" pitchFamily="50" charset="-127"/>
+            </a:endParaRPr>
+          </a:p>
+        </p:txBody>
+      </p:sp>
+      <p:pic>
+        <p:nvPicPr>
+          <p:cNvPr id="15" name="그림 14">
+            <a:extLst>
+              <a:ext uri="{FF2B5EF4-FFF2-40B4-BE49-F238E27FC236}">
+                <a16:creationId xmlns:a16="http://schemas.microsoft.com/office/drawing/2014/main" id="{A7ED2961-0FFC-773C-4269-3C4877670AF4}"/>
+              </a:ext>
+            </a:extLst>
+          </p:cNvPr>
+          <p:cNvPicPr>
+            <a:picLocks noChangeAspect="1"/>
+          </p:cNvPicPr>
+          <p:nvPr/>
+        </p:nvPicPr>
+        <p:blipFill>
+          <a:blip r:embed="rId2"/>
+          <a:stretch>
+            <a:fillRect/>
+          </a:stretch>
+        </p:blipFill>
+        <p:spPr>
+          <a:xfrm>
+            <a:off x="942387" y="1580891"/>
+            <a:ext cx="6470761" cy="4782201"/>
+          </a:xfrm>
+          <a:prstGeom prst="rect">
+            <a:avLst/>
+          </a:prstGeom>
+        </p:spPr>
+      </p:pic>
+      <p:sp>
+        <p:nvSpPr>
+          <p:cNvPr id="17" name="TextBox 16">
+            <a:extLst>
+              <a:ext uri="{FF2B5EF4-FFF2-40B4-BE49-F238E27FC236}">
+                <a16:creationId xmlns:a16="http://schemas.microsoft.com/office/drawing/2014/main" id="{89B8E62F-A12F-9DAA-BB4A-590D6345952B}"/>
+              </a:ext>
+            </a:extLst>
+          </p:cNvPr>
+          <p:cNvSpPr txBox="1"/>
+          <p:nvPr/>
+        </p:nvSpPr>
+        <p:spPr>
+          <a:xfrm>
+            <a:off x="7625991" y="4787439"/>
+            <a:ext cx="3478784" cy="369332"/>
+          </a:xfrm>
+          <a:prstGeom prst="rect">
+            <a:avLst/>
+          </a:prstGeom>
+          <a:noFill/>
+        </p:spPr>
+        <p:txBody>
+          <a:bodyPr wrap="square" rtlCol="0">
+            <a:spAutoFit/>
+          </a:bodyPr>
+          <a:lstStyle/>
+          <a:p>
+            <a:r>
+              <a:rPr lang="ko-KR" altLang="en-US" dirty="0">
+                <a:latin typeface="나눔스퀘어 Light" panose="020B0600000101010101" pitchFamily="50" charset="-127"/>
+                <a:ea typeface="나눔스퀘어 Light" panose="020B0600000101010101" pitchFamily="50" charset="-127"/>
+              </a:rPr>
+              <a:t>전체 출력 결과는</a:t>
+            </a:r>
+            <a:r>
+              <a:rPr lang="en-US" altLang="ko-KR" dirty="0">
+                <a:latin typeface="나눔스퀘어 Light" panose="020B0600000101010101" pitchFamily="50" charset="-127"/>
+                <a:ea typeface="나눔스퀘어 Light" panose="020B0600000101010101" pitchFamily="50" charset="-127"/>
+              </a:rPr>
+              <a:t>?</a:t>
+            </a:r>
+            <a:endParaRPr lang="ko-KR" altLang="en-US" dirty="0">
+              <a:latin typeface="나눔스퀘어 Light" panose="020B0600000101010101" pitchFamily="50" charset="-127"/>
+              <a:ea typeface="나눔스퀘어 Light" panose="020B0600000101010101" pitchFamily="50" charset="-127"/>
+            </a:endParaRPr>
+          </a:p>
+        </p:txBody>
+      </p:sp>
+    </p:spTree>
+    <p:extLst>
+      <p:ext uri="{BB962C8B-B14F-4D97-AF65-F5344CB8AC3E}">
+        <p14:creationId xmlns:p14="http://schemas.microsoft.com/office/powerpoint/2010/main" val="672736138"/>
+      </p:ext>
+    </p:extLst>
+  </p:cSld>
+  <p:clrMapOvr>
+    <a:masterClrMapping/>
+  </p:clrMapOvr>
+</p:sld>
+</file>
+
+<file path=ppt/slides/slide25.xml><?xml version="1.0" encoding="utf-8"?>
+<p:sld xmlns:a="http://schemas.openxmlformats.org/drawingml/2006/main" xmlns:r="http://schemas.openxmlformats.org/officeDocument/2006/relationships" xmlns:p="http://schemas.openxmlformats.org/presentationml/2006/main">
+  <p:cSld>
+    <p:spTree>
+      <p:nvGrpSpPr>
+        <p:cNvPr id="1" name=""/>
+        <p:cNvGrpSpPr/>
+        <p:nvPr/>
+      </p:nvGrpSpPr>
+      <p:grpSpPr>
+        <a:xfrm>
+          <a:off x="0" y="0"/>
+          <a:ext cx="0" cy="0"/>
+          <a:chOff x="0" y="0"/>
+          <a:chExt cx="0" cy="0"/>
+        </a:xfrm>
+      </p:grpSpPr>
+      <p:cxnSp>
+        <p:nvCxnSpPr>
+          <p:cNvPr id="5" name="직선 연결선 4">
+            <a:extLst>
+              <a:ext uri="{FF2B5EF4-FFF2-40B4-BE49-F238E27FC236}">
+                <a16:creationId xmlns:a16="http://schemas.microsoft.com/office/drawing/2014/main" id="{164C2827-EFCE-69A4-D037-1A218415F568}"/>
+              </a:ext>
+            </a:extLst>
+          </p:cNvPr>
+          <p:cNvCxnSpPr/>
+          <p:nvPr/>
+        </p:nvCxnSpPr>
+        <p:spPr>
+          <a:xfrm>
+            <a:off x="0" y="887505"/>
+            <a:ext cx="10237694" cy="0"/>
+          </a:xfrm>
+          <a:prstGeom prst="line">
+            <a:avLst/>
+          </a:prstGeom>
+          <a:ln w="76200">
+            <a:solidFill>
+              <a:schemeClr val="tx1">
+                <a:lumMod val="75000"/>
+                <a:lumOff val="25000"/>
+              </a:schemeClr>
+            </a:solidFill>
+          </a:ln>
+        </p:spPr>
+        <p:style>
+          <a:lnRef idx="1">
+            <a:schemeClr val="accent1"/>
+          </a:lnRef>
+          <a:fillRef idx="0">
+            <a:schemeClr val="accent1"/>
+          </a:fillRef>
+          <a:effectRef idx="0">
+            <a:schemeClr val="accent1"/>
+          </a:effectRef>
+          <a:fontRef idx="minor">
+            <a:schemeClr val="tx1"/>
+          </a:fontRef>
+        </p:style>
+      </p:cxnSp>
+      <p:sp>
+        <p:nvSpPr>
+          <p:cNvPr id="6" name="TextBox 5">
+            <a:extLst>
+              <a:ext uri="{FF2B5EF4-FFF2-40B4-BE49-F238E27FC236}">
+                <a16:creationId xmlns:a16="http://schemas.microsoft.com/office/drawing/2014/main" id="{908ED9B9-09D3-CFA8-625A-6F9BB9B6BD23}"/>
+              </a:ext>
+            </a:extLst>
+          </p:cNvPr>
+          <p:cNvSpPr txBox="1"/>
+          <p:nvPr/>
+        </p:nvSpPr>
+        <p:spPr>
+          <a:xfrm>
+            <a:off x="331694" y="177505"/>
+            <a:ext cx="2006190" cy="523220"/>
+          </a:xfrm>
+          <a:prstGeom prst="rect">
+            <a:avLst/>
+          </a:prstGeom>
+          <a:noFill/>
+        </p:spPr>
+        <p:txBody>
+          <a:bodyPr wrap="none" rtlCol="0">
+            <a:spAutoFit/>
+          </a:bodyPr>
+          <a:lstStyle/>
+          <a:p>
+            <a:r>
+              <a:rPr lang="en-US" altLang="ko-KR" sz="2800" dirty="0">
+                <a:latin typeface="나눔스퀘어 Bold" panose="020B0600000101010101" pitchFamily="50" charset="-127"/>
+                <a:ea typeface="나눔스퀘어 Bold" panose="020B0600000101010101" pitchFamily="50" charset="-127"/>
+              </a:rPr>
+              <a:t>Homework</a:t>
+            </a:r>
+            <a:endParaRPr lang="ko-KR" altLang="en-US" sz="2800" dirty="0">
+              <a:latin typeface="나눔스퀘어 Bold" panose="020B0600000101010101" pitchFamily="50" charset="-127"/>
+              <a:ea typeface="나눔스퀘어 Bold" panose="020B0600000101010101" pitchFamily="50" charset="-127"/>
+            </a:endParaRPr>
+          </a:p>
+        </p:txBody>
+      </p:sp>
+      <p:sp>
+        <p:nvSpPr>
+          <p:cNvPr id="9" name="TextBox 8">
+            <a:extLst>
+              <a:ext uri="{FF2B5EF4-FFF2-40B4-BE49-F238E27FC236}">
+                <a16:creationId xmlns:a16="http://schemas.microsoft.com/office/drawing/2014/main" id="{F3F091EF-3E70-16E8-983D-D9C14C2EAD61}"/>
+              </a:ext>
+            </a:extLst>
+          </p:cNvPr>
+          <p:cNvSpPr txBox="1"/>
+          <p:nvPr/>
+        </p:nvSpPr>
+        <p:spPr>
+          <a:xfrm>
+            <a:off x="942387" y="1190024"/>
+            <a:ext cx="8553305" cy="369332"/>
+          </a:xfrm>
+          <a:prstGeom prst="rect">
+            <a:avLst/>
+          </a:prstGeom>
+          <a:noFill/>
+        </p:spPr>
+        <p:txBody>
+          <a:bodyPr wrap="square" rtlCol="0">
+            <a:spAutoFit/>
+          </a:bodyPr>
+          <a:lstStyle/>
+          <a:p>
+            <a:r>
+              <a:rPr lang="en-US" altLang="ko-KR" dirty="0">
+                <a:latin typeface="나눔스퀘어 Bold" panose="020B0600000101010101" pitchFamily="50" charset="-127"/>
+                <a:ea typeface="나눔스퀘어 Bold" panose="020B0600000101010101" pitchFamily="50" charset="-127"/>
+              </a:rPr>
+              <a:t>C++ STL Queue</a:t>
+            </a:r>
+            <a:endParaRPr lang="ko-KR" altLang="en-US" dirty="0">
+              <a:latin typeface="나눔스퀘어 Bold" panose="020B0600000101010101" pitchFamily="50" charset="-127"/>
+              <a:ea typeface="나눔스퀘어 Bold" panose="020B0600000101010101" pitchFamily="50" charset="-127"/>
+            </a:endParaRPr>
+          </a:p>
+        </p:txBody>
+      </p:sp>
+      <p:pic>
+        <p:nvPicPr>
+          <p:cNvPr id="4" name="그림 3">
+            <a:extLst>
+              <a:ext uri="{FF2B5EF4-FFF2-40B4-BE49-F238E27FC236}">
+                <a16:creationId xmlns:a16="http://schemas.microsoft.com/office/drawing/2014/main" id="{EDF27FED-23AF-12B2-8670-3E210D867979}"/>
+              </a:ext>
+            </a:extLst>
+          </p:cNvPr>
+          <p:cNvPicPr>
+            <a:picLocks noChangeAspect="1"/>
+          </p:cNvPicPr>
+          <p:nvPr/>
+        </p:nvPicPr>
+        <p:blipFill>
+          <a:blip r:embed="rId2"/>
+          <a:stretch>
+            <a:fillRect/>
+          </a:stretch>
+        </p:blipFill>
+        <p:spPr>
+          <a:xfrm>
+            <a:off x="942387" y="1559355"/>
+            <a:ext cx="4176368" cy="4847117"/>
+          </a:xfrm>
+          <a:prstGeom prst="rect">
+            <a:avLst/>
+          </a:prstGeom>
+        </p:spPr>
+      </p:pic>
+    </p:spTree>
+    <p:extLst>
+      <p:ext uri="{BB962C8B-B14F-4D97-AF65-F5344CB8AC3E}">
+        <p14:creationId xmlns:p14="http://schemas.microsoft.com/office/powerpoint/2010/main" val="1459365394"/>
       </p:ext>
     </p:extLst>
   </p:cSld>

--- a/study/6_Greedy.pptx
+++ b/study/6_Greedy.pptx
@@ -30,6 +30,11 @@
     <p:sldId id="298" r:id="rId24"/>
     <p:sldId id="376" r:id="rId25"/>
     <p:sldId id="377" r:id="rId26"/>
+    <p:sldId id="378" r:id="rId27"/>
+    <p:sldId id="379" r:id="rId28"/>
+    <p:sldId id="380" r:id="rId29"/>
+    <p:sldId id="382" r:id="rId30"/>
+    <p:sldId id="381" r:id="rId31"/>
   </p:sldIdLst>
   <p:sldSz cx="12192000" cy="6858000"/>
   <p:notesSz cx="6858000" cy="9144000"/>
@@ -12188,6 +12193,1343 @@
 </p:sld>
 </file>
 
+<file path=ppt/slides/slide26.xml><?xml version="1.0" encoding="utf-8"?>
+<p:sld xmlns:a="http://schemas.openxmlformats.org/drawingml/2006/main" xmlns:r="http://schemas.openxmlformats.org/officeDocument/2006/relationships" xmlns:p="http://schemas.openxmlformats.org/presentationml/2006/main">
+  <p:cSld>
+    <p:spTree>
+      <p:nvGrpSpPr>
+        <p:cNvPr id="1" name=""/>
+        <p:cNvGrpSpPr/>
+        <p:nvPr/>
+      </p:nvGrpSpPr>
+      <p:grpSpPr>
+        <a:xfrm>
+          <a:off x="0" y="0"/>
+          <a:ext cx="0" cy="0"/>
+          <a:chOff x="0" y="0"/>
+          <a:chExt cx="0" cy="0"/>
+        </a:xfrm>
+      </p:grpSpPr>
+      <p:cxnSp>
+        <p:nvCxnSpPr>
+          <p:cNvPr id="5" name="직선 연결선 4">
+            <a:extLst>
+              <a:ext uri="{FF2B5EF4-FFF2-40B4-BE49-F238E27FC236}">
+                <a16:creationId xmlns:a16="http://schemas.microsoft.com/office/drawing/2014/main" id="{164C2827-EFCE-69A4-D037-1A218415F568}"/>
+              </a:ext>
+            </a:extLst>
+          </p:cNvPr>
+          <p:cNvCxnSpPr/>
+          <p:nvPr/>
+        </p:nvCxnSpPr>
+        <p:spPr>
+          <a:xfrm>
+            <a:off x="0" y="887505"/>
+            <a:ext cx="10237694" cy="0"/>
+          </a:xfrm>
+          <a:prstGeom prst="line">
+            <a:avLst/>
+          </a:prstGeom>
+          <a:ln w="76200">
+            <a:solidFill>
+              <a:schemeClr val="tx1">
+                <a:lumMod val="75000"/>
+                <a:lumOff val="25000"/>
+              </a:schemeClr>
+            </a:solidFill>
+          </a:ln>
+        </p:spPr>
+        <p:style>
+          <a:lnRef idx="1">
+            <a:schemeClr val="accent1"/>
+          </a:lnRef>
+          <a:fillRef idx="0">
+            <a:schemeClr val="accent1"/>
+          </a:fillRef>
+          <a:effectRef idx="0">
+            <a:schemeClr val="accent1"/>
+          </a:effectRef>
+          <a:fontRef idx="minor">
+            <a:schemeClr val="tx1"/>
+          </a:fontRef>
+        </p:style>
+      </p:cxnSp>
+      <p:sp>
+        <p:nvSpPr>
+          <p:cNvPr id="6" name="TextBox 5">
+            <a:extLst>
+              <a:ext uri="{FF2B5EF4-FFF2-40B4-BE49-F238E27FC236}">
+                <a16:creationId xmlns:a16="http://schemas.microsoft.com/office/drawing/2014/main" id="{908ED9B9-09D3-CFA8-625A-6F9BB9B6BD23}"/>
+              </a:ext>
+            </a:extLst>
+          </p:cNvPr>
+          <p:cNvSpPr txBox="1"/>
+          <p:nvPr/>
+        </p:nvSpPr>
+        <p:spPr>
+          <a:xfrm>
+            <a:off x="331694" y="177505"/>
+            <a:ext cx="2006190" cy="523220"/>
+          </a:xfrm>
+          <a:prstGeom prst="rect">
+            <a:avLst/>
+          </a:prstGeom>
+          <a:noFill/>
+        </p:spPr>
+        <p:txBody>
+          <a:bodyPr wrap="none" rtlCol="0">
+            <a:spAutoFit/>
+          </a:bodyPr>
+          <a:lstStyle/>
+          <a:p>
+            <a:r>
+              <a:rPr lang="en-US" altLang="ko-KR" sz="2800" dirty="0">
+                <a:latin typeface="나눔스퀘어 Bold" panose="020B0600000101010101" pitchFamily="50" charset="-127"/>
+                <a:ea typeface="나눔스퀘어 Bold" panose="020B0600000101010101" pitchFamily="50" charset="-127"/>
+              </a:rPr>
+              <a:t>Homework</a:t>
+            </a:r>
+            <a:endParaRPr lang="ko-KR" altLang="en-US" sz="2800" dirty="0">
+              <a:latin typeface="나눔스퀘어 Bold" panose="020B0600000101010101" pitchFamily="50" charset="-127"/>
+              <a:ea typeface="나눔스퀘어 Bold" panose="020B0600000101010101" pitchFamily="50" charset="-127"/>
+            </a:endParaRPr>
+          </a:p>
+        </p:txBody>
+      </p:sp>
+      <p:sp>
+        <p:nvSpPr>
+          <p:cNvPr id="9" name="TextBox 8">
+            <a:extLst>
+              <a:ext uri="{FF2B5EF4-FFF2-40B4-BE49-F238E27FC236}">
+                <a16:creationId xmlns:a16="http://schemas.microsoft.com/office/drawing/2014/main" id="{F3F091EF-3E70-16E8-983D-D9C14C2EAD61}"/>
+              </a:ext>
+            </a:extLst>
+          </p:cNvPr>
+          <p:cNvSpPr txBox="1"/>
+          <p:nvPr/>
+        </p:nvSpPr>
+        <p:spPr>
+          <a:xfrm>
+            <a:off x="942387" y="1190024"/>
+            <a:ext cx="8553305" cy="369332"/>
+          </a:xfrm>
+          <a:prstGeom prst="rect">
+            <a:avLst/>
+          </a:prstGeom>
+          <a:noFill/>
+        </p:spPr>
+        <p:txBody>
+          <a:bodyPr wrap="square" rtlCol="0">
+            <a:spAutoFit/>
+          </a:bodyPr>
+          <a:lstStyle/>
+          <a:p>
+            <a:r>
+              <a:rPr lang="en-US" altLang="ko-KR" dirty="0">
+                <a:latin typeface="나눔스퀘어 Bold" panose="020B0600000101010101" pitchFamily="50" charset="-127"/>
+                <a:ea typeface="나눔스퀘어 Bold" panose="020B0600000101010101" pitchFamily="50" charset="-127"/>
+              </a:rPr>
+              <a:t>C++ STL List</a:t>
+            </a:r>
+            <a:endParaRPr lang="ko-KR" altLang="en-US" dirty="0">
+              <a:latin typeface="나눔스퀘어 Bold" panose="020B0600000101010101" pitchFamily="50" charset="-127"/>
+              <a:ea typeface="나눔스퀘어 Bold" panose="020B0600000101010101" pitchFamily="50" charset="-127"/>
+            </a:endParaRPr>
+          </a:p>
+        </p:txBody>
+      </p:sp>
+      <p:pic>
+        <p:nvPicPr>
+          <p:cNvPr id="8" name="그림 7">
+            <a:extLst>
+              <a:ext uri="{FF2B5EF4-FFF2-40B4-BE49-F238E27FC236}">
+                <a16:creationId xmlns:a16="http://schemas.microsoft.com/office/drawing/2014/main" id="{D48F7121-41B9-E3C3-2D3B-E398D5934B0C}"/>
+              </a:ext>
+            </a:extLst>
+          </p:cNvPr>
+          <p:cNvPicPr>
+            <a:picLocks noChangeAspect="1"/>
+          </p:cNvPicPr>
+          <p:nvPr/>
+        </p:nvPicPr>
+        <p:blipFill>
+          <a:blip r:embed="rId2"/>
+          <a:stretch>
+            <a:fillRect/>
+          </a:stretch>
+        </p:blipFill>
+        <p:spPr>
+          <a:xfrm>
+            <a:off x="942387" y="1559356"/>
+            <a:ext cx="6197322" cy="4942716"/>
+          </a:xfrm>
+          <a:prstGeom prst="rect">
+            <a:avLst/>
+          </a:prstGeom>
+        </p:spPr>
+      </p:pic>
+    </p:spTree>
+    <p:extLst>
+      <p:ext uri="{BB962C8B-B14F-4D97-AF65-F5344CB8AC3E}">
+        <p14:creationId xmlns:p14="http://schemas.microsoft.com/office/powerpoint/2010/main" val="2554987469"/>
+      </p:ext>
+    </p:extLst>
+  </p:cSld>
+  <p:clrMapOvr>
+    <a:masterClrMapping/>
+  </p:clrMapOvr>
+</p:sld>
+</file>
+
+<file path=ppt/slides/slide27.xml><?xml version="1.0" encoding="utf-8"?>
+<p:sld xmlns:a="http://schemas.openxmlformats.org/drawingml/2006/main" xmlns:r="http://schemas.openxmlformats.org/officeDocument/2006/relationships" xmlns:p="http://schemas.openxmlformats.org/presentationml/2006/main">
+  <p:cSld>
+    <p:spTree>
+      <p:nvGrpSpPr>
+        <p:cNvPr id="1" name=""/>
+        <p:cNvGrpSpPr/>
+        <p:nvPr/>
+      </p:nvGrpSpPr>
+      <p:grpSpPr>
+        <a:xfrm>
+          <a:off x="0" y="0"/>
+          <a:ext cx="0" cy="0"/>
+          <a:chOff x="0" y="0"/>
+          <a:chExt cx="0" cy="0"/>
+        </a:xfrm>
+      </p:grpSpPr>
+      <p:cxnSp>
+        <p:nvCxnSpPr>
+          <p:cNvPr id="5" name="직선 연결선 4">
+            <a:extLst>
+              <a:ext uri="{FF2B5EF4-FFF2-40B4-BE49-F238E27FC236}">
+                <a16:creationId xmlns:a16="http://schemas.microsoft.com/office/drawing/2014/main" id="{164C2827-EFCE-69A4-D037-1A218415F568}"/>
+              </a:ext>
+            </a:extLst>
+          </p:cNvPr>
+          <p:cNvCxnSpPr/>
+          <p:nvPr/>
+        </p:nvCxnSpPr>
+        <p:spPr>
+          <a:xfrm>
+            <a:off x="0" y="887505"/>
+            <a:ext cx="10237694" cy="0"/>
+          </a:xfrm>
+          <a:prstGeom prst="line">
+            <a:avLst/>
+          </a:prstGeom>
+          <a:ln w="76200">
+            <a:solidFill>
+              <a:schemeClr val="tx1">
+                <a:lumMod val="75000"/>
+                <a:lumOff val="25000"/>
+              </a:schemeClr>
+            </a:solidFill>
+          </a:ln>
+        </p:spPr>
+        <p:style>
+          <a:lnRef idx="1">
+            <a:schemeClr val="accent1"/>
+          </a:lnRef>
+          <a:fillRef idx="0">
+            <a:schemeClr val="accent1"/>
+          </a:fillRef>
+          <a:effectRef idx="0">
+            <a:schemeClr val="accent1"/>
+          </a:effectRef>
+          <a:fontRef idx="minor">
+            <a:schemeClr val="tx1"/>
+          </a:fontRef>
+        </p:style>
+      </p:cxnSp>
+      <p:sp>
+        <p:nvSpPr>
+          <p:cNvPr id="6" name="TextBox 5">
+            <a:extLst>
+              <a:ext uri="{FF2B5EF4-FFF2-40B4-BE49-F238E27FC236}">
+                <a16:creationId xmlns:a16="http://schemas.microsoft.com/office/drawing/2014/main" id="{908ED9B9-09D3-CFA8-625A-6F9BB9B6BD23}"/>
+              </a:ext>
+            </a:extLst>
+          </p:cNvPr>
+          <p:cNvSpPr txBox="1"/>
+          <p:nvPr/>
+        </p:nvSpPr>
+        <p:spPr>
+          <a:xfrm>
+            <a:off x="331694" y="177505"/>
+            <a:ext cx="2006190" cy="523220"/>
+          </a:xfrm>
+          <a:prstGeom prst="rect">
+            <a:avLst/>
+          </a:prstGeom>
+          <a:noFill/>
+        </p:spPr>
+        <p:txBody>
+          <a:bodyPr wrap="none" rtlCol="0">
+            <a:spAutoFit/>
+          </a:bodyPr>
+          <a:lstStyle/>
+          <a:p>
+            <a:r>
+              <a:rPr lang="en-US" altLang="ko-KR" sz="2800" dirty="0">
+                <a:latin typeface="나눔스퀘어 Bold" panose="020B0600000101010101" pitchFamily="50" charset="-127"/>
+                <a:ea typeface="나눔스퀘어 Bold" panose="020B0600000101010101" pitchFamily="50" charset="-127"/>
+              </a:rPr>
+              <a:t>Homework</a:t>
+            </a:r>
+            <a:endParaRPr lang="ko-KR" altLang="en-US" sz="2800" dirty="0">
+              <a:latin typeface="나눔스퀘어 Bold" panose="020B0600000101010101" pitchFamily="50" charset="-127"/>
+              <a:ea typeface="나눔스퀘어 Bold" panose="020B0600000101010101" pitchFamily="50" charset="-127"/>
+            </a:endParaRPr>
+          </a:p>
+        </p:txBody>
+      </p:sp>
+      <p:sp>
+        <p:nvSpPr>
+          <p:cNvPr id="9" name="TextBox 8">
+            <a:extLst>
+              <a:ext uri="{FF2B5EF4-FFF2-40B4-BE49-F238E27FC236}">
+                <a16:creationId xmlns:a16="http://schemas.microsoft.com/office/drawing/2014/main" id="{F3F091EF-3E70-16E8-983D-D9C14C2EAD61}"/>
+              </a:ext>
+            </a:extLst>
+          </p:cNvPr>
+          <p:cNvSpPr txBox="1"/>
+          <p:nvPr/>
+        </p:nvSpPr>
+        <p:spPr>
+          <a:xfrm>
+            <a:off x="942387" y="1190024"/>
+            <a:ext cx="8553305" cy="369332"/>
+          </a:xfrm>
+          <a:prstGeom prst="rect">
+            <a:avLst/>
+          </a:prstGeom>
+          <a:noFill/>
+        </p:spPr>
+        <p:txBody>
+          <a:bodyPr wrap="square" rtlCol="0">
+            <a:spAutoFit/>
+          </a:bodyPr>
+          <a:lstStyle/>
+          <a:p>
+            <a:r>
+              <a:rPr lang="en-US" altLang="ko-KR" dirty="0">
+                <a:latin typeface="나눔스퀘어 Bold" panose="020B0600000101010101" pitchFamily="50" charset="-127"/>
+                <a:ea typeface="나눔스퀘어 Bold" panose="020B0600000101010101" pitchFamily="50" charset="-127"/>
+              </a:rPr>
+              <a:t>Java Stack</a:t>
+            </a:r>
+            <a:endParaRPr lang="ko-KR" altLang="en-US" dirty="0">
+              <a:latin typeface="나눔스퀘어 Bold" panose="020B0600000101010101" pitchFamily="50" charset="-127"/>
+              <a:ea typeface="나눔스퀘어 Bold" panose="020B0600000101010101" pitchFamily="50" charset="-127"/>
+            </a:endParaRPr>
+          </a:p>
+        </p:txBody>
+      </p:sp>
+      <p:pic>
+        <p:nvPicPr>
+          <p:cNvPr id="3" name="그림 2">
+            <a:extLst>
+              <a:ext uri="{FF2B5EF4-FFF2-40B4-BE49-F238E27FC236}">
+                <a16:creationId xmlns:a16="http://schemas.microsoft.com/office/drawing/2014/main" id="{0E6EF19E-8832-1DB7-982A-0998530F17F8}"/>
+              </a:ext>
+            </a:extLst>
+          </p:cNvPr>
+          <p:cNvPicPr>
+            <a:picLocks noChangeAspect="1"/>
+          </p:cNvPicPr>
+          <p:nvPr/>
+        </p:nvPicPr>
+        <p:blipFill>
+          <a:blip r:embed="rId2"/>
+          <a:stretch>
+            <a:fillRect/>
+          </a:stretch>
+        </p:blipFill>
+        <p:spPr>
+          <a:xfrm>
+            <a:off x="942387" y="1559356"/>
+            <a:ext cx="4715349" cy="1869643"/>
+          </a:xfrm>
+          <a:prstGeom prst="rect">
+            <a:avLst/>
+          </a:prstGeom>
+        </p:spPr>
+      </p:pic>
+      <p:sp>
+        <p:nvSpPr>
+          <p:cNvPr id="4" name="TextBox 3">
+            <a:extLst>
+              <a:ext uri="{FF2B5EF4-FFF2-40B4-BE49-F238E27FC236}">
+                <a16:creationId xmlns:a16="http://schemas.microsoft.com/office/drawing/2014/main" id="{0D956F9C-5DAB-6D05-3D1E-FD3697612656}"/>
+              </a:ext>
+            </a:extLst>
+          </p:cNvPr>
+          <p:cNvSpPr txBox="1"/>
+          <p:nvPr/>
+        </p:nvSpPr>
+        <p:spPr>
+          <a:xfrm>
+            <a:off x="942387" y="3654412"/>
+            <a:ext cx="8553305" cy="369332"/>
+          </a:xfrm>
+          <a:prstGeom prst="rect">
+            <a:avLst/>
+          </a:prstGeom>
+          <a:noFill/>
+        </p:spPr>
+        <p:txBody>
+          <a:bodyPr wrap="square" rtlCol="0">
+            <a:spAutoFit/>
+          </a:bodyPr>
+          <a:lstStyle/>
+          <a:p>
+            <a:r>
+              <a:rPr lang="en-US" altLang="ko-KR" dirty="0">
+                <a:latin typeface="나눔스퀘어 Bold" panose="020B0600000101010101" pitchFamily="50" charset="-127"/>
+                <a:ea typeface="나눔스퀘어 Bold" panose="020B0600000101010101" pitchFamily="50" charset="-127"/>
+              </a:rPr>
+              <a:t>Java Queue</a:t>
+            </a:r>
+            <a:endParaRPr lang="ko-KR" altLang="en-US" dirty="0">
+              <a:latin typeface="나눔스퀘어 Bold" panose="020B0600000101010101" pitchFamily="50" charset="-127"/>
+              <a:ea typeface="나눔스퀘어 Bold" panose="020B0600000101010101" pitchFamily="50" charset="-127"/>
+            </a:endParaRPr>
+          </a:p>
+        </p:txBody>
+      </p:sp>
+      <p:pic>
+        <p:nvPicPr>
+          <p:cNvPr id="10" name="그림 9">
+            <a:extLst>
+              <a:ext uri="{FF2B5EF4-FFF2-40B4-BE49-F238E27FC236}">
+                <a16:creationId xmlns:a16="http://schemas.microsoft.com/office/drawing/2014/main" id="{7768AE14-6EDF-E64F-0C75-4D9B13B6A941}"/>
+              </a:ext>
+            </a:extLst>
+          </p:cNvPr>
+          <p:cNvPicPr>
+            <a:picLocks noChangeAspect="1"/>
+          </p:cNvPicPr>
+          <p:nvPr/>
+        </p:nvPicPr>
+        <p:blipFill>
+          <a:blip r:embed="rId3"/>
+          <a:stretch>
+            <a:fillRect/>
+          </a:stretch>
+        </p:blipFill>
+        <p:spPr>
+          <a:xfrm>
+            <a:off x="942387" y="4023744"/>
+            <a:ext cx="4715348" cy="2074754"/>
+          </a:xfrm>
+          <a:prstGeom prst="rect">
+            <a:avLst/>
+          </a:prstGeom>
+        </p:spPr>
+      </p:pic>
+    </p:spTree>
+    <p:extLst>
+      <p:ext uri="{BB962C8B-B14F-4D97-AF65-F5344CB8AC3E}">
+        <p14:creationId xmlns:p14="http://schemas.microsoft.com/office/powerpoint/2010/main" val="4267449709"/>
+      </p:ext>
+    </p:extLst>
+  </p:cSld>
+  <p:clrMapOvr>
+    <a:masterClrMapping/>
+  </p:clrMapOvr>
+</p:sld>
+</file>
+
+<file path=ppt/slides/slide28.xml><?xml version="1.0" encoding="utf-8"?>
+<p:sld xmlns:a="http://schemas.openxmlformats.org/drawingml/2006/main" xmlns:r="http://schemas.openxmlformats.org/officeDocument/2006/relationships" xmlns:p="http://schemas.openxmlformats.org/presentationml/2006/main">
+  <p:cSld>
+    <p:spTree>
+      <p:nvGrpSpPr>
+        <p:cNvPr id="1" name=""/>
+        <p:cNvGrpSpPr/>
+        <p:nvPr/>
+      </p:nvGrpSpPr>
+      <p:grpSpPr>
+        <a:xfrm>
+          <a:off x="0" y="0"/>
+          <a:ext cx="0" cy="0"/>
+          <a:chOff x="0" y="0"/>
+          <a:chExt cx="0" cy="0"/>
+        </a:xfrm>
+      </p:grpSpPr>
+      <p:cxnSp>
+        <p:nvCxnSpPr>
+          <p:cNvPr id="5" name="직선 연결선 4">
+            <a:extLst>
+              <a:ext uri="{FF2B5EF4-FFF2-40B4-BE49-F238E27FC236}">
+                <a16:creationId xmlns:a16="http://schemas.microsoft.com/office/drawing/2014/main" id="{164C2827-EFCE-69A4-D037-1A218415F568}"/>
+              </a:ext>
+            </a:extLst>
+          </p:cNvPr>
+          <p:cNvCxnSpPr/>
+          <p:nvPr/>
+        </p:nvCxnSpPr>
+        <p:spPr>
+          <a:xfrm>
+            <a:off x="0" y="887505"/>
+            <a:ext cx="10237694" cy="0"/>
+          </a:xfrm>
+          <a:prstGeom prst="line">
+            <a:avLst/>
+          </a:prstGeom>
+          <a:ln w="76200">
+            <a:solidFill>
+              <a:schemeClr val="tx1">
+                <a:lumMod val="75000"/>
+                <a:lumOff val="25000"/>
+              </a:schemeClr>
+            </a:solidFill>
+          </a:ln>
+        </p:spPr>
+        <p:style>
+          <a:lnRef idx="1">
+            <a:schemeClr val="accent1"/>
+          </a:lnRef>
+          <a:fillRef idx="0">
+            <a:schemeClr val="accent1"/>
+          </a:fillRef>
+          <a:effectRef idx="0">
+            <a:schemeClr val="accent1"/>
+          </a:effectRef>
+          <a:fontRef idx="minor">
+            <a:schemeClr val="tx1"/>
+          </a:fontRef>
+        </p:style>
+      </p:cxnSp>
+      <p:sp>
+        <p:nvSpPr>
+          <p:cNvPr id="6" name="TextBox 5">
+            <a:extLst>
+              <a:ext uri="{FF2B5EF4-FFF2-40B4-BE49-F238E27FC236}">
+                <a16:creationId xmlns:a16="http://schemas.microsoft.com/office/drawing/2014/main" id="{908ED9B9-09D3-CFA8-625A-6F9BB9B6BD23}"/>
+              </a:ext>
+            </a:extLst>
+          </p:cNvPr>
+          <p:cNvSpPr txBox="1"/>
+          <p:nvPr/>
+        </p:nvSpPr>
+        <p:spPr>
+          <a:xfrm>
+            <a:off x="331694" y="177505"/>
+            <a:ext cx="2006190" cy="523220"/>
+          </a:xfrm>
+          <a:prstGeom prst="rect">
+            <a:avLst/>
+          </a:prstGeom>
+          <a:noFill/>
+        </p:spPr>
+        <p:txBody>
+          <a:bodyPr wrap="none" rtlCol="0">
+            <a:spAutoFit/>
+          </a:bodyPr>
+          <a:lstStyle/>
+          <a:p>
+            <a:r>
+              <a:rPr lang="en-US" altLang="ko-KR" sz="2800" dirty="0">
+                <a:latin typeface="나눔스퀘어 Bold" panose="020B0600000101010101" pitchFamily="50" charset="-127"/>
+                <a:ea typeface="나눔스퀘어 Bold" panose="020B0600000101010101" pitchFamily="50" charset="-127"/>
+              </a:rPr>
+              <a:t>Homework</a:t>
+            </a:r>
+            <a:endParaRPr lang="ko-KR" altLang="en-US" sz="2800" dirty="0">
+              <a:latin typeface="나눔스퀘어 Bold" panose="020B0600000101010101" pitchFamily="50" charset="-127"/>
+              <a:ea typeface="나눔스퀘어 Bold" panose="020B0600000101010101" pitchFamily="50" charset="-127"/>
+            </a:endParaRPr>
+          </a:p>
+        </p:txBody>
+      </p:sp>
+      <p:sp>
+        <p:nvSpPr>
+          <p:cNvPr id="9" name="TextBox 8">
+            <a:extLst>
+              <a:ext uri="{FF2B5EF4-FFF2-40B4-BE49-F238E27FC236}">
+                <a16:creationId xmlns:a16="http://schemas.microsoft.com/office/drawing/2014/main" id="{F3F091EF-3E70-16E8-983D-D9C14C2EAD61}"/>
+              </a:ext>
+            </a:extLst>
+          </p:cNvPr>
+          <p:cNvSpPr txBox="1"/>
+          <p:nvPr/>
+        </p:nvSpPr>
+        <p:spPr>
+          <a:xfrm>
+            <a:off x="942387" y="1190024"/>
+            <a:ext cx="10237694" cy="369332"/>
+          </a:xfrm>
+          <a:prstGeom prst="rect">
+            <a:avLst/>
+          </a:prstGeom>
+          <a:noFill/>
+        </p:spPr>
+        <p:txBody>
+          <a:bodyPr wrap="square" rtlCol="0">
+            <a:spAutoFit/>
+          </a:bodyPr>
+          <a:lstStyle/>
+          <a:p>
+            <a:r>
+              <a:rPr lang="en-US" altLang="ko-KR" dirty="0">
+                <a:latin typeface="나눔스퀘어 Bold" panose="020B0600000101010101" pitchFamily="50" charset="-127"/>
+                <a:ea typeface="나눔스퀘어 Bold" panose="020B0600000101010101" pitchFamily="50" charset="-127"/>
+              </a:rPr>
+              <a:t>Java List</a:t>
+            </a:r>
+            <a:endParaRPr lang="ko-KR" altLang="en-US" dirty="0">
+              <a:latin typeface="나눔스퀘어 Bold" panose="020B0600000101010101" pitchFamily="50" charset="-127"/>
+              <a:ea typeface="나눔스퀘어 Bold" panose="020B0600000101010101" pitchFamily="50" charset="-127"/>
+            </a:endParaRPr>
+          </a:p>
+        </p:txBody>
+      </p:sp>
+      <p:pic>
+        <p:nvPicPr>
+          <p:cNvPr id="7" name="그림 6">
+            <a:extLst>
+              <a:ext uri="{FF2B5EF4-FFF2-40B4-BE49-F238E27FC236}">
+                <a16:creationId xmlns:a16="http://schemas.microsoft.com/office/drawing/2014/main" id="{E411D802-EBF4-2976-4468-442E3B674DA0}"/>
+              </a:ext>
+            </a:extLst>
+          </p:cNvPr>
+          <p:cNvPicPr>
+            <a:picLocks noChangeAspect="1"/>
+          </p:cNvPicPr>
+          <p:nvPr/>
+        </p:nvPicPr>
+        <p:blipFill>
+          <a:blip r:embed="rId2"/>
+          <a:stretch>
+            <a:fillRect/>
+          </a:stretch>
+        </p:blipFill>
+        <p:spPr>
+          <a:xfrm>
+            <a:off x="942387" y="1561839"/>
+            <a:ext cx="5153613" cy="3237527"/>
+          </a:xfrm>
+          <a:prstGeom prst="rect">
+            <a:avLst/>
+          </a:prstGeom>
+        </p:spPr>
+      </p:pic>
+      <p:sp>
+        <p:nvSpPr>
+          <p:cNvPr id="12" name="TextBox 11">
+            <a:extLst>
+              <a:ext uri="{FF2B5EF4-FFF2-40B4-BE49-F238E27FC236}">
+                <a16:creationId xmlns:a16="http://schemas.microsoft.com/office/drawing/2014/main" id="{A7356F74-1A38-95D5-6A00-2B4DD7BA33F0}"/>
+              </a:ext>
+            </a:extLst>
+          </p:cNvPr>
+          <p:cNvSpPr txBox="1"/>
+          <p:nvPr/>
+        </p:nvSpPr>
+        <p:spPr>
+          <a:xfrm>
+            <a:off x="6758909" y="2442266"/>
+            <a:ext cx="4421172" cy="369332"/>
+          </a:xfrm>
+          <a:prstGeom prst="rect">
+            <a:avLst/>
+          </a:prstGeom>
+          <a:noFill/>
+        </p:spPr>
+        <p:txBody>
+          <a:bodyPr wrap="square" rtlCol="0">
+            <a:spAutoFit/>
+          </a:bodyPr>
+          <a:lstStyle/>
+          <a:p>
+            <a:r>
+              <a:rPr lang="en-US" altLang="ko-KR" dirty="0">
+                <a:latin typeface="나눔스퀘어 Light" panose="020B0600000101010101" pitchFamily="50" charset="-127"/>
+                <a:ea typeface="나눔스퀘어 Light" panose="020B0600000101010101" pitchFamily="50" charset="-127"/>
+              </a:rPr>
+              <a:t>Java</a:t>
+            </a:r>
+            <a:r>
+              <a:rPr lang="ko-KR" altLang="en-US" dirty="0">
+                <a:latin typeface="나눔스퀘어 Light" panose="020B0600000101010101" pitchFamily="50" charset="-127"/>
+                <a:ea typeface="나눔스퀘어 Light" panose="020B0600000101010101" pitchFamily="50" charset="-127"/>
+              </a:rPr>
+              <a:t>의 </a:t>
+            </a:r>
+            <a:r>
+              <a:rPr lang="en-US" altLang="ko-KR" dirty="0">
+                <a:latin typeface="나눔스퀘어 Light" panose="020B0600000101010101" pitchFamily="50" charset="-127"/>
+                <a:ea typeface="나눔스퀘어 Light" panose="020B0600000101010101" pitchFamily="50" charset="-127"/>
+              </a:rPr>
+              <a:t>List </a:t>
+            </a:r>
+            <a:r>
+              <a:rPr lang="ko-KR" altLang="en-US" dirty="0">
+                <a:latin typeface="나눔스퀘어 Light" panose="020B0600000101010101" pitchFamily="50" charset="-127"/>
+                <a:ea typeface="나눔스퀘어 Light" panose="020B0600000101010101" pitchFamily="50" charset="-127"/>
+              </a:rPr>
+              <a:t>구현체에는</a:t>
+            </a:r>
+          </a:p>
+        </p:txBody>
+      </p:sp>
+      <p:sp>
+        <p:nvSpPr>
+          <p:cNvPr id="13" name="TextBox 12">
+            <a:extLst>
+              <a:ext uri="{FF2B5EF4-FFF2-40B4-BE49-F238E27FC236}">
+                <a16:creationId xmlns:a16="http://schemas.microsoft.com/office/drawing/2014/main" id="{5E2A409B-4807-A44A-13CA-FD320F1C6EBB}"/>
+              </a:ext>
+            </a:extLst>
+          </p:cNvPr>
+          <p:cNvSpPr txBox="1"/>
+          <p:nvPr/>
+        </p:nvSpPr>
+        <p:spPr>
+          <a:xfrm>
+            <a:off x="6758909" y="2811598"/>
+            <a:ext cx="4421172" cy="369332"/>
+          </a:xfrm>
+          <a:prstGeom prst="rect">
+            <a:avLst/>
+          </a:prstGeom>
+          <a:noFill/>
+        </p:spPr>
+        <p:txBody>
+          <a:bodyPr wrap="square" rtlCol="0">
+            <a:spAutoFit/>
+          </a:bodyPr>
+          <a:lstStyle/>
+          <a:p>
+            <a:r>
+              <a:rPr lang="en-US" altLang="ko-KR" dirty="0" err="1">
+                <a:latin typeface="나눔스퀘어 Light" panose="020B0600000101010101" pitchFamily="50" charset="-127"/>
+                <a:ea typeface="나눔스퀘어 Light" panose="020B0600000101010101" pitchFamily="50" charset="-127"/>
+              </a:rPr>
+              <a:t>ArrayList</a:t>
+            </a:r>
+            <a:r>
+              <a:rPr lang="ko-KR" altLang="en-US" dirty="0">
+                <a:latin typeface="나눔스퀘어 Light" panose="020B0600000101010101" pitchFamily="50" charset="-127"/>
+                <a:ea typeface="나눔스퀘어 Light" panose="020B0600000101010101" pitchFamily="50" charset="-127"/>
+              </a:rPr>
+              <a:t>와 </a:t>
+            </a:r>
+            <a:r>
+              <a:rPr lang="en-US" altLang="ko-KR" dirty="0">
+                <a:latin typeface="나눔스퀘어 Light" panose="020B0600000101010101" pitchFamily="50" charset="-127"/>
+                <a:ea typeface="나눔스퀘어 Light" panose="020B0600000101010101" pitchFamily="50" charset="-127"/>
+              </a:rPr>
+              <a:t>LinkedList</a:t>
+            </a:r>
+            <a:r>
+              <a:rPr lang="ko-KR" altLang="en-US" dirty="0">
+                <a:latin typeface="나눔스퀘어 Light" panose="020B0600000101010101" pitchFamily="50" charset="-127"/>
+                <a:ea typeface="나눔스퀘어 Light" panose="020B0600000101010101" pitchFamily="50" charset="-127"/>
+              </a:rPr>
+              <a:t>가 있습니다</a:t>
+            </a:r>
+            <a:r>
+              <a:rPr lang="en-US" altLang="ko-KR" dirty="0">
+                <a:latin typeface="나눔스퀘어 Light" panose="020B0600000101010101" pitchFamily="50" charset="-127"/>
+                <a:ea typeface="나눔스퀘어 Light" panose="020B0600000101010101" pitchFamily="50" charset="-127"/>
+              </a:rPr>
+              <a:t>.</a:t>
+            </a:r>
+            <a:endParaRPr lang="ko-KR" altLang="en-US" dirty="0">
+              <a:latin typeface="나눔스퀘어 Light" panose="020B0600000101010101" pitchFamily="50" charset="-127"/>
+              <a:ea typeface="나눔스퀘어 Light" panose="020B0600000101010101" pitchFamily="50" charset="-127"/>
+            </a:endParaRPr>
+          </a:p>
+        </p:txBody>
+      </p:sp>
+      <p:sp>
+        <p:nvSpPr>
+          <p:cNvPr id="14" name="TextBox 13">
+            <a:extLst>
+              <a:ext uri="{FF2B5EF4-FFF2-40B4-BE49-F238E27FC236}">
+                <a16:creationId xmlns:a16="http://schemas.microsoft.com/office/drawing/2014/main" id="{C46A2EAB-A75C-A530-5F19-1720CD802EEB}"/>
+              </a:ext>
+            </a:extLst>
+          </p:cNvPr>
+          <p:cNvSpPr txBox="1"/>
+          <p:nvPr/>
+        </p:nvSpPr>
+        <p:spPr>
+          <a:xfrm>
+            <a:off x="6758909" y="3180930"/>
+            <a:ext cx="4421172" cy="369332"/>
+          </a:xfrm>
+          <a:prstGeom prst="rect">
+            <a:avLst/>
+          </a:prstGeom>
+          <a:noFill/>
+        </p:spPr>
+        <p:txBody>
+          <a:bodyPr wrap="square" rtlCol="0">
+            <a:spAutoFit/>
+          </a:bodyPr>
+          <a:lstStyle/>
+          <a:p>
+            <a:r>
+              <a:rPr lang="ko-KR" altLang="en-US" dirty="0">
+                <a:latin typeface="나눔스퀘어 Light" panose="020B0600000101010101" pitchFamily="50" charset="-127"/>
+                <a:ea typeface="나눔스퀘어 Light" panose="020B0600000101010101" pitchFamily="50" charset="-127"/>
+              </a:rPr>
+              <a:t>둘의 차이를 </a:t>
+            </a:r>
+            <a:r>
+              <a:rPr lang="ko-KR" altLang="en-US" dirty="0" err="1">
+                <a:latin typeface="나눔스퀘어 Light" panose="020B0600000101010101" pitchFamily="50" charset="-127"/>
+                <a:ea typeface="나눔스퀘어 Light" panose="020B0600000101010101" pitchFamily="50" charset="-127"/>
+              </a:rPr>
+              <a:t>알아두는</a:t>
+            </a:r>
+            <a:r>
+              <a:rPr lang="ko-KR" altLang="en-US" dirty="0">
+                <a:latin typeface="나눔스퀘어 Light" panose="020B0600000101010101" pitchFamily="50" charset="-127"/>
+                <a:ea typeface="나눔스퀘어 Light" panose="020B0600000101010101" pitchFamily="50" charset="-127"/>
+              </a:rPr>
+              <a:t> 것도 좋겠네요</a:t>
+            </a:r>
+            <a:r>
+              <a:rPr lang="en-US" altLang="ko-KR" dirty="0">
+                <a:latin typeface="나눔스퀘어 Light" panose="020B0600000101010101" pitchFamily="50" charset="-127"/>
+                <a:ea typeface="나눔스퀘어 Light" panose="020B0600000101010101" pitchFamily="50" charset="-127"/>
+              </a:rPr>
+              <a:t>.</a:t>
+            </a:r>
+            <a:endParaRPr lang="ko-KR" altLang="en-US" dirty="0">
+              <a:latin typeface="나눔스퀘어 Light" panose="020B0600000101010101" pitchFamily="50" charset="-127"/>
+              <a:ea typeface="나눔스퀘어 Light" panose="020B0600000101010101" pitchFamily="50" charset="-127"/>
+            </a:endParaRPr>
+          </a:p>
+        </p:txBody>
+      </p:sp>
+      <p:sp>
+        <p:nvSpPr>
+          <p:cNvPr id="15" name="TextBox 14">
+            <a:extLst>
+              <a:ext uri="{FF2B5EF4-FFF2-40B4-BE49-F238E27FC236}">
+                <a16:creationId xmlns:a16="http://schemas.microsoft.com/office/drawing/2014/main" id="{0A8D32AB-D5B4-01D2-442F-F26F19CB3C75}"/>
+              </a:ext>
+            </a:extLst>
+          </p:cNvPr>
+          <p:cNvSpPr txBox="1"/>
+          <p:nvPr/>
+        </p:nvSpPr>
+        <p:spPr>
+          <a:xfrm>
+            <a:off x="942386" y="5002053"/>
+            <a:ext cx="9295307" cy="369332"/>
+          </a:xfrm>
+          <a:prstGeom prst="rect">
+            <a:avLst/>
+          </a:prstGeom>
+          <a:noFill/>
+        </p:spPr>
+        <p:txBody>
+          <a:bodyPr wrap="square" rtlCol="0">
+            <a:spAutoFit/>
+          </a:bodyPr>
+          <a:lstStyle/>
+          <a:p>
+            <a:r>
+              <a:rPr lang="en-US" altLang="ko-KR" dirty="0">
+                <a:latin typeface="나눔스퀘어 Light" panose="020B0600000101010101" pitchFamily="50" charset="-127"/>
+                <a:ea typeface="나눔스퀘어 Light" panose="020B0600000101010101" pitchFamily="50" charset="-127"/>
+              </a:rPr>
+              <a:t>C++ </a:t>
+            </a:r>
+            <a:r>
+              <a:rPr lang="ko-KR" altLang="en-US" dirty="0">
+                <a:latin typeface="나눔스퀘어 Light" panose="020B0600000101010101" pitchFamily="50" charset="-127"/>
+                <a:ea typeface="나눔스퀘어 Light" panose="020B0600000101010101" pitchFamily="50" charset="-127"/>
+              </a:rPr>
+              <a:t>코드와 마찬가지로</a:t>
+            </a:r>
+            <a:r>
+              <a:rPr lang="en-US" altLang="ko-KR" dirty="0">
+                <a:latin typeface="나눔스퀘어 Light" panose="020B0600000101010101" pitchFamily="50" charset="-127"/>
+                <a:ea typeface="나눔스퀘어 Light" panose="020B0600000101010101" pitchFamily="50" charset="-127"/>
+              </a:rPr>
+              <a:t>, 457 </a:t>
+            </a:r>
+            <a:r>
+              <a:rPr lang="ko-KR" altLang="en-US" dirty="0">
+                <a:latin typeface="나눔스퀘어 Light" panose="020B0600000101010101" pitchFamily="50" charset="-127"/>
+                <a:ea typeface="나눔스퀘어 Light" panose="020B0600000101010101" pitchFamily="50" charset="-127"/>
+              </a:rPr>
+              <a:t>사이에 </a:t>
+            </a:r>
+            <a:r>
+              <a:rPr lang="en-US" altLang="ko-KR" dirty="0">
+                <a:latin typeface="나눔스퀘어 Light" panose="020B0600000101010101" pitchFamily="50" charset="-127"/>
+                <a:ea typeface="나눔스퀘어 Light" panose="020B0600000101010101" pitchFamily="50" charset="-127"/>
+              </a:rPr>
+              <a:t>6</a:t>
+            </a:r>
+            <a:r>
+              <a:rPr lang="ko-KR" altLang="en-US" dirty="0">
+                <a:latin typeface="나눔스퀘어 Light" panose="020B0600000101010101" pitchFamily="50" charset="-127"/>
+                <a:ea typeface="나눔스퀘어 Light" panose="020B0600000101010101" pitchFamily="50" charset="-127"/>
+              </a:rPr>
+              <a:t>을 </a:t>
+            </a:r>
+            <a:r>
+              <a:rPr lang="ko-KR" altLang="en-US" dirty="0" err="1">
+                <a:latin typeface="나눔스퀘어 Light" panose="020B0600000101010101" pitchFamily="50" charset="-127"/>
+                <a:ea typeface="나눔스퀘어 Light" panose="020B0600000101010101" pitchFamily="50" charset="-127"/>
+              </a:rPr>
+              <a:t>끼워넣는</a:t>
+            </a:r>
+            <a:r>
+              <a:rPr lang="ko-KR" altLang="en-US" dirty="0">
+                <a:latin typeface="나눔스퀘어 Light" panose="020B0600000101010101" pitchFamily="50" charset="-127"/>
+                <a:ea typeface="나눔스퀘어 Light" panose="020B0600000101010101" pitchFamily="50" charset="-127"/>
+              </a:rPr>
+              <a:t> 코드</a:t>
+            </a:r>
+          </a:p>
+        </p:txBody>
+      </p:sp>
+    </p:spTree>
+    <p:extLst>
+      <p:ext uri="{BB962C8B-B14F-4D97-AF65-F5344CB8AC3E}">
+        <p14:creationId xmlns:p14="http://schemas.microsoft.com/office/powerpoint/2010/main" val="2848135897"/>
+      </p:ext>
+    </p:extLst>
+  </p:cSld>
+  <p:clrMapOvr>
+    <a:masterClrMapping/>
+  </p:clrMapOvr>
+</p:sld>
+</file>
+
+<file path=ppt/slides/slide29.xml><?xml version="1.0" encoding="utf-8"?>
+<p:sld xmlns:a="http://schemas.openxmlformats.org/drawingml/2006/main" xmlns:r="http://schemas.openxmlformats.org/officeDocument/2006/relationships" xmlns:p="http://schemas.openxmlformats.org/presentationml/2006/main">
+  <p:cSld>
+    <p:spTree>
+      <p:nvGrpSpPr>
+        <p:cNvPr id="1" name=""/>
+        <p:cNvGrpSpPr/>
+        <p:nvPr/>
+      </p:nvGrpSpPr>
+      <p:grpSpPr>
+        <a:xfrm>
+          <a:off x="0" y="0"/>
+          <a:ext cx="0" cy="0"/>
+          <a:chOff x="0" y="0"/>
+          <a:chExt cx="0" cy="0"/>
+        </a:xfrm>
+      </p:grpSpPr>
+      <p:cxnSp>
+        <p:nvCxnSpPr>
+          <p:cNvPr id="5" name="직선 연결선 4">
+            <a:extLst>
+              <a:ext uri="{FF2B5EF4-FFF2-40B4-BE49-F238E27FC236}">
+                <a16:creationId xmlns:a16="http://schemas.microsoft.com/office/drawing/2014/main" id="{164C2827-EFCE-69A4-D037-1A218415F568}"/>
+              </a:ext>
+            </a:extLst>
+          </p:cNvPr>
+          <p:cNvCxnSpPr/>
+          <p:nvPr/>
+        </p:nvCxnSpPr>
+        <p:spPr>
+          <a:xfrm>
+            <a:off x="0" y="887505"/>
+            <a:ext cx="10237694" cy="0"/>
+          </a:xfrm>
+          <a:prstGeom prst="line">
+            <a:avLst/>
+          </a:prstGeom>
+          <a:ln w="76200">
+            <a:solidFill>
+              <a:schemeClr val="tx1">
+                <a:lumMod val="75000"/>
+                <a:lumOff val="25000"/>
+              </a:schemeClr>
+            </a:solidFill>
+          </a:ln>
+        </p:spPr>
+        <p:style>
+          <a:lnRef idx="1">
+            <a:schemeClr val="accent1"/>
+          </a:lnRef>
+          <a:fillRef idx="0">
+            <a:schemeClr val="accent1"/>
+          </a:fillRef>
+          <a:effectRef idx="0">
+            <a:schemeClr val="accent1"/>
+          </a:effectRef>
+          <a:fontRef idx="minor">
+            <a:schemeClr val="tx1"/>
+          </a:fontRef>
+        </p:style>
+      </p:cxnSp>
+      <p:sp>
+        <p:nvSpPr>
+          <p:cNvPr id="6" name="TextBox 5">
+            <a:extLst>
+              <a:ext uri="{FF2B5EF4-FFF2-40B4-BE49-F238E27FC236}">
+                <a16:creationId xmlns:a16="http://schemas.microsoft.com/office/drawing/2014/main" id="{908ED9B9-09D3-CFA8-625A-6F9BB9B6BD23}"/>
+              </a:ext>
+            </a:extLst>
+          </p:cNvPr>
+          <p:cNvSpPr txBox="1"/>
+          <p:nvPr/>
+        </p:nvSpPr>
+        <p:spPr>
+          <a:xfrm>
+            <a:off x="331694" y="177505"/>
+            <a:ext cx="2006190" cy="523220"/>
+          </a:xfrm>
+          <a:prstGeom prst="rect">
+            <a:avLst/>
+          </a:prstGeom>
+          <a:noFill/>
+        </p:spPr>
+        <p:txBody>
+          <a:bodyPr wrap="none" rtlCol="0">
+            <a:spAutoFit/>
+          </a:bodyPr>
+          <a:lstStyle/>
+          <a:p>
+            <a:r>
+              <a:rPr lang="en-US" altLang="ko-KR" sz="2800" dirty="0">
+                <a:latin typeface="나눔스퀘어 Bold" panose="020B0600000101010101" pitchFamily="50" charset="-127"/>
+                <a:ea typeface="나눔스퀘어 Bold" panose="020B0600000101010101" pitchFamily="50" charset="-127"/>
+              </a:rPr>
+              <a:t>Homework</a:t>
+            </a:r>
+            <a:endParaRPr lang="ko-KR" altLang="en-US" sz="2800" dirty="0">
+              <a:latin typeface="나눔스퀘어 Bold" panose="020B0600000101010101" pitchFamily="50" charset="-127"/>
+              <a:ea typeface="나눔스퀘어 Bold" panose="020B0600000101010101" pitchFamily="50" charset="-127"/>
+            </a:endParaRPr>
+          </a:p>
+        </p:txBody>
+      </p:sp>
+      <p:sp>
+        <p:nvSpPr>
+          <p:cNvPr id="9" name="TextBox 8">
+            <a:extLst>
+              <a:ext uri="{FF2B5EF4-FFF2-40B4-BE49-F238E27FC236}">
+                <a16:creationId xmlns:a16="http://schemas.microsoft.com/office/drawing/2014/main" id="{F3F091EF-3E70-16E8-983D-D9C14C2EAD61}"/>
+              </a:ext>
+            </a:extLst>
+          </p:cNvPr>
+          <p:cNvSpPr txBox="1"/>
+          <p:nvPr/>
+        </p:nvSpPr>
+        <p:spPr>
+          <a:xfrm>
+            <a:off x="942387" y="1190024"/>
+            <a:ext cx="10237694" cy="369332"/>
+          </a:xfrm>
+          <a:prstGeom prst="rect">
+            <a:avLst/>
+          </a:prstGeom>
+          <a:noFill/>
+        </p:spPr>
+        <p:txBody>
+          <a:bodyPr wrap="square" rtlCol="0">
+            <a:spAutoFit/>
+          </a:bodyPr>
+          <a:lstStyle/>
+          <a:p>
+            <a:r>
+              <a:rPr lang="en-US" altLang="ko-KR" dirty="0">
+                <a:latin typeface="나눔스퀘어 Bold" panose="020B0600000101010101" pitchFamily="50" charset="-127"/>
+                <a:ea typeface="나눔스퀘어 Bold" panose="020B0600000101010101" pitchFamily="50" charset="-127"/>
+              </a:rPr>
+              <a:t>Python Stack</a:t>
+            </a:r>
+            <a:endParaRPr lang="ko-KR" altLang="en-US" dirty="0">
+              <a:latin typeface="나눔스퀘어 Bold" panose="020B0600000101010101" pitchFamily="50" charset="-127"/>
+              <a:ea typeface="나눔스퀘어 Bold" panose="020B0600000101010101" pitchFamily="50" charset="-127"/>
+            </a:endParaRPr>
+          </a:p>
+        </p:txBody>
+      </p:sp>
+      <p:sp>
+        <p:nvSpPr>
+          <p:cNvPr id="12" name="TextBox 11">
+            <a:extLst>
+              <a:ext uri="{FF2B5EF4-FFF2-40B4-BE49-F238E27FC236}">
+                <a16:creationId xmlns:a16="http://schemas.microsoft.com/office/drawing/2014/main" id="{A7356F74-1A38-95D5-6A00-2B4DD7BA33F0}"/>
+              </a:ext>
+            </a:extLst>
+          </p:cNvPr>
+          <p:cNvSpPr txBox="1"/>
+          <p:nvPr/>
+        </p:nvSpPr>
+        <p:spPr>
+          <a:xfrm>
+            <a:off x="942387" y="3846193"/>
+            <a:ext cx="10237694" cy="369332"/>
+          </a:xfrm>
+          <a:prstGeom prst="rect">
+            <a:avLst/>
+          </a:prstGeom>
+          <a:noFill/>
+        </p:spPr>
+        <p:txBody>
+          <a:bodyPr wrap="square" rtlCol="0">
+            <a:spAutoFit/>
+          </a:bodyPr>
+          <a:lstStyle/>
+          <a:p>
+            <a:r>
+              <a:rPr lang="en-US" altLang="ko-KR" dirty="0">
+                <a:latin typeface="나눔스퀘어 Light" panose="020B0600000101010101" pitchFamily="50" charset="-127"/>
+                <a:ea typeface="나눔스퀘어 Light" panose="020B0600000101010101" pitchFamily="50" charset="-127"/>
+              </a:rPr>
+              <a:t>Python</a:t>
+            </a:r>
+            <a:r>
+              <a:rPr lang="ko-KR" altLang="en-US" dirty="0">
+                <a:latin typeface="나눔스퀘어 Light" panose="020B0600000101010101" pitchFamily="50" charset="-127"/>
+                <a:ea typeface="나눔스퀘어 Light" panose="020B0600000101010101" pitchFamily="50" charset="-127"/>
+              </a:rPr>
+              <a:t>에서 내장 </a:t>
+            </a:r>
+            <a:r>
+              <a:rPr lang="en-US" altLang="ko-KR" dirty="0">
+                <a:latin typeface="나눔스퀘어 Light" panose="020B0600000101010101" pitchFamily="50" charset="-127"/>
+                <a:ea typeface="나눔스퀘어 Light" panose="020B0600000101010101" pitchFamily="50" charset="-127"/>
+              </a:rPr>
+              <a:t>Module</a:t>
+            </a:r>
+            <a:r>
+              <a:rPr lang="ko-KR" altLang="en-US" dirty="0">
+                <a:latin typeface="나눔스퀘어 Light" panose="020B0600000101010101" pitchFamily="50" charset="-127"/>
+                <a:ea typeface="나눔스퀘어 Light" panose="020B0600000101010101" pitchFamily="50" charset="-127"/>
+              </a:rPr>
+              <a:t>에 </a:t>
+            </a:r>
+            <a:r>
+              <a:rPr lang="en-US" altLang="ko-KR" dirty="0">
+                <a:latin typeface="나눔스퀘어 Light" panose="020B0600000101010101" pitchFamily="50" charset="-127"/>
+                <a:ea typeface="나눔스퀘어 Light" panose="020B0600000101010101" pitchFamily="50" charset="-127"/>
+              </a:rPr>
+              <a:t>Stack</a:t>
+            </a:r>
+            <a:r>
+              <a:rPr lang="ko-KR" altLang="en-US" dirty="0">
+                <a:latin typeface="나눔스퀘어 Light" panose="020B0600000101010101" pitchFamily="50" charset="-127"/>
+                <a:ea typeface="나눔스퀘어 Light" panose="020B0600000101010101" pitchFamily="50" charset="-127"/>
+              </a:rPr>
+              <a:t>만을 지원하는 기능은 없지만</a:t>
+            </a:r>
+            <a:r>
+              <a:rPr lang="en-US" altLang="ko-KR" dirty="0">
+                <a:latin typeface="나눔스퀘어 Light" panose="020B0600000101010101" pitchFamily="50" charset="-127"/>
+                <a:ea typeface="나눔스퀘어 Light" panose="020B0600000101010101" pitchFamily="50" charset="-127"/>
+              </a:rPr>
+              <a:t>,</a:t>
+            </a:r>
+            <a:endParaRPr lang="ko-KR" altLang="en-US" dirty="0">
+              <a:latin typeface="나눔스퀘어 Light" panose="020B0600000101010101" pitchFamily="50" charset="-127"/>
+              <a:ea typeface="나눔스퀘어 Light" panose="020B0600000101010101" pitchFamily="50" charset="-127"/>
+            </a:endParaRPr>
+          </a:p>
+        </p:txBody>
+      </p:sp>
+      <p:sp>
+        <p:nvSpPr>
+          <p:cNvPr id="13" name="TextBox 12">
+            <a:extLst>
+              <a:ext uri="{FF2B5EF4-FFF2-40B4-BE49-F238E27FC236}">
+                <a16:creationId xmlns:a16="http://schemas.microsoft.com/office/drawing/2014/main" id="{5E2A409B-4807-A44A-13CA-FD320F1C6EBB}"/>
+              </a:ext>
+            </a:extLst>
+          </p:cNvPr>
+          <p:cNvSpPr txBox="1"/>
+          <p:nvPr/>
+        </p:nvSpPr>
+        <p:spPr>
+          <a:xfrm>
+            <a:off x="942387" y="4215525"/>
+            <a:ext cx="10237694" cy="369332"/>
+          </a:xfrm>
+          <a:prstGeom prst="rect">
+            <a:avLst/>
+          </a:prstGeom>
+          <a:noFill/>
+        </p:spPr>
+        <p:txBody>
+          <a:bodyPr wrap="square" rtlCol="0">
+            <a:spAutoFit/>
+          </a:bodyPr>
+          <a:lstStyle/>
+          <a:p>
+            <a:r>
+              <a:rPr lang="ko-KR" altLang="en-US" dirty="0">
+                <a:latin typeface="나눔스퀘어 Light" panose="020B0600000101010101" pitchFamily="50" charset="-127"/>
+                <a:ea typeface="나눔스퀘어 Light" panose="020B0600000101010101" pitchFamily="50" charset="-127"/>
+              </a:rPr>
+              <a:t>기본 </a:t>
+            </a:r>
+            <a:r>
+              <a:rPr lang="en-US" altLang="ko-KR" dirty="0">
+                <a:latin typeface="나눔스퀘어 Light" panose="020B0600000101010101" pitchFamily="50" charset="-127"/>
+                <a:ea typeface="나눔스퀘어 Light" panose="020B0600000101010101" pitchFamily="50" charset="-127"/>
+              </a:rPr>
+              <a:t>List </a:t>
+            </a:r>
+            <a:r>
+              <a:rPr lang="ko-KR" altLang="en-US" dirty="0">
+                <a:latin typeface="나눔스퀘어 Light" panose="020B0600000101010101" pitchFamily="50" charset="-127"/>
+                <a:ea typeface="나눔스퀘어 Light" panose="020B0600000101010101" pitchFamily="50" charset="-127"/>
+              </a:rPr>
+              <a:t>자료구조를 이용하면 </a:t>
+            </a:r>
+            <a:r>
+              <a:rPr lang="en-US" altLang="ko-KR" dirty="0">
+                <a:latin typeface="나눔스퀘어 Light" panose="020B0600000101010101" pitchFamily="50" charset="-127"/>
+                <a:ea typeface="나눔스퀘어 Light" panose="020B0600000101010101" pitchFamily="50" charset="-127"/>
+              </a:rPr>
+              <a:t>Stack</a:t>
+            </a:r>
+            <a:r>
+              <a:rPr lang="ko-KR" altLang="en-US" dirty="0">
+                <a:latin typeface="나눔스퀘어 Light" panose="020B0600000101010101" pitchFamily="50" charset="-127"/>
+                <a:ea typeface="나눔스퀘어 Light" panose="020B0600000101010101" pitchFamily="50" charset="-127"/>
+              </a:rPr>
+              <a:t>을 구현할 수 있음</a:t>
+            </a:r>
+          </a:p>
+        </p:txBody>
+      </p:sp>
+      <p:pic>
+        <p:nvPicPr>
+          <p:cNvPr id="3" name="그림 2">
+            <a:extLst>
+              <a:ext uri="{FF2B5EF4-FFF2-40B4-BE49-F238E27FC236}">
+                <a16:creationId xmlns:a16="http://schemas.microsoft.com/office/drawing/2014/main" id="{DC10A740-91B9-341A-90AD-7897FDFF2405}"/>
+              </a:ext>
+            </a:extLst>
+          </p:cNvPr>
+          <p:cNvPicPr>
+            <a:picLocks noChangeAspect="1"/>
+          </p:cNvPicPr>
+          <p:nvPr/>
+        </p:nvPicPr>
+        <p:blipFill>
+          <a:blip r:embed="rId2"/>
+          <a:stretch>
+            <a:fillRect/>
+          </a:stretch>
+        </p:blipFill>
+        <p:spPr>
+          <a:xfrm>
+            <a:off x="1011919" y="1559356"/>
+            <a:ext cx="3085654" cy="2098244"/>
+          </a:xfrm>
+          <a:prstGeom prst="rect">
+            <a:avLst/>
+          </a:prstGeom>
+        </p:spPr>
+      </p:pic>
+      <p:sp>
+        <p:nvSpPr>
+          <p:cNvPr id="2" name="TextBox 1">
+            <a:extLst>
+              <a:ext uri="{FF2B5EF4-FFF2-40B4-BE49-F238E27FC236}">
+                <a16:creationId xmlns:a16="http://schemas.microsoft.com/office/drawing/2014/main" id="{F0FDA4E7-FE50-C3F4-DA69-7E8C9AD1D4A2}"/>
+              </a:ext>
+            </a:extLst>
+          </p:cNvPr>
+          <p:cNvSpPr txBox="1"/>
+          <p:nvPr/>
+        </p:nvSpPr>
+        <p:spPr>
+          <a:xfrm>
+            <a:off x="942387" y="4954189"/>
+            <a:ext cx="10237694" cy="369332"/>
+          </a:xfrm>
+          <a:prstGeom prst="rect">
+            <a:avLst/>
+          </a:prstGeom>
+          <a:noFill/>
+        </p:spPr>
+        <p:txBody>
+          <a:bodyPr wrap="square" rtlCol="0">
+            <a:spAutoFit/>
+          </a:bodyPr>
+          <a:lstStyle/>
+          <a:p>
+            <a:r>
+              <a:rPr lang="ko-KR" altLang="en-US" dirty="0">
+                <a:latin typeface="나눔스퀘어 Light" panose="020B0600000101010101" pitchFamily="50" charset="-127"/>
+                <a:ea typeface="나눔스퀘어 Light" panose="020B0600000101010101" pitchFamily="50" charset="-127"/>
+              </a:rPr>
+              <a:t>또한</a:t>
+            </a:r>
+            <a:r>
+              <a:rPr lang="en-US" altLang="ko-KR" dirty="0">
+                <a:latin typeface="나눔스퀘어 Light" panose="020B0600000101010101" pitchFamily="50" charset="-127"/>
+                <a:ea typeface="나눔스퀘어 Light" panose="020B0600000101010101" pitchFamily="50" charset="-127"/>
+              </a:rPr>
+              <a:t>, </a:t>
+            </a:r>
+            <a:r>
+              <a:rPr lang="ko-KR" altLang="en-US" dirty="0">
+                <a:latin typeface="나눔스퀘어 Light" panose="020B0600000101010101" pitchFamily="50" charset="-127"/>
+                <a:ea typeface="나눔스퀘어 Light" panose="020B0600000101010101" pitchFamily="50" charset="-127"/>
+              </a:rPr>
+              <a:t>기본 </a:t>
+            </a:r>
+            <a:r>
+              <a:rPr lang="en-US" altLang="ko-KR" dirty="0">
+                <a:latin typeface="나눔스퀘어 Light" panose="020B0600000101010101" pitchFamily="50" charset="-127"/>
+                <a:ea typeface="나눔스퀘어 Light" panose="020B0600000101010101" pitchFamily="50" charset="-127"/>
+              </a:rPr>
+              <a:t>List</a:t>
+            </a:r>
+            <a:r>
+              <a:rPr lang="ko-KR" altLang="en-US" dirty="0">
+                <a:latin typeface="나눔스퀘어 Light" panose="020B0600000101010101" pitchFamily="50" charset="-127"/>
+                <a:ea typeface="나눔스퀘어 Light" panose="020B0600000101010101" pitchFamily="50" charset="-127"/>
+              </a:rPr>
+              <a:t>가 제공되기 때문에</a:t>
+            </a:r>
+            <a:r>
+              <a:rPr lang="en-US" altLang="ko-KR">
+                <a:latin typeface="나눔스퀘어 Light" panose="020B0600000101010101" pitchFamily="50" charset="-127"/>
+                <a:ea typeface="나눔스퀘어 Light" panose="020B0600000101010101" pitchFamily="50" charset="-127"/>
+              </a:rPr>
+              <a:t>, List</a:t>
+            </a:r>
+            <a:r>
+              <a:rPr lang="ko-KR" altLang="en-US">
+                <a:latin typeface="나눔스퀘어 Light" panose="020B0600000101010101" pitchFamily="50" charset="-127"/>
+                <a:ea typeface="나눔스퀘어 Light" panose="020B0600000101010101" pitchFamily="50" charset="-127"/>
+              </a:rPr>
+              <a:t>는 생략함</a:t>
+            </a:r>
+            <a:endParaRPr lang="ko-KR" altLang="en-US" dirty="0">
+              <a:latin typeface="나눔스퀘어 Light" panose="020B0600000101010101" pitchFamily="50" charset="-127"/>
+              <a:ea typeface="나눔스퀘어 Light" panose="020B0600000101010101" pitchFamily="50" charset="-127"/>
+            </a:endParaRPr>
+          </a:p>
+        </p:txBody>
+      </p:sp>
+    </p:spTree>
+    <p:extLst>
+      <p:ext uri="{BB962C8B-B14F-4D97-AF65-F5344CB8AC3E}">
+        <p14:creationId xmlns:p14="http://schemas.microsoft.com/office/powerpoint/2010/main" val="526245885"/>
+      </p:ext>
+    </p:extLst>
+  </p:cSld>
+  <p:clrMapOvr>
+    <a:masterClrMapping/>
+  </p:clrMapOvr>
+</p:sld>
+</file>
+
 <file path=ppt/slides/slide3.xml><?xml version="1.0" encoding="utf-8"?>
 <p:sld xmlns:a="http://schemas.openxmlformats.org/drawingml/2006/main" xmlns:r="http://schemas.openxmlformats.org/officeDocument/2006/relationships" xmlns:p="http://schemas.openxmlformats.org/presentationml/2006/main">
   <p:cSld>
@@ -12552,6 +13894,369 @@
     <p:extLst>
       <p:ext uri="{BB962C8B-B14F-4D97-AF65-F5344CB8AC3E}">
         <p14:creationId xmlns:p14="http://schemas.microsoft.com/office/powerpoint/2010/main" val="637452048"/>
+      </p:ext>
+    </p:extLst>
+  </p:cSld>
+  <p:clrMapOvr>
+    <a:masterClrMapping/>
+  </p:clrMapOvr>
+</p:sld>
+</file>
+
+<file path=ppt/slides/slide30.xml><?xml version="1.0" encoding="utf-8"?>
+<p:sld xmlns:a="http://schemas.openxmlformats.org/drawingml/2006/main" xmlns:r="http://schemas.openxmlformats.org/officeDocument/2006/relationships" xmlns:p="http://schemas.openxmlformats.org/presentationml/2006/main">
+  <p:cSld>
+    <p:spTree>
+      <p:nvGrpSpPr>
+        <p:cNvPr id="1" name=""/>
+        <p:cNvGrpSpPr/>
+        <p:nvPr/>
+      </p:nvGrpSpPr>
+      <p:grpSpPr>
+        <a:xfrm>
+          <a:off x="0" y="0"/>
+          <a:ext cx="0" cy="0"/>
+          <a:chOff x="0" y="0"/>
+          <a:chExt cx="0" cy="0"/>
+        </a:xfrm>
+      </p:grpSpPr>
+      <p:cxnSp>
+        <p:nvCxnSpPr>
+          <p:cNvPr id="5" name="직선 연결선 4">
+            <a:extLst>
+              <a:ext uri="{FF2B5EF4-FFF2-40B4-BE49-F238E27FC236}">
+                <a16:creationId xmlns:a16="http://schemas.microsoft.com/office/drawing/2014/main" id="{164C2827-EFCE-69A4-D037-1A218415F568}"/>
+              </a:ext>
+            </a:extLst>
+          </p:cNvPr>
+          <p:cNvCxnSpPr/>
+          <p:nvPr/>
+        </p:nvCxnSpPr>
+        <p:spPr>
+          <a:xfrm>
+            <a:off x="0" y="887505"/>
+            <a:ext cx="10237694" cy="0"/>
+          </a:xfrm>
+          <a:prstGeom prst="line">
+            <a:avLst/>
+          </a:prstGeom>
+          <a:ln w="76200">
+            <a:solidFill>
+              <a:schemeClr val="tx1">
+                <a:lumMod val="75000"/>
+                <a:lumOff val="25000"/>
+              </a:schemeClr>
+            </a:solidFill>
+          </a:ln>
+        </p:spPr>
+        <p:style>
+          <a:lnRef idx="1">
+            <a:schemeClr val="accent1"/>
+          </a:lnRef>
+          <a:fillRef idx="0">
+            <a:schemeClr val="accent1"/>
+          </a:fillRef>
+          <a:effectRef idx="0">
+            <a:schemeClr val="accent1"/>
+          </a:effectRef>
+          <a:fontRef idx="minor">
+            <a:schemeClr val="tx1"/>
+          </a:fontRef>
+        </p:style>
+      </p:cxnSp>
+      <p:sp>
+        <p:nvSpPr>
+          <p:cNvPr id="6" name="TextBox 5">
+            <a:extLst>
+              <a:ext uri="{FF2B5EF4-FFF2-40B4-BE49-F238E27FC236}">
+                <a16:creationId xmlns:a16="http://schemas.microsoft.com/office/drawing/2014/main" id="{908ED9B9-09D3-CFA8-625A-6F9BB9B6BD23}"/>
+              </a:ext>
+            </a:extLst>
+          </p:cNvPr>
+          <p:cNvSpPr txBox="1"/>
+          <p:nvPr/>
+        </p:nvSpPr>
+        <p:spPr>
+          <a:xfrm>
+            <a:off x="331694" y="177505"/>
+            <a:ext cx="2006190" cy="523220"/>
+          </a:xfrm>
+          <a:prstGeom prst="rect">
+            <a:avLst/>
+          </a:prstGeom>
+          <a:noFill/>
+        </p:spPr>
+        <p:txBody>
+          <a:bodyPr wrap="none" rtlCol="0">
+            <a:spAutoFit/>
+          </a:bodyPr>
+          <a:lstStyle/>
+          <a:p>
+            <a:r>
+              <a:rPr lang="en-US" altLang="ko-KR" sz="2800" dirty="0">
+                <a:latin typeface="나눔스퀘어 Bold" panose="020B0600000101010101" pitchFamily="50" charset="-127"/>
+                <a:ea typeface="나눔스퀘어 Bold" panose="020B0600000101010101" pitchFamily="50" charset="-127"/>
+              </a:rPr>
+              <a:t>Homework</a:t>
+            </a:r>
+            <a:endParaRPr lang="ko-KR" altLang="en-US" sz="2800" dirty="0">
+              <a:latin typeface="나눔스퀘어 Bold" panose="020B0600000101010101" pitchFamily="50" charset="-127"/>
+              <a:ea typeface="나눔스퀘어 Bold" panose="020B0600000101010101" pitchFamily="50" charset="-127"/>
+            </a:endParaRPr>
+          </a:p>
+        </p:txBody>
+      </p:sp>
+      <p:sp>
+        <p:nvSpPr>
+          <p:cNvPr id="9" name="TextBox 8">
+            <a:extLst>
+              <a:ext uri="{FF2B5EF4-FFF2-40B4-BE49-F238E27FC236}">
+                <a16:creationId xmlns:a16="http://schemas.microsoft.com/office/drawing/2014/main" id="{F3F091EF-3E70-16E8-983D-D9C14C2EAD61}"/>
+              </a:ext>
+            </a:extLst>
+          </p:cNvPr>
+          <p:cNvSpPr txBox="1"/>
+          <p:nvPr/>
+        </p:nvSpPr>
+        <p:spPr>
+          <a:xfrm>
+            <a:off x="942387" y="1190024"/>
+            <a:ext cx="10237694" cy="369332"/>
+          </a:xfrm>
+          <a:prstGeom prst="rect">
+            <a:avLst/>
+          </a:prstGeom>
+          <a:noFill/>
+        </p:spPr>
+        <p:txBody>
+          <a:bodyPr wrap="square" rtlCol="0">
+            <a:spAutoFit/>
+          </a:bodyPr>
+          <a:lstStyle/>
+          <a:p>
+            <a:r>
+              <a:rPr lang="en-US" altLang="ko-KR" dirty="0">
+                <a:latin typeface="나눔스퀘어 Bold" panose="020B0600000101010101" pitchFamily="50" charset="-127"/>
+                <a:ea typeface="나눔스퀘어 Bold" panose="020B0600000101010101" pitchFamily="50" charset="-127"/>
+              </a:rPr>
+              <a:t>Python Queue</a:t>
+            </a:r>
+            <a:endParaRPr lang="ko-KR" altLang="en-US" dirty="0">
+              <a:latin typeface="나눔스퀘어 Bold" panose="020B0600000101010101" pitchFamily="50" charset="-127"/>
+              <a:ea typeface="나눔스퀘어 Bold" panose="020B0600000101010101" pitchFamily="50" charset="-127"/>
+            </a:endParaRPr>
+          </a:p>
+        </p:txBody>
+      </p:sp>
+      <p:pic>
+        <p:nvPicPr>
+          <p:cNvPr id="16" name="그림 15">
+            <a:extLst>
+              <a:ext uri="{FF2B5EF4-FFF2-40B4-BE49-F238E27FC236}">
+                <a16:creationId xmlns:a16="http://schemas.microsoft.com/office/drawing/2014/main" id="{798A88E6-BD46-5D06-7A4A-0377BE0147D3}"/>
+              </a:ext>
+            </a:extLst>
+          </p:cNvPr>
+          <p:cNvPicPr>
+            <a:picLocks noChangeAspect="1"/>
+          </p:cNvPicPr>
+          <p:nvPr/>
+        </p:nvPicPr>
+        <p:blipFill>
+          <a:blip r:embed="rId2"/>
+          <a:stretch>
+            <a:fillRect/>
+          </a:stretch>
+        </p:blipFill>
+        <p:spPr>
+          <a:xfrm>
+            <a:off x="942387" y="1559355"/>
+            <a:ext cx="5603277" cy="2172135"/>
+          </a:xfrm>
+          <a:prstGeom prst="rect">
+            <a:avLst/>
+          </a:prstGeom>
+        </p:spPr>
+      </p:pic>
+      <p:sp>
+        <p:nvSpPr>
+          <p:cNvPr id="18" name="TextBox 17">
+            <a:extLst>
+              <a:ext uri="{FF2B5EF4-FFF2-40B4-BE49-F238E27FC236}">
+                <a16:creationId xmlns:a16="http://schemas.microsoft.com/office/drawing/2014/main" id="{C2573E64-0193-E327-EE8E-D342C5639D3E}"/>
+              </a:ext>
+            </a:extLst>
+          </p:cNvPr>
+          <p:cNvSpPr txBox="1"/>
+          <p:nvPr/>
+        </p:nvSpPr>
+        <p:spPr>
+          <a:xfrm>
+            <a:off x="942387" y="3846193"/>
+            <a:ext cx="10237694" cy="369332"/>
+          </a:xfrm>
+          <a:prstGeom prst="rect">
+            <a:avLst/>
+          </a:prstGeom>
+          <a:noFill/>
+        </p:spPr>
+        <p:txBody>
+          <a:bodyPr wrap="square" rtlCol="0">
+            <a:spAutoFit/>
+          </a:bodyPr>
+          <a:lstStyle/>
+          <a:p>
+            <a:r>
+              <a:rPr lang="en-US" altLang="ko-KR" dirty="0">
+                <a:latin typeface="나눔스퀘어 Light" panose="020B0600000101010101" pitchFamily="50" charset="-127"/>
+                <a:ea typeface="나눔스퀘어 Light" panose="020B0600000101010101" pitchFamily="50" charset="-127"/>
+              </a:rPr>
+              <a:t>Python</a:t>
+            </a:r>
+            <a:r>
+              <a:rPr lang="ko-KR" altLang="en-US" dirty="0">
+                <a:latin typeface="나눔스퀘어 Light" panose="020B0600000101010101" pitchFamily="50" charset="-127"/>
+                <a:ea typeface="나눔스퀘어 Light" panose="020B0600000101010101" pitchFamily="50" charset="-127"/>
+              </a:rPr>
+              <a:t>에서 </a:t>
+            </a:r>
+            <a:r>
+              <a:rPr lang="en-US" altLang="ko-KR" dirty="0">
+                <a:latin typeface="나눔스퀘어 Light" panose="020B0600000101010101" pitchFamily="50" charset="-127"/>
+                <a:ea typeface="나눔스퀘어 Light" panose="020B0600000101010101" pitchFamily="50" charset="-127"/>
+              </a:rPr>
+              <a:t>queue</a:t>
+            </a:r>
+            <a:r>
+              <a:rPr lang="ko-KR" altLang="en-US" dirty="0">
+                <a:latin typeface="나눔스퀘어 Light" panose="020B0600000101010101" pitchFamily="50" charset="-127"/>
+                <a:ea typeface="나눔스퀘어 Light" panose="020B0600000101010101" pitchFamily="50" charset="-127"/>
+              </a:rPr>
+              <a:t>를 사용하는 방법은 세 가지 정도가 있지만</a:t>
+            </a:r>
+            <a:r>
+              <a:rPr lang="en-US" altLang="ko-KR" dirty="0">
+                <a:latin typeface="나눔스퀘어 Light" panose="020B0600000101010101" pitchFamily="50" charset="-127"/>
+                <a:ea typeface="나눔스퀘어 Light" panose="020B0600000101010101" pitchFamily="50" charset="-127"/>
+              </a:rPr>
+              <a:t>,</a:t>
+            </a:r>
+            <a:endParaRPr lang="ko-KR" altLang="en-US" dirty="0">
+              <a:latin typeface="나눔스퀘어 Light" panose="020B0600000101010101" pitchFamily="50" charset="-127"/>
+              <a:ea typeface="나눔스퀘어 Light" panose="020B0600000101010101" pitchFamily="50" charset="-127"/>
+            </a:endParaRPr>
+          </a:p>
+        </p:txBody>
+      </p:sp>
+      <p:sp>
+        <p:nvSpPr>
+          <p:cNvPr id="19" name="TextBox 18">
+            <a:extLst>
+              <a:ext uri="{FF2B5EF4-FFF2-40B4-BE49-F238E27FC236}">
+                <a16:creationId xmlns:a16="http://schemas.microsoft.com/office/drawing/2014/main" id="{DA4E168F-92D9-1260-28A5-59BA42623745}"/>
+              </a:ext>
+            </a:extLst>
+          </p:cNvPr>
+          <p:cNvSpPr txBox="1"/>
+          <p:nvPr/>
+        </p:nvSpPr>
+        <p:spPr>
+          <a:xfrm>
+            <a:off x="942387" y="4215525"/>
+            <a:ext cx="10237694" cy="369332"/>
+          </a:xfrm>
+          <a:prstGeom prst="rect">
+            <a:avLst/>
+          </a:prstGeom>
+          <a:noFill/>
+        </p:spPr>
+        <p:txBody>
+          <a:bodyPr wrap="square" rtlCol="0">
+            <a:spAutoFit/>
+          </a:bodyPr>
+          <a:lstStyle/>
+          <a:p>
+            <a:r>
+              <a:rPr lang="ko-KR" altLang="en-US" dirty="0">
+                <a:latin typeface="나눔스퀘어 Light" panose="020B0600000101010101" pitchFamily="50" charset="-127"/>
+                <a:ea typeface="나눔스퀘어 Light" panose="020B0600000101010101" pitchFamily="50" charset="-127"/>
+              </a:rPr>
+              <a:t>개인적인 생각으론 아마 이 방법을 가장 많이 사용할 것으로 생각합니다</a:t>
+            </a:r>
+            <a:r>
+              <a:rPr lang="en-US" altLang="ko-KR" dirty="0">
+                <a:latin typeface="나눔스퀘어 Light" panose="020B0600000101010101" pitchFamily="50" charset="-127"/>
+                <a:ea typeface="나눔스퀘어 Light" panose="020B0600000101010101" pitchFamily="50" charset="-127"/>
+              </a:rPr>
+              <a:t>.</a:t>
+            </a:r>
+            <a:endParaRPr lang="ko-KR" altLang="en-US" dirty="0">
+              <a:latin typeface="나눔스퀘어 Light" panose="020B0600000101010101" pitchFamily="50" charset="-127"/>
+              <a:ea typeface="나눔스퀘어 Light" panose="020B0600000101010101" pitchFamily="50" charset="-127"/>
+            </a:endParaRPr>
+          </a:p>
+        </p:txBody>
+      </p:sp>
+      <p:sp>
+        <p:nvSpPr>
+          <p:cNvPr id="20" name="TextBox 19">
+            <a:extLst>
+              <a:ext uri="{FF2B5EF4-FFF2-40B4-BE49-F238E27FC236}">
+                <a16:creationId xmlns:a16="http://schemas.microsoft.com/office/drawing/2014/main" id="{9275DDF7-9CBD-821B-46F2-C8FC829865AA}"/>
+              </a:ext>
+            </a:extLst>
+          </p:cNvPr>
+          <p:cNvSpPr txBox="1"/>
+          <p:nvPr/>
+        </p:nvSpPr>
+        <p:spPr>
+          <a:xfrm>
+            <a:off x="942387" y="4584857"/>
+            <a:ext cx="10237694" cy="369332"/>
+          </a:xfrm>
+          <a:prstGeom prst="rect">
+            <a:avLst/>
+          </a:prstGeom>
+          <a:noFill/>
+        </p:spPr>
+        <p:txBody>
+          <a:bodyPr wrap="square" rtlCol="0">
+            <a:spAutoFit/>
+          </a:bodyPr>
+          <a:lstStyle/>
+          <a:p>
+            <a:r>
+              <a:rPr lang="en-US" altLang="ko-KR" dirty="0">
+                <a:latin typeface="나눔스퀘어 Light" panose="020B0600000101010101" pitchFamily="50" charset="-127"/>
+                <a:ea typeface="나눔스퀘어 Light" panose="020B0600000101010101" pitchFamily="50" charset="-127"/>
+              </a:rPr>
+              <a:t>(</a:t>
+            </a:r>
+            <a:r>
+              <a:rPr lang="ko-KR" altLang="en-US" dirty="0">
+                <a:latin typeface="나눔스퀘어 Light" panose="020B0600000101010101" pitchFamily="50" charset="-127"/>
+                <a:ea typeface="나눔스퀘어 Light" panose="020B0600000101010101" pitchFamily="50" charset="-127"/>
+              </a:rPr>
+              <a:t>왜 그런지 찾아보면 좋겠네요</a:t>
+            </a:r>
+            <a:r>
+              <a:rPr lang="en-US" altLang="ko-KR" dirty="0">
+                <a:latin typeface="나눔스퀘어 Light" panose="020B0600000101010101" pitchFamily="50" charset="-127"/>
+                <a:ea typeface="나눔스퀘어 Light" panose="020B0600000101010101" pitchFamily="50" charset="-127"/>
+              </a:rPr>
+              <a:t>.)</a:t>
+            </a:r>
+            <a:endParaRPr lang="ko-KR" altLang="en-US" dirty="0">
+              <a:latin typeface="나눔스퀘어 Light" panose="020B0600000101010101" pitchFamily="50" charset="-127"/>
+              <a:ea typeface="나눔스퀘어 Light" panose="020B0600000101010101" pitchFamily="50" charset="-127"/>
+            </a:endParaRPr>
+          </a:p>
+        </p:txBody>
+      </p:sp>
+    </p:spTree>
+    <p:extLst>
+      <p:ext uri="{BB962C8B-B14F-4D97-AF65-F5344CB8AC3E}">
+        <p14:creationId xmlns:p14="http://schemas.microsoft.com/office/powerpoint/2010/main" val="744211345"/>
       </p:ext>
     </p:extLst>
   </p:cSld>

--- a/study/6_Greedy.pptx
+++ b/study/6_Greedy.pptx
@@ -32,22 +32,25 @@
     <p:sldId id="393" r:id="rId26"/>
     <p:sldId id="394" r:id="rId27"/>
     <p:sldId id="395" r:id="rId28"/>
-    <p:sldId id="367" r:id="rId29"/>
-    <p:sldId id="368" r:id="rId30"/>
-    <p:sldId id="370" r:id="rId31"/>
-    <p:sldId id="371" r:id="rId32"/>
-    <p:sldId id="372" r:id="rId33"/>
-    <p:sldId id="373" r:id="rId34"/>
-    <p:sldId id="374" r:id="rId35"/>
-    <p:sldId id="375" r:id="rId36"/>
-    <p:sldId id="298" r:id="rId37"/>
-    <p:sldId id="376" r:id="rId38"/>
-    <p:sldId id="377" r:id="rId39"/>
-    <p:sldId id="378" r:id="rId40"/>
-    <p:sldId id="379" r:id="rId41"/>
-    <p:sldId id="380" r:id="rId42"/>
-    <p:sldId id="382" r:id="rId43"/>
-    <p:sldId id="381" r:id="rId44"/>
+    <p:sldId id="396" r:id="rId29"/>
+    <p:sldId id="398" r:id="rId30"/>
+    <p:sldId id="397" r:id="rId31"/>
+    <p:sldId id="367" r:id="rId32"/>
+    <p:sldId id="368" r:id="rId33"/>
+    <p:sldId id="370" r:id="rId34"/>
+    <p:sldId id="371" r:id="rId35"/>
+    <p:sldId id="372" r:id="rId36"/>
+    <p:sldId id="373" r:id="rId37"/>
+    <p:sldId id="374" r:id="rId38"/>
+    <p:sldId id="375" r:id="rId39"/>
+    <p:sldId id="298" r:id="rId40"/>
+    <p:sldId id="376" r:id="rId41"/>
+    <p:sldId id="377" r:id="rId42"/>
+    <p:sldId id="378" r:id="rId43"/>
+    <p:sldId id="379" r:id="rId44"/>
+    <p:sldId id="380" r:id="rId45"/>
+    <p:sldId id="382" r:id="rId46"/>
+    <p:sldId id="381" r:id="rId47"/>
   </p:sldIdLst>
   <p:sldSz cx="12192000" cy="6858000"/>
   <p:notesSz cx="6858000" cy="9144000"/>
@@ -20010,6 +20013,90 @@
           </a:p>
         </p:txBody>
       </p:sp>
+      <p:sp>
+        <p:nvSpPr>
+          <p:cNvPr id="3" name="TextBox 2">
+            <a:extLst>
+              <a:ext uri="{FF2B5EF4-FFF2-40B4-BE49-F238E27FC236}">
+                <a16:creationId xmlns:a16="http://schemas.microsoft.com/office/drawing/2014/main" id="{698D3028-2AEB-6AE9-C679-B573584D4584}"/>
+              </a:ext>
+            </a:extLst>
+          </p:cNvPr>
+          <p:cNvSpPr txBox="1"/>
+          <p:nvPr/>
+        </p:nvSpPr>
+        <p:spPr>
+          <a:xfrm>
+            <a:off x="942387" y="4544107"/>
+            <a:ext cx="10237694" cy="369332"/>
+          </a:xfrm>
+          <a:prstGeom prst="rect">
+            <a:avLst/>
+          </a:prstGeom>
+          <a:noFill/>
+        </p:spPr>
+        <p:txBody>
+          <a:bodyPr wrap="square" rtlCol="0">
+            <a:spAutoFit/>
+          </a:bodyPr>
+          <a:lstStyle/>
+          <a:p>
+            <a:r>
+              <a:rPr lang="en-US" altLang="ko-KR" dirty="0">
+                <a:latin typeface="나눔스퀘어 Light" panose="020B0600000101010101" pitchFamily="50" charset="-127"/>
+                <a:ea typeface="나눔스퀘어 Light" panose="020B0600000101010101" pitchFamily="50" charset="-127"/>
+              </a:rPr>
+              <a:t>(C++ </a:t>
+            </a:r>
+            <a:r>
+              <a:rPr lang="ko-KR" altLang="en-US" dirty="0">
+                <a:latin typeface="나눔스퀘어 Light" panose="020B0600000101010101" pitchFamily="50" charset="-127"/>
+                <a:ea typeface="나눔스퀘어 Light" panose="020B0600000101010101" pitchFamily="50" charset="-127"/>
+              </a:rPr>
+              <a:t>이라면 굳이 구조체를 사용할 필요 없이</a:t>
+            </a:r>
+            <a:r>
+              <a:rPr lang="en-US" altLang="ko-KR" dirty="0">
+                <a:latin typeface="나눔스퀘어 Light" panose="020B0600000101010101" pitchFamily="50" charset="-127"/>
+                <a:ea typeface="나눔스퀘어 Light" panose="020B0600000101010101" pitchFamily="50" charset="-127"/>
+              </a:rPr>
+              <a:t>, &lt;utility&gt;</a:t>
+            </a:r>
+            <a:r>
+              <a:rPr lang="ko-KR" altLang="en-US" dirty="0">
+                <a:latin typeface="나눔스퀘어 Light" panose="020B0600000101010101" pitchFamily="50" charset="-127"/>
+                <a:ea typeface="나눔스퀘어 Light" panose="020B0600000101010101" pitchFamily="50" charset="-127"/>
+              </a:rPr>
+              <a:t>의 </a:t>
+            </a:r>
+            <a:r>
+              <a:rPr lang="en-US" altLang="ko-KR" dirty="0">
+                <a:latin typeface="나눔스퀘어 Light" panose="020B0600000101010101" pitchFamily="50" charset="-127"/>
+                <a:ea typeface="나눔스퀘어 Light" panose="020B0600000101010101" pitchFamily="50" charset="-127"/>
+              </a:rPr>
+              <a:t>pair&lt;&gt;</a:t>
+            </a:r>
+            <a:r>
+              <a:rPr lang="ko-KR" altLang="en-US" dirty="0">
+                <a:latin typeface="나눔스퀘어 Light" panose="020B0600000101010101" pitchFamily="50" charset="-127"/>
+                <a:ea typeface="나눔스퀘어 Light" panose="020B0600000101010101" pitchFamily="50" charset="-127"/>
+              </a:rPr>
+              <a:t>를 써도 되겠네요</a:t>
+            </a:r>
+            <a:r>
+              <a:rPr lang="en-US" altLang="ko-KR" dirty="0">
+                <a:latin typeface="나눔스퀘어 Light" panose="020B0600000101010101" pitchFamily="50" charset="-127"/>
+                <a:ea typeface="나눔스퀘어 Light" panose="020B0600000101010101" pitchFamily="50" charset="-127"/>
+              </a:rPr>
+              <a:t>.)</a:t>
+            </a:r>
+            <a:endParaRPr lang="ko-KR" altLang="en-US" dirty="0">
+              <a:latin typeface="나눔스퀘어 Light" panose="020B0600000101010101" pitchFamily="50" charset="-127"/>
+              <a:ea typeface="나눔스퀘어 Light" panose="020B0600000101010101" pitchFamily="50" charset="-127"/>
+            </a:endParaRPr>
+          </a:p>
+        </p:txBody>
+      </p:sp>
     </p:spTree>
     <p:extLst>
       <p:ext uri="{BB962C8B-B14F-4D97-AF65-F5344CB8AC3E}">
@@ -20640,6 +20727,36 @@
           </a:p>
         </p:txBody>
       </p:sp>
+      <p:pic>
+        <p:nvPicPr>
+          <p:cNvPr id="4" name="그림 3">
+            <a:extLst>
+              <a:ext uri="{FF2B5EF4-FFF2-40B4-BE49-F238E27FC236}">
+                <a16:creationId xmlns:a16="http://schemas.microsoft.com/office/drawing/2014/main" id="{211CB345-8CDB-AEE0-6EEB-642C815DFD62}"/>
+              </a:ext>
+            </a:extLst>
+          </p:cNvPr>
+          <p:cNvPicPr>
+            <a:picLocks noChangeAspect="1"/>
+          </p:cNvPicPr>
+          <p:nvPr/>
+        </p:nvPicPr>
+        <p:blipFill>
+          <a:blip r:embed="rId2"/>
+          <a:stretch>
+            <a:fillRect/>
+          </a:stretch>
+        </p:blipFill>
+        <p:spPr>
+          <a:xfrm>
+            <a:off x="942387" y="1559356"/>
+            <a:ext cx="8795145" cy="4879151"/>
+          </a:xfrm>
+          <a:prstGeom prst="rect">
+            <a:avLst/>
+          </a:prstGeom>
+        </p:spPr>
+      </p:pic>
     </p:spTree>
     <p:extLst>
       <p:ext uri="{BB962C8B-B14F-4D97-AF65-F5344CB8AC3E}">
@@ -20729,7 +20846,7 @@
         <p:spPr>
           <a:xfrm>
             <a:off x="331694" y="177505"/>
-            <a:ext cx="4607864" cy="523220"/>
+            <a:ext cx="4405886" cy="523220"/>
           </a:xfrm>
           <a:prstGeom prst="rect">
             <a:avLst/>
@@ -20761,38 +20878,125 @@
                 <a:latin typeface="나눔스퀘어 Bold" panose="020B0600000101010101" pitchFamily="50" charset="-127"/>
                 <a:ea typeface="나눔스퀘어 Bold" panose="020B0600000101010101" pitchFamily="50" charset="-127"/>
               </a:rPr>
-              <a:t>– 2864 5</a:t>
+              <a:t>– 1931 </a:t>
             </a:r>
             <a:r>
               <a:rPr lang="ko-KR" altLang="en-US" sz="2800" dirty="0">
                 <a:latin typeface="나눔스퀘어 Bold" panose="020B0600000101010101" pitchFamily="50" charset="-127"/>
                 <a:ea typeface="나눔스퀘어 Bold" panose="020B0600000101010101" pitchFamily="50" charset="-127"/>
               </a:rPr>
-              <a:t>와 </a:t>
-            </a:r>
-            <a:r>
-              <a:rPr lang="en-US" altLang="ko-KR" sz="2800" dirty="0">
+              <a:t>회의실 배정</a:t>
+            </a:r>
+          </a:p>
+        </p:txBody>
+      </p:sp>
+      <p:sp>
+        <p:nvSpPr>
+          <p:cNvPr id="2" name="TextBox 1">
+            <a:extLst>
+              <a:ext uri="{FF2B5EF4-FFF2-40B4-BE49-F238E27FC236}">
+                <a16:creationId xmlns:a16="http://schemas.microsoft.com/office/drawing/2014/main" id="{EC92927F-D25F-E737-A2BE-8656A0C455F2}"/>
+              </a:ext>
+            </a:extLst>
+          </p:cNvPr>
+          <p:cNvSpPr txBox="1"/>
+          <p:nvPr/>
+        </p:nvSpPr>
+        <p:spPr>
+          <a:xfrm>
+            <a:off x="942387" y="1190024"/>
+            <a:ext cx="10237694" cy="369332"/>
+          </a:xfrm>
+          <a:prstGeom prst="rect">
+            <a:avLst/>
+          </a:prstGeom>
+          <a:noFill/>
+        </p:spPr>
+        <p:txBody>
+          <a:bodyPr wrap="square" rtlCol="0">
+            <a:spAutoFit/>
+          </a:bodyPr>
+          <a:lstStyle/>
+          <a:p>
+            <a:r>
+              <a:rPr lang="en-US" altLang="ko-KR" dirty="0">
                 <a:latin typeface="나눔스퀘어 Bold" panose="020B0600000101010101" pitchFamily="50" charset="-127"/>
                 <a:ea typeface="나눔스퀘어 Bold" panose="020B0600000101010101" pitchFamily="50" charset="-127"/>
               </a:rPr>
-              <a:t>6</a:t>
-            </a:r>
-            <a:r>
-              <a:rPr lang="ko-KR" altLang="en-US" sz="2800" dirty="0">
-                <a:latin typeface="나눔스퀘어 Bold" panose="020B0600000101010101" pitchFamily="50" charset="-127"/>
-                <a:ea typeface="나눔스퀘어 Bold" panose="020B0600000101010101" pitchFamily="50" charset="-127"/>
-              </a:rPr>
-              <a:t>의 차이</a:t>
+              <a:t>Java</a:t>
+            </a:r>
+            <a:endParaRPr lang="ko-KR" altLang="en-US" dirty="0">
+              <a:latin typeface="나눔스퀘어 Bold" panose="020B0600000101010101" pitchFamily="50" charset="-127"/>
+              <a:ea typeface="나눔스퀘어 Bold" panose="020B0600000101010101" pitchFamily="50" charset="-127"/>
+            </a:endParaRPr>
+          </a:p>
+        </p:txBody>
+      </p:sp>
+      <p:sp>
+        <p:nvSpPr>
+          <p:cNvPr id="3" name="TextBox 2">
+            <a:extLst>
+              <a:ext uri="{FF2B5EF4-FFF2-40B4-BE49-F238E27FC236}">
+                <a16:creationId xmlns:a16="http://schemas.microsoft.com/office/drawing/2014/main" id="{09F15F47-7DDC-A3FA-C7C6-1BCC80964F80}"/>
+              </a:ext>
+            </a:extLst>
+          </p:cNvPr>
+          <p:cNvSpPr txBox="1"/>
+          <p:nvPr/>
+        </p:nvSpPr>
+        <p:spPr>
+          <a:xfrm>
+            <a:off x="942387" y="1559356"/>
+            <a:ext cx="10237694" cy="369332"/>
+          </a:xfrm>
+          <a:prstGeom prst="rect">
+            <a:avLst/>
+          </a:prstGeom>
+          <a:noFill/>
+        </p:spPr>
+        <p:txBody>
+          <a:bodyPr wrap="square" rtlCol="0">
+            <a:spAutoFit/>
+          </a:bodyPr>
+          <a:lstStyle/>
+          <a:p>
+            <a:r>
+              <a:rPr lang="en-US" altLang="ko-KR" dirty="0">
+                <a:latin typeface="나눔스퀘어 Light" panose="020B0600000101010101" pitchFamily="50" charset="-127"/>
+                <a:ea typeface="나눔스퀘어 Light" panose="020B0600000101010101" pitchFamily="50" charset="-127"/>
+              </a:rPr>
+              <a:t>C</a:t>
+            </a:r>
+            <a:r>
+              <a:rPr lang="ko-KR" altLang="en-US" dirty="0">
+                <a:latin typeface="나눔스퀘어 Light" panose="020B0600000101010101" pitchFamily="50" charset="-127"/>
+                <a:ea typeface="나눔스퀘어 Light" panose="020B0600000101010101" pitchFamily="50" charset="-127"/>
+              </a:rPr>
+              <a:t>와 마찬가지로</a:t>
+            </a:r>
+            <a:r>
+              <a:rPr lang="en-US" altLang="ko-KR" dirty="0">
+                <a:latin typeface="나눔스퀘어 Light" panose="020B0600000101010101" pitchFamily="50" charset="-127"/>
+                <a:ea typeface="나눔스퀘어 Light" panose="020B0600000101010101" pitchFamily="50" charset="-127"/>
+              </a:rPr>
+              <a:t>, </a:t>
+            </a:r>
+            <a:r>
+              <a:rPr lang="ko-KR" altLang="en-US" dirty="0">
+                <a:latin typeface="나눔스퀘어 Light" panose="020B0600000101010101" pitchFamily="50" charset="-127"/>
+                <a:ea typeface="나눔스퀘어 Light" panose="020B0600000101010101" pitchFamily="50" charset="-127"/>
+              </a:rPr>
+              <a:t>구조체 대신 회의 클래스를 만들어 연관된 자료들을 묶음</a:t>
             </a:r>
           </a:p>
         </p:txBody>
       </p:sp>
       <p:pic>
         <p:nvPicPr>
-          <p:cNvPr id="7" name="그림 6">
-            <a:extLst>
-              <a:ext uri="{FF2B5EF4-FFF2-40B4-BE49-F238E27FC236}">
-                <a16:creationId xmlns:a16="http://schemas.microsoft.com/office/drawing/2014/main" id="{90EFE020-B054-8B5A-6EEC-A1C3D30CAF1D}"/>
+          <p:cNvPr id="8" name="그림 7">
+            <a:extLst>
+              <a:ext uri="{FF2B5EF4-FFF2-40B4-BE49-F238E27FC236}">
+                <a16:creationId xmlns:a16="http://schemas.microsoft.com/office/drawing/2014/main" id="{9EB58D30-8867-6B93-40C1-9F708CEC2336}"/>
               </a:ext>
             </a:extLst>
           </p:cNvPr>
@@ -20809,198 +21013,74 @@
         </p:blipFill>
         <p:spPr>
           <a:xfrm>
-            <a:off x="331694" y="986479"/>
-            <a:ext cx="10897386" cy="3810599"/>
+            <a:off x="942387" y="1928688"/>
+            <a:ext cx="10313230" cy="4330710"/>
           </a:xfrm>
           <a:prstGeom prst="rect">
             <a:avLst/>
           </a:prstGeom>
         </p:spPr>
       </p:pic>
-      <p:pic>
-        <p:nvPicPr>
-          <p:cNvPr id="9" name="그림 8">
-            <a:extLst>
-              <a:ext uri="{FF2B5EF4-FFF2-40B4-BE49-F238E27FC236}">
-                <a16:creationId xmlns:a16="http://schemas.microsoft.com/office/drawing/2014/main" id="{9C854AD4-CA17-4C2F-D554-5D0DF78A5558}"/>
-              </a:ext>
-            </a:extLst>
-          </p:cNvPr>
-          <p:cNvPicPr>
-            <a:picLocks noChangeAspect="1"/>
-          </p:cNvPicPr>
+      <p:sp>
+        <p:nvSpPr>
+          <p:cNvPr id="9" name="TextBox 8">
+            <a:extLst>
+              <a:ext uri="{FF2B5EF4-FFF2-40B4-BE49-F238E27FC236}">
+                <a16:creationId xmlns:a16="http://schemas.microsoft.com/office/drawing/2014/main" id="{C14BFACE-78CD-1096-CECC-89C78680ABAD}"/>
+              </a:ext>
+            </a:extLst>
+          </p:cNvPr>
+          <p:cNvSpPr txBox="1"/>
           <p:nvPr/>
-        </p:nvPicPr>
-        <p:blipFill>
-          <a:blip r:embed="rId3"/>
-          <a:stretch>
-            <a:fillRect/>
-          </a:stretch>
-        </p:blipFill>
-        <p:spPr>
-          <a:xfrm>
-            <a:off x="331694" y="5088194"/>
-            <a:ext cx="1338436" cy="975470"/>
+        </p:nvSpPr>
+        <p:spPr>
+          <a:xfrm>
+            <a:off x="942387" y="6311163"/>
+            <a:ext cx="10237694" cy="369332"/>
           </a:xfrm>
           <a:prstGeom prst="rect">
             <a:avLst/>
           </a:prstGeom>
-        </p:spPr>
-      </p:pic>
-      <p:pic>
-        <p:nvPicPr>
-          <p:cNvPr id="11" name="그림 10">
-            <a:extLst>
-              <a:ext uri="{FF2B5EF4-FFF2-40B4-BE49-F238E27FC236}">
-                <a16:creationId xmlns:a16="http://schemas.microsoft.com/office/drawing/2014/main" id="{3874EC50-3ED4-0898-9D24-CA2CC1E996C7}"/>
-              </a:ext>
-            </a:extLst>
-          </p:cNvPr>
-          <p:cNvPicPr>
-            <a:picLocks noChangeAspect="1"/>
-          </p:cNvPicPr>
-          <p:nvPr/>
-        </p:nvPicPr>
-        <p:blipFill>
-          <a:blip r:embed="rId4"/>
-          <a:stretch>
-            <a:fillRect/>
-          </a:stretch>
-        </p:blipFill>
-        <p:spPr>
-          <a:xfrm>
-            <a:off x="1802072" y="5088194"/>
-            <a:ext cx="1338436" cy="994267"/>
-          </a:xfrm>
-          <a:prstGeom prst="rect">
-            <a:avLst/>
-          </a:prstGeom>
-        </p:spPr>
-      </p:pic>
-      <p:pic>
-        <p:nvPicPr>
-          <p:cNvPr id="13" name="그림 12">
-            <a:extLst>
-              <a:ext uri="{FF2B5EF4-FFF2-40B4-BE49-F238E27FC236}">
-                <a16:creationId xmlns:a16="http://schemas.microsoft.com/office/drawing/2014/main" id="{39A82E04-062E-89C9-A60F-07E1CE30F39C}"/>
-              </a:ext>
-            </a:extLst>
-          </p:cNvPr>
-          <p:cNvPicPr>
-            <a:picLocks noChangeAspect="1"/>
-          </p:cNvPicPr>
-          <p:nvPr/>
-        </p:nvPicPr>
-        <p:blipFill>
-          <a:blip r:embed="rId5"/>
-          <a:stretch>
-            <a:fillRect/>
-          </a:stretch>
-        </p:blipFill>
-        <p:spPr>
-          <a:xfrm>
-            <a:off x="3852989" y="5088194"/>
-            <a:ext cx="1415837" cy="994267"/>
-          </a:xfrm>
-          <a:prstGeom prst="rect">
-            <a:avLst/>
-          </a:prstGeom>
-        </p:spPr>
-      </p:pic>
-      <p:pic>
-        <p:nvPicPr>
-          <p:cNvPr id="15" name="그림 14">
-            <a:extLst>
-              <a:ext uri="{FF2B5EF4-FFF2-40B4-BE49-F238E27FC236}">
-                <a16:creationId xmlns:a16="http://schemas.microsoft.com/office/drawing/2014/main" id="{89CD5639-F39D-75A4-A70C-60E25CE236DC}"/>
-              </a:ext>
-            </a:extLst>
-          </p:cNvPr>
-          <p:cNvPicPr>
-            <a:picLocks noChangeAspect="1"/>
-          </p:cNvPicPr>
-          <p:nvPr/>
-        </p:nvPicPr>
-        <p:blipFill>
-          <a:blip r:embed="rId6"/>
-          <a:stretch>
-            <a:fillRect/>
-          </a:stretch>
-        </p:blipFill>
-        <p:spPr>
-          <a:xfrm>
-            <a:off x="5394520" y="5088193"/>
-            <a:ext cx="1373925" cy="1000663"/>
-          </a:xfrm>
-          <a:prstGeom prst="rect">
-            <a:avLst/>
-          </a:prstGeom>
-        </p:spPr>
-      </p:pic>
-      <p:pic>
-        <p:nvPicPr>
-          <p:cNvPr id="17" name="그림 16">
-            <a:extLst>
-              <a:ext uri="{FF2B5EF4-FFF2-40B4-BE49-F238E27FC236}">
-                <a16:creationId xmlns:a16="http://schemas.microsoft.com/office/drawing/2014/main" id="{88034E11-583C-EB4C-DD86-E5D5C2BB3304}"/>
-              </a:ext>
-            </a:extLst>
-          </p:cNvPr>
-          <p:cNvPicPr>
-            <a:picLocks noChangeAspect="1"/>
-          </p:cNvPicPr>
-          <p:nvPr/>
-        </p:nvPicPr>
-        <p:blipFill>
-          <a:blip r:embed="rId7"/>
-          <a:stretch>
-            <a:fillRect/>
-          </a:stretch>
-        </p:blipFill>
-        <p:spPr>
-          <a:xfrm>
-            <a:off x="7491415" y="5114117"/>
-            <a:ext cx="1435378" cy="1000663"/>
-          </a:xfrm>
-          <a:prstGeom prst="rect">
-            <a:avLst/>
-          </a:prstGeom>
-        </p:spPr>
-      </p:pic>
-      <p:pic>
-        <p:nvPicPr>
-          <p:cNvPr id="19" name="그림 18">
-            <a:extLst>
-              <a:ext uri="{FF2B5EF4-FFF2-40B4-BE49-F238E27FC236}">
-                <a16:creationId xmlns:a16="http://schemas.microsoft.com/office/drawing/2014/main" id="{74A0D0A7-521C-E7BB-8E7F-C20AEE070B9C}"/>
-              </a:ext>
-            </a:extLst>
-          </p:cNvPr>
-          <p:cNvPicPr>
-            <a:picLocks noChangeAspect="1"/>
-          </p:cNvPicPr>
-          <p:nvPr/>
-        </p:nvPicPr>
-        <p:blipFill>
-          <a:blip r:embed="rId8"/>
-          <a:stretch>
-            <a:fillRect/>
-          </a:stretch>
-        </p:blipFill>
-        <p:spPr>
-          <a:xfrm>
-            <a:off x="9060760" y="5109278"/>
-            <a:ext cx="1412228" cy="1000664"/>
-          </a:xfrm>
-          <a:prstGeom prst="rect">
-            <a:avLst/>
-          </a:prstGeom>
-        </p:spPr>
-      </p:pic>
+          <a:noFill/>
+        </p:spPr>
+        <p:txBody>
+          <a:bodyPr wrap="square" rtlCol="0">
+            <a:spAutoFit/>
+          </a:bodyPr>
+          <a:lstStyle/>
+          <a:p>
+            <a:r>
+              <a:rPr lang="en-US" altLang="ko-KR" dirty="0">
+                <a:latin typeface="나눔스퀘어 Light" panose="020B0600000101010101" pitchFamily="50" charset="-127"/>
+                <a:ea typeface="나눔스퀘어 Light" panose="020B0600000101010101" pitchFamily="50" charset="-127"/>
+              </a:rPr>
+              <a:t>Comparable&lt;T&gt; </a:t>
+            </a:r>
+            <a:r>
+              <a:rPr lang="ko-KR" altLang="en-US" dirty="0">
+                <a:latin typeface="나눔스퀘어 Light" panose="020B0600000101010101" pitchFamily="50" charset="-127"/>
+                <a:ea typeface="나눔스퀘어 Light" panose="020B0600000101010101" pitchFamily="50" charset="-127"/>
+              </a:rPr>
+              <a:t>인터페이스를 구현하여 정렬이 가능하게 한다</a:t>
+            </a:r>
+            <a:r>
+              <a:rPr lang="en-US" altLang="ko-KR" dirty="0">
+                <a:latin typeface="나눔스퀘어 Light" panose="020B0600000101010101" pitchFamily="50" charset="-127"/>
+                <a:ea typeface="나눔스퀘어 Light" panose="020B0600000101010101" pitchFamily="50" charset="-127"/>
+              </a:rPr>
+              <a:t>.</a:t>
+            </a:r>
+            <a:endParaRPr lang="ko-KR" altLang="en-US" dirty="0">
+              <a:latin typeface="나눔스퀘어 Light" panose="020B0600000101010101" pitchFamily="50" charset="-127"/>
+              <a:ea typeface="나눔스퀘어 Light" panose="020B0600000101010101" pitchFamily="50" charset="-127"/>
+            </a:endParaRPr>
+          </a:p>
+        </p:txBody>
+      </p:sp>
     </p:spTree>
     <p:extLst>
       <p:ext uri="{BB962C8B-B14F-4D97-AF65-F5344CB8AC3E}">
-        <p14:creationId xmlns:p14="http://schemas.microsoft.com/office/powerpoint/2010/main" val="2401598668"/>
+        <p14:creationId xmlns:p14="http://schemas.microsoft.com/office/powerpoint/2010/main" val="2676761488"/>
       </p:ext>
     </p:extLst>
   </p:cSld>
@@ -21086,7 +21166,7 @@
         <p:spPr>
           <a:xfrm>
             <a:off x="331694" y="177505"/>
-            <a:ext cx="4607864" cy="523220"/>
+            <a:ext cx="4405886" cy="523220"/>
           </a:xfrm>
           <a:prstGeom prst="rect">
             <a:avLst/>
@@ -21118,38 +21198,24 @@
                 <a:latin typeface="나눔스퀘어 Bold" panose="020B0600000101010101" pitchFamily="50" charset="-127"/>
                 <a:ea typeface="나눔스퀘어 Bold" panose="020B0600000101010101" pitchFamily="50" charset="-127"/>
               </a:rPr>
-              <a:t>– 2864 5</a:t>
+              <a:t>– 1931 </a:t>
             </a:r>
             <a:r>
               <a:rPr lang="ko-KR" altLang="en-US" sz="2800" dirty="0">
                 <a:latin typeface="나눔스퀘어 Bold" panose="020B0600000101010101" pitchFamily="50" charset="-127"/>
                 <a:ea typeface="나눔스퀘어 Bold" panose="020B0600000101010101" pitchFamily="50" charset="-127"/>
               </a:rPr>
-              <a:t>와 </a:t>
-            </a:r>
-            <a:r>
-              <a:rPr lang="en-US" altLang="ko-KR" sz="2800" dirty="0">
-                <a:latin typeface="나눔스퀘어 Bold" panose="020B0600000101010101" pitchFamily="50" charset="-127"/>
-                <a:ea typeface="나눔스퀘어 Bold" panose="020B0600000101010101" pitchFamily="50" charset="-127"/>
-              </a:rPr>
-              <a:t>6</a:t>
-            </a:r>
-            <a:r>
-              <a:rPr lang="ko-KR" altLang="en-US" sz="2800" dirty="0">
-                <a:latin typeface="나눔스퀘어 Bold" panose="020B0600000101010101" pitchFamily="50" charset="-127"/>
-                <a:ea typeface="나눔스퀘어 Bold" panose="020B0600000101010101" pitchFamily="50" charset="-127"/>
-              </a:rPr>
-              <a:t>의 차이</a:t>
+              <a:t>회의실 배정</a:t>
             </a:r>
           </a:p>
         </p:txBody>
       </p:sp>
       <p:sp>
         <p:nvSpPr>
-          <p:cNvPr id="3" name="TextBox 2">
-            <a:extLst>
-              <a:ext uri="{FF2B5EF4-FFF2-40B4-BE49-F238E27FC236}">
-                <a16:creationId xmlns:a16="http://schemas.microsoft.com/office/drawing/2014/main" id="{582E9E24-F263-5FE2-A044-DC8692C463F8}"/>
+          <p:cNvPr id="9" name="TextBox 8">
+            <a:extLst>
+              <a:ext uri="{FF2B5EF4-FFF2-40B4-BE49-F238E27FC236}">
+                <a16:creationId xmlns:a16="http://schemas.microsoft.com/office/drawing/2014/main" id="{C14BFACE-78CD-1096-CECC-89C78680ABAD}"/>
               </a:ext>
             </a:extLst>
           </p:cNvPr>
@@ -21177,241 +21243,17 @@
                 <a:latin typeface="나눔스퀘어 Light" panose="020B0600000101010101" pitchFamily="50" charset="-127"/>
                 <a:ea typeface="나눔스퀘어 Light" panose="020B0600000101010101" pitchFamily="50" charset="-127"/>
               </a:rPr>
-              <a:t>값을 최대화 할 땐 숫자의 </a:t>
-            </a:r>
-            <a:r>
-              <a:rPr lang="en-US" altLang="ko-KR" dirty="0">
-                <a:latin typeface="나눔스퀘어 Light" panose="020B0600000101010101" pitchFamily="50" charset="-127"/>
-                <a:ea typeface="나눔스퀘어 Light" panose="020B0600000101010101" pitchFamily="50" charset="-127"/>
-              </a:rPr>
-              <a:t>5</a:t>
-            </a:r>
-            <a:r>
-              <a:rPr lang="ko-KR" altLang="en-US" dirty="0">
-                <a:latin typeface="나눔스퀘어 Light" panose="020B0600000101010101" pitchFamily="50" charset="-127"/>
-                <a:ea typeface="나눔스퀘어 Light" panose="020B0600000101010101" pitchFamily="50" charset="-127"/>
-              </a:rPr>
-              <a:t>또는 </a:t>
-            </a:r>
-            <a:r>
-              <a:rPr lang="en-US" altLang="ko-KR" dirty="0">
-                <a:latin typeface="나눔스퀘어 Light" panose="020B0600000101010101" pitchFamily="50" charset="-127"/>
-                <a:ea typeface="나눔스퀘어 Light" panose="020B0600000101010101" pitchFamily="50" charset="-127"/>
-              </a:rPr>
-              <a:t>6</a:t>
-            </a:r>
-            <a:r>
-              <a:rPr lang="ko-KR" altLang="en-US" dirty="0">
-                <a:latin typeface="나눔스퀘어 Light" panose="020B0600000101010101" pitchFamily="50" charset="-127"/>
-                <a:ea typeface="나눔스퀘어 Light" panose="020B0600000101010101" pitchFamily="50" charset="-127"/>
-              </a:rPr>
-              <a:t>을 전부 </a:t>
-            </a:r>
-            <a:r>
-              <a:rPr lang="en-US" altLang="ko-KR" dirty="0">
-                <a:latin typeface="나눔스퀘어 Light" panose="020B0600000101010101" pitchFamily="50" charset="-127"/>
-                <a:ea typeface="나눔스퀘어 Light" panose="020B0600000101010101" pitchFamily="50" charset="-127"/>
-              </a:rPr>
-              <a:t>6</a:t>
-            </a:r>
-            <a:r>
-              <a:rPr lang="ko-KR" altLang="en-US" dirty="0">
-                <a:latin typeface="나눔스퀘어 Light" panose="020B0600000101010101" pitchFamily="50" charset="-127"/>
-                <a:ea typeface="나눔스퀘어 Light" panose="020B0600000101010101" pitchFamily="50" charset="-127"/>
-              </a:rPr>
-              <a:t>으로 바꿔야함</a:t>
-            </a:r>
-          </a:p>
-        </p:txBody>
-      </p:sp>
-      <p:sp>
-        <p:nvSpPr>
-          <p:cNvPr id="4" name="TextBox 3">
-            <a:extLst>
-              <a:ext uri="{FF2B5EF4-FFF2-40B4-BE49-F238E27FC236}">
-                <a16:creationId xmlns:a16="http://schemas.microsoft.com/office/drawing/2014/main" id="{4FDDEF5F-C352-C7C8-3221-673D9CB18F39}"/>
-              </a:ext>
-            </a:extLst>
-          </p:cNvPr>
-          <p:cNvSpPr txBox="1"/>
-          <p:nvPr/>
-        </p:nvSpPr>
-        <p:spPr>
-          <a:xfrm>
-            <a:off x="942387" y="1559356"/>
-            <a:ext cx="10237694" cy="369332"/>
-          </a:xfrm>
-          <a:prstGeom prst="rect">
-            <a:avLst/>
-          </a:prstGeom>
-          <a:noFill/>
-        </p:spPr>
-        <p:txBody>
-          <a:bodyPr wrap="square" rtlCol="0">
-            <a:spAutoFit/>
-          </a:bodyPr>
-          <a:lstStyle/>
-          <a:p>
-            <a:r>
-              <a:rPr lang="ko-KR" altLang="en-US" dirty="0">
-                <a:latin typeface="나눔스퀘어 Light" panose="020B0600000101010101" pitchFamily="50" charset="-127"/>
-                <a:ea typeface="나눔스퀘어 Light" panose="020B0600000101010101" pitchFamily="50" charset="-127"/>
-              </a:rPr>
-              <a:t>최소화 할 땐 숫자의 </a:t>
-            </a:r>
-            <a:r>
-              <a:rPr lang="en-US" altLang="ko-KR" dirty="0">
-                <a:latin typeface="나눔스퀘어 Light" panose="020B0600000101010101" pitchFamily="50" charset="-127"/>
-                <a:ea typeface="나눔스퀘어 Light" panose="020B0600000101010101" pitchFamily="50" charset="-127"/>
-              </a:rPr>
-              <a:t>5 </a:t>
-            </a:r>
-            <a:r>
-              <a:rPr lang="ko-KR" altLang="en-US" dirty="0">
-                <a:latin typeface="나눔스퀘어 Light" panose="020B0600000101010101" pitchFamily="50" charset="-127"/>
-                <a:ea typeface="나눔스퀘어 Light" panose="020B0600000101010101" pitchFamily="50" charset="-127"/>
-              </a:rPr>
-              <a:t>또는 </a:t>
-            </a:r>
-            <a:r>
-              <a:rPr lang="en-US" altLang="ko-KR" dirty="0">
-                <a:latin typeface="나눔스퀘어 Light" panose="020B0600000101010101" pitchFamily="50" charset="-127"/>
-                <a:ea typeface="나눔스퀘어 Light" panose="020B0600000101010101" pitchFamily="50" charset="-127"/>
-              </a:rPr>
-              <a:t>6</a:t>
-            </a:r>
-            <a:r>
-              <a:rPr lang="ko-KR" altLang="en-US" dirty="0">
-                <a:latin typeface="나눔스퀘어 Light" panose="020B0600000101010101" pitchFamily="50" charset="-127"/>
-                <a:ea typeface="나눔스퀘어 Light" panose="020B0600000101010101" pitchFamily="50" charset="-127"/>
-              </a:rPr>
-              <a:t>을 전부 </a:t>
-            </a:r>
-            <a:r>
-              <a:rPr lang="en-US" altLang="ko-KR" dirty="0">
-                <a:latin typeface="나눔스퀘어 Light" panose="020B0600000101010101" pitchFamily="50" charset="-127"/>
-                <a:ea typeface="나눔스퀘어 Light" panose="020B0600000101010101" pitchFamily="50" charset="-127"/>
-              </a:rPr>
-              <a:t>5</a:t>
-            </a:r>
-            <a:r>
-              <a:rPr lang="ko-KR" altLang="en-US" dirty="0">
-                <a:latin typeface="나눔스퀘어 Light" panose="020B0600000101010101" pitchFamily="50" charset="-127"/>
-                <a:ea typeface="나눔스퀘어 Light" panose="020B0600000101010101" pitchFamily="50" charset="-127"/>
-              </a:rPr>
-              <a:t>로 바꾸면 수가 </a:t>
-            </a:r>
-            <a:r>
-              <a:rPr lang="ko-KR" altLang="en-US" dirty="0" err="1">
-                <a:latin typeface="나눔스퀘어 Light" panose="020B0600000101010101" pitchFamily="50" charset="-127"/>
-                <a:ea typeface="나눔스퀘어 Light" panose="020B0600000101010101" pitchFamily="50" charset="-127"/>
-              </a:rPr>
-              <a:t>작아짐</a:t>
-            </a:r>
-            <a:endParaRPr lang="ko-KR" altLang="en-US" dirty="0">
-              <a:latin typeface="나눔스퀘어 Light" panose="020B0600000101010101" pitchFamily="50" charset="-127"/>
-              <a:ea typeface="나눔스퀘어 Light" panose="020B0600000101010101" pitchFamily="50" charset="-127"/>
-            </a:endParaRPr>
-          </a:p>
-        </p:txBody>
-      </p:sp>
-      <p:sp>
-        <p:nvSpPr>
-          <p:cNvPr id="7" name="TextBox 6">
-            <a:extLst>
-              <a:ext uri="{FF2B5EF4-FFF2-40B4-BE49-F238E27FC236}">
-                <a16:creationId xmlns:a16="http://schemas.microsoft.com/office/drawing/2014/main" id="{7225289C-FF61-4F4C-C8C9-BC45955A3175}"/>
-              </a:ext>
-            </a:extLst>
-          </p:cNvPr>
-          <p:cNvSpPr txBox="1"/>
-          <p:nvPr/>
-        </p:nvSpPr>
-        <p:spPr>
-          <a:xfrm>
-            <a:off x="942387" y="2298020"/>
-            <a:ext cx="10237694" cy="369332"/>
-          </a:xfrm>
-          <a:prstGeom prst="rect">
-            <a:avLst/>
-          </a:prstGeom>
-          <a:noFill/>
-        </p:spPr>
-        <p:txBody>
-          <a:bodyPr wrap="square" rtlCol="0">
-            <a:spAutoFit/>
-          </a:bodyPr>
-          <a:lstStyle/>
-          <a:p>
-            <a:r>
-              <a:rPr lang="ko-KR" altLang="en-US" dirty="0">
-                <a:latin typeface="나눔스퀘어 Light" panose="020B0600000101010101" pitchFamily="50" charset="-127"/>
-                <a:ea typeface="나눔스퀘어 Light" panose="020B0600000101010101" pitchFamily="50" charset="-127"/>
-              </a:rPr>
-              <a:t>수 중간중간의 숫자들을 바꾸니</a:t>
-            </a:r>
-            <a:r>
-              <a:rPr lang="en-US" altLang="ko-KR" dirty="0">
-                <a:latin typeface="나눔스퀘어 Light" panose="020B0600000101010101" pitchFamily="50" charset="-127"/>
-                <a:ea typeface="나눔스퀘어 Light" panose="020B0600000101010101" pitchFamily="50" charset="-127"/>
-              </a:rPr>
-              <a:t>, </a:t>
-            </a:r>
-            <a:r>
-              <a:rPr lang="ko-KR" altLang="en-US" dirty="0">
-                <a:latin typeface="나눔스퀘어 Light" panose="020B0600000101010101" pitchFamily="50" charset="-127"/>
-                <a:ea typeface="나눔스퀘어 Light" panose="020B0600000101010101" pitchFamily="50" charset="-127"/>
-              </a:rPr>
-              <a:t>문자열로 다루는 게 편할 듯</a:t>
-            </a:r>
-            <a:r>
-              <a:rPr lang="en-US" altLang="ko-KR" dirty="0">
-                <a:latin typeface="나눔스퀘어 Light" panose="020B0600000101010101" pitchFamily="50" charset="-127"/>
-                <a:ea typeface="나눔스퀘어 Light" panose="020B0600000101010101" pitchFamily="50" charset="-127"/>
-              </a:rPr>
-              <a:t>(Implement,</a:t>
-            </a:r>
-            <a:r>
-              <a:rPr lang="ko-KR" altLang="en-US" dirty="0">
-                <a:latin typeface="나눔스퀘어 Light" panose="020B0600000101010101" pitchFamily="50" charset="-127"/>
-                <a:ea typeface="나눔스퀘어 Light" panose="020B0600000101010101" pitchFamily="50" charset="-127"/>
-              </a:rPr>
-              <a:t> </a:t>
-            </a:r>
-            <a:r>
-              <a:rPr lang="en-US" altLang="ko-KR" dirty="0">
-                <a:latin typeface="나눔스퀘어 Light" panose="020B0600000101010101" pitchFamily="50" charset="-127"/>
-                <a:ea typeface="나눔스퀘어 Light" panose="020B0600000101010101" pitchFamily="50" charset="-127"/>
-              </a:rPr>
-              <a:t>String</a:t>
-            </a:r>
-            <a:r>
-              <a:rPr lang="ko-KR" altLang="en-US" dirty="0">
-                <a:latin typeface="나눔스퀘어 Light" panose="020B0600000101010101" pitchFamily="50" charset="-127"/>
-                <a:ea typeface="나눔스퀘어 Light" panose="020B0600000101010101" pitchFamily="50" charset="-127"/>
-              </a:rPr>
-              <a:t> 관점</a:t>
-            </a:r>
-            <a:r>
-              <a:rPr lang="en-US" altLang="ko-KR" dirty="0">
-                <a:latin typeface="나눔스퀘어 Light" panose="020B0600000101010101" pitchFamily="50" charset="-127"/>
-                <a:ea typeface="나눔스퀘어 Light" panose="020B0600000101010101" pitchFamily="50" charset="-127"/>
-              </a:rPr>
-              <a:t>)</a:t>
-            </a:r>
-            <a:endParaRPr lang="ko-KR" altLang="en-US" dirty="0">
-              <a:latin typeface="나눔스퀘어 Light" panose="020B0600000101010101" pitchFamily="50" charset="-127"/>
-              <a:ea typeface="나눔스퀘어 Light" panose="020B0600000101010101" pitchFamily="50" charset="-127"/>
-            </a:endParaRPr>
+              <a:t>나머지는 역시 타 언어와 마찬가지</a:t>
+            </a:r>
           </a:p>
         </p:txBody>
       </p:sp>
       <p:pic>
         <p:nvPicPr>
-          <p:cNvPr id="9" name="그림 8">
-            <a:extLst>
-              <a:ext uri="{FF2B5EF4-FFF2-40B4-BE49-F238E27FC236}">
-                <a16:creationId xmlns:a16="http://schemas.microsoft.com/office/drawing/2014/main" id="{86920FB3-CCDA-A581-5C1C-C2CB95CFB3AA}"/>
+          <p:cNvPr id="12" name="그림 11">
+            <a:extLst>
+              <a:ext uri="{FF2B5EF4-FFF2-40B4-BE49-F238E27FC236}">
+                <a16:creationId xmlns:a16="http://schemas.microsoft.com/office/drawing/2014/main" id="{137B6B37-0E3E-011D-8B99-C6239BC586E6}"/>
               </a:ext>
             </a:extLst>
           </p:cNvPr>
@@ -21428,209 +21270,18 @@
         </p:blipFill>
         <p:spPr>
           <a:xfrm>
-            <a:off x="942387" y="2667352"/>
-            <a:ext cx="6966398" cy="3921984"/>
+            <a:off x="168668" y="1672476"/>
+            <a:ext cx="11854663" cy="3352009"/>
           </a:xfrm>
           <a:prstGeom prst="rect">
             <a:avLst/>
           </a:prstGeom>
         </p:spPr>
       </p:pic>
-      <p:sp>
-        <p:nvSpPr>
-          <p:cNvPr id="10" name="TextBox 9">
-            <a:extLst>
-              <a:ext uri="{FF2B5EF4-FFF2-40B4-BE49-F238E27FC236}">
-                <a16:creationId xmlns:a16="http://schemas.microsoft.com/office/drawing/2014/main" id="{2AA938F4-4857-834F-3BB2-891524DCE994}"/>
-              </a:ext>
-            </a:extLst>
-          </p:cNvPr>
-          <p:cNvSpPr txBox="1"/>
-          <p:nvPr/>
-        </p:nvSpPr>
-        <p:spPr>
-          <a:xfrm>
-            <a:off x="8050491" y="3705014"/>
-            <a:ext cx="3129590" cy="369332"/>
-          </a:xfrm>
-          <a:prstGeom prst="rect">
-            <a:avLst/>
-          </a:prstGeom>
-          <a:noFill/>
-        </p:spPr>
-        <p:txBody>
-          <a:bodyPr wrap="square" rtlCol="0">
-            <a:spAutoFit/>
-          </a:bodyPr>
-          <a:lstStyle/>
-          <a:p>
-            <a:r>
-              <a:rPr lang="ko-KR" altLang="en-US" dirty="0">
-                <a:latin typeface="나눔스퀘어 Light" panose="020B0600000101010101" pitchFamily="50" charset="-127"/>
-                <a:ea typeface="나눔스퀘어 Light" panose="020B0600000101010101" pitchFamily="50" charset="-127"/>
-              </a:rPr>
-              <a:t>정말 다양한 구현 방식의</a:t>
-            </a:r>
-          </a:p>
-        </p:txBody>
-      </p:sp>
-      <p:sp>
-        <p:nvSpPr>
-          <p:cNvPr id="11" name="TextBox 10">
-            <a:extLst>
-              <a:ext uri="{FF2B5EF4-FFF2-40B4-BE49-F238E27FC236}">
-                <a16:creationId xmlns:a16="http://schemas.microsoft.com/office/drawing/2014/main" id="{CD3CE99E-C0BC-B780-60B2-9504EAAD090E}"/>
-              </a:ext>
-            </a:extLst>
-          </p:cNvPr>
-          <p:cNvSpPr txBox="1"/>
-          <p:nvPr/>
-        </p:nvSpPr>
-        <p:spPr>
-          <a:xfrm>
-            <a:off x="8050491" y="4066886"/>
-            <a:ext cx="3129590" cy="369332"/>
-          </a:xfrm>
-          <a:prstGeom prst="rect">
-            <a:avLst/>
-          </a:prstGeom>
-          <a:noFill/>
-        </p:spPr>
-        <p:txBody>
-          <a:bodyPr wrap="square" rtlCol="0">
-            <a:spAutoFit/>
-          </a:bodyPr>
-          <a:lstStyle/>
-          <a:p>
-            <a:r>
-              <a:rPr lang="ko-KR" altLang="en-US" dirty="0">
-                <a:latin typeface="나눔스퀘어 Light" panose="020B0600000101010101" pitchFamily="50" charset="-127"/>
-                <a:ea typeface="나눔스퀘어 Light" panose="020B0600000101010101" pitchFamily="50" charset="-127"/>
-              </a:rPr>
-              <a:t>코드가 나올 </a:t>
-            </a:r>
-            <a:r>
-              <a:rPr lang="ko-KR" altLang="en-US">
-                <a:latin typeface="나눔스퀘어 Light" panose="020B0600000101010101" pitchFamily="50" charset="-127"/>
-                <a:ea typeface="나눔스퀘어 Light" panose="020B0600000101010101" pitchFamily="50" charset="-127"/>
-              </a:rPr>
-              <a:t>수 </a:t>
-            </a:r>
-            <a:r>
-              <a:rPr lang="ko-KR" altLang="en-US" dirty="0" err="1">
-                <a:latin typeface="나눔스퀘어 Light" panose="020B0600000101010101" pitchFamily="50" charset="-127"/>
-                <a:ea typeface="나눔스퀘어 Light" panose="020B0600000101010101" pitchFamily="50" charset="-127"/>
-              </a:rPr>
-              <a:t>있을법한</a:t>
-            </a:r>
-            <a:r>
-              <a:rPr lang="ko-KR" altLang="en-US" dirty="0">
-                <a:latin typeface="나눔스퀘어 Light" panose="020B0600000101010101" pitchFamily="50" charset="-127"/>
-                <a:ea typeface="나눔스퀘어 Light" panose="020B0600000101010101" pitchFamily="50" charset="-127"/>
-              </a:rPr>
-              <a:t> 문제</a:t>
-            </a:r>
-          </a:p>
-        </p:txBody>
-      </p:sp>
-      <p:sp>
-        <p:nvSpPr>
-          <p:cNvPr id="12" name="TextBox 11">
-            <a:extLst>
-              <a:ext uri="{FF2B5EF4-FFF2-40B4-BE49-F238E27FC236}">
-                <a16:creationId xmlns:a16="http://schemas.microsoft.com/office/drawing/2014/main" id="{A4B26BED-2E8C-B366-ED73-9A4C5ECC378E}"/>
-              </a:ext>
-            </a:extLst>
-          </p:cNvPr>
-          <p:cNvSpPr txBox="1"/>
-          <p:nvPr/>
-        </p:nvSpPr>
-        <p:spPr>
-          <a:xfrm>
-            <a:off x="8050491" y="4742676"/>
-            <a:ext cx="3129590" cy="369332"/>
-          </a:xfrm>
-          <a:prstGeom prst="rect">
-            <a:avLst/>
-          </a:prstGeom>
-          <a:noFill/>
-        </p:spPr>
-        <p:txBody>
-          <a:bodyPr wrap="square" rtlCol="0">
-            <a:spAutoFit/>
-          </a:bodyPr>
-          <a:lstStyle/>
-          <a:p>
-            <a:r>
-              <a:rPr lang="en-US" altLang="ko-KR" dirty="0">
-                <a:latin typeface="나눔스퀘어 Light" panose="020B0600000101010101" pitchFamily="50" charset="-127"/>
-                <a:ea typeface="나눔스퀘어 Light" panose="020B0600000101010101" pitchFamily="50" charset="-127"/>
-              </a:rPr>
-              <a:t>(</a:t>
-            </a:r>
-            <a:r>
-              <a:rPr lang="ko-KR" altLang="en-US" dirty="0">
-                <a:latin typeface="나눔스퀘어 Light" panose="020B0600000101010101" pitchFamily="50" charset="-127"/>
-                <a:ea typeface="나눔스퀘어 Light" panose="020B0600000101010101" pitchFamily="50" charset="-127"/>
-              </a:rPr>
-              <a:t>이 코드가 정해는</a:t>
-            </a:r>
-          </a:p>
-        </p:txBody>
-      </p:sp>
-      <p:sp>
-        <p:nvSpPr>
-          <p:cNvPr id="13" name="TextBox 12">
-            <a:extLst>
-              <a:ext uri="{FF2B5EF4-FFF2-40B4-BE49-F238E27FC236}">
-                <a16:creationId xmlns:a16="http://schemas.microsoft.com/office/drawing/2014/main" id="{ADDD5EC7-EF07-A56A-317B-8A3276050D30}"/>
-              </a:ext>
-            </a:extLst>
-          </p:cNvPr>
-          <p:cNvSpPr txBox="1"/>
-          <p:nvPr/>
-        </p:nvSpPr>
-        <p:spPr>
-          <a:xfrm>
-            <a:off x="8050491" y="5113978"/>
-            <a:ext cx="3129590" cy="369332"/>
-          </a:xfrm>
-          <a:prstGeom prst="rect">
-            <a:avLst/>
-          </a:prstGeom>
-          <a:noFill/>
-        </p:spPr>
-        <p:txBody>
-          <a:bodyPr wrap="square" rtlCol="0">
-            <a:spAutoFit/>
-          </a:bodyPr>
-          <a:lstStyle/>
-          <a:p>
-            <a:r>
-              <a:rPr lang="ko-KR" altLang="en-US" dirty="0">
-                <a:latin typeface="나눔스퀘어 Light" panose="020B0600000101010101" pitchFamily="50" charset="-127"/>
-                <a:ea typeface="나눔스퀘어 Light" panose="020B0600000101010101" pitchFamily="50" charset="-127"/>
-              </a:rPr>
-              <a:t>절대 아닙니다</a:t>
-            </a:r>
-            <a:r>
-              <a:rPr lang="en-US" altLang="ko-KR" dirty="0">
-                <a:latin typeface="나눔스퀘어 Light" panose="020B0600000101010101" pitchFamily="50" charset="-127"/>
-                <a:ea typeface="나눔스퀘어 Light" panose="020B0600000101010101" pitchFamily="50" charset="-127"/>
-              </a:rPr>
-              <a:t>.)</a:t>
-            </a:r>
-            <a:endParaRPr lang="ko-KR" altLang="en-US" dirty="0">
-              <a:latin typeface="나눔스퀘어 Light" panose="020B0600000101010101" pitchFamily="50" charset="-127"/>
-              <a:ea typeface="나눔스퀘어 Light" panose="020B0600000101010101" pitchFamily="50" charset="-127"/>
-            </a:endParaRPr>
-          </a:p>
-        </p:txBody>
-      </p:sp>
     </p:spTree>
     <p:extLst>
       <p:ext uri="{BB962C8B-B14F-4D97-AF65-F5344CB8AC3E}">
-        <p14:creationId xmlns:p14="http://schemas.microsoft.com/office/powerpoint/2010/main" val="1899511053"/>
+        <p14:creationId xmlns:p14="http://schemas.microsoft.com/office/powerpoint/2010/main" val="2522486342"/>
       </p:ext>
     </p:extLst>
   </p:cSld>
@@ -22117,7 +21768,7 @@
         <p:spPr>
           <a:xfrm>
             <a:off x="331694" y="177505"/>
-            <a:ext cx="4827475" cy="523220"/>
+            <a:ext cx="3589444" cy="523220"/>
           </a:xfrm>
           <a:prstGeom prst="rect">
             <a:avLst/>
@@ -22135,30 +21786,110 @@
                 <a:latin typeface="나눔스퀘어 Bold" panose="020B0600000101010101" pitchFamily="50" charset="-127"/>
                 <a:ea typeface="나눔스퀘어 Bold" panose="020B0600000101010101" pitchFamily="50" charset="-127"/>
               </a:rPr>
-              <a:t>Greedy</a:t>
+              <a:t>TMI – </a:t>
             </a:r>
             <a:r>
               <a:rPr lang="ko-KR" altLang="en-US" sz="2800" dirty="0">
                 <a:latin typeface="나눔스퀘어 Bold" panose="020B0600000101010101" pitchFamily="50" charset="-127"/>
                 <a:ea typeface="나눔스퀘어 Bold" panose="020B0600000101010101" pitchFamily="50" charset="-127"/>
               </a:rPr>
-              <a:t> </a:t>
-            </a:r>
-            <a:r>
-              <a:rPr lang="en-US" altLang="ko-KR" sz="2800" dirty="0">
+              <a:t>언어별 속도 차이</a:t>
+            </a:r>
+          </a:p>
+        </p:txBody>
+      </p:sp>
+      <p:sp>
+        <p:nvSpPr>
+          <p:cNvPr id="2" name="TextBox 1">
+            <a:extLst>
+              <a:ext uri="{FF2B5EF4-FFF2-40B4-BE49-F238E27FC236}">
+                <a16:creationId xmlns:a16="http://schemas.microsoft.com/office/drawing/2014/main" id="{EC92927F-D25F-E737-A2BE-8656A0C455F2}"/>
+              </a:ext>
+            </a:extLst>
+          </p:cNvPr>
+          <p:cNvSpPr txBox="1"/>
+          <p:nvPr/>
+        </p:nvSpPr>
+        <p:spPr>
+          <a:xfrm>
+            <a:off x="942387" y="1190024"/>
+            <a:ext cx="10237694" cy="369332"/>
+          </a:xfrm>
+          <a:prstGeom prst="rect">
+            <a:avLst/>
+          </a:prstGeom>
+          <a:noFill/>
+        </p:spPr>
+        <p:txBody>
+          <a:bodyPr wrap="square" rtlCol="0">
+            <a:spAutoFit/>
+          </a:bodyPr>
+          <a:lstStyle/>
+          <a:p>
+            <a:r>
+              <a:rPr lang="en-US" altLang="ko-KR" dirty="0">
                 <a:latin typeface="나눔스퀘어 Bold" panose="020B0600000101010101" pitchFamily="50" charset="-127"/>
                 <a:ea typeface="나눔스퀘어 Bold" panose="020B0600000101010101" pitchFamily="50" charset="-127"/>
               </a:rPr>
-              <a:t>– 16435 </a:t>
-            </a:r>
-            <a:r>
-              <a:rPr lang="ko-KR" altLang="en-US" sz="2800" dirty="0" err="1">
+              <a:t>TMI : </a:t>
+            </a:r>
+            <a:r>
+              <a:rPr lang="ko-KR" altLang="en-US" dirty="0">
                 <a:latin typeface="나눔스퀘어 Bold" panose="020B0600000101010101" pitchFamily="50" charset="-127"/>
                 <a:ea typeface="나눔스퀘어 Bold" panose="020B0600000101010101" pitchFamily="50" charset="-127"/>
               </a:rPr>
-              <a:t>스네이크버드</a:t>
-            </a:r>
-            <a:endParaRPr lang="ko-KR" altLang="en-US" sz="2800" dirty="0">
+              <a:t>언어별 입</a:t>
+            </a:r>
+            <a:r>
+              <a:rPr lang="en-US" altLang="ko-KR" dirty="0">
+                <a:latin typeface="나눔스퀘어 Bold" panose="020B0600000101010101" pitchFamily="50" charset="-127"/>
+                <a:ea typeface="나눔스퀘어 Bold" panose="020B0600000101010101" pitchFamily="50" charset="-127"/>
+              </a:rPr>
+              <a:t>/</a:t>
+            </a:r>
+            <a:r>
+              <a:rPr lang="ko-KR" altLang="en-US" dirty="0">
+                <a:latin typeface="나눔스퀘어 Bold" panose="020B0600000101010101" pitchFamily="50" charset="-127"/>
+                <a:ea typeface="나눔스퀘어 Bold" panose="020B0600000101010101" pitchFamily="50" charset="-127"/>
+              </a:rPr>
+              <a:t>출력</a:t>
+            </a:r>
+            <a:r>
+              <a:rPr lang="en-US" altLang="ko-KR" dirty="0">
+                <a:latin typeface="나눔스퀘어 Bold" panose="020B0600000101010101" pitchFamily="50" charset="-127"/>
+                <a:ea typeface="나눔스퀘어 Bold" panose="020B0600000101010101" pitchFamily="50" charset="-127"/>
+              </a:rPr>
+              <a:t>, </a:t>
+            </a:r>
+            <a:r>
+              <a:rPr lang="ko-KR" altLang="en-US" dirty="0">
+                <a:latin typeface="나눔스퀘어 Bold" panose="020B0600000101010101" pitchFamily="50" charset="-127"/>
+                <a:ea typeface="나눔스퀘어 Bold" panose="020B0600000101010101" pitchFamily="50" charset="-127"/>
+              </a:rPr>
+              <a:t>정렬 등의 속도차이가 존재하기 때문에</a:t>
+            </a:r>
+            <a:r>
+              <a:rPr lang="en-US" altLang="ko-KR" dirty="0">
+                <a:latin typeface="나눔스퀘어 Bold" panose="020B0600000101010101" pitchFamily="50" charset="-127"/>
+                <a:ea typeface="나눔스퀘어 Bold" panose="020B0600000101010101" pitchFamily="50" charset="-127"/>
+              </a:rPr>
+              <a:t>, </a:t>
+            </a:r>
+            <a:r>
+              <a:rPr lang="ko-KR" altLang="en-US" dirty="0">
+                <a:latin typeface="나눔스퀘어 Bold" panose="020B0600000101010101" pitchFamily="50" charset="-127"/>
+                <a:ea typeface="나눔스퀘어 Bold" panose="020B0600000101010101" pitchFamily="50" charset="-127"/>
+              </a:rPr>
+              <a:t>프로그램 수행시간의 차이가 날 수 있습니다</a:t>
+            </a:r>
+            <a:r>
+              <a:rPr lang="en-US" altLang="ko-KR" dirty="0">
+                <a:latin typeface="나눔스퀘어 Bold" panose="020B0600000101010101" pitchFamily="50" charset="-127"/>
+                <a:ea typeface="나눔스퀘어 Bold" panose="020B0600000101010101" pitchFamily="50" charset="-127"/>
+              </a:rPr>
+              <a:t>.</a:t>
+            </a:r>
+            <a:endParaRPr lang="ko-KR" altLang="en-US" dirty="0">
               <a:latin typeface="나눔스퀘어 Bold" panose="020B0600000101010101" pitchFamily="50" charset="-127"/>
               <a:ea typeface="나눔스퀘어 Bold" panose="020B0600000101010101" pitchFamily="50" charset="-127"/>
             </a:endParaRPr>
@@ -22167,10 +21898,10 @@
       </p:sp>
       <p:pic>
         <p:nvPicPr>
-          <p:cNvPr id="3" name="그림 2">
-            <a:extLst>
-              <a:ext uri="{FF2B5EF4-FFF2-40B4-BE49-F238E27FC236}">
-                <a16:creationId xmlns:a16="http://schemas.microsoft.com/office/drawing/2014/main" id="{FA589C46-CD63-5AC6-8332-ABB2E4C406BE}"/>
+          <p:cNvPr id="4" name="그림 3">
+            <a:extLst>
+              <a:ext uri="{FF2B5EF4-FFF2-40B4-BE49-F238E27FC236}">
+                <a16:creationId xmlns:a16="http://schemas.microsoft.com/office/drawing/2014/main" id="{1EB957AC-6945-85B9-2D5E-A3F43858BFA2}"/>
               </a:ext>
             </a:extLst>
           </p:cNvPr>
@@ -22187,50 +21918,99 @@
         </p:blipFill>
         <p:spPr>
           <a:xfrm>
-            <a:off x="331694" y="1007277"/>
-            <a:ext cx="7195942" cy="4939507"/>
+            <a:off x="0" y="1622987"/>
+            <a:ext cx="12192000" cy="1581389"/>
           </a:xfrm>
           <a:prstGeom prst="rect">
             <a:avLst/>
           </a:prstGeom>
         </p:spPr>
       </p:pic>
+      <p:sp>
+        <p:nvSpPr>
+          <p:cNvPr id="7" name="TextBox 6">
+            <a:extLst>
+              <a:ext uri="{FF2B5EF4-FFF2-40B4-BE49-F238E27FC236}">
+                <a16:creationId xmlns:a16="http://schemas.microsoft.com/office/drawing/2014/main" id="{F29916DC-19AB-1578-A329-7A6E1D8E618B}"/>
+              </a:ext>
+            </a:extLst>
+          </p:cNvPr>
+          <p:cNvSpPr txBox="1"/>
+          <p:nvPr/>
+        </p:nvSpPr>
+        <p:spPr>
+          <a:xfrm>
+            <a:off x="942387" y="3406171"/>
+            <a:ext cx="10237694" cy="369332"/>
+          </a:xfrm>
+          <a:prstGeom prst="rect">
+            <a:avLst/>
+          </a:prstGeom>
+          <a:noFill/>
+        </p:spPr>
+        <p:txBody>
+          <a:bodyPr wrap="square" rtlCol="0">
+            <a:spAutoFit/>
+          </a:bodyPr>
+          <a:lstStyle/>
+          <a:p>
+            <a:r>
+              <a:rPr lang="ko-KR" altLang="en-US" dirty="0">
+                <a:latin typeface="나눔스퀘어 Light" panose="020B0600000101010101" pitchFamily="50" charset="-127"/>
+                <a:ea typeface="나눔스퀘어 Light" panose="020B0600000101010101" pitchFamily="50" charset="-127"/>
+              </a:rPr>
+              <a:t>글읽기 </a:t>
+            </a:r>
+            <a:r>
+              <a:rPr lang="en-US" altLang="ko-KR" dirty="0">
+                <a:latin typeface="나눔스퀘어 Light" panose="020B0600000101010101" pitchFamily="50" charset="-127"/>
+                <a:ea typeface="나눔스퀘어 Light" panose="020B0600000101010101" pitchFamily="50" charset="-127"/>
+              </a:rPr>
+              <a:t>: </a:t>
+            </a:r>
+            <a:r>
+              <a:rPr lang="ko-KR" altLang="en-US" dirty="0">
+                <a:latin typeface="나눔스퀘어 Light" panose="020B0600000101010101" pitchFamily="50" charset="-127"/>
+                <a:ea typeface="나눔스퀘어 Light" panose="020B0600000101010101" pitchFamily="50" charset="-127"/>
+              </a:rPr>
+              <a:t>정렬 속도 비교</a:t>
+            </a:r>
+            <a:r>
+              <a:rPr lang="en-US" altLang="ko-KR" dirty="0">
+                <a:latin typeface="나눔스퀘어 Light" panose="020B0600000101010101" pitchFamily="50" charset="-127"/>
+                <a:ea typeface="나눔스퀘어 Light" panose="020B0600000101010101" pitchFamily="50" charset="-127"/>
+              </a:rPr>
+              <a:t>(</a:t>
+            </a:r>
+            <a:r>
+              <a:rPr lang="ko-KR" altLang="en-US" dirty="0">
+                <a:hlinkClick r:id="rId3"/>
+              </a:rPr>
+              <a:t>정렬 속도 비교 </a:t>
+            </a:r>
+            <a:r>
+              <a:rPr lang="en-US" altLang="ko-KR" dirty="0">
+                <a:hlinkClick r:id="rId3"/>
+              </a:rPr>
+              <a:t>(acmicpc.net)</a:t>
+            </a:r>
+            <a:r>
+              <a:rPr lang="en-US" altLang="ko-KR" dirty="0"/>
+              <a:t>)</a:t>
+            </a:r>
+            <a:endParaRPr lang="ko-KR" altLang="en-US" dirty="0">
+              <a:latin typeface="나눔스퀘어 Light" panose="020B0600000101010101" pitchFamily="50" charset="-127"/>
+              <a:ea typeface="나눔스퀘어 Light" panose="020B0600000101010101" pitchFamily="50" charset="-127"/>
+            </a:endParaRPr>
+          </a:p>
+        </p:txBody>
+      </p:sp>
       <p:pic>
         <p:nvPicPr>
-          <p:cNvPr id="8" name="그림 7">
-            <a:extLst>
-              <a:ext uri="{FF2B5EF4-FFF2-40B4-BE49-F238E27FC236}">
-                <a16:creationId xmlns:a16="http://schemas.microsoft.com/office/drawing/2014/main" id="{4B39361B-96FC-AED7-0117-C2247189F31B}"/>
-              </a:ext>
-            </a:extLst>
-          </p:cNvPr>
-          <p:cNvPicPr>
-            <a:picLocks noChangeAspect="1"/>
-          </p:cNvPicPr>
-          <p:nvPr/>
-        </p:nvPicPr>
-        <p:blipFill>
-          <a:blip r:embed="rId3"/>
-          <a:stretch>
-            <a:fillRect/>
-          </a:stretch>
-        </p:blipFill>
-        <p:spPr>
-          <a:xfrm>
-            <a:off x="4837449" y="5007753"/>
-            <a:ext cx="1371791" cy="1257475"/>
-          </a:xfrm>
-          <a:prstGeom prst="rect">
-            <a:avLst/>
-          </a:prstGeom>
-        </p:spPr>
-      </p:pic>
-      <p:pic>
-        <p:nvPicPr>
-          <p:cNvPr id="12" name="그림 11">
-            <a:extLst>
-              <a:ext uri="{FF2B5EF4-FFF2-40B4-BE49-F238E27FC236}">
-                <a16:creationId xmlns:a16="http://schemas.microsoft.com/office/drawing/2014/main" id="{7B61A6F2-563B-9EB0-FDE9-71C29B084B05}"/>
+          <p:cNvPr id="9" name="그림 8">
+            <a:extLst>
+              <a:ext uri="{FF2B5EF4-FFF2-40B4-BE49-F238E27FC236}">
+                <a16:creationId xmlns:a16="http://schemas.microsoft.com/office/drawing/2014/main" id="{FCC2801F-D131-AD84-47AB-9EA688DF7190}"/>
               </a:ext>
             </a:extLst>
           </p:cNvPr>
@@ -22247,68 +22027,8 @@
         </p:blipFill>
         <p:spPr>
           <a:xfrm>
-            <a:off x="6333451" y="5026808"/>
-            <a:ext cx="1390844" cy="962159"/>
-          </a:xfrm>
-          <a:prstGeom prst="rect">
-            <a:avLst/>
-          </a:prstGeom>
-        </p:spPr>
-      </p:pic>
-      <p:pic>
-        <p:nvPicPr>
-          <p:cNvPr id="16" name="그림 15">
-            <a:extLst>
-              <a:ext uri="{FF2B5EF4-FFF2-40B4-BE49-F238E27FC236}">
-                <a16:creationId xmlns:a16="http://schemas.microsoft.com/office/drawing/2014/main" id="{15810030-2028-54BF-A319-92C2E28410B0}"/>
-              </a:ext>
-            </a:extLst>
-          </p:cNvPr>
-          <p:cNvPicPr>
-            <a:picLocks noChangeAspect="1"/>
-          </p:cNvPicPr>
-          <p:nvPr/>
-        </p:nvPicPr>
-        <p:blipFill>
-          <a:blip r:embed="rId5"/>
-          <a:stretch>
-            <a:fillRect/>
-          </a:stretch>
-        </p:blipFill>
-        <p:spPr>
-          <a:xfrm>
-            <a:off x="8103186" y="5026808"/>
-            <a:ext cx="1933845" cy="1190791"/>
-          </a:xfrm>
-          <a:prstGeom prst="rect">
-            <a:avLst/>
-          </a:prstGeom>
-        </p:spPr>
-      </p:pic>
-      <p:pic>
-        <p:nvPicPr>
-          <p:cNvPr id="20" name="그림 19">
-            <a:extLst>
-              <a:ext uri="{FF2B5EF4-FFF2-40B4-BE49-F238E27FC236}">
-                <a16:creationId xmlns:a16="http://schemas.microsoft.com/office/drawing/2014/main" id="{E672CC38-A8B9-36FD-E0BA-9BEDE6F718E8}"/>
-              </a:ext>
-            </a:extLst>
-          </p:cNvPr>
-          <p:cNvPicPr>
-            <a:picLocks noChangeAspect="1"/>
-          </p:cNvPicPr>
-          <p:nvPr/>
-        </p:nvPicPr>
-        <p:blipFill>
-          <a:blip r:embed="rId6"/>
-          <a:stretch>
-            <a:fillRect/>
-          </a:stretch>
-        </p:blipFill>
-        <p:spPr>
-          <a:xfrm>
-            <a:off x="10157304" y="5026808"/>
-            <a:ext cx="1362265" cy="990738"/>
+            <a:off x="942387" y="3850511"/>
+            <a:ext cx="5401852" cy="2868950"/>
           </a:xfrm>
           <a:prstGeom prst="rect">
             <a:avLst/>
@@ -22318,7 +22038,7 @@
     </p:spTree>
     <p:extLst>
       <p:ext uri="{BB962C8B-B14F-4D97-AF65-F5344CB8AC3E}">
-        <p14:creationId xmlns:p14="http://schemas.microsoft.com/office/powerpoint/2010/main" val="3612086494"/>
+        <p14:creationId xmlns:p14="http://schemas.microsoft.com/office/powerpoint/2010/main" val="4276423541"/>
       </p:ext>
     </p:extLst>
   </p:cSld>
@@ -22404,7 +22124,7 @@
         <p:spPr>
           <a:xfrm>
             <a:off x="331694" y="177505"/>
-            <a:ext cx="4827475" cy="523220"/>
+            <a:ext cx="4607864" cy="523220"/>
           </a:xfrm>
           <a:prstGeom prst="rect">
             <a:avLst/>
@@ -22436,342 +22156,38 @@
                 <a:latin typeface="나눔스퀘어 Bold" panose="020B0600000101010101" pitchFamily="50" charset="-127"/>
                 <a:ea typeface="나눔스퀘어 Bold" panose="020B0600000101010101" pitchFamily="50" charset="-127"/>
               </a:rPr>
-              <a:t>– 16435 </a:t>
-            </a:r>
-            <a:r>
-              <a:rPr lang="ko-KR" altLang="en-US" sz="2800" dirty="0" err="1">
+              <a:t>– 2864 5</a:t>
+            </a:r>
+            <a:r>
+              <a:rPr lang="ko-KR" altLang="en-US" sz="2800" dirty="0">
                 <a:latin typeface="나눔스퀘어 Bold" panose="020B0600000101010101" pitchFamily="50" charset="-127"/>
                 <a:ea typeface="나눔스퀘어 Bold" panose="020B0600000101010101" pitchFamily="50" charset="-127"/>
               </a:rPr>
-              <a:t>스네이크버드</a:t>
-            </a:r>
-            <a:endParaRPr lang="ko-KR" altLang="en-US" sz="2800" dirty="0">
-              <a:latin typeface="나눔스퀘어 Bold" panose="020B0600000101010101" pitchFamily="50" charset="-127"/>
-              <a:ea typeface="나눔스퀘어 Bold" panose="020B0600000101010101" pitchFamily="50" charset="-127"/>
-            </a:endParaRPr>
-          </a:p>
-        </p:txBody>
-      </p:sp>
-      <p:sp>
-        <p:nvSpPr>
-          <p:cNvPr id="3" name="TextBox 2">
-            <a:extLst>
-              <a:ext uri="{FF2B5EF4-FFF2-40B4-BE49-F238E27FC236}">
-                <a16:creationId xmlns:a16="http://schemas.microsoft.com/office/drawing/2014/main" id="{B99D022C-128B-C352-D829-441470D0CF4E}"/>
-              </a:ext>
-            </a:extLst>
-          </p:cNvPr>
-          <p:cNvSpPr txBox="1"/>
-          <p:nvPr/>
-        </p:nvSpPr>
-        <p:spPr>
-          <a:xfrm>
-            <a:off x="942387" y="1190024"/>
-            <a:ext cx="10237694" cy="369332"/>
-          </a:xfrm>
-          <a:prstGeom prst="rect">
-            <a:avLst/>
-          </a:prstGeom>
-          <a:noFill/>
-        </p:spPr>
-        <p:txBody>
-          <a:bodyPr wrap="square" rtlCol="0">
-            <a:spAutoFit/>
-          </a:bodyPr>
-          <a:lstStyle/>
-          <a:p>
-            <a:r>
-              <a:rPr lang="ko-KR" altLang="en-US" dirty="0">
-                <a:latin typeface="나눔스퀘어 Light" panose="020B0600000101010101" pitchFamily="50" charset="-127"/>
-                <a:ea typeface="나눔스퀘어 Light" panose="020B0600000101010101" pitchFamily="50" charset="-127"/>
-              </a:rPr>
-              <a:t>높은 곳에 있던</a:t>
-            </a:r>
-            <a:r>
-              <a:rPr lang="en-US" altLang="ko-KR" dirty="0">
-                <a:latin typeface="나눔스퀘어 Light" panose="020B0600000101010101" pitchFamily="50" charset="-127"/>
-                <a:ea typeface="나눔스퀘어 Light" panose="020B0600000101010101" pitchFamily="50" charset="-127"/>
-              </a:rPr>
-              <a:t>, </a:t>
-            </a:r>
-            <a:r>
-              <a:rPr lang="ko-KR" altLang="en-US" dirty="0">
-                <a:latin typeface="나눔스퀘어 Light" panose="020B0600000101010101" pitchFamily="50" charset="-127"/>
-                <a:ea typeface="나눔스퀘어 Light" panose="020B0600000101010101" pitchFamily="50" charset="-127"/>
-              </a:rPr>
-              <a:t>낮은 곳에 있던 어느 과일이든 먹으면 이득</a:t>
-            </a:r>
-            <a:r>
-              <a:rPr lang="en-US" altLang="ko-KR" dirty="0">
-                <a:latin typeface="나눔스퀘어 Light" panose="020B0600000101010101" pitchFamily="50" charset="-127"/>
-                <a:ea typeface="나눔스퀘어 Light" panose="020B0600000101010101" pitchFamily="50" charset="-127"/>
-              </a:rPr>
-              <a:t>(</a:t>
-            </a:r>
-            <a:r>
-              <a:rPr lang="ko-KR" altLang="en-US" dirty="0">
-                <a:latin typeface="나눔스퀘어 Light" panose="020B0600000101010101" pitchFamily="50" charset="-127"/>
-                <a:ea typeface="나눔스퀘어 Light" panose="020B0600000101010101" pitchFamily="50" charset="-127"/>
-              </a:rPr>
-              <a:t>늘어나는 길이</a:t>
-            </a:r>
-            <a:r>
-              <a:rPr lang="en-US" altLang="ko-KR" dirty="0">
-                <a:latin typeface="나눔스퀘어 Light" panose="020B0600000101010101" pitchFamily="50" charset="-127"/>
-                <a:ea typeface="나눔스퀘어 Light" panose="020B0600000101010101" pitchFamily="50" charset="-127"/>
-              </a:rPr>
-              <a:t>)</a:t>
-            </a:r>
-            <a:r>
-              <a:rPr lang="ko-KR" altLang="en-US" dirty="0">
-                <a:latin typeface="나눔스퀘어 Light" panose="020B0600000101010101" pitchFamily="50" charset="-127"/>
-                <a:ea typeface="나눔스퀘어 Light" panose="020B0600000101010101" pitchFamily="50" charset="-127"/>
-              </a:rPr>
-              <a:t>이 </a:t>
-            </a:r>
-            <a:r>
-              <a:rPr lang="en-US" altLang="ko-KR" dirty="0">
-                <a:latin typeface="나눔스퀘어 Light" panose="020B0600000101010101" pitchFamily="50" charset="-127"/>
-                <a:ea typeface="나눔스퀘어 Light" panose="020B0600000101010101" pitchFamily="50" charset="-127"/>
-              </a:rPr>
-              <a:t>1</a:t>
-            </a:r>
-            <a:r>
-              <a:rPr lang="ko-KR" altLang="en-US" dirty="0">
-                <a:latin typeface="나눔스퀘어 Light" panose="020B0600000101010101" pitchFamily="50" charset="-127"/>
-                <a:ea typeface="나눔스퀘어 Light" panose="020B0600000101010101" pitchFamily="50" charset="-127"/>
-              </a:rPr>
-              <a:t>로 동일합니다</a:t>
-            </a:r>
-            <a:r>
-              <a:rPr lang="en-US" altLang="ko-KR" dirty="0">
-                <a:latin typeface="나눔스퀘어 Light" panose="020B0600000101010101" pitchFamily="50" charset="-127"/>
-                <a:ea typeface="나눔스퀘어 Light" panose="020B0600000101010101" pitchFamily="50" charset="-127"/>
-              </a:rPr>
-              <a:t>.</a:t>
-            </a:r>
-            <a:endParaRPr lang="ko-KR" altLang="en-US" dirty="0">
-              <a:latin typeface="나눔스퀘어 Light" panose="020B0600000101010101" pitchFamily="50" charset="-127"/>
-              <a:ea typeface="나눔스퀘어 Light" panose="020B0600000101010101" pitchFamily="50" charset="-127"/>
-            </a:endParaRPr>
-          </a:p>
-        </p:txBody>
-      </p:sp>
-      <p:sp>
-        <p:nvSpPr>
-          <p:cNvPr id="4" name="TextBox 3">
-            <a:extLst>
-              <a:ext uri="{FF2B5EF4-FFF2-40B4-BE49-F238E27FC236}">
-                <a16:creationId xmlns:a16="http://schemas.microsoft.com/office/drawing/2014/main" id="{7AC2BEC7-2F14-A09C-A717-39FC82979DC5}"/>
-              </a:ext>
-            </a:extLst>
-          </p:cNvPr>
-          <p:cNvSpPr txBox="1"/>
-          <p:nvPr/>
-        </p:nvSpPr>
-        <p:spPr>
-          <a:xfrm>
-            <a:off x="942387" y="1559356"/>
-            <a:ext cx="10237694" cy="369332"/>
-          </a:xfrm>
-          <a:prstGeom prst="rect">
-            <a:avLst/>
-          </a:prstGeom>
-          <a:noFill/>
-        </p:spPr>
-        <p:txBody>
-          <a:bodyPr wrap="square" rtlCol="0">
-            <a:spAutoFit/>
-          </a:bodyPr>
-          <a:lstStyle/>
-          <a:p>
-            <a:r>
-              <a:rPr lang="ko-KR" altLang="en-US" dirty="0">
-                <a:latin typeface="나눔스퀘어 Light" panose="020B0600000101010101" pitchFamily="50" charset="-127"/>
-                <a:ea typeface="나눔스퀘어 Light" panose="020B0600000101010101" pitchFamily="50" charset="-127"/>
-              </a:rPr>
-              <a:t>그러면</a:t>
-            </a:r>
-            <a:r>
-              <a:rPr lang="en-US" altLang="ko-KR" dirty="0">
-                <a:latin typeface="나눔스퀘어 Light" panose="020B0600000101010101" pitchFamily="50" charset="-127"/>
-                <a:ea typeface="나눔스퀘어 Light" panose="020B0600000101010101" pitchFamily="50" charset="-127"/>
-              </a:rPr>
-              <a:t>, </a:t>
-            </a:r>
-            <a:r>
-              <a:rPr lang="ko-KR" altLang="en-US" dirty="0">
-                <a:latin typeface="나눔스퀘어 Light" panose="020B0600000101010101" pitchFamily="50" charset="-127"/>
-                <a:ea typeface="나눔스퀘어 Light" panose="020B0600000101010101" pitchFamily="50" charset="-127"/>
-              </a:rPr>
-              <a:t>먹을 수 있는 과일부터 먹는게 이득임을 알 수 있습니다</a:t>
-            </a:r>
-            <a:r>
-              <a:rPr lang="en-US" altLang="ko-KR" dirty="0">
-                <a:latin typeface="나눔스퀘어 Light" panose="020B0600000101010101" pitchFamily="50" charset="-127"/>
-                <a:ea typeface="나눔스퀘어 Light" panose="020B0600000101010101" pitchFamily="50" charset="-127"/>
-              </a:rPr>
-              <a:t>.</a:t>
-            </a:r>
-            <a:endParaRPr lang="ko-KR" altLang="en-US" dirty="0">
-              <a:latin typeface="나눔스퀘어 Light" panose="020B0600000101010101" pitchFamily="50" charset="-127"/>
-              <a:ea typeface="나눔스퀘어 Light" panose="020B0600000101010101" pitchFamily="50" charset="-127"/>
-            </a:endParaRPr>
-          </a:p>
-        </p:txBody>
-      </p:sp>
-      <p:sp>
-        <p:nvSpPr>
-          <p:cNvPr id="7" name="TextBox 6">
-            <a:extLst>
-              <a:ext uri="{FF2B5EF4-FFF2-40B4-BE49-F238E27FC236}">
-                <a16:creationId xmlns:a16="http://schemas.microsoft.com/office/drawing/2014/main" id="{312981FD-0889-E0F2-A051-3E294CEB712F}"/>
-              </a:ext>
-            </a:extLst>
-          </p:cNvPr>
-          <p:cNvSpPr txBox="1"/>
-          <p:nvPr/>
-        </p:nvSpPr>
-        <p:spPr>
-          <a:xfrm>
-            <a:off x="942387" y="2667352"/>
-            <a:ext cx="10237694" cy="369332"/>
-          </a:xfrm>
-          <a:prstGeom prst="rect">
-            <a:avLst/>
-          </a:prstGeom>
-          <a:noFill/>
-        </p:spPr>
-        <p:txBody>
-          <a:bodyPr wrap="square" rtlCol="0">
-            <a:spAutoFit/>
-          </a:bodyPr>
-          <a:lstStyle/>
-          <a:p>
-            <a:r>
-              <a:rPr lang="ko-KR" altLang="en-US" dirty="0">
-                <a:latin typeface="나눔스퀘어 Light" panose="020B0600000101010101" pitchFamily="50" charset="-127"/>
-                <a:ea typeface="나눔스퀘어 Light" panose="020B0600000101010101" pitchFamily="50" charset="-127"/>
-              </a:rPr>
-              <a:t>먹을 수 있는 과일 순 → </a:t>
-            </a:r>
-            <a:r>
-              <a:rPr lang="en-US" altLang="ko-KR" dirty="0">
-                <a:latin typeface="나눔스퀘어 Light" panose="020B0600000101010101" pitchFamily="50" charset="-127"/>
-                <a:ea typeface="나눔스퀘어 Light" panose="020B0600000101010101" pitchFamily="50" charset="-127"/>
-              </a:rPr>
-              <a:t>(</a:t>
-            </a:r>
-            <a:r>
-              <a:rPr lang="ko-KR" altLang="en-US" dirty="0">
-                <a:latin typeface="나눔스퀘어 Light" panose="020B0600000101010101" pitchFamily="50" charset="-127"/>
-                <a:ea typeface="나눔스퀘어 Light" panose="020B0600000101010101" pitchFamily="50" charset="-127"/>
-              </a:rPr>
-              <a:t>높이</a:t>
-            </a:r>
-            <a:r>
-              <a:rPr lang="en-US" altLang="ko-KR" dirty="0">
-                <a:latin typeface="나눔스퀘어 Light" panose="020B0600000101010101" pitchFamily="50" charset="-127"/>
-                <a:ea typeface="나눔스퀘어 Light" panose="020B0600000101010101" pitchFamily="50" charset="-127"/>
-              </a:rPr>
-              <a:t>)</a:t>
-            </a:r>
-            <a:r>
-              <a:rPr lang="ko-KR" altLang="en-US" dirty="0">
-                <a:latin typeface="나눔스퀘어 Light" panose="020B0600000101010101" pitchFamily="50" charset="-127"/>
-                <a:ea typeface="나눔스퀘어 Light" panose="020B0600000101010101" pitchFamily="50" charset="-127"/>
-              </a:rPr>
-              <a:t>오름차순</a:t>
-            </a:r>
-          </a:p>
-        </p:txBody>
-      </p:sp>
-      <p:sp>
-        <p:nvSpPr>
-          <p:cNvPr id="8" name="TextBox 7">
-            <a:extLst>
-              <a:ext uri="{FF2B5EF4-FFF2-40B4-BE49-F238E27FC236}">
-                <a16:creationId xmlns:a16="http://schemas.microsoft.com/office/drawing/2014/main" id="{D7E50A58-E52B-6FEC-3A29-9FE46CB3E6CD}"/>
-              </a:ext>
-            </a:extLst>
-          </p:cNvPr>
-          <p:cNvSpPr txBox="1"/>
-          <p:nvPr/>
-        </p:nvSpPr>
-        <p:spPr>
-          <a:xfrm>
-            <a:off x="942387" y="3036684"/>
-            <a:ext cx="10237694" cy="369332"/>
-          </a:xfrm>
-          <a:prstGeom prst="rect">
-            <a:avLst/>
-          </a:prstGeom>
-          <a:noFill/>
-        </p:spPr>
-        <p:txBody>
-          <a:bodyPr wrap="square" rtlCol="0">
-            <a:spAutoFit/>
-          </a:bodyPr>
-          <a:lstStyle/>
-          <a:p>
-            <a:r>
-              <a:rPr lang="ko-KR" altLang="en-US" dirty="0">
-                <a:latin typeface="나눔스퀘어 Light" panose="020B0600000101010101" pitchFamily="50" charset="-127"/>
-                <a:ea typeface="나눔스퀘어 Light" panose="020B0600000101010101" pitchFamily="50" charset="-127"/>
-              </a:rPr>
-              <a:t>오름차순으로 과일을 먹을 수 있을 때</a:t>
-            </a:r>
-            <a:r>
-              <a:rPr lang="en-US" altLang="ko-KR" dirty="0">
-                <a:latin typeface="나눔스퀘어 Light" panose="020B0600000101010101" pitchFamily="50" charset="-127"/>
-                <a:ea typeface="나눔스퀘어 Light" panose="020B0600000101010101" pitchFamily="50" charset="-127"/>
-              </a:rPr>
-              <a:t>(</a:t>
-            </a:r>
-            <a:r>
-              <a:rPr lang="ko-KR" altLang="en-US" dirty="0">
-                <a:latin typeface="나눔스퀘어 Light" panose="020B0600000101010101" pitchFamily="50" charset="-127"/>
-                <a:ea typeface="나눔스퀘어 Light" panose="020B0600000101010101" pitchFamily="50" charset="-127"/>
-              </a:rPr>
-              <a:t>과일 높이 </a:t>
-            </a:r>
-            <a:r>
-              <a:rPr lang="en-US" altLang="ko-KR" dirty="0">
-                <a:latin typeface="나눔스퀘어 Light" panose="020B0600000101010101" pitchFamily="50" charset="-127"/>
-                <a:ea typeface="나눔스퀘어 Light" panose="020B0600000101010101" pitchFamily="50" charset="-127"/>
-              </a:rPr>
-              <a:t>&lt;= </a:t>
-            </a:r>
-            <a:r>
-              <a:rPr lang="ko-KR" altLang="en-US" dirty="0">
-                <a:latin typeface="나눔스퀘어 Light" panose="020B0600000101010101" pitchFamily="50" charset="-127"/>
-                <a:ea typeface="나눔스퀘어 Light" panose="020B0600000101010101" pitchFamily="50" charset="-127"/>
-              </a:rPr>
-              <a:t>자신의 길이</a:t>
-            </a:r>
-            <a:r>
-              <a:rPr lang="en-US" altLang="ko-KR" dirty="0">
-                <a:latin typeface="나눔스퀘어 Light" panose="020B0600000101010101" pitchFamily="50" charset="-127"/>
-                <a:ea typeface="나눔스퀘어 Light" panose="020B0600000101010101" pitchFamily="50" charset="-127"/>
-              </a:rPr>
-              <a:t>)</a:t>
-            </a:r>
-            <a:r>
-              <a:rPr lang="ko-KR" altLang="en-US" dirty="0">
-                <a:latin typeface="나눔스퀘어 Light" panose="020B0600000101010101" pitchFamily="50" charset="-127"/>
-                <a:ea typeface="나눔스퀘어 Light" panose="020B0600000101010101" pitchFamily="50" charset="-127"/>
-              </a:rPr>
-              <a:t>까지 먹으며 길이를 늘리면 됨</a:t>
+              <a:t>와 </a:t>
+            </a:r>
+            <a:r>
+              <a:rPr lang="en-US" altLang="ko-KR" sz="2800" dirty="0">
+                <a:latin typeface="나눔스퀘어 Bold" panose="020B0600000101010101" pitchFamily="50" charset="-127"/>
+                <a:ea typeface="나눔스퀘어 Bold" panose="020B0600000101010101" pitchFamily="50" charset="-127"/>
+              </a:rPr>
+              <a:t>6</a:t>
+            </a:r>
+            <a:r>
+              <a:rPr lang="ko-KR" altLang="en-US" sz="2800" dirty="0">
+                <a:latin typeface="나눔스퀘어 Bold" panose="020B0600000101010101" pitchFamily="50" charset="-127"/>
+                <a:ea typeface="나눔스퀘어 Bold" panose="020B0600000101010101" pitchFamily="50" charset="-127"/>
+              </a:rPr>
+              <a:t>의 차이</a:t>
             </a:r>
           </a:p>
         </p:txBody>
       </p:sp>
       <p:pic>
         <p:nvPicPr>
-          <p:cNvPr id="10" name="그림 9">
-            <a:extLst>
-              <a:ext uri="{FF2B5EF4-FFF2-40B4-BE49-F238E27FC236}">
-                <a16:creationId xmlns:a16="http://schemas.microsoft.com/office/drawing/2014/main" id="{50FA7187-E6CF-B9FC-FA14-2AD1F3EF830D}"/>
+          <p:cNvPr id="7" name="그림 6">
+            <a:extLst>
+              <a:ext uri="{FF2B5EF4-FFF2-40B4-BE49-F238E27FC236}">
+                <a16:creationId xmlns:a16="http://schemas.microsoft.com/office/drawing/2014/main" id="{90EFE020-B054-8B5A-6EEC-A1C3D30CAF1D}"/>
               </a:ext>
             </a:extLst>
           </p:cNvPr>
@@ -22788,158 +22204,198 @@
         </p:blipFill>
         <p:spPr>
           <a:xfrm>
-            <a:off x="942387" y="3637459"/>
-            <a:ext cx="5910995" cy="2709206"/>
+            <a:off x="331694" y="986479"/>
+            <a:ext cx="10897386" cy="3810599"/>
           </a:xfrm>
           <a:prstGeom prst="rect">
             <a:avLst/>
           </a:prstGeom>
         </p:spPr>
       </p:pic>
-      <p:sp>
-        <p:nvSpPr>
-          <p:cNvPr id="11" name="TextBox 10">
-            <a:extLst>
-              <a:ext uri="{FF2B5EF4-FFF2-40B4-BE49-F238E27FC236}">
-                <a16:creationId xmlns:a16="http://schemas.microsoft.com/office/drawing/2014/main" id="{8A97E298-0399-B9DB-BF15-512FCE0D9262}"/>
-              </a:ext>
-            </a:extLst>
-          </p:cNvPr>
-          <p:cNvSpPr txBox="1"/>
+      <p:pic>
+        <p:nvPicPr>
+          <p:cNvPr id="9" name="그림 8">
+            <a:extLst>
+              <a:ext uri="{FF2B5EF4-FFF2-40B4-BE49-F238E27FC236}">
+                <a16:creationId xmlns:a16="http://schemas.microsoft.com/office/drawing/2014/main" id="{9C854AD4-CA17-4C2F-D554-5D0DF78A5558}"/>
+              </a:ext>
+            </a:extLst>
+          </p:cNvPr>
+          <p:cNvPicPr>
+            <a:picLocks noChangeAspect="1"/>
+          </p:cNvPicPr>
           <p:nvPr/>
-        </p:nvSpPr>
-        <p:spPr>
-          <a:xfrm>
-            <a:off x="7245213" y="4807396"/>
-            <a:ext cx="3934868" cy="369332"/>
+        </p:nvPicPr>
+        <p:blipFill>
+          <a:blip r:embed="rId3"/>
+          <a:stretch>
+            <a:fillRect/>
+          </a:stretch>
+        </p:blipFill>
+        <p:spPr>
+          <a:xfrm>
+            <a:off x="331694" y="5088194"/>
+            <a:ext cx="1338436" cy="975470"/>
           </a:xfrm>
           <a:prstGeom prst="rect">
             <a:avLst/>
           </a:prstGeom>
-          <a:noFill/>
-        </p:spPr>
-        <p:txBody>
-          <a:bodyPr wrap="square" rtlCol="0">
-            <a:spAutoFit/>
-          </a:bodyPr>
-          <a:lstStyle/>
-          <a:p>
-            <a:r>
-              <a:rPr lang="ko-KR" altLang="en-US" dirty="0">
-                <a:latin typeface="나눔스퀘어 Light" panose="020B0600000101010101" pitchFamily="50" charset="-127"/>
-                <a:ea typeface="나눔스퀘어 Light" panose="020B0600000101010101" pitchFamily="50" charset="-127"/>
-              </a:rPr>
-              <a:t>이 코드의 </a:t>
-            </a:r>
-            <a:r>
-              <a:rPr lang="en-US" altLang="ko-KR" dirty="0">
-                <a:latin typeface="나눔스퀘어 Light" panose="020B0600000101010101" pitchFamily="50" charset="-127"/>
-                <a:ea typeface="나눔스퀘어 Light" panose="020B0600000101010101" pitchFamily="50" charset="-127"/>
-              </a:rPr>
-              <a:t>Big O Notation</a:t>
-            </a:r>
-            <a:r>
-              <a:rPr lang="ko-KR" altLang="en-US" dirty="0">
-                <a:latin typeface="나눔스퀘어 Light" panose="020B0600000101010101" pitchFamily="50" charset="-127"/>
-                <a:ea typeface="나눔스퀘어 Light" panose="020B0600000101010101" pitchFamily="50" charset="-127"/>
-              </a:rPr>
-              <a:t>은</a:t>
-            </a:r>
-            <a:r>
-              <a:rPr lang="en-US" altLang="ko-KR" dirty="0">
-                <a:latin typeface="나눔스퀘어 Light" panose="020B0600000101010101" pitchFamily="50" charset="-127"/>
-                <a:ea typeface="나눔스퀘어 Light" panose="020B0600000101010101" pitchFamily="50" charset="-127"/>
-              </a:rPr>
-              <a:t>?</a:t>
-            </a:r>
-            <a:endParaRPr lang="ko-KR" altLang="en-US" dirty="0">
-              <a:latin typeface="나눔스퀘어 Light" panose="020B0600000101010101" pitchFamily="50" charset="-127"/>
-              <a:ea typeface="나눔스퀘어 Light" panose="020B0600000101010101" pitchFamily="50" charset="-127"/>
-            </a:endParaRPr>
-          </a:p>
-        </p:txBody>
-      </p:sp>
-      <p:sp>
-        <p:nvSpPr>
-          <p:cNvPr id="12" name="TextBox 11">
-            <a:extLst>
-              <a:ext uri="{FF2B5EF4-FFF2-40B4-BE49-F238E27FC236}">
-                <a16:creationId xmlns:a16="http://schemas.microsoft.com/office/drawing/2014/main" id="{9D5D7D09-740C-F075-0A71-D06A7C93CCFE}"/>
-              </a:ext>
-            </a:extLst>
-          </p:cNvPr>
-          <p:cNvSpPr txBox="1"/>
+        </p:spPr>
+      </p:pic>
+      <p:pic>
+        <p:nvPicPr>
+          <p:cNvPr id="11" name="그림 10">
+            <a:extLst>
+              <a:ext uri="{FF2B5EF4-FFF2-40B4-BE49-F238E27FC236}">
+                <a16:creationId xmlns:a16="http://schemas.microsoft.com/office/drawing/2014/main" id="{3874EC50-3ED4-0898-9D24-CA2CC1E996C7}"/>
+              </a:ext>
+            </a:extLst>
+          </p:cNvPr>
+          <p:cNvPicPr>
+            <a:picLocks noChangeAspect="1"/>
+          </p:cNvPicPr>
           <p:nvPr/>
-        </p:nvSpPr>
-        <p:spPr>
-          <a:xfrm>
-            <a:off x="942387" y="1928688"/>
-            <a:ext cx="10237694" cy="369332"/>
+        </p:nvPicPr>
+        <p:blipFill>
+          <a:blip r:embed="rId4"/>
+          <a:stretch>
+            <a:fillRect/>
+          </a:stretch>
+        </p:blipFill>
+        <p:spPr>
+          <a:xfrm>
+            <a:off x="1802072" y="5088194"/>
+            <a:ext cx="1338436" cy="994267"/>
           </a:xfrm>
           <a:prstGeom prst="rect">
             <a:avLst/>
           </a:prstGeom>
-          <a:noFill/>
-        </p:spPr>
-        <p:txBody>
-          <a:bodyPr wrap="square" rtlCol="0">
-            <a:spAutoFit/>
-          </a:bodyPr>
-          <a:lstStyle/>
-          <a:p>
-            <a:r>
-              <a:rPr lang="en-US" altLang="ko-KR" dirty="0">
-                <a:latin typeface="나눔스퀘어 Light" panose="020B0600000101010101" pitchFamily="50" charset="-127"/>
-                <a:ea typeface="나눔스퀘어 Light" panose="020B0600000101010101" pitchFamily="50" charset="-127"/>
-              </a:rPr>
-              <a:t>(</a:t>
-            </a:r>
-            <a:r>
-              <a:rPr lang="ko-KR" altLang="en-US" dirty="0">
-                <a:latin typeface="나눔스퀘어 Light" panose="020B0600000101010101" pitchFamily="50" charset="-127"/>
-                <a:ea typeface="나눔스퀘어 Light" panose="020B0600000101010101" pitchFamily="50" charset="-127"/>
-              </a:rPr>
-              <a:t>그래야 자신의 길이가 늘어나서</a:t>
-            </a:r>
-            <a:r>
-              <a:rPr lang="en-US" altLang="ko-KR" dirty="0">
-                <a:latin typeface="나눔스퀘어 Light" panose="020B0600000101010101" pitchFamily="50" charset="-127"/>
-                <a:ea typeface="나눔스퀘어 Light" panose="020B0600000101010101" pitchFamily="50" charset="-127"/>
-              </a:rPr>
-              <a:t>, </a:t>
-            </a:r>
-            <a:r>
-              <a:rPr lang="ko-KR" altLang="en-US" dirty="0">
-                <a:latin typeface="나눔스퀘어 Light" panose="020B0600000101010101" pitchFamily="50" charset="-127"/>
-                <a:ea typeface="나눔스퀘어 Light" panose="020B0600000101010101" pitchFamily="50" charset="-127"/>
-              </a:rPr>
-              <a:t>먹을 수 있는 과일이 </a:t>
-            </a:r>
-            <a:r>
-              <a:rPr lang="ko-KR" altLang="en-US" dirty="0" err="1">
-                <a:latin typeface="나눔스퀘어 Light" panose="020B0600000101010101" pitchFamily="50" charset="-127"/>
-                <a:ea typeface="나눔스퀘어 Light" panose="020B0600000101010101" pitchFamily="50" charset="-127"/>
-              </a:rPr>
-              <a:t>많아짐</a:t>
-            </a:r>
-            <a:r>
-              <a:rPr lang="en-US" altLang="ko-KR" dirty="0">
-                <a:latin typeface="나눔스퀘어 Light" panose="020B0600000101010101" pitchFamily="50" charset="-127"/>
-                <a:ea typeface="나눔스퀘어 Light" panose="020B0600000101010101" pitchFamily="50" charset="-127"/>
-              </a:rPr>
-              <a:t>)</a:t>
-            </a:r>
-            <a:endParaRPr lang="ko-KR" altLang="en-US" dirty="0">
-              <a:latin typeface="나눔스퀘어 Light" panose="020B0600000101010101" pitchFamily="50" charset="-127"/>
-              <a:ea typeface="나눔스퀘어 Light" panose="020B0600000101010101" pitchFamily="50" charset="-127"/>
-            </a:endParaRPr>
-          </a:p>
-        </p:txBody>
-      </p:sp>
+        </p:spPr>
+      </p:pic>
+      <p:pic>
+        <p:nvPicPr>
+          <p:cNvPr id="13" name="그림 12">
+            <a:extLst>
+              <a:ext uri="{FF2B5EF4-FFF2-40B4-BE49-F238E27FC236}">
+                <a16:creationId xmlns:a16="http://schemas.microsoft.com/office/drawing/2014/main" id="{39A82E04-062E-89C9-A60F-07E1CE30F39C}"/>
+              </a:ext>
+            </a:extLst>
+          </p:cNvPr>
+          <p:cNvPicPr>
+            <a:picLocks noChangeAspect="1"/>
+          </p:cNvPicPr>
+          <p:nvPr/>
+        </p:nvPicPr>
+        <p:blipFill>
+          <a:blip r:embed="rId5"/>
+          <a:stretch>
+            <a:fillRect/>
+          </a:stretch>
+        </p:blipFill>
+        <p:spPr>
+          <a:xfrm>
+            <a:off x="3852989" y="5088194"/>
+            <a:ext cx="1415837" cy="994267"/>
+          </a:xfrm>
+          <a:prstGeom prst="rect">
+            <a:avLst/>
+          </a:prstGeom>
+        </p:spPr>
+      </p:pic>
+      <p:pic>
+        <p:nvPicPr>
+          <p:cNvPr id="15" name="그림 14">
+            <a:extLst>
+              <a:ext uri="{FF2B5EF4-FFF2-40B4-BE49-F238E27FC236}">
+                <a16:creationId xmlns:a16="http://schemas.microsoft.com/office/drawing/2014/main" id="{89CD5639-F39D-75A4-A70C-60E25CE236DC}"/>
+              </a:ext>
+            </a:extLst>
+          </p:cNvPr>
+          <p:cNvPicPr>
+            <a:picLocks noChangeAspect="1"/>
+          </p:cNvPicPr>
+          <p:nvPr/>
+        </p:nvPicPr>
+        <p:blipFill>
+          <a:blip r:embed="rId6"/>
+          <a:stretch>
+            <a:fillRect/>
+          </a:stretch>
+        </p:blipFill>
+        <p:spPr>
+          <a:xfrm>
+            <a:off x="5394520" y="5088193"/>
+            <a:ext cx="1373925" cy="1000663"/>
+          </a:xfrm>
+          <a:prstGeom prst="rect">
+            <a:avLst/>
+          </a:prstGeom>
+        </p:spPr>
+      </p:pic>
+      <p:pic>
+        <p:nvPicPr>
+          <p:cNvPr id="17" name="그림 16">
+            <a:extLst>
+              <a:ext uri="{FF2B5EF4-FFF2-40B4-BE49-F238E27FC236}">
+                <a16:creationId xmlns:a16="http://schemas.microsoft.com/office/drawing/2014/main" id="{88034E11-583C-EB4C-DD86-E5D5C2BB3304}"/>
+              </a:ext>
+            </a:extLst>
+          </p:cNvPr>
+          <p:cNvPicPr>
+            <a:picLocks noChangeAspect="1"/>
+          </p:cNvPicPr>
+          <p:nvPr/>
+        </p:nvPicPr>
+        <p:blipFill>
+          <a:blip r:embed="rId7"/>
+          <a:stretch>
+            <a:fillRect/>
+          </a:stretch>
+        </p:blipFill>
+        <p:spPr>
+          <a:xfrm>
+            <a:off x="7491415" y="5114117"/>
+            <a:ext cx="1435378" cy="1000663"/>
+          </a:xfrm>
+          <a:prstGeom prst="rect">
+            <a:avLst/>
+          </a:prstGeom>
+        </p:spPr>
+      </p:pic>
+      <p:pic>
+        <p:nvPicPr>
+          <p:cNvPr id="19" name="그림 18">
+            <a:extLst>
+              <a:ext uri="{FF2B5EF4-FFF2-40B4-BE49-F238E27FC236}">
+                <a16:creationId xmlns:a16="http://schemas.microsoft.com/office/drawing/2014/main" id="{74A0D0A7-521C-E7BB-8E7F-C20AEE070B9C}"/>
+              </a:ext>
+            </a:extLst>
+          </p:cNvPr>
+          <p:cNvPicPr>
+            <a:picLocks noChangeAspect="1"/>
+          </p:cNvPicPr>
+          <p:nvPr/>
+        </p:nvPicPr>
+        <p:blipFill>
+          <a:blip r:embed="rId8"/>
+          <a:stretch>
+            <a:fillRect/>
+          </a:stretch>
+        </p:blipFill>
+        <p:spPr>
+          <a:xfrm>
+            <a:off x="9060760" y="5109278"/>
+            <a:ext cx="1412228" cy="1000664"/>
+          </a:xfrm>
+          <a:prstGeom prst="rect">
+            <a:avLst/>
+          </a:prstGeom>
+        </p:spPr>
+      </p:pic>
     </p:spTree>
     <p:extLst>
       <p:ext uri="{BB962C8B-B14F-4D97-AF65-F5344CB8AC3E}">
-        <p14:creationId xmlns:p14="http://schemas.microsoft.com/office/powerpoint/2010/main" val="3597371418"/>
+        <p14:creationId xmlns:p14="http://schemas.microsoft.com/office/powerpoint/2010/main" val="2401598668"/>
       </p:ext>
     </p:extLst>
   </p:cSld>
@@ -23025,6 +22481,1544 @@
         <p:spPr>
           <a:xfrm>
             <a:off x="331694" y="177505"/>
+            <a:ext cx="4607864" cy="523220"/>
+          </a:xfrm>
+          <a:prstGeom prst="rect">
+            <a:avLst/>
+          </a:prstGeom>
+          <a:noFill/>
+        </p:spPr>
+        <p:txBody>
+          <a:bodyPr wrap="none" rtlCol="0">
+            <a:spAutoFit/>
+          </a:bodyPr>
+          <a:lstStyle/>
+          <a:p>
+            <a:r>
+              <a:rPr lang="en-US" altLang="ko-KR" sz="2800" dirty="0">
+                <a:latin typeface="나눔스퀘어 Bold" panose="020B0600000101010101" pitchFamily="50" charset="-127"/>
+                <a:ea typeface="나눔스퀘어 Bold" panose="020B0600000101010101" pitchFamily="50" charset="-127"/>
+              </a:rPr>
+              <a:t>Greedy</a:t>
+            </a:r>
+            <a:r>
+              <a:rPr lang="ko-KR" altLang="en-US" sz="2800" dirty="0">
+                <a:latin typeface="나눔스퀘어 Bold" panose="020B0600000101010101" pitchFamily="50" charset="-127"/>
+                <a:ea typeface="나눔스퀘어 Bold" panose="020B0600000101010101" pitchFamily="50" charset="-127"/>
+              </a:rPr>
+              <a:t> </a:t>
+            </a:r>
+            <a:r>
+              <a:rPr lang="en-US" altLang="ko-KR" sz="2800" dirty="0">
+                <a:latin typeface="나눔스퀘어 Bold" panose="020B0600000101010101" pitchFamily="50" charset="-127"/>
+                <a:ea typeface="나눔스퀘어 Bold" panose="020B0600000101010101" pitchFamily="50" charset="-127"/>
+              </a:rPr>
+              <a:t>– 2864 5</a:t>
+            </a:r>
+            <a:r>
+              <a:rPr lang="ko-KR" altLang="en-US" sz="2800" dirty="0">
+                <a:latin typeface="나눔스퀘어 Bold" panose="020B0600000101010101" pitchFamily="50" charset="-127"/>
+                <a:ea typeface="나눔스퀘어 Bold" panose="020B0600000101010101" pitchFamily="50" charset="-127"/>
+              </a:rPr>
+              <a:t>와 </a:t>
+            </a:r>
+            <a:r>
+              <a:rPr lang="en-US" altLang="ko-KR" sz="2800" dirty="0">
+                <a:latin typeface="나눔스퀘어 Bold" panose="020B0600000101010101" pitchFamily="50" charset="-127"/>
+                <a:ea typeface="나눔스퀘어 Bold" panose="020B0600000101010101" pitchFamily="50" charset="-127"/>
+              </a:rPr>
+              <a:t>6</a:t>
+            </a:r>
+            <a:r>
+              <a:rPr lang="ko-KR" altLang="en-US" sz="2800" dirty="0">
+                <a:latin typeface="나눔스퀘어 Bold" panose="020B0600000101010101" pitchFamily="50" charset="-127"/>
+                <a:ea typeface="나눔스퀘어 Bold" panose="020B0600000101010101" pitchFamily="50" charset="-127"/>
+              </a:rPr>
+              <a:t>의 차이</a:t>
+            </a:r>
+          </a:p>
+        </p:txBody>
+      </p:sp>
+      <p:sp>
+        <p:nvSpPr>
+          <p:cNvPr id="3" name="TextBox 2">
+            <a:extLst>
+              <a:ext uri="{FF2B5EF4-FFF2-40B4-BE49-F238E27FC236}">
+                <a16:creationId xmlns:a16="http://schemas.microsoft.com/office/drawing/2014/main" id="{582E9E24-F263-5FE2-A044-DC8692C463F8}"/>
+              </a:ext>
+            </a:extLst>
+          </p:cNvPr>
+          <p:cNvSpPr txBox="1"/>
+          <p:nvPr/>
+        </p:nvSpPr>
+        <p:spPr>
+          <a:xfrm>
+            <a:off x="942387" y="1190024"/>
+            <a:ext cx="10237694" cy="369332"/>
+          </a:xfrm>
+          <a:prstGeom prst="rect">
+            <a:avLst/>
+          </a:prstGeom>
+          <a:noFill/>
+        </p:spPr>
+        <p:txBody>
+          <a:bodyPr wrap="square" rtlCol="0">
+            <a:spAutoFit/>
+          </a:bodyPr>
+          <a:lstStyle/>
+          <a:p>
+            <a:r>
+              <a:rPr lang="ko-KR" altLang="en-US" dirty="0">
+                <a:latin typeface="나눔스퀘어 Light" panose="020B0600000101010101" pitchFamily="50" charset="-127"/>
+                <a:ea typeface="나눔스퀘어 Light" panose="020B0600000101010101" pitchFamily="50" charset="-127"/>
+              </a:rPr>
+              <a:t>값을 최대화 할 땐 숫자의 </a:t>
+            </a:r>
+            <a:r>
+              <a:rPr lang="en-US" altLang="ko-KR" dirty="0">
+                <a:latin typeface="나눔스퀘어 Light" panose="020B0600000101010101" pitchFamily="50" charset="-127"/>
+                <a:ea typeface="나눔스퀘어 Light" panose="020B0600000101010101" pitchFamily="50" charset="-127"/>
+              </a:rPr>
+              <a:t>5</a:t>
+            </a:r>
+            <a:r>
+              <a:rPr lang="ko-KR" altLang="en-US" dirty="0">
+                <a:latin typeface="나눔스퀘어 Light" panose="020B0600000101010101" pitchFamily="50" charset="-127"/>
+                <a:ea typeface="나눔스퀘어 Light" panose="020B0600000101010101" pitchFamily="50" charset="-127"/>
+              </a:rPr>
+              <a:t>또는 </a:t>
+            </a:r>
+            <a:r>
+              <a:rPr lang="en-US" altLang="ko-KR" dirty="0">
+                <a:latin typeface="나눔스퀘어 Light" panose="020B0600000101010101" pitchFamily="50" charset="-127"/>
+                <a:ea typeface="나눔스퀘어 Light" panose="020B0600000101010101" pitchFamily="50" charset="-127"/>
+              </a:rPr>
+              <a:t>6</a:t>
+            </a:r>
+            <a:r>
+              <a:rPr lang="ko-KR" altLang="en-US" dirty="0">
+                <a:latin typeface="나눔스퀘어 Light" panose="020B0600000101010101" pitchFamily="50" charset="-127"/>
+                <a:ea typeface="나눔스퀘어 Light" panose="020B0600000101010101" pitchFamily="50" charset="-127"/>
+              </a:rPr>
+              <a:t>을 전부 </a:t>
+            </a:r>
+            <a:r>
+              <a:rPr lang="en-US" altLang="ko-KR" dirty="0">
+                <a:latin typeface="나눔스퀘어 Light" panose="020B0600000101010101" pitchFamily="50" charset="-127"/>
+                <a:ea typeface="나눔스퀘어 Light" panose="020B0600000101010101" pitchFamily="50" charset="-127"/>
+              </a:rPr>
+              <a:t>6</a:t>
+            </a:r>
+            <a:r>
+              <a:rPr lang="ko-KR" altLang="en-US" dirty="0">
+                <a:latin typeface="나눔스퀘어 Light" panose="020B0600000101010101" pitchFamily="50" charset="-127"/>
+                <a:ea typeface="나눔스퀘어 Light" panose="020B0600000101010101" pitchFamily="50" charset="-127"/>
+              </a:rPr>
+              <a:t>으로 바꿔야함</a:t>
+            </a:r>
+          </a:p>
+        </p:txBody>
+      </p:sp>
+      <p:sp>
+        <p:nvSpPr>
+          <p:cNvPr id="4" name="TextBox 3">
+            <a:extLst>
+              <a:ext uri="{FF2B5EF4-FFF2-40B4-BE49-F238E27FC236}">
+                <a16:creationId xmlns:a16="http://schemas.microsoft.com/office/drawing/2014/main" id="{4FDDEF5F-C352-C7C8-3221-673D9CB18F39}"/>
+              </a:ext>
+            </a:extLst>
+          </p:cNvPr>
+          <p:cNvSpPr txBox="1"/>
+          <p:nvPr/>
+        </p:nvSpPr>
+        <p:spPr>
+          <a:xfrm>
+            <a:off x="942387" y="1559356"/>
+            <a:ext cx="10237694" cy="369332"/>
+          </a:xfrm>
+          <a:prstGeom prst="rect">
+            <a:avLst/>
+          </a:prstGeom>
+          <a:noFill/>
+        </p:spPr>
+        <p:txBody>
+          <a:bodyPr wrap="square" rtlCol="0">
+            <a:spAutoFit/>
+          </a:bodyPr>
+          <a:lstStyle/>
+          <a:p>
+            <a:r>
+              <a:rPr lang="ko-KR" altLang="en-US" dirty="0">
+                <a:latin typeface="나눔스퀘어 Light" panose="020B0600000101010101" pitchFamily="50" charset="-127"/>
+                <a:ea typeface="나눔스퀘어 Light" panose="020B0600000101010101" pitchFamily="50" charset="-127"/>
+              </a:rPr>
+              <a:t>최소화 할 땐 숫자의 </a:t>
+            </a:r>
+            <a:r>
+              <a:rPr lang="en-US" altLang="ko-KR" dirty="0">
+                <a:latin typeface="나눔스퀘어 Light" panose="020B0600000101010101" pitchFamily="50" charset="-127"/>
+                <a:ea typeface="나눔스퀘어 Light" panose="020B0600000101010101" pitchFamily="50" charset="-127"/>
+              </a:rPr>
+              <a:t>5 </a:t>
+            </a:r>
+            <a:r>
+              <a:rPr lang="ko-KR" altLang="en-US" dirty="0">
+                <a:latin typeface="나눔스퀘어 Light" panose="020B0600000101010101" pitchFamily="50" charset="-127"/>
+                <a:ea typeface="나눔스퀘어 Light" panose="020B0600000101010101" pitchFamily="50" charset="-127"/>
+              </a:rPr>
+              <a:t>또는 </a:t>
+            </a:r>
+            <a:r>
+              <a:rPr lang="en-US" altLang="ko-KR" dirty="0">
+                <a:latin typeface="나눔스퀘어 Light" panose="020B0600000101010101" pitchFamily="50" charset="-127"/>
+                <a:ea typeface="나눔스퀘어 Light" panose="020B0600000101010101" pitchFamily="50" charset="-127"/>
+              </a:rPr>
+              <a:t>6</a:t>
+            </a:r>
+            <a:r>
+              <a:rPr lang="ko-KR" altLang="en-US" dirty="0">
+                <a:latin typeface="나눔스퀘어 Light" panose="020B0600000101010101" pitchFamily="50" charset="-127"/>
+                <a:ea typeface="나눔스퀘어 Light" panose="020B0600000101010101" pitchFamily="50" charset="-127"/>
+              </a:rPr>
+              <a:t>을 전부 </a:t>
+            </a:r>
+            <a:r>
+              <a:rPr lang="en-US" altLang="ko-KR" dirty="0">
+                <a:latin typeface="나눔스퀘어 Light" panose="020B0600000101010101" pitchFamily="50" charset="-127"/>
+                <a:ea typeface="나눔스퀘어 Light" panose="020B0600000101010101" pitchFamily="50" charset="-127"/>
+              </a:rPr>
+              <a:t>5</a:t>
+            </a:r>
+            <a:r>
+              <a:rPr lang="ko-KR" altLang="en-US" dirty="0">
+                <a:latin typeface="나눔스퀘어 Light" panose="020B0600000101010101" pitchFamily="50" charset="-127"/>
+                <a:ea typeface="나눔스퀘어 Light" panose="020B0600000101010101" pitchFamily="50" charset="-127"/>
+              </a:rPr>
+              <a:t>로 바꾸면 수가 </a:t>
+            </a:r>
+            <a:r>
+              <a:rPr lang="ko-KR" altLang="en-US" dirty="0" err="1">
+                <a:latin typeface="나눔스퀘어 Light" panose="020B0600000101010101" pitchFamily="50" charset="-127"/>
+                <a:ea typeface="나눔스퀘어 Light" panose="020B0600000101010101" pitchFamily="50" charset="-127"/>
+              </a:rPr>
+              <a:t>작아짐</a:t>
+            </a:r>
+            <a:endParaRPr lang="ko-KR" altLang="en-US" dirty="0">
+              <a:latin typeface="나눔스퀘어 Light" panose="020B0600000101010101" pitchFamily="50" charset="-127"/>
+              <a:ea typeface="나눔스퀘어 Light" panose="020B0600000101010101" pitchFamily="50" charset="-127"/>
+            </a:endParaRPr>
+          </a:p>
+        </p:txBody>
+      </p:sp>
+      <p:sp>
+        <p:nvSpPr>
+          <p:cNvPr id="7" name="TextBox 6">
+            <a:extLst>
+              <a:ext uri="{FF2B5EF4-FFF2-40B4-BE49-F238E27FC236}">
+                <a16:creationId xmlns:a16="http://schemas.microsoft.com/office/drawing/2014/main" id="{7225289C-FF61-4F4C-C8C9-BC45955A3175}"/>
+              </a:ext>
+            </a:extLst>
+          </p:cNvPr>
+          <p:cNvSpPr txBox="1"/>
+          <p:nvPr/>
+        </p:nvSpPr>
+        <p:spPr>
+          <a:xfrm>
+            <a:off x="942387" y="2298020"/>
+            <a:ext cx="10237694" cy="369332"/>
+          </a:xfrm>
+          <a:prstGeom prst="rect">
+            <a:avLst/>
+          </a:prstGeom>
+          <a:noFill/>
+        </p:spPr>
+        <p:txBody>
+          <a:bodyPr wrap="square" rtlCol="0">
+            <a:spAutoFit/>
+          </a:bodyPr>
+          <a:lstStyle/>
+          <a:p>
+            <a:r>
+              <a:rPr lang="ko-KR" altLang="en-US" dirty="0">
+                <a:latin typeface="나눔스퀘어 Light" panose="020B0600000101010101" pitchFamily="50" charset="-127"/>
+                <a:ea typeface="나눔스퀘어 Light" panose="020B0600000101010101" pitchFamily="50" charset="-127"/>
+              </a:rPr>
+              <a:t>수 중간중간의 숫자들을 바꾸니</a:t>
+            </a:r>
+            <a:r>
+              <a:rPr lang="en-US" altLang="ko-KR" dirty="0">
+                <a:latin typeface="나눔스퀘어 Light" panose="020B0600000101010101" pitchFamily="50" charset="-127"/>
+                <a:ea typeface="나눔스퀘어 Light" panose="020B0600000101010101" pitchFamily="50" charset="-127"/>
+              </a:rPr>
+              <a:t>, </a:t>
+            </a:r>
+            <a:r>
+              <a:rPr lang="ko-KR" altLang="en-US" dirty="0">
+                <a:latin typeface="나눔스퀘어 Light" panose="020B0600000101010101" pitchFamily="50" charset="-127"/>
+                <a:ea typeface="나눔스퀘어 Light" panose="020B0600000101010101" pitchFamily="50" charset="-127"/>
+              </a:rPr>
+              <a:t>문자열로 다루는 게 편할 듯</a:t>
+            </a:r>
+            <a:r>
+              <a:rPr lang="en-US" altLang="ko-KR" dirty="0">
+                <a:latin typeface="나눔스퀘어 Light" panose="020B0600000101010101" pitchFamily="50" charset="-127"/>
+                <a:ea typeface="나눔스퀘어 Light" panose="020B0600000101010101" pitchFamily="50" charset="-127"/>
+              </a:rPr>
+              <a:t>(Implement,</a:t>
+            </a:r>
+            <a:r>
+              <a:rPr lang="ko-KR" altLang="en-US" dirty="0">
+                <a:latin typeface="나눔스퀘어 Light" panose="020B0600000101010101" pitchFamily="50" charset="-127"/>
+                <a:ea typeface="나눔스퀘어 Light" panose="020B0600000101010101" pitchFamily="50" charset="-127"/>
+              </a:rPr>
+              <a:t> </a:t>
+            </a:r>
+            <a:r>
+              <a:rPr lang="en-US" altLang="ko-KR" dirty="0">
+                <a:latin typeface="나눔스퀘어 Light" panose="020B0600000101010101" pitchFamily="50" charset="-127"/>
+                <a:ea typeface="나눔스퀘어 Light" panose="020B0600000101010101" pitchFamily="50" charset="-127"/>
+              </a:rPr>
+              <a:t>String</a:t>
+            </a:r>
+            <a:r>
+              <a:rPr lang="ko-KR" altLang="en-US" dirty="0">
+                <a:latin typeface="나눔스퀘어 Light" panose="020B0600000101010101" pitchFamily="50" charset="-127"/>
+                <a:ea typeface="나눔스퀘어 Light" panose="020B0600000101010101" pitchFamily="50" charset="-127"/>
+              </a:rPr>
+              <a:t> 관점</a:t>
+            </a:r>
+            <a:r>
+              <a:rPr lang="en-US" altLang="ko-KR" dirty="0">
+                <a:latin typeface="나눔스퀘어 Light" panose="020B0600000101010101" pitchFamily="50" charset="-127"/>
+                <a:ea typeface="나눔스퀘어 Light" panose="020B0600000101010101" pitchFamily="50" charset="-127"/>
+              </a:rPr>
+              <a:t>)</a:t>
+            </a:r>
+            <a:endParaRPr lang="ko-KR" altLang="en-US" dirty="0">
+              <a:latin typeface="나눔스퀘어 Light" panose="020B0600000101010101" pitchFamily="50" charset="-127"/>
+              <a:ea typeface="나눔스퀘어 Light" panose="020B0600000101010101" pitchFamily="50" charset="-127"/>
+            </a:endParaRPr>
+          </a:p>
+        </p:txBody>
+      </p:sp>
+      <p:pic>
+        <p:nvPicPr>
+          <p:cNvPr id="9" name="그림 8">
+            <a:extLst>
+              <a:ext uri="{FF2B5EF4-FFF2-40B4-BE49-F238E27FC236}">
+                <a16:creationId xmlns:a16="http://schemas.microsoft.com/office/drawing/2014/main" id="{86920FB3-CCDA-A581-5C1C-C2CB95CFB3AA}"/>
+              </a:ext>
+            </a:extLst>
+          </p:cNvPr>
+          <p:cNvPicPr>
+            <a:picLocks noChangeAspect="1"/>
+          </p:cNvPicPr>
+          <p:nvPr/>
+        </p:nvPicPr>
+        <p:blipFill>
+          <a:blip r:embed="rId2"/>
+          <a:stretch>
+            <a:fillRect/>
+          </a:stretch>
+        </p:blipFill>
+        <p:spPr>
+          <a:xfrm>
+            <a:off x="942387" y="2667352"/>
+            <a:ext cx="6966398" cy="3921984"/>
+          </a:xfrm>
+          <a:prstGeom prst="rect">
+            <a:avLst/>
+          </a:prstGeom>
+        </p:spPr>
+      </p:pic>
+      <p:sp>
+        <p:nvSpPr>
+          <p:cNvPr id="10" name="TextBox 9">
+            <a:extLst>
+              <a:ext uri="{FF2B5EF4-FFF2-40B4-BE49-F238E27FC236}">
+                <a16:creationId xmlns:a16="http://schemas.microsoft.com/office/drawing/2014/main" id="{2AA938F4-4857-834F-3BB2-891524DCE994}"/>
+              </a:ext>
+            </a:extLst>
+          </p:cNvPr>
+          <p:cNvSpPr txBox="1"/>
+          <p:nvPr/>
+        </p:nvSpPr>
+        <p:spPr>
+          <a:xfrm>
+            <a:off x="8050491" y="3705014"/>
+            <a:ext cx="3129590" cy="369332"/>
+          </a:xfrm>
+          <a:prstGeom prst="rect">
+            <a:avLst/>
+          </a:prstGeom>
+          <a:noFill/>
+        </p:spPr>
+        <p:txBody>
+          <a:bodyPr wrap="square" rtlCol="0">
+            <a:spAutoFit/>
+          </a:bodyPr>
+          <a:lstStyle/>
+          <a:p>
+            <a:r>
+              <a:rPr lang="ko-KR" altLang="en-US" dirty="0">
+                <a:latin typeface="나눔스퀘어 Light" panose="020B0600000101010101" pitchFamily="50" charset="-127"/>
+                <a:ea typeface="나눔스퀘어 Light" panose="020B0600000101010101" pitchFamily="50" charset="-127"/>
+              </a:rPr>
+              <a:t>정말 다양한 구현 방식의</a:t>
+            </a:r>
+          </a:p>
+        </p:txBody>
+      </p:sp>
+      <p:sp>
+        <p:nvSpPr>
+          <p:cNvPr id="11" name="TextBox 10">
+            <a:extLst>
+              <a:ext uri="{FF2B5EF4-FFF2-40B4-BE49-F238E27FC236}">
+                <a16:creationId xmlns:a16="http://schemas.microsoft.com/office/drawing/2014/main" id="{CD3CE99E-C0BC-B780-60B2-9504EAAD090E}"/>
+              </a:ext>
+            </a:extLst>
+          </p:cNvPr>
+          <p:cNvSpPr txBox="1"/>
+          <p:nvPr/>
+        </p:nvSpPr>
+        <p:spPr>
+          <a:xfrm>
+            <a:off x="8050491" y="4066886"/>
+            <a:ext cx="3129590" cy="369332"/>
+          </a:xfrm>
+          <a:prstGeom prst="rect">
+            <a:avLst/>
+          </a:prstGeom>
+          <a:noFill/>
+        </p:spPr>
+        <p:txBody>
+          <a:bodyPr wrap="square" rtlCol="0">
+            <a:spAutoFit/>
+          </a:bodyPr>
+          <a:lstStyle/>
+          <a:p>
+            <a:r>
+              <a:rPr lang="ko-KR" altLang="en-US" dirty="0">
+                <a:latin typeface="나눔스퀘어 Light" panose="020B0600000101010101" pitchFamily="50" charset="-127"/>
+                <a:ea typeface="나눔스퀘어 Light" panose="020B0600000101010101" pitchFamily="50" charset="-127"/>
+              </a:rPr>
+              <a:t>코드가 나올 </a:t>
+            </a:r>
+            <a:r>
+              <a:rPr lang="ko-KR" altLang="en-US">
+                <a:latin typeface="나눔스퀘어 Light" panose="020B0600000101010101" pitchFamily="50" charset="-127"/>
+                <a:ea typeface="나눔스퀘어 Light" panose="020B0600000101010101" pitchFamily="50" charset="-127"/>
+              </a:rPr>
+              <a:t>수 </a:t>
+            </a:r>
+            <a:r>
+              <a:rPr lang="ko-KR" altLang="en-US" dirty="0" err="1">
+                <a:latin typeface="나눔스퀘어 Light" panose="020B0600000101010101" pitchFamily="50" charset="-127"/>
+                <a:ea typeface="나눔스퀘어 Light" panose="020B0600000101010101" pitchFamily="50" charset="-127"/>
+              </a:rPr>
+              <a:t>있을법한</a:t>
+            </a:r>
+            <a:r>
+              <a:rPr lang="ko-KR" altLang="en-US" dirty="0">
+                <a:latin typeface="나눔스퀘어 Light" panose="020B0600000101010101" pitchFamily="50" charset="-127"/>
+                <a:ea typeface="나눔스퀘어 Light" panose="020B0600000101010101" pitchFamily="50" charset="-127"/>
+              </a:rPr>
+              <a:t> 문제</a:t>
+            </a:r>
+          </a:p>
+        </p:txBody>
+      </p:sp>
+      <p:sp>
+        <p:nvSpPr>
+          <p:cNvPr id="12" name="TextBox 11">
+            <a:extLst>
+              <a:ext uri="{FF2B5EF4-FFF2-40B4-BE49-F238E27FC236}">
+                <a16:creationId xmlns:a16="http://schemas.microsoft.com/office/drawing/2014/main" id="{A4B26BED-2E8C-B366-ED73-9A4C5ECC378E}"/>
+              </a:ext>
+            </a:extLst>
+          </p:cNvPr>
+          <p:cNvSpPr txBox="1"/>
+          <p:nvPr/>
+        </p:nvSpPr>
+        <p:spPr>
+          <a:xfrm>
+            <a:off x="8050491" y="4742676"/>
+            <a:ext cx="3129590" cy="369332"/>
+          </a:xfrm>
+          <a:prstGeom prst="rect">
+            <a:avLst/>
+          </a:prstGeom>
+          <a:noFill/>
+        </p:spPr>
+        <p:txBody>
+          <a:bodyPr wrap="square" rtlCol="0">
+            <a:spAutoFit/>
+          </a:bodyPr>
+          <a:lstStyle/>
+          <a:p>
+            <a:r>
+              <a:rPr lang="en-US" altLang="ko-KR" dirty="0">
+                <a:latin typeface="나눔스퀘어 Light" panose="020B0600000101010101" pitchFamily="50" charset="-127"/>
+                <a:ea typeface="나눔스퀘어 Light" panose="020B0600000101010101" pitchFamily="50" charset="-127"/>
+              </a:rPr>
+              <a:t>(</a:t>
+            </a:r>
+            <a:r>
+              <a:rPr lang="ko-KR" altLang="en-US" dirty="0">
+                <a:latin typeface="나눔스퀘어 Light" panose="020B0600000101010101" pitchFamily="50" charset="-127"/>
+                <a:ea typeface="나눔스퀘어 Light" panose="020B0600000101010101" pitchFamily="50" charset="-127"/>
+              </a:rPr>
+              <a:t>이 코드가 정해는</a:t>
+            </a:r>
+          </a:p>
+        </p:txBody>
+      </p:sp>
+      <p:sp>
+        <p:nvSpPr>
+          <p:cNvPr id="13" name="TextBox 12">
+            <a:extLst>
+              <a:ext uri="{FF2B5EF4-FFF2-40B4-BE49-F238E27FC236}">
+                <a16:creationId xmlns:a16="http://schemas.microsoft.com/office/drawing/2014/main" id="{ADDD5EC7-EF07-A56A-317B-8A3276050D30}"/>
+              </a:ext>
+            </a:extLst>
+          </p:cNvPr>
+          <p:cNvSpPr txBox="1"/>
+          <p:nvPr/>
+        </p:nvSpPr>
+        <p:spPr>
+          <a:xfrm>
+            <a:off x="8050491" y="5113978"/>
+            <a:ext cx="3129590" cy="369332"/>
+          </a:xfrm>
+          <a:prstGeom prst="rect">
+            <a:avLst/>
+          </a:prstGeom>
+          <a:noFill/>
+        </p:spPr>
+        <p:txBody>
+          <a:bodyPr wrap="square" rtlCol="0">
+            <a:spAutoFit/>
+          </a:bodyPr>
+          <a:lstStyle/>
+          <a:p>
+            <a:r>
+              <a:rPr lang="ko-KR" altLang="en-US" dirty="0">
+                <a:latin typeface="나눔스퀘어 Light" panose="020B0600000101010101" pitchFamily="50" charset="-127"/>
+                <a:ea typeface="나눔스퀘어 Light" panose="020B0600000101010101" pitchFamily="50" charset="-127"/>
+              </a:rPr>
+              <a:t>절대 아닙니다</a:t>
+            </a:r>
+            <a:r>
+              <a:rPr lang="en-US" altLang="ko-KR" dirty="0">
+                <a:latin typeface="나눔스퀘어 Light" panose="020B0600000101010101" pitchFamily="50" charset="-127"/>
+                <a:ea typeface="나눔스퀘어 Light" panose="020B0600000101010101" pitchFamily="50" charset="-127"/>
+              </a:rPr>
+              <a:t>.)</a:t>
+            </a:r>
+            <a:endParaRPr lang="ko-KR" altLang="en-US" dirty="0">
+              <a:latin typeface="나눔스퀘어 Light" panose="020B0600000101010101" pitchFamily="50" charset="-127"/>
+              <a:ea typeface="나눔스퀘어 Light" panose="020B0600000101010101" pitchFamily="50" charset="-127"/>
+            </a:endParaRPr>
+          </a:p>
+        </p:txBody>
+      </p:sp>
+    </p:spTree>
+    <p:extLst>
+      <p:ext uri="{BB962C8B-B14F-4D97-AF65-F5344CB8AC3E}">
+        <p14:creationId xmlns:p14="http://schemas.microsoft.com/office/powerpoint/2010/main" val="1899511053"/>
+      </p:ext>
+    </p:extLst>
+  </p:cSld>
+  <p:clrMapOvr>
+    <a:masterClrMapping/>
+  </p:clrMapOvr>
+</p:sld>
+</file>
+
+<file path=ppt/slides/slide33.xml><?xml version="1.0" encoding="utf-8"?>
+<p:sld xmlns:a="http://schemas.openxmlformats.org/drawingml/2006/main" xmlns:r="http://schemas.openxmlformats.org/officeDocument/2006/relationships" xmlns:p="http://schemas.openxmlformats.org/presentationml/2006/main">
+  <p:cSld>
+    <p:spTree>
+      <p:nvGrpSpPr>
+        <p:cNvPr id="1" name=""/>
+        <p:cNvGrpSpPr/>
+        <p:nvPr/>
+      </p:nvGrpSpPr>
+      <p:grpSpPr>
+        <a:xfrm>
+          <a:off x="0" y="0"/>
+          <a:ext cx="0" cy="0"/>
+          <a:chOff x="0" y="0"/>
+          <a:chExt cx="0" cy="0"/>
+        </a:xfrm>
+      </p:grpSpPr>
+      <p:cxnSp>
+        <p:nvCxnSpPr>
+          <p:cNvPr id="5" name="직선 연결선 4">
+            <a:extLst>
+              <a:ext uri="{FF2B5EF4-FFF2-40B4-BE49-F238E27FC236}">
+                <a16:creationId xmlns:a16="http://schemas.microsoft.com/office/drawing/2014/main" id="{164C2827-EFCE-69A4-D037-1A218415F568}"/>
+              </a:ext>
+            </a:extLst>
+          </p:cNvPr>
+          <p:cNvCxnSpPr/>
+          <p:nvPr/>
+        </p:nvCxnSpPr>
+        <p:spPr>
+          <a:xfrm>
+            <a:off x="0" y="887505"/>
+            <a:ext cx="10237694" cy="0"/>
+          </a:xfrm>
+          <a:prstGeom prst="line">
+            <a:avLst/>
+          </a:prstGeom>
+          <a:ln w="76200">
+            <a:solidFill>
+              <a:schemeClr val="tx1">
+                <a:lumMod val="75000"/>
+                <a:lumOff val="25000"/>
+              </a:schemeClr>
+            </a:solidFill>
+          </a:ln>
+        </p:spPr>
+        <p:style>
+          <a:lnRef idx="1">
+            <a:schemeClr val="accent1"/>
+          </a:lnRef>
+          <a:fillRef idx="0">
+            <a:schemeClr val="accent1"/>
+          </a:fillRef>
+          <a:effectRef idx="0">
+            <a:schemeClr val="accent1"/>
+          </a:effectRef>
+          <a:fontRef idx="minor">
+            <a:schemeClr val="tx1"/>
+          </a:fontRef>
+        </p:style>
+      </p:cxnSp>
+      <p:sp>
+        <p:nvSpPr>
+          <p:cNvPr id="6" name="TextBox 5">
+            <a:extLst>
+              <a:ext uri="{FF2B5EF4-FFF2-40B4-BE49-F238E27FC236}">
+                <a16:creationId xmlns:a16="http://schemas.microsoft.com/office/drawing/2014/main" id="{4D81AF7D-5258-8E15-FF02-E90D5EDB63A3}"/>
+              </a:ext>
+            </a:extLst>
+          </p:cNvPr>
+          <p:cNvSpPr txBox="1"/>
+          <p:nvPr/>
+        </p:nvSpPr>
+        <p:spPr>
+          <a:xfrm>
+            <a:off x="331694" y="177505"/>
+            <a:ext cx="4827475" cy="523220"/>
+          </a:xfrm>
+          <a:prstGeom prst="rect">
+            <a:avLst/>
+          </a:prstGeom>
+          <a:noFill/>
+        </p:spPr>
+        <p:txBody>
+          <a:bodyPr wrap="none" rtlCol="0">
+            <a:spAutoFit/>
+          </a:bodyPr>
+          <a:lstStyle/>
+          <a:p>
+            <a:r>
+              <a:rPr lang="en-US" altLang="ko-KR" sz="2800" dirty="0">
+                <a:latin typeface="나눔스퀘어 Bold" panose="020B0600000101010101" pitchFamily="50" charset="-127"/>
+                <a:ea typeface="나눔스퀘어 Bold" panose="020B0600000101010101" pitchFamily="50" charset="-127"/>
+              </a:rPr>
+              <a:t>Greedy</a:t>
+            </a:r>
+            <a:r>
+              <a:rPr lang="ko-KR" altLang="en-US" sz="2800" dirty="0">
+                <a:latin typeface="나눔스퀘어 Bold" panose="020B0600000101010101" pitchFamily="50" charset="-127"/>
+                <a:ea typeface="나눔스퀘어 Bold" panose="020B0600000101010101" pitchFamily="50" charset="-127"/>
+              </a:rPr>
+              <a:t> </a:t>
+            </a:r>
+            <a:r>
+              <a:rPr lang="en-US" altLang="ko-KR" sz="2800" dirty="0">
+                <a:latin typeface="나눔스퀘어 Bold" panose="020B0600000101010101" pitchFamily="50" charset="-127"/>
+                <a:ea typeface="나눔스퀘어 Bold" panose="020B0600000101010101" pitchFamily="50" charset="-127"/>
+              </a:rPr>
+              <a:t>– 16435 </a:t>
+            </a:r>
+            <a:r>
+              <a:rPr lang="ko-KR" altLang="en-US" sz="2800" dirty="0" err="1">
+                <a:latin typeface="나눔스퀘어 Bold" panose="020B0600000101010101" pitchFamily="50" charset="-127"/>
+                <a:ea typeface="나눔스퀘어 Bold" panose="020B0600000101010101" pitchFamily="50" charset="-127"/>
+              </a:rPr>
+              <a:t>스네이크버드</a:t>
+            </a:r>
+            <a:endParaRPr lang="ko-KR" altLang="en-US" sz="2800" dirty="0">
+              <a:latin typeface="나눔스퀘어 Bold" panose="020B0600000101010101" pitchFamily="50" charset="-127"/>
+              <a:ea typeface="나눔스퀘어 Bold" panose="020B0600000101010101" pitchFamily="50" charset="-127"/>
+            </a:endParaRPr>
+          </a:p>
+        </p:txBody>
+      </p:sp>
+      <p:pic>
+        <p:nvPicPr>
+          <p:cNvPr id="3" name="그림 2">
+            <a:extLst>
+              <a:ext uri="{FF2B5EF4-FFF2-40B4-BE49-F238E27FC236}">
+                <a16:creationId xmlns:a16="http://schemas.microsoft.com/office/drawing/2014/main" id="{FA589C46-CD63-5AC6-8332-ABB2E4C406BE}"/>
+              </a:ext>
+            </a:extLst>
+          </p:cNvPr>
+          <p:cNvPicPr>
+            <a:picLocks noChangeAspect="1"/>
+          </p:cNvPicPr>
+          <p:nvPr/>
+        </p:nvPicPr>
+        <p:blipFill>
+          <a:blip r:embed="rId2"/>
+          <a:stretch>
+            <a:fillRect/>
+          </a:stretch>
+        </p:blipFill>
+        <p:spPr>
+          <a:xfrm>
+            <a:off x="331694" y="1007277"/>
+            <a:ext cx="7195942" cy="4939507"/>
+          </a:xfrm>
+          <a:prstGeom prst="rect">
+            <a:avLst/>
+          </a:prstGeom>
+        </p:spPr>
+      </p:pic>
+      <p:pic>
+        <p:nvPicPr>
+          <p:cNvPr id="8" name="그림 7">
+            <a:extLst>
+              <a:ext uri="{FF2B5EF4-FFF2-40B4-BE49-F238E27FC236}">
+                <a16:creationId xmlns:a16="http://schemas.microsoft.com/office/drawing/2014/main" id="{4B39361B-96FC-AED7-0117-C2247189F31B}"/>
+              </a:ext>
+            </a:extLst>
+          </p:cNvPr>
+          <p:cNvPicPr>
+            <a:picLocks noChangeAspect="1"/>
+          </p:cNvPicPr>
+          <p:nvPr/>
+        </p:nvPicPr>
+        <p:blipFill>
+          <a:blip r:embed="rId3"/>
+          <a:stretch>
+            <a:fillRect/>
+          </a:stretch>
+        </p:blipFill>
+        <p:spPr>
+          <a:xfrm>
+            <a:off x="4837449" y="5007753"/>
+            <a:ext cx="1371791" cy="1257475"/>
+          </a:xfrm>
+          <a:prstGeom prst="rect">
+            <a:avLst/>
+          </a:prstGeom>
+        </p:spPr>
+      </p:pic>
+      <p:pic>
+        <p:nvPicPr>
+          <p:cNvPr id="12" name="그림 11">
+            <a:extLst>
+              <a:ext uri="{FF2B5EF4-FFF2-40B4-BE49-F238E27FC236}">
+                <a16:creationId xmlns:a16="http://schemas.microsoft.com/office/drawing/2014/main" id="{7B61A6F2-563B-9EB0-FDE9-71C29B084B05}"/>
+              </a:ext>
+            </a:extLst>
+          </p:cNvPr>
+          <p:cNvPicPr>
+            <a:picLocks noChangeAspect="1"/>
+          </p:cNvPicPr>
+          <p:nvPr/>
+        </p:nvPicPr>
+        <p:blipFill>
+          <a:blip r:embed="rId4"/>
+          <a:stretch>
+            <a:fillRect/>
+          </a:stretch>
+        </p:blipFill>
+        <p:spPr>
+          <a:xfrm>
+            <a:off x="6333451" y="5026808"/>
+            <a:ext cx="1390844" cy="962159"/>
+          </a:xfrm>
+          <a:prstGeom prst="rect">
+            <a:avLst/>
+          </a:prstGeom>
+        </p:spPr>
+      </p:pic>
+      <p:pic>
+        <p:nvPicPr>
+          <p:cNvPr id="16" name="그림 15">
+            <a:extLst>
+              <a:ext uri="{FF2B5EF4-FFF2-40B4-BE49-F238E27FC236}">
+                <a16:creationId xmlns:a16="http://schemas.microsoft.com/office/drawing/2014/main" id="{15810030-2028-54BF-A319-92C2E28410B0}"/>
+              </a:ext>
+            </a:extLst>
+          </p:cNvPr>
+          <p:cNvPicPr>
+            <a:picLocks noChangeAspect="1"/>
+          </p:cNvPicPr>
+          <p:nvPr/>
+        </p:nvPicPr>
+        <p:blipFill>
+          <a:blip r:embed="rId5"/>
+          <a:stretch>
+            <a:fillRect/>
+          </a:stretch>
+        </p:blipFill>
+        <p:spPr>
+          <a:xfrm>
+            <a:off x="8103186" y="5026808"/>
+            <a:ext cx="1933845" cy="1190791"/>
+          </a:xfrm>
+          <a:prstGeom prst="rect">
+            <a:avLst/>
+          </a:prstGeom>
+        </p:spPr>
+      </p:pic>
+      <p:pic>
+        <p:nvPicPr>
+          <p:cNvPr id="20" name="그림 19">
+            <a:extLst>
+              <a:ext uri="{FF2B5EF4-FFF2-40B4-BE49-F238E27FC236}">
+                <a16:creationId xmlns:a16="http://schemas.microsoft.com/office/drawing/2014/main" id="{E672CC38-A8B9-36FD-E0BA-9BEDE6F718E8}"/>
+              </a:ext>
+            </a:extLst>
+          </p:cNvPr>
+          <p:cNvPicPr>
+            <a:picLocks noChangeAspect="1"/>
+          </p:cNvPicPr>
+          <p:nvPr/>
+        </p:nvPicPr>
+        <p:blipFill>
+          <a:blip r:embed="rId6"/>
+          <a:stretch>
+            <a:fillRect/>
+          </a:stretch>
+        </p:blipFill>
+        <p:spPr>
+          <a:xfrm>
+            <a:off x="10157304" y="5026808"/>
+            <a:ext cx="1362265" cy="990738"/>
+          </a:xfrm>
+          <a:prstGeom prst="rect">
+            <a:avLst/>
+          </a:prstGeom>
+        </p:spPr>
+      </p:pic>
+    </p:spTree>
+    <p:extLst>
+      <p:ext uri="{BB962C8B-B14F-4D97-AF65-F5344CB8AC3E}">
+        <p14:creationId xmlns:p14="http://schemas.microsoft.com/office/powerpoint/2010/main" val="3612086494"/>
+      </p:ext>
+    </p:extLst>
+  </p:cSld>
+  <p:clrMapOvr>
+    <a:masterClrMapping/>
+  </p:clrMapOvr>
+</p:sld>
+</file>
+
+<file path=ppt/slides/slide34.xml><?xml version="1.0" encoding="utf-8"?>
+<p:sld xmlns:a="http://schemas.openxmlformats.org/drawingml/2006/main" xmlns:r="http://schemas.openxmlformats.org/officeDocument/2006/relationships" xmlns:p="http://schemas.openxmlformats.org/presentationml/2006/main">
+  <p:cSld>
+    <p:spTree>
+      <p:nvGrpSpPr>
+        <p:cNvPr id="1" name=""/>
+        <p:cNvGrpSpPr/>
+        <p:nvPr/>
+      </p:nvGrpSpPr>
+      <p:grpSpPr>
+        <a:xfrm>
+          <a:off x="0" y="0"/>
+          <a:ext cx="0" cy="0"/>
+          <a:chOff x="0" y="0"/>
+          <a:chExt cx="0" cy="0"/>
+        </a:xfrm>
+      </p:grpSpPr>
+      <p:cxnSp>
+        <p:nvCxnSpPr>
+          <p:cNvPr id="5" name="직선 연결선 4">
+            <a:extLst>
+              <a:ext uri="{FF2B5EF4-FFF2-40B4-BE49-F238E27FC236}">
+                <a16:creationId xmlns:a16="http://schemas.microsoft.com/office/drawing/2014/main" id="{164C2827-EFCE-69A4-D037-1A218415F568}"/>
+              </a:ext>
+            </a:extLst>
+          </p:cNvPr>
+          <p:cNvCxnSpPr/>
+          <p:nvPr/>
+        </p:nvCxnSpPr>
+        <p:spPr>
+          <a:xfrm>
+            <a:off x="0" y="887505"/>
+            <a:ext cx="10237694" cy="0"/>
+          </a:xfrm>
+          <a:prstGeom prst="line">
+            <a:avLst/>
+          </a:prstGeom>
+          <a:ln w="76200">
+            <a:solidFill>
+              <a:schemeClr val="tx1">
+                <a:lumMod val="75000"/>
+                <a:lumOff val="25000"/>
+              </a:schemeClr>
+            </a:solidFill>
+          </a:ln>
+        </p:spPr>
+        <p:style>
+          <a:lnRef idx="1">
+            <a:schemeClr val="accent1"/>
+          </a:lnRef>
+          <a:fillRef idx="0">
+            <a:schemeClr val="accent1"/>
+          </a:fillRef>
+          <a:effectRef idx="0">
+            <a:schemeClr val="accent1"/>
+          </a:effectRef>
+          <a:fontRef idx="minor">
+            <a:schemeClr val="tx1"/>
+          </a:fontRef>
+        </p:style>
+      </p:cxnSp>
+      <p:sp>
+        <p:nvSpPr>
+          <p:cNvPr id="6" name="TextBox 5">
+            <a:extLst>
+              <a:ext uri="{FF2B5EF4-FFF2-40B4-BE49-F238E27FC236}">
+                <a16:creationId xmlns:a16="http://schemas.microsoft.com/office/drawing/2014/main" id="{4D81AF7D-5258-8E15-FF02-E90D5EDB63A3}"/>
+              </a:ext>
+            </a:extLst>
+          </p:cNvPr>
+          <p:cNvSpPr txBox="1"/>
+          <p:nvPr/>
+        </p:nvSpPr>
+        <p:spPr>
+          <a:xfrm>
+            <a:off x="331694" y="177505"/>
+            <a:ext cx="4827475" cy="523220"/>
+          </a:xfrm>
+          <a:prstGeom prst="rect">
+            <a:avLst/>
+          </a:prstGeom>
+          <a:noFill/>
+        </p:spPr>
+        <p:txBody>
+          <a:bodyPr wrap="none" rtlCol="0">
+            <a:spAutoFit/>
+          </a:bodyPr>
+          <a:lstStyle/>
+          <a:p>
+            <a:r>
+              <a:rPr lang="en-US" altLang="ko-KR" sz="2800" dirty="0">
+                <a:latin typeface="나눔스퀘어 Bold" panose="020B0600000101010101" pitchFamily="50" charset="-127"/>
+                <a:ea typeface="나눔스퀘어 Bold" panose="020B0600000101010101" pitchFamily="50" charset="-127"/>
+              </a:rPr>
+              <a:t>Greedy</a:t>
+            </a:r>
+            <a:r>
+              <a:rPr lang="ko-KR" altLang="en-US" sz="2800" dirty="0">
+                <a:latin typeface="나눔스퀘어 Bold" panose="020B0600000101010101" pitchFamily="50" charset="-127"/>
+                <a:ea typeface="나눔스퀘어 Bold" panose="020B0600000101010101" pitchFamily="50" charset="-127"/>
+              </a:rPr>
+              <a:t> </a:t>
+            </a:r>
+            <a:r>
+              <a:rPr lang="en-US" altLang="ko-KR" sz="2800" dirty="0">
+                <a:latin typeface="나눔스퀘어 Bold" panose="020B0600000101010101" pitchFamily="50" charset="-127"/>
+                <a:ea typeface="나눔스퀘어 Bold" panose="020B0600000101010101" pitchFamily="50" charset="-127"/>
+              </a:rPr>
+              <a:t>– 16435 </a:t>
+            </a:r>
+            <a:r>
+              <a:rPr lang="ko-KR" altLang="en-US" sz="2800" dirty="0" err="1">
+                <a:latin typeface="나눔스퀘어 Bold" panose="020B0600000101010101" pitchFamily="50" charset="-127"/>
+                <a:ea typeface="나눔스퀘어 Bold" panose="020B0600000101010101" pitchFamily="50" charset="-127"/>
+              </a:rPr>
+              <a:t>스네이크버드</a:t>
+            </a:r>
+            <a:endParaRPr lang="ko-KR" altLang="en-US" sz="2800" dirty="0">
+              <a:latin typeface="나눔스퀘어 Bold" panose="020B0600000101010101" pitchFamily="50" charset="-127"/>
+              <a:ea typeface="나눔스퀘어 Bold" panose="020B0600000101010101" pitchFamily="50" charset="-127"/>
+            </a:endParaRPr>
+          </a:p>
+        </p:txBody>
+      </p:sp>
+      <p:sp>
+        <p:nvSpPr>
+          <p:cNvPr id="3" name="TextBox 2">
+            <a:extLst>
+              <a:ext uri="{FF2B5EF4-FFF2-40B4-BE49-F238E27FC236}">
+                <a16:creationId xmlns:a16="http://schemas.microsoft.com/office/drawing/2014/main" id="{B99D022C-128B-C352-D829-441470D0CF4E}"/>
+              </a:ext>
+            </a:extLst>
+          </p:cNvPr>
+          <p:cNvSpPr txBox="1"/>
+          <p:nvPr/>
+        </p:nvSpPr>
+        <p:spPr>
+          <a:xfrm>
+            <a:off x="942387" y="1190024"/>
+            <a:ext cx="10237694" cy="369332"/>
+          </a:xfrm>
+          <a:prstGeom prst="rect">
+            <a:avLst/>
+          </a:prstGeom>
+          <a:noFill/>
+        </p:spPr>
+        <p:txBody>
+          <a:bodyPr wrap="square" rtlCol="0">
+            <a:spAutoFit/>
+          </a:bodyPr>
+          <a:lstStyle/>
+          <a:p>
+            <a:r>
+              <a:rPr lang="ko-KR" altLang="en-US" dirty="0">
+                <a:latin typeface="나눔스퀘어 Light" panose="020B0600000101010101" pitchFamily="50" charset="-127"/>
+                <a:ea typeface="나눔스퀘어 Light" panose="020B0600000101010101" pitchFamily="50" charset="-127"/>
+              </a:rPr>
+              <a:t>높은 곳에 있던</a:t>
+            </a:r>
+            <a:r>
+              <a:rPr lang="en-US" altLang="ko-KR" dirty="0">
+                <a:latin typeface="나눔스퀘어 Light" panose="020B0600000101010101" pitchFamily="50" charset="-127"/>
+                <a:ea typeface="나눔스퀘어 Light" panose="020B0600000101010101" pitchFamily="50" charset="-127"/>
+              </a:rPr>
+              <a:t>, </a:t>
+            </a:r>
+            <a:r>
+              <a:rPr lang="ko-KR" altLang="en-US" dirty="0">
+                <a:latin typeface="나눔스퀘어 Light" panose="020B0600000101010101" pitchFamily="50" charset="-127"/>
+                <a:ea typeface="나눔스퀘어 Light" panose="020B0600000101010101" pitchFamily="50" charset="-127"/>
+              </a:rPr>
+              <a:t>낮은 곳에 있던 어느 과일이든 먹으면 이득</a:t>
+            </a:r>
+            <a:r>
+              <a:rPr lang="en-US" altLang="ko-KR" dirty="0">
+                <a:latin typeface="나눔스퀘어 Light" panose="020B0600000101010101" pitchFamily="50" charset="-127"/>
+                <a:ea typeface="나눔스퀘어 Light" panose="020B0600000101010101" pitchFamily="50" charset="-127"/>
+              </a:rPr>
+              <a:t>(</a:t>
+            </a:r>
+            <a:r>
+              <a:rPr lang="ko-KR" altLang="en-US" dirty="0">
+                <a:latin typeface="나눔스퀘어 Light" panose="020B0600000101010101" pitchFamily="50" charset="-127"/>
+                <a:ea typeface="나눔스퀘어 Light" panose="020B0600000101010101" pitchFamily="50" charset="-127"/>
+              </a:rPr>
+              <a:t>늘어나는 길이</a:t>
+            </a:r>
+            <a:r>
+              <a:rPr lang="en-US" altLang="ko-KR" dirty="0">
+                <a:latin typeface="나눔스퀘어 Light" panose="020B0600000101010101" pitchFamily="50" charset="-127"/>
+                <a:ea typeface="나눔스퀘어 Light" panose="020B0600000101010101" pitchFamily="50" charset="-127"/>
+              </a:rPr>
+              <a:t>)</a:t>
+            </a:r>
+            <a:r>
+              <a:rPr lang="ko-KR" altLang="en-US" dirty="0">
+                <a:latin typeface="나눔스퀘어 Light" panose="020B0600000101010101" pitchFamily="50" charset="-127"/>
+                <a:ea typeface="나눔스퀘어 Light" panose="020B0600000101010101" pitchFamily="50" charset="-127"/>
+              </a:rPr>
+              <a:t>이 </a:t>
+            </a:r>
+            <a:r>
+              <a:rPr lang="en-US" altLang="ko-KR" dirty="0">
+                <a:latin typeface="나눔스퀘어 Light" panose="020B0600000101010101" pitchFamily="50" charset="-127"/>
+                <a:ea typeface="나눔스퀘어 Light" panose="020B0600000101010101" pitchFamily="50" charset="-127"/>
+              </a:rPr>
+              <a:t>1</a:t>
+            </a:r>
+            <a:r>
+              <a:rPr lang="ko-KR" altLang="en-US" dirty="0">
+                <a:latin typeface="나눔스퀘어 Light" panose="020B0600000101010101" pitchFamily="50" charset="-127"/>
+                <a:ea typeface="나눔스퀘어 Light" panose="020B0600000101010101" pitchFamily="50" charset="-127"/>
+              </a:rPr>
+              <a:t>로 동일합니다</a:t>
+            </a:r>
+            <a:r>
+              <a:rPr lang="en-US" altLang="ko-KR" dirty="0">
+                <a:latin typeface="나눔스퀘어 Light" panose="020B0600000101010101" pitchFamily="50" charset="-127"/>
+                <a:ea typeface="나눔스퀘어 Light" panose="020B0600000101010101" pitchFamily="50" charset="-127"/>
+              </a:rPr>
+              <a:t>.</a:t>
+            </a:r>
+            <a:endParaRPr lang="ko-KR" altLang="en-US" dirty="0">
+              <a:latin typeface="나눔스퀘어 Light" panose="020B0600000101010101" pitchFamily="50" charset="-127"/>
+              <a:ea typeface="나눔스퀘어 Light" panose="020B0600000101010101" pitchFamily="50" charset="-127"/>
+            </a:endParaRPr>
+          </a:p>
+        </p:txBody>
+      </p:sp>
+      <p:sp>
+        <p:nvSpPr>
+          <p:cNvPr id="4" name="TextBox 3">
+            <a:extLst>
+              <a:ext uri="{FF2B5EF4-FFF2-40B4-BE49-F238E27FC236}">
+                <a16:creationId xmlns:a16="http://schemas.microsoft.com/office/drawing/2014/main" id="{7AC2BEC7-2F14-A09C-A717-39FC82979DC5}"/>
+              </a:ext>
+            </a:extLst>
+          </p:cNvPr>
+          <p:cNvSpPr txBox="1"/>
+          <p:nvPr/>
+        </p:nvSpPr>
+        <p:spPr>
+          <a:xfrm>
+            <a:off x="942387" y="1559356"/>
+            <a:ext cx="10237694" cy="369332"/>
+          </a:xfrm>
+          <a:prstGeom prst="rect">
+            <a:avLst/>
+          </a:prstGeom>
+          <a:noFill/>
+        </p:spPr>
+        <p:txBody>
+          <a:bodyPr wrap="square" rtlCol="0">
+            <a:spAutoFit/>
+          </a:bodyPr>
+          <a:lstStyle/>
+          <a:p>
+            <a:r>
+              <a:rPr lang="ko-KR" altLang="en-US" dirty="0">
+                <a:latin typeface="나눔스퀘어 Light" panose="020B0600000101010101" pitchFamily="50" charset="-127"/>
+                <a:ea typeface="나눔스퀘어 Light" panose="020B0600000101010101" pitchFamily="50" charset="-127"/>
+              </a:rPr>
+              <a:t>그러면</a:t>
+            </a:r>
+            <a:r>
+              <a:rPr lang="en-US" altLang="ko-KR" dirty="0">
+                <a:latin typeface="나눔스퀘어 Light" panose="020B0600000101010101" pitchFamily="50" charset="-127"/>
+                <a:ea typeface="나눔스퀘어 Light" panose="020B0600000101010101" pitchFamily="50" charset="-127"/>
+              </a:rPr>
+              <a:t>, </a:t>
+            </a:r>
+            <a:r>
+              <a:rPr lang="ko-KR" altLang="en-US" dirty="0">
+                <a:latin typeface="나눔스퀘어 Light" panose="020B0600000101010101" pitchFamily="50" charset="-127"/>
+                <a:ea typeface="나눔스퀘어 Light" panose="020B0600000101010101" pitchFamily="50" charset="-127"/>
+              </a:rPr>
+              <a:t>먹을 수 있는 과일부터 먹는게 이득임을 알 수 있습니다</a:t>
+            </a:r>
+            <a:r>
+              <a:rPr lang="en-US" altLang="ko-KR" dirty="0">
+                <a:latin typeface="나눔스퀘어 Light" panose="020B0600000101010101" pitchFamily="50" charset="-127"/>
+                <a:ea typeface="나눔스퀘어 Light" panose="020B0600000101010101" pitchFamily="50" charset="-127"/>
+              </a:rPr>
+              <a:t>.</a:t>
+            </a:r>
+            <a:endParaRPr lang="ko-KR" altLang="en-US" dirty="0">
+              <a:latin typeface="나눔스퀘어 Light" panose="020B0600000101010101" pitchFamily="50" charset="-127"/>
+              <a:ea typeface="나눔스퀘어 Light" panose="020B0600000101010101" pitchFamily="50" charset="-127"/>
+            </a:endParaRPr>
+          </a:p>
+        </p:txBody>
+      </p:sp>
+      <p:sp>
+        <p:nvSpPr>
+          <p:cNvPr id="7" name="TextBox 6">
+            <a:extLst>
+              <a:ext uri="{FF2B5EF4-FFF2-40B4-BE49-F238E27FC236}">
+                <a16:creationId xmlns:a16="http://schemas.microsoft.com/office/drawing/2014/main" id="{312981FD-0889-E0F2-A051-3E294CEB712F}"/>
+              </a:ext>
+            </a:extLst>
+          </p:cNvPr>
+          <p:cNvSpPr txBox="1"/>
+          <p:nvPr/>
+        </p:nvSpPr>
+        <p:spPr>
+          <a:xfrm>
+            <a:off x="942387" y="2667352"/>
+            <a:ext cx="10237694" cy="369332"/>
+          </a:xfrm>
+          <a:prstGeom prst="rect">
+            <a:avLst/>
+          </a:prstGeom>
+          <a:noFill/>
+        </p:spPr>
+        <p:txBody>
+          <a:bodyPr wrap="square" rtlCol="0">
+            <a:spAutoFit/>
+          </a:bodyPr>
+          <a:lstStyle/>
+          <a:p>
+            <a:r>
+              <a:rPr lang="ko-KR" altLang="en-US" dirty="0">
+                <a:latin typeface="나눔스퀘어 Light" panose="020B0600000101010101" pitchFamily="50" charset="-127"/>
+                <a:ea typeface="나눔스퀘어 Light" panose="020B0600000101010101" pitchFamily="50" charset="-127"/>
+              </a:rPr>
+              <a:t>먹을 수 있는 과일 순 → </a:t>
+            </a:r>
+            <a:r>
+              <a:rPr lang="en-US" altLang="ko-KR" dirty="0">
+                <a:latin typeface="나눔스퀘어 Light" panose="020B0600000101010101" pitchFamily="50" charset="-127"/>
+                <a:ea typeface="나눔스퀘어 Light" panose="020B0600000101010101" pitchFamily="50" charset="-127"/>
+              </a:rPr>
+              <a:t>(</a:t>
+            </a:r>
+            <a:r>
+              <a:rPr lang="ko-KR" altLang="en-US" dirty="0">
+                <a:latin typeface="나눔스퀘어 Light" panose="020B0600000101010101" pitchFamily="50" charset="-127"/>
+                <a:ea typeface="나눔스퀘어 Light" panose="020B0600000101010101" pitchFamily="50" charset="-127"/>
+              </a:rPr>
+              <a:t>높이</a:t>
+            </a:r>
+            <a:r>
+              <a:rPr lang="en-US" altLang="ko-KR" dirty="0">
+                <a:latin typeface="나눔스퀘어 Light" panose="020B0600000101010101" pitchFamily="50" charset="-127"/>
+                <a:ea typeface="나눔스퀘어 Light" panose="020B0600000101010101" pitchFamily="50" charset="-127"/>
+              </a:rPr>
+              <a:t>)</a:t>
+            </a:r>
+            <a:r>
+              <a:rPr lang="ko-KR" altLang="en-US" dirty="0">
+                <a:latin typeface="나눔스퀘어 Light" panose="020B0600000101010101" pitchFamily="50" charset="-127"/>
+                <a:ea typeface="나눔스퀘어 Light" panose="020B0600000101010101" pitchFamily="50" charset="-127"/>
+              </a:rPr>
+              <a:t>오름차순</a:t>
+            </a:r>
+          </a:p>
+        </p:txBody>
+      </p:sp>
+      <p:sp>
+        <p:nvSpPr>
+          <p:cNvPr id="8" name="TextBox 7">
+            <a:extLst>
+              <a:ext uri="{FF2B5EF4-FFF2-40B4-BE49-F238E27FC236}">
+                <a16:creationId xmlns:a16="http://schemas.microsoft.com/office/drawing/2014/main" id="{D7E50A58-E52B-6FEC-3A29-9FE46CB3E6CD}"/>
+              </a:ext>
+            </a:extLst>
+          </p:cNvPr>
+          <p:cNvSpPr txBox="1"/>
+          <p:nvPr/>
+        </p:nvSpPr>
+        <p:spPr>
+          <a:xfrm>
+            <a:off x="942387" y="3036684"/>
+            <a:ext cx="10237694" cy="369332"/>
+          </a:xfrm>
+          <a:prstGeom prst="rect">
+            <a:avLst/>
+          </a:prstGeom>
+          <a:noFill/>
+        </p:spPr>
+        <p:txBody>
+          <a:bodyPr wrap="square" rtlCol="0">
+            <a:spAutoFit/>
+          </a:bodyPr>
+          <a:lstStyle/>
+          <a:p>
+            <a:r>
+              <a:rPr lang="ko-KR" altLang="en-US" dirty="0">
+                <a:latin typeface="나눔스퀘어 Light" panose="020B0600000101010101" pitchFamily="50" charset="-127"/>
+                <a:ea typeface="나눔스퀘어 Light" panose="020B0600000101010101" pitchFamily="50" charset="-127"/>
+              </a:rPr>
+              <a:t>오름차순으로 과일을 먹을 수 있을 때</a:t>
+            </a:r>
+            <a:r>
+              <a:rPr lang="en-US" altLang="ko-KR" dirty="0">
+                <a:latin typeface="나눔스퀘어 Light" panose="020B0600000101010101" pitchFamily="50" charset="-127"/>
+                <a:ea typeface="나눔스퀘어 Light" panose="020B0600000101010101" pitchFamily="50" charset="-127"/>
+              </a:rPr>
+              <a:t>(</a:t>
+            </a:r>
+            <a:r>
+              <a:rPr lang="ko-KR" altLang="en-US" dirty="0">
+                <a:latin typeface="나눔스퀘어 Light" panose="020B0600000101010101" pitchFamily="50" charset="-127"/>
+                <a:ea typeface="나눔스퀘어 Light" panose="020B0600000101010101" pitchFamily="50" charset="-127"/>
+              </a:rPr>
+              <a:t>과일 높이 </a:t>
+            </a:r>
+            <a:r>
+              <a:rPr lang="en-US" altLang="ko-KR" dirty="0">
+                <a:latin typeface="나눔스퀘어 Light" panose="020B0600000101010101" pitchFamily="50" charset="-127"/>
+                <a:ea typeface="나눔스퀘어 Light" panose="020B0600000101010101" pitchFamily="50" charset="-127"/>
+              </a:rPr>
+              <a:t>&lt;= </a:t>
+            </a:r>
+            <a:r>
+              <a:rPr lang="ko-KR" altLang="en-US" dirty="0">
+                <a:latin typeface="나눔스퀘어 Light" panose="020B0600000101010101" pitchFamily="50" charset="-127"/>
+                <a:ea typeface="나눔스퀘어 Light" panose="020B0600000101010101" pitchFamily="50" charset="-127"/>
+              </a:rPr>
+              <a:t>자신의 길이</a:t>
+            </a:r>
+            <a:r>
+              <a:rPr lang="en-US" altLang="ko-KR" dirty="0">
+                <a:latin typeface="나눔스퀘어 Light" panose="020B0600000101010101" pitchFamily="50" charset="-127"/>
+                <a:ea typeface="나눔스퀘어 Light" panose="020B0600000101010101" pitchFamily="50" charset="-127"/>
+              </a:rPr>
+              <a:t>)</a:t>
+            </a:r>
+            <a:r>
+              <a:rPr lang="ko-KR" altLang="en-US" dirty="0">
+                <a:latin typeface="나눔스퀘어 Light" panose="020B0600000101010101" pitchFamily="50" charset="-127"/>
+                <a:ea typeface="나눔스퀘어 Light" panose="020B0600000101010101" pitchFamily="50" charset="-127"/>
+              </a:rPr>
+              <a:t>까지 먹으며 길이를 늘리면 됨</a:t>
+            </a:r>
+          </a:p>
+        </p:txBody>
+      </p:sp>
+      <p:pic>
+        <p:nvPicPr>
+          <p:cNvPr id="10" name="그림 9">
+            <a:extLst>
+              <a:ext uri="{FF2B5EF4-FFF2-40B4-BE49-F238E27FC236}">
+                <a16:creationId xmlns:a16="http://schemas.microsoft.com/office/drawing/2014/main" id="{50FA7187-E6CF-B9FC-FA14-2AD1F3EF830D}"/>
+              </a:ext>
+            </a:extLst>
+          </p:cNvPr>
+          <p:cNvPicPr>
+            <a:picLocks noChangeAspect="1"/>
+          </p:cNvPicPr>
+          <p:nvPr/>
+        </p:nvPicPr>
+        <p:blipFill>
+          <a:blip r:embed="rId2"/>
+          <a:stretch>
+            <a:fillRect/>
+          </a:stretch>
+        </p:blipFill>
+        <p:spPr>
+          <a:xfrm>
+            <a:off x="942387" y="3637459"/>
+            <a:ext cx="5910995" cy="2709206"/>
+          </a:xfrm>
+          <a:prstGeom prst="rect">
+            <a:avLst/>
+          </a:prstGeom>
+        </p:spPr>
+      </p:pic>
+      <p:sp>
+        <p:nvSpPr>
+          <p:cNvPr id="11" name="TextBox 10">
+            <a:extLst>
+              <a:ext uri="{FF2B5EF4-FFF2-40B4-BE49-F238E27FC236}">
+                <a16:creationId xmlns:a16="http://schemas.microsoft.com/office/drawing/2014/main" id="{8A97E298-0399-B9DB-BF15-512FCE0D9262}"/>
+              </a:ext>
+            </a:extLst>
+          </p:cNvPr>
+          <p:cNvSpPr txBox="1"/>
+          <p:nvPr/>
+        </p:nvSpPr>
+        <p:spPr>
+          <a:xfrm>
+            <a:off x="7245213" y="4807396"/>
+            <a:ext cx="3934868" cy="369332"/>
+          </a:xfrm>
+          <a:prstGeom prst="rect">
+            <a:avLst/>
+          </a:prstGeom>
+          <a:noFill/>
+        </p:spPr>
+        <p:txBody>
+          <a:bodyPr wrap="square" rtlCol="0">
+            <a:spAutoFit/>
+          </a:bodyPr>
+          <a:lstStyle/>
+          <a:p>
+            <a:r>
+              <a:rPr lang="ko-KR" altLang="en-US" dirty="0">
+                <a:latin typeface="나눔스퀘어 Light" panose="020B0600000101010101" pitchFamily="50" charset="-127"/>
+                <a:ea typeface="나눔스퀘어 Light" panose="020B0600000101010101" pitchFamily="50" charset="-127"/>
+              </a:rPr>
+              <a:t>이 코드의 </a:t>
+            </a:r>
+            <a:r>
+              <a:rPr lang="en-US" altLang="ko-KR" dirty="0">
+                <a:latin typeface="나눔스퀘어 Light" panose="020B0600000101010101" pitchFamily="50" charset="-127"/>
+                <a:ea typeface="나눔스퀘어 Light" panose="020B0600000101010101" pitchFamily="50" charset="-127"/>
+              </a:rPr>
+              <a:t>Big O Notation</a:t>
+            </a:r>
+            <a:r>
+              <a:rPr lang="ko-KR" altLang="en-US" dirty="0">
+                <a:latin typeface="나눔스퀘어 Light" panose="020B0600000101010101" pitchFamily="50" charset="-127"/>
+                <a:ea typeface="나눔스퀘어 Light" panose="020B0600000101010101" pitchFamily="50" charset="-127"/>
+              </a:rPr>
+              <a:t>은</a:t>
+            </a:r>
+            <a:r>
+              <a:rPr lang="en-US" altLang="ko-KR" dirty="0">
+                <a:latin typeface="나눔스퀘어 Light" panose="020B0600000101010101" pitchFamily="50" charset="-127"/>
+                <a:ea typeface="나눔스퀘어 Light" panose="020B0600000101010101" pitchFamily="50" charset="-127"/>
+              </a:rPr>
+              <a:t>?</a:t>
+            </a:r>
+            <a:endParaRPr lang="ko-KR" altLang="en-US" dirty="0">
+              <a:latin typeface="나눔스퀘어 Light" panose="020B0600000101010101" pitchFamily="50" charset="-127"/>
+              <a:ea typeface="나눔스퀘어 Light" panose="020B0600000101010101" pitchFamily="50" charset="-127"/>
+            </a:endParaRPr>
+          </a:p>
+        </p:txBody>
+      </p:sp>
+      <p:sp>
+        <p:nvSpPr>
+          <p:cNvPr id="12" name="TextBox 11">
+            <a:extLst>
+              <a:ext uri="{FF2B5EF4-FFF2-40B4-BE49-F238E27FC236}">
+                <a16:creationId xmlns:a16="http://schemas.microsoft.com/office/drawing/2014/main" id="{9D5D7D09-740C-F075-0A71-D06A7C93CCFE}"/>
+              </a:ext>
+            </a:extLst>
+          </p:cNvPr>
+          <p:cNvSpPr txBox="1"/>
+          <p:nvPr/>
+        </p:nvSpPr>
+        <p:spPr>
+          <a:xfrm>
+            <a:off x="942387" y="1928688"/>
+            <a:ext cx="10237694" cy="369332"/>
+          </a:xfrm>
+          <a:prstGeom prst="rect">
+            <a:avLst/>
+          </a:prstGeom>
+          <a:noFill/>
+        </p:spPr>
+        <p:txBody>
+          <a:bodyPr wrap="square" rtlCol="0">
+            <a:spAutoFit/>
+          </a:bodyPr>
+          <a:lstStyle/>
+          <a:p>
+            <a:r>
+              <a:rPr lang="en-US" altLang="ko-KR" dirty="0">
+                <a:latin typeface="나눔스퀘어 Light" panose="020B0600000101010101" pitchFamily="50" charset="-127"/>
+                <a:ea typeface="나눔스퀘어 Light" panose="020B0600000101010101" pitchFamily="50" charset="-127"/>
+              </a:rPr>
+              <a:t>(</a:t>
+            </a:r>
+            <a:r>
+              <a:rPr lang="ko-KR" altLang="en-US" dirty="0">
+                <a:latin typeface="나눔스퀘어 Light" panose="020B0600000101010101" pitchFamily="50" charset="-127"/>
+                <a:ea typeface="나눔스퀘어 Light" panose="020B0600000101010101" pitchFamily="50" charset="-127"/>
+              </a:rPr>
+              <a:t>그래야 자신의 길이가 늘어나서</a:t>
+            </a:r>
+            <a:r>
+              <a:rPr lang="en-US" altLang="ko-KR" dirty="0">
+                <a:latin typeface="나눔스퀘어 Light" panose="020B0600000101010101" pitchFamily="50" charset="-127"/>
+                <a:ea typeface="나눔스퀘어 Light" panose="020B0600000101010101" pitchFamily="50" charset="-127"/>
+              </a:rPr>
+              <a:t>, </a:t>
+            </a:r>
+            <a:r>
+              <a:rPr lang="ko-KR" altLang="en-US" dirty="0">
+                <a:latin typeface="나눔스퀘어 Light" panose="020B0600000101010101" pitchFamily="50" charset="-127"/>
+                <a:ea typeface="나눔스퀘어 Light" panose="020B0600000101010101" pitchFamily="50" charset="-127"/>
+              </a:rPr>
+              <a:t>먹을 수 있는 과일이 </a:t>
+            </a:r>
+            <a:r>
+              <a:rPr lang="ko-KR" altLang="en-US" dirty="0" err="1">
+                <a:latin typeface="나눔스퀘어 Light" panose="020B0600000101010101" pitchFamily="50" charset="-127"/>
+                <a:ea typeface="나눔스퀘어 Light" panose="020B0600000101010101" pitchFamily="50" charset="-127"/>
+              </a:rPr>
+              <a:t>많아짐</a:t>
+            </a:r>
+            <a:r>
+              <a:rPr lang="en-US" altLang="ko-KR" dirty="0">
+                <a:latin typeface="나눔스퀘어 Light" panose="020B0600000101010101" pitchFamily="50" charset="-127"/>
+                <a:ea typeface="나눔스퀘어 Light" panose="020B0600000101010101" pitchFamily="50" charset="-127"/>
+              </a:rPr>
+              <a:t>)</a:t>
+            </a:r>
+            <a:endParaRPr lang="ko-KR" altLang="en-US" dirty="0">
+              <a:latin typeface="나눔스퀘어 Light" panose="020B0600000101010101" pitchFamily="50" charset="-127"/>
+              <a:ea typeface="나눔스퀘어 Light" panose="020B0600000101010101" pitchFamily="50" charset="-127"/>
+            </a:endParaRPr>
+          </a:p>
+        </p:txBody>
+      </p:sp>
+    </p:spTree>
+    <p:extLst>
+      <p:ext uri="{BB962C8B-B14F-4D97-AF65-F5344CB8AC3E}">
+        <p14:creationId xmlns:p14="http://schemas.microsoft.com/office/powerpoint/2010/main" val="3597371418"/>
+      </p:ext>
+    </p:extLst>
+  </p:cSld>
+  <p:clrMapOvr>
+    <a:masterClrMapping/>
+  </p:clrMapOvr>
+</p:sld>
+</file>
+
+<file path=ppt/slides/slide35.xml><?xml version="1.0" encoding="utf-8"?>
+<p:sld xmlns:a="http://schemas.openxmlformats.org/drawingml/2006/main" xmlns:r="http://schemas.openxmlformats.org/officeDocument/2006/relationships" xmlns:p="http://schemas.openxmlformats.org/presentationml/2006/main">
+  <p:cSld>
+    <p:spTree>
+      <p:nvGrpSpPr>
+        <p:cNvPr id="1" name=""/>
+        <p:cNvGrpSpPr/>
+        <p:nvPr/>
+      </p:nvGrpSpPr>
+      <p:grpSpPr>
+        <a:xfrm>
+          <a:off x="0" y="0"/>
+          <a:ext cx="0" cy="0"/>
+          <a:chOff x="0" y="0"/>
+          <a:chExt cx="0" cy="0"/>
+        </a:xfrm>
+      </p:grpSpPr>
+      <p:cxnSp>
+        <p:nvCxnSpPr>
+          <p:cNvPr id="5" name="직선 연결선 4">
+            <a:extLst>
+              <a:ext uri="{FF2B5EF4-FFF2-40B4-BE49-F238E27FC236}">
+                <a16:creationId xmlns:a16="http://schemas.microsoft.com/office/drawing/2014/main" id="{164C2827-EFCE-69A4-D037-1A218415F568}"/>
+              </a:ext>
+            </a:extLst>
+          </p:cNvPr>
+          <p:cNvCxnSpPr/>
+          <p:nvPr/>
+        </p:nvCxnSpPr>
+        <p:spPr>
+          <a:xfrm>
+            <a:off x="0" y="887505"/>
+            <a:ext cx="10237694" cy="0"/>
+          </a:xfrm>
+          <a:prstGeom prst="line">
+            <a:avLst/>
+          </a:prstGeom>
+          <a:ln w="76200">
+            <a:solidFill>
+              <a:schemeClr val="tx1">
+                <a:lumMod val="75000"/>
+                <a:lumOff val="25000"/>
+              </a:schemeClr>
+            </a:solidFill>
+          </a:ln>
+        </p:spPr>
+        <p:style>
+          <a:lnRef idx="1">
+            <a:schemeClr val="accent1"/>
+          </a:lnRef>
+          <a:fillRef idx="0">
+            <a:schemeClr val="accent1"/>
+          </a:fillRef>
+          <a:effectRef idx="0">
+            <a:schemeClr val="accent1"/>
+          </a:effectRef>
+          <a:fontRef idx="minor">
+            <a:schemeClr val="tx1"/>
+          </a:fontRef>
+        </p:style>
+      </p:cxnSp>
+      <p:sp>
+        <p:nvSpPr>
+          <p:cNvPr id="6" name="TextBox 5">
+            <a:extLst>
+              <a:ext uri="{FF2B5EF4-FFF2-40B4-BE49-F238E27FC236}">
+                <a16:creationId xmlns:a16="http://schemas.microsoft.com/office/drawing/2014/main" id="{4D81AF7D-5258-8E15-FF02-E90D5EDB63A3}"/>
+              </a:ext>
+            </a:extLst>
+          </p:cNvPr>
+          <p:cNvSpPr txBox="1"/>
+          <p:nvPr/>
+        </p:nvSpPr>
+        <p:spPr>
+          <a:xfrm>
+            <a:off x="331694" y="177505"/>
             <a:ext cx="3339889" cy="523220"/>
           </a:xfrm>
           <a:prstGeom prst="rect">
@@ -23349,7 +24343,7 @@
 </p:sld>
 </file>
 
-<file path=ppt/slides/slide33.xml><?xml version="1.0" encoding="utf-8"?>
+<file path=ppt/slides/slide36.xml><?xml version="1.0" encoding="utf-8"?>
 <p:sld xmlns:a="http://schemas.openxmlformats.org/drawingml/2006/main" xmlns:r="http://schemas.openxmlformats.org/officeDocument/2006/relationships" xmlns:p="http://schemas.openxmlformats.org/presentationml/2006/main">
   <p:cSld>
     <p:spTree>
@@ -24194,7 +25188,7 @@
 </p:sld>
 </file>
 
-<file path=ppt/slides/slide34.xml><?xml version="1.0" encoding="utf-8"?>
+<file path=ppt/slides/slide37.xml><?xml version="1.0" encoding="utf-8"?>
 <p:sld xmlns:a="http://schemas.openxmlformats.org/drawingml/2006/main" xmlns:r="http://schemas.openxmlformats.org/officeDocument/2006/relationships" xmlns:p="http://schemas.openxmlformats.org/presentationml/2006/main">
   <p:cSld>
     <p:spTree>
@@ -24947,1333 +25941,6 @@
 </p:sld>
 </file>
 
-<file path=ppt/slides/slide35.xml><?xml version="1.0" encoding="utf-8"?>
-<p:sld xmlns:a="http://schemas.openxmlformats.org/drawingml/2006/main" xmlns:r="http://schemas.openxmlformats.org/officeDocument/2006/relationships" xmlns:p="http://schemas.openxmlformats.org/presentationml/2006/main">
-  <p:cSld>
-    <p:spTree>
-      <p:nvGrpSpPr>
-        <p:cNvPr id="1" name=""/>
-        <p:cNvGrpSpPr/>
-        <p:nvPr/>
-      </p:nvGrpSpPr>
-      <p:grpSpPr>
-        <a:xfrm>
-          <a:off x="0" y="0"/>
-          <a:ext cx="0" cy="0"/>
-          <a:chOff x="0" y="0"/>
-          <a:chExt cx="0" cy="0"/>
-        </a:xfrm>
-      </p:grpSpPr>
-      <p:cxnSp>
-        <p:nvCxnSpPr>
-          <p:cNvPr id="5" name="직선 연결선 4">
-            <a:extLst>
-              <a:ext uri="{FF2B5EF4-FFF2-40B4-BE49-F238E27FC236}">
-                <a16:creationId xmlns:a16="http://schemas.microsoft.com/office/drawing/2014/main" id="{164C2827-EFCE-69A4-D037-1A218415F568}"/>
-              </a:ext>
-            </a:extLst>
-          </p:cNvPr>
-          <p:cNvCxnSpPr/>
-          <p:nvPr/>
-        </p:nvCxnSpPr>
-        <p:spPr>
-          <a:xfrm>
-            <a:off x="0" y="887505"/>
-            <a:ext cx="10237694" cy="0"/>
-          </a:xfrm>
-          <a:prstGeom prst="line">
-            <a:avLst/>
-          </a:prstGeom>
-          <a:ln w="76200">
-            <a:solidFill>
-              <a:schemeClr val="tx1">
-                <a:lumMod val="75000"/>
-                <a:lumOff val="25000"/>
-              </a:schemeClr>
-            </a:solidFill>
-          </a:ln>
-        </p:spPr>
-        <p:style>
-          <a:lnRef idx="1">
-            <a:schemeClr val="accent1"/>
-          </a:lnRef>
-          <a:fillRef idx="0">
-            <a:schemeClr val="accent1"/>
-          </a:fillRef>
-          <a:effectRef idx="0">
-            <a:schemeClr val="accent1"/>
-          </a:effectRef>
-          <a:fontRef idx="minor">
-            <a:schemeClr val="tx1"/>
-          </a:fontRef>
-        </p:style>
-      </p:cxnSp>
-      <p:sp>
-        <p:nvSpPr>
-          <p:cNvPr id="6" name="TextBox 5">
-            <a:extLst>
-              <a:ext uri="{FF2B5EF4-FFF2-40B4-BE49-F238E27FC236}">
-                <a16:creationId xmlns:a16="http://schemas.microsoft.com/office/drawing/2014/main" id="{4D81AF7D-5258-8E15-FF02-E90D5EDB63A3}"/>
-              </a:ext>
-            </a:extLst>
-          </p:cNvPr>
-          <p:cNvSpPr txBox="1"/>
-          <p:nvPr/>
-        </p:nvSpPr>
-        <p:spPr>
-          <a:xfrm>
-            <a:off x="331694" y="177505"/>
-            <a:ext cx="3339889" cy="523220"/>
-          </a:xfrm>
-          <a:prstGeom prst="rect">
-            <a:avLst/>
-          </a:prstGeom>
-          <a:noFill/>
-        </p:spPr>
-        <p:txBody>
-          <a:bodyPr wrap="none" rtlCol="0">
-            <a:spAutoFit/>
-          </a:bodyPr>
-          <a:lstStyle/>
-          <a:p>
-            <a:r>
-              <a:rPr lang="en-US" altLang="ko-KR" sz="2800" dirty="0">
-                <a:latin typeface="나눔스퀘어 Bold" panose="020B0600000101010101" pitchFamily="50" charset="-127"/>
-                <a:ea typeface="나눔스퀘어 Bold" panose="020B0600000101010101" pitchFamily="50" charset="-127"/>
-              </a:rPr>
-              <a:t>Greedy</a:t>
-            </a:r>
-            <a:r>
-              <a:rPr lang="ko-KR" altLang="en-US" sz="2800" dirty="0">
-                <a:latin typeface="나눔스퀘어 Bold" panose="020B0600000101010101" pitchFamily="50" charset="-127"/>
-                <a:ea typeface="나눔스퀘어 Bold" panose="020B0600000101010101" pitchFamily="50" charset="-127"/>
-              </a:rPr>
-              <a:t> </a:t>
-            </a:r>
-            <a:r>
-              <a:rPr lang="en-US" altLang="ko-KR" sz="2800" dirty="0">
-                <a:latin typeface="나눔스퀘어 Bold" panose="020B0600000101010101" pitchFamily="50" charset="-127"/>
-                <a:ea typeface="나눔스퀘어 Bold" panose="020B0600000101010101" pitchFamily="50" charset="-127"/>
-              </a:rPr>
-              <a:t>– 10610 30</a:t>
-            </a:r>
-            <a:endParaRPr lang="ko-KR" altLang="en-US" sz="2800" dirty="0">
-              <a:latin typeface="나눔스퀘어 Bold" panose="020B0600000101010101" pitchFamily="50" charset="-127"/>
-              <a:ea typeface="나눔스퀘어 Bold" panose="020B0600000101010101" pitchFamily="50" charset="-127"/>
-            </a:endParaRPr>
-          </a:p>
-        </p:txBody>
-      </p:sp>
-      <p:sp>
-        <p:nvSpPr>
-          <p:cNvPr id="3" name="TextBox 2">
-            <a:extLst>
-              <a:ext uri="{FF2B5EF4-FFF2-40B4-BE49-F238E27FC236}">
-                <a16:creationId xmlns:a16="http://schemas.microsoft.com/office/drawing/2014/main" id="{CB2E1765-B8F0-DDCE-604D-2FC685B68C9A}"/>
-              </a:ext>
-            </a:extLst>
-          </p:cNvPr>
-          <p:cNvSpPr txBox="1"/>
-          <p:nvPr/>
-        </p:nvSpPr>
-        <p:spPr>
-          <a:xfrm>
-            <a:off x="942387" y="1190024"/>
-            <a:ext cx="10237694" cy="369332"/>
-          </a:xfrm>
-          <a:prstGeom prst="rect">
-            <a:avLst/>
-          </a:prstGeom>
-          <a:noFill/>
-        </p:spPr>
-        <p:txBody>
-          <a:bodyPr wrap="square" rtlCol="0">
-            <a:spAutoFit/>
-          </a:bodyPr>
-          <a:lstStyle/>
-          <a:p>
-            <a:r>
-              <a:rPr lang="en-US" altLang="ko-KR" dirty="0">
-                <a:latin typeface="나눔스퀘어 Light" panose="020B0600000101010101" pitchFamily="50" charset="-127"/>
-                <a:ea typeface="나눔스퀘어 Light" panose="020B0600000101010101" pitchFamily="50" charset="-127"/>
-              </a:rPr>
-              <a:t>30</a:t>
-            </a:r>
-            <a:r>
-              <a:rPr lang="ko-KR" altLang="en-US" dirty="0">
-                <a:latin typeface="나눔스퀘어 Light" panose="020B0600000101010101" pitchFamily="50" charset="-127"/>
-                <a:ea typeface="나눔스퀘어 Light" panose="020B0600000101010101" pitchFamily="50" charset="-127"/>
-              </a:rPr>
-              <a:t>배수의 판별법은 </a:t>
-            </a:r>
-            <a:r>
-              <a:rPr lang="ko-KR" altLang="en-US" dirty="0" err="1">
-                <a:latin typeface="나눔스퀘어 Light" panose="020B0600000101010101" pitchFamily="50" charset="-127"/>
-                <a:ea typeface="나눔스퀘어 Light" panose="020B0600000101010101" pitchFamily="50" charset="-127"/>
-              </a:rPr>
-              <a:t>해결됬으니</a:t>
-            </a:r>
-            <a:r>
-              <a:rPr lang="en-US" altLang="ko-KR" dirty="0">
-                <a:latin typeface="나눔스퀘어 Light" panose="020B0600000101010101" pitchFamily="50" charset="-127"/>
-                <a:ea typeface="나눔스퀘어 Light" panose="020B0600000101010101" pitchFamily="50" charset="-127"/>
-              </a:rPr>
-              <a:t>, </a:t>
-            </a:r>
-            <a:r>
-              <a:rPr lang="ko-KR" altLang="en-US" dirty="0">
-                <a:latin typeface="나눔스퀘어 Light" panose="020B0600000101010101" pitchFamily="50" charset="-127"/>
-                <a:ea typeface="나눔스퀘어 Light" panose="020B0600000101010101" pitchFamily="50" charset="-127"/>
-              </a:rPr>
-              <a:t>이제 수를 크게 만들기만 하면 됩니다</a:t>
-            </a:r>
-            <a:r>
-              <a:rPr lang="en-US" altLang="ko-KR" dirty="0">
-                <a:latin typeface="나눔스퀘어 Light" panose="020B0600000101010101" pitchFamily="50" charset="-127"/>
-                <a:ea typeface="나눔스퀘어 Light" panose="020B0600000101010101" pitchFamily="50" charset="-127"/>
-              </a:rPr>
-              <a:t>.</a:t>
-            </a:r>
-            <a:endParaRPr lang="ko-KR" altLang="en-US" dirty="0">
-              <a:latin typeface="나눔스퀘어 Light" panose="020B0600000101010101" pitchFamily="50" charset="-127"/>
-              <a:ea typeface="나눔스퀘어 Light" panose="020B0600000101010101" pitchFamily="50" charset="-127"/>
-            </a:endParaRPr>
-          </a:p>
-        </p:txBody>
-      </p:sp>
-      <p:sp>
-        <p:nvSpPr>
-          <p:cNvPr id="8" name="TextBox 7">
-            <a:extLst>
-              <a:ext uri="{FF2B5EF4-FFF2-40B4-BE49-F238E27FC236}">
-                <a16:creationId xmlns:a16="http://schemas.microsoft.com/office/drawing/2014/main" id="{12DB2B74-A1C5-43D0-6227-B0350E62B2F8}"/>
-              </a:ext>
-            </a:extLst>
-          </p:cNvPr>
-          <p:cNvSpPr txBox="1"/>
-          <p:nvPr/>
-        </p:nvSpPr>
-        <p:spPr>
-          <a:xfrm>
-            <a:off x="942387" y="1559356"/>
-            <a:ext cx="10237694" cy="369332"/>
-          </a:xfrm>
-          <a:prstGeom prst="rect">
-            <a:avLst/>
-          </a:prstGeom>
-          <a:noFill/>
-        </p:spPr>
-        <p:txBody>
-          <a:bodyPr wrap="square" rtlCol="0">
-            <a:spAutoFit/>
-          </a:bodyPr>
-          <a:lstStyle/>
-          <a:p>
-            <a:r>
-              <a:rPr lang="ko-KR" altLang="en-US" dirty="0">
-                <a:latin typeface="나눔스퀘어 Light" panose="020B0600000101010101" pitchFamily="50" charset="-127"/>
-                <a:ea typeface="나눔스퀘어 Light" panose="020B0600000101010101" pitchFamily="50" charset="-127"/>
-              </a:rPr>
-              <a:t>간단합니다</a:t>
-            </a:r>
-            <a:r>
-              <a:rPr lang="en-US" altLang="ko-KR" dirty="0">
-                <a:latin typeface="나눔스퀘어 Light" panose="020B0600000101010101" pitchFamily="50" charset="-127"/>
-                <a:ea typeface="나눔스퀘어 Light" panose="020B0600000101010101" pitchFamily="50" charset="-127"/>
-              </a:rPr>
-              <a:t>. </a:t>
-            </a:r>
-            <a:r>
-              <a:rPr lang="ko-KR" altLang="en-US" dirty="0">
-                <a:latin typeface="나눔스퀘어 Light" panose="020B0600000101010101" pitchFamily="50" charset="-127"/>
-                <a:ea typeface="나눔스퀘어 Light" panose="020B0600000101010101" pitchFamily="50" charset="-127"/>
-              </a:rPr>
-              <a:t>그냥 큰 수가 앞에 오도록</a:t>
-            </a:r>
-            <a:r>
-              <a:rPr lang="en-US" altLang="ko-KR" dirty="0">
-                <a:latin typeface="나눔스퀘어 Light" panose="020B0600000101010101" pitchFamily="50" charset="-127"/>
-                <a:ea typeface="나눔스퀘어 Light" panose="020B0600000101010101" pitchFamily="50" charset="-127"/>
-              </a:rPr>
-              <a:t>(</a:t>
-            </a:r>
-            <a:r>
-              <a:rPr lang="ko-KR" altLang="en-US" dirty="0">
-                <a:latin typeface="나눔스퀘어 Light" panose="020B0600000101010101" pitchFamily="50" charset="-127"/>
-                <a:ea typeface="나눔스퀘어 Light" panose="020B0600000101010101" pitchFamily="50" charset="-127"/>
-              </a:rPr>
-              <a:t>내림차순</a:t>
-            </a:r>
-            <a:r>
-              <a:rPr lang="en-US" altLang="ko-KR" dirty="0">
-                <a:latin typeface="나눔스퀘어 Light" panose="020B0600000101010101" pitchFamily="50" charset="-127"/>
-                <a:ea typeface="나눔스퀘어 Light" panose="020B0600000101010101" pitchFamily="50" charset="-127"/>
-              </a:rPr>
-              <a:t>) </a:t>
-            </a:r>
-            <a:r>
-              <a:rPr lang="ko-KR" altLang="en-US" dirty="0">
-                <a:latin typeface="나눔스퀘어 Light" panose="020B0600000101010101" pitchFamily="50" charset="-127"/>
-                <a:ea typeface="나눔스퀘어 Light" panose="020B0600000101010101" pitchFamily="50" charset="-127"/>
-              </a:rPr>
-              <a:t>하면 됩니다</a:t>
-            </a:r>
-            <a:r>
-              <a:rPr lang="en-US" altLang="ko-KR" dirty="0">
-                <a:latin typeface="나눔스퀘어 Light" panose="020B0600000101010101" pitchFamily="50" charset="-127"/>
-                <a:ea typeface="나눔스퀘어 Light" panose="020B0600000101010101" pitchFamily="50" charset="-127"/>
-              </a:rPr>
-              <a:t>.</a:t>
-            </a:r>
-            <a:endParaRPr lang="ko-KR" altLang="en-US" dirty="0">
-              <a:latin typeface="나눔스퀘어 Light" panose="020B0600000101010101" pitchFamily="50" charset="-127"/>
-              <a:ea typeface="나눔스퀘어 Light" panose="020B0600000101010101" pitchFamily="50" charset="-127"/>
-            </a:endParaRPr>
-          </a:p>
-        </p:txBody>
-      </p:sp>
-      <p:pic>
-        <p:nvPicPr>
-          <p:cNvPr id="15" name="그림 14">
-            <a:extLst>
-              <a:ext uri="{FF2B5EF4-FFF2-40B4-BE49-F238E27FC236}">
-                <a16:creationId xmlns:a16="http://schemas.microsoft.com/office/drawing/2014/main" id="{E3071453-19D4-D445-C16B-EC5742EA2C3D}"/>
-              </a:ext>
-            </a:extLst>
-          </p:cNvPr>
-          <p:cNvPicPr>
-            <a:picLocks noChangeAspect="1"/>
-          </p:cNvPicPr>
-          <p:nvPr/>
-        </p:nvPicPr>
-        <p:blipFill>
-          <a:blip r:embed="rId2"/>
-          <a:stretch>
-            <a:fillRect/>
-          </a:stretch>
-        </p:blipFill>
-        <p:spPr>
-          <a:xfrm>
-            <a:off x="942387" y="1928687"/>
-            <a:ext cx="7361104" cy="4784101"/>
-          </a:xfrm>
-          <a:prstGeom prst="rect">
-            <a:avLst/>
-          </a:prstGeom>
-        </p:spPr>
-      </p:pic>
-    </p:spTree>
-    <p:extLst>
-      <p:ext uri="{BB962C8B-B14F-4D97-AF65-F5344CB8AC3E}">
-        <p14:creationId xmlns:p14="http://schemas.microsoft.com/office/powerpoint/2010/main" val="1424391052"/>
-      </p:ext>
-    </p:extLst>
-  </p:cSld>
-  <p:clrMapOvr>
-    <a:masterClrMapping/>
-  </p:clrMapOvr>
-</p:sld>
-</file>
-
-<file path=ppt/slides/slide36.xml><?xml version="1.0" encoding="utf-8"?>
-<p:sld xmlns:a="http://schemas.openxmlformats.org/drawingml/2006/main" xmlns:r="http://schemas.openxmlformats.org/officeDocument/2006/relationships" xmlns:p="http://schemas.openxmlformats.org/presentationml/2006/main">
-  <p:cSld>
-    <p:spTree>
-      <p:nvGrpSpPr>
-        <p:cNvPr id="1" name=""/>
-        <p:cNvGrpSpPr/>
-        <p:nvPr/>
-      </p:nvGrpSpPr>
-      <p:grpSpPr>
-        <a:xfrm>
-          <a:off x="0" y="0"/>
-          <a:ext cx="0" cy="0"/>
-          <a:chOff x="0" y="0"/>
-          <a:chExt cx="0" cy="0"/>
-        </a:xfrm>
-      </p:grpSpPr>
-      <p:cxnSp>
-        <p:nvCxnSpPr>
-          <p:cNvPr id="5" name="직선 연결선 4">
-            <a:extLst>
-              <a:ext uri="{FF2B5EF4-FFF2-40B4-BE49-F238E27FC236}">
-                <a16:creationId xmlns:a16="http://schemas.microsoft.com/office/drawing/2014/main" id="{164C2827-EFCE-69A4-D037-1A218415F568}"/>
-              </a:ext>
-            </a:extLst>
-          </p:cNvPr>
-          <p:cNvCxnSpPr/>
-          <p:nvPr/>
-        </p:nvCxnSpPr>
-        <p:spPr>
-          <a:xfrm>
-            <a:off x="0" y="887505"/>
-            <a:ext cx="10237694" cy="0"/>
-          </a:xfrm>
-          <a:prstGeom prst="line">
-            <a:avLst/>
-          </a:prstGeom>
-          <a:ln w="76200">
-            <a:solidFill>
-              <a:schemeClr val="tx1">
-                <a:lumMod val="75000"/>
-                <a:lumOff val="25000"/>
-              </a:schemeClr>
-            </a:solidFill>
-          </a:ln>
-        </p:spPr>
-        <p:style>
-          <a:lnRef idx="1">
-            <a:schemeClr val="accent1"/>
-          </a:lnRef>
-          <a:fillRef idx="0">
-            <a:schemeClr val="accent1"/>
-          </a:fillRef>
-          <a:effectRef idx="0">
-            <a:schemeClr val="accent1"/>
-          </a:effectRef>
-          <a:fontRef idx="minor">
-            <a:schemeClr val="tx1"/>
-          </a:fontRef>
-        </p:style>
-      </p:cxnSp>
-      <p:sp>
-        <p:nvSpPr>
-          <p:cNvPr id="6" name="TextBox 5">
-            <a:extLst>
-              <a:ext uri="{FF2B5EF4-FFF2-40B4-BE49-F238E27FC236}">
-                <a16:creationId xmlns:a16="http://schemas.microsoft.com/office/drawing/2014/main" id="{908ED9B9-09D3-CFA8-625A-6F9BB9B6BD23}"/>
-              </a:ext>
-            </a:extLst>
-          </p:cNvPr>
-          <p:cNvSpPr txBox="1"/>
-          <p:nvPr/>
-        </p:nvSpPr>
-        <p:spPr>
-          <a:xfrm>
-            <a:off x="331694" y="177505"/>
-            <a:ext cx="2006190" cy="523220"/>
-          </a:xfrm>
-          <a:prstGeom prst="rect">
-            <a:avLst/>
-          </a:prstGeom>
-          <a:noFill/>
-        </p:spPr>
-        <p:txBody>
-          <a:bodyPr wrap="none" rtlCol="0">
-            <a:spAutoFit/>
-          </a:bodyPr>
-          <a:lstStyle/>
-          <a:p>
-            <a:r>
-              <a:rPr lang="en-US" altLang="ko-KR" sz="2800" dirty="0">
-                <a:latin typeface="나눔스퀘어 Bold" panose="020B0600000101010101" pitchFamily="50" charset="-127"/>
-                <a:ea typeface="나눔스퀘어 Bold" panose="020B0600000101010101" pitchFamily="50" charset="-127"/>
-              </a:rPr>
-              <a:t>Homework</a:t>
-            </a:r>
-            <a:endParaRPr lang="ko-KR" altLang="en-US" sz="2800" dirty="0">
-              <a:latin typeface="나눔스퀘어 Bold" panose="020B0600000101010101" pitchFamily="50" charset="-127"/>
-              <a:ea typeface="나눔스퀘어 Bold" panose="020B0600000101010101" pitchFamily="50" charset="-127"/>
-            </a:endParaRPr>
-          </a:p>
-        </p:txBody>
-      </p:sp>
-      <p:sp>
-        <p:nvSpPr>
-          <p:cNvPr id="7" name="TextBox 6">
-            <a:extLst>
-              <a:ext uri="{FF2B5EF4-FFF2-40B4-BE49-F238E27FC236}">
-                <a16:creationId xmlns:a16="http://schemas.microsoft.com/office/drawing/2014/main" id="{DD092523-43DA-0A5F-0C04-8239F4BF07FC}"/>
-              </a:ext>
-            </a:extLst>
-          </p:cNvPr>
-          <p:cNvSpPr txBox="1"/>
-          <p:nvPr/>
-        </p:nvSpPr>
-        <p:spPr>
-          <a:xfrm>
-            <a:off x="942387" y="1661364"/>
-            <a:ext cx="8553305" cy="369332"/>
-          </a:xfrm>
-          <a:prstGeom prst="rect">
-            <a:avLst/>
-          </a:prstGeom>
-          <a:noFill/>
-        </p:spPr>
-        <p:txBody>
-          <a:bodyPr wrap="square" rtlCol="0">
-            <a:spAutoFit/>
-          </a:bodyPr>
-          <a:lstStyle/>
-          <a:p>
-            <a:r>
-              <a:rPr lang="en-US" altLang="ko-KR" dirty="0">
-                <a:latin typeface="나눔스퀘어 Light" panose="020B0600000101010101" pitchFamily="50" charset="-127"/>
-                <a:ea typeface="나눔스퀘어 Light" panose="020B0600000101010101" pitchFamily="50" charset="-127"/>
-              </a:rPr>
-              <a:t>1. 10162 </a:t>
-            </a:r>
-            <a:r>
-              <a:rPr lang="ko-KR" altLang="en-US" dirty="0">
-                <a:latin typeface="나눔스퀘어 Light" panose="020B0600000101010101" pitchFamily="50" charset="-127"/>
-                <a:ea typeface="나눔스퀘어 Light" panose="020B0600000101010101" pitchFamily="50" charset="-127"/>
-              </a:rPr>
-              <a:t>전자레인지</a:t>
-            </a:r>
-          </a:p>
-        </p:txBody>
-      </p:sp>
-      <p:sp>
-        <p:nvSpPr>
-          <p:cNvPr id="8" name="TextBox 7">
-            <a:extLst>
-              <a:ext uri="{FF2B5EF4-FFF2-40B4-BE49-F238E27FC236}">
-                <a16:creationId xmlns:a16="http://schemas.microsoft.com/office/drawing/2014/main" id="{80045CCB-6E92-45F3-05E2-D9718BBAEE86}"/>
-              </a:ext>
-            </a:extLst>
-          </p:cNvPr>
-          <p:cNvSpPr txBox="1"/>
-          <p:nvPr/>
-        </p:nvSpPr>
-        <p:spPr>
-          <a:xfrm>
-            <a:off x="942387" y="2030696"/>
-            <a:ext cx="8553305" cy="369332"/>
-          </a:xfrm>
-          <a:prstGeom prst="rect">
-            <a:avLst/>
-          </a:prstGeom>
-          <a:noFill/>
-        </p:spPr>
-        <p:txBody>
-          <a:bodyPr wrap="square" rtlCol="0">
-            <a:spAutoFit/>
-          </a:bodyPr>
-          <a:lstStyle/>
-          <a:p>
-            <a:r>
-              <a:rPr lang="en-US" altLang="ko-KR" dirty="0">
-                <a:latin typeface="나눔스퀘어 Light" panose="020B0600000101010101" pitchFamily="50" charset="-127"/>
-                <a:ea typeface="나눔스퀘어 Light" panose="020B0600000101010101" pitchFamily="50" charset="-127"/>
-              </a:rPr>
-              <a:t>2. 1343 </a:t>
-            </a:r>
-            <a:r>
-              <a:rPr lang="ko-KR" altLang="en-US" dirty="0" err="1">
-                <a:latin typeface="나눔스퀘어 Light" panose="020B0600000101010101" pitchFamily="50" charset="-127"/>
-                <a:ea typeface="나눔스퀘어 Light" panose="020B0600000101010101" pitchFamily="50" charset="-127"/>
-              </a:rPr>
-              <a:t>폴리오미노</a:t>
-            </a:r>
-            <a:endParaRPr lang="ko-KR" altLang="en-US" dirty="0">
-              <a:latin typeface="나눔스퀘어 Light" panose="020B0600000101010101" pitchFamily="50" charset="-127"/>
-              <a:ea typeface="나눔스퀘어 Light" panose="020B0600000101010101" pitchFamily="50" charset="-127"/>
-            </a:endParaRPr>
-          </a:p>
-        </p:txBody>
-      </p:sp>
-      <p:sp>
-        <p:nvSpPr>
-          <p:cNvPr id="9" name="TextBox 8">
-            <a:extLst>
-              <a:ext uri="{FF2B5EF4-FFF2-40B4-BE49-F238E27FC236}">
-                <a16:creationId xmlns:a16="http://schemas.microsoft.com/office/drawing/2014/main" id="{F3F091EF-3E70-16E8-983D-D9C14C2EAD61}"/>
-              </a:ext>
-            </a:extLst>
-          </p:cNvPr>
-          <p:cNvSpPr txBox="1"/>
-          <p:nvPr/>
-        </p:nvSpPr>
-        <p:spPr>
-          <a:xfrm>
-            <a:off x="942387" y="1190024"/>
-            <a:ext cx="8553305" cy="369332"/>
-          </a:xfrm>
-          <a:prstGeom prst="rect">
-            <a:avLst/>
-          </a:prstGeom>
-          <a:noFill/>
-        </p:spPr>
-        <p:txBody>
-          <a:bodyPr wrap="square" rtlCol="0">
-            <a:spAutoFit/>
-          </a:bodyPr>
-          <a:lstStyle/>
-          <a:p>
-            <a:r>
-              <a:rPr lang="ko-KR" altLang="en-US" dirty="0">
-                <a:latin typeface="나눔스퀘어 Bold" panose="020B0600000101010101" pitchFamily="50" charset="-127"/>
-                <a:ea typeface="나눔스퀘어 Bold" panose="020B0600000101010101" pitchFamily="50" charset="-127"/>
-              </a:rPr>
-              <a:t>아래 문제들에 대해 스스로 생각하고 풀어보세요</a:t>
-            </a:r>
-            <a:r>
-              <a:rPr lang="en-US" altLang="ko-KR" dirty="0">
-                <a:latin typeface="나눔스퀘어 Bold" panose="020B0600000101010101" pitchFamily="50" charset="-127"/>
-                <a:ea typeface="나눔스퀘어 Bold" panose="020B0600000101010101" pitchFamily="50" charset="-127"/>
-              </a:rPr>
-              <a:t>.</a:t>
-            </a:r>
-            <a:r>
-              <a:rPr lang="ko-KR" altLang="en-US" dirty="0">
-                <a:latin typeface="나눔스퀘어 Bold" panose="020B0600000101010101" pitchFamily="50" charset="-127"/>
-                <a:ea typeface="나눔스퀘어 Bold" panose="020B0600000101010101" pitchFamily="50" charset="-127"/>
-              </a:rPr>
-              <a:t> </a:t>
-            </a:r>
-            <a:r>
-              <a:rPr lang="en-US" altLang="ko-KR" dirty="0">
-                <a:latin typeface="나눔스퀘어 Bold" panose="020B0600000101010101" pitchFamily="50" charset="-127"/>
-                <a:ea typeface="나눔스퀘어 Bold" panose="020B0600000101010101" pitchFamily="50" charset="-127"/>
-              </a:rPr>
-              <a:t>(</a:t>
-            </a:r>
-            <a:r>
-              <a:rPr lang="ko-KR" altLang="en-US" dirty="0">
-                <a:latin typeface="나눔스퀘어 Bold" panose="020B0600000101010101" pitchFamily="50" charset="-127"/>
-                <a:ea typeface="나눔스퀘어 Bold" panose="020B0600000101010101" pitchFamily="50" charset="-127"/>
-              </a:rPr>
-              <a:t>해설은 따로 진행하진 않겠습니다</a:t>
-            </a:r>
-            <a:r>
-              <a:rPr lang="en-US" altLang="ko-KR" dirty="0">
-                <a:latin typeface="나눔스퀘어 Bold" panose="020B0600000101010101" pitchFamily="50" charset="-127"/>
-                <a:ea typeface="나눔스퀘어 Bold" panose="020B0600000101010101" pitchFamily="50" charset="-127"/>
-              </a:rPr>
-              <a:t>.)</a:t>
-            </a:r>
-            <a:endParaRPr lang="ko-KR" altLang="en-US" dirty="0">
-              <a:latin typeface="나눔스퀘어 Bold" panose="020B0600000101010101" pitchFamily="50" charset="-127"/>
-              <a:ea typeface="나눔스퀘어 Bold" panose="020B0600000101010101" pitchFamily="50" charset="-127"/>
-            </a:endParaRPr>
-          </a:p>
-        </p:txBody>
-      </p:sp>
-      <p:sp>
-        <p:nvSpPr>
-          <p:cNvPr id="11" name="TextBox 10">
-            <a:extLst>
-              <a:ext uri="{FF2B5EF4-FFF2-40B4-BE49-F238E27FC236}">
-                <a16:creationId xmlns:a16="http://schemas.microsoft.com/office/drawing/2014/main" id="{CDF0922C-4F6F-DB5B-EC8F-F56AF894275F}"/>
-              </a:ext>
-            </a:extLst>
-          </p:cNvPr>
-          <p:cNvSpPr txBox="1"/>
-          <p:nvPr/>
-        </p:nvSpPr>
-        <p:spPr>
-          <a:xfrm>
-            <a:off x="942387" y="3568480"/>
-            <a:ext cx="8553305" cy="369332"/>
-          </a:xfrm>
-          <a:prstGeom prst="rect">
-            <a:avLst/>
-          </a:prstGeom>
-          <a:noFill/>
-        </p:spPr>
-        <p:txBody>
-          <a:bodyPr wrap="square" rtlCol="0">
-            <a:spAutoFit/>
-          </a:bodyPr>
-          <a:lstStyle/>
-          <a:p>
-            <a:r>
-              <a:rPr lang="ko-KR" altLang="en-US" dirty="0">
-                <a:latin typeface="나눔스퀘어 Bold" panose="020B0600000101010101" pitchFamily="50" charset="-127"/>
-                <a:ea typeface="나눔스퀘어 Bold" panose="020B0600000101010101" pitchFamily="50" charset="-127"/>
-              </a:rPr>
-              <a:t>선형 자료구조</a:t>
-            </a:r>
-            <a:r>
-              <a:rPr lang="en-US" altLang="ko-KR" dirty="0">
-                <a:latin typeface="나눔스퀘어 Bold" panose="020B0600000101010101" pitchFamily="50" charset="-127"/>
-                <a:ea typeface="나눔스퀘어 Bold" panose="020B0600000101010101" pitchFamily="50" charset="-127"/>
-              </a:rPr>
-              <a:t>(</a:t>
-            </a:r>
-            <a:r>
-              <a:rPr lang="en-US" altLang="ko-KR" dirty="0">
-                <a:latin typeface="나눔스퀘어 Light" panose="020B0600000101010101" pitchFamily="50" charset="-127"/>
-                <a:ea typeface="나눔스퀘어 Light" panose="020B0600000101010101" pitchFamily="50" charset="-127"/>
-              </a:rPr>
-              <a:t>Stack, Queue, List</a:t>
-            </a:r>
-            <a:r>
-              <a:rPr lang="en-US" altLang="ko-KR" dirty="0">
-                <a:latin typeface="나눔스퀘어 Bold" panose="020B0600000101010101" pitchFamily="50" charset="-127"/>
-                <a:ea typeface="나눔스퀘어 Bold" panose="020B0600000101010101" pitchFamily="50" charset="-127"/>
-              </a:rPr>
-              <a:t>)</a:t>
-            </a:r>
-            <a:r>
-              <a:rPr lang="ko-KR" altLang="en-US" dirty="0">
-                <a:latin typeface="나눔스퀘어 Bold" panose="020B0600000101010101" pitchFamily="50" charset="-127"/>
-                <a:ea typeface="나눔스퀘어 Bold" panose="020B0600000101010101" pitchFamily="50" charset="-127"/>
-              </a:rPr>
-              <a:t>에 대해 공부</a:t>
-            </a:r>
-            <a:r>
-              <a:rPr lang="en-US" altLang="ko-KR" dirty="0">
-                <a:latin typeface="나눔스퀘어 Bold" panose="020B0600000101010101" pitchFamily="50" charset="-127"/>
-                <a:ea typeface="나눔스퀘어 Bold" panose="020B0600000101010101" pitchFamily="50" charset="-127"/>
-              </a:rPr>
-              <a:t>, </a:t>
-            </a:r>
-            <a:r>
-              <a:rPr lang="ko-KR" altLang="en-US" dirty="0">
-                <a:latin typeface="나눔스퀘어 Bold" panose="020B0600000101010101" pitchFamily="50" charset="-127"/>
-                <a:ea typeface="나눔스퀘어 Bold" panose="020B0600000101010101" pitchFamily="50" charset="-127"/>
-              </a:rPr>
-              <a:t>구현</a:t>
-            </a:r>
-            <a:r>
-              <a:rPr lang="en-US" altLang="ko-KR" dirty="0">
-                <a:latin typeface="나눔스퀘어 Bold" panose="020B0600000101010101" pitchFamily="50" charset="-127"/>
-                <a:ea typeface="나눔스퀘어 Bold" panose="020B0600000101010101" pitchFamily="50" charset="-127"/>
-              </a:rPr>
-              <a:t>, </a:t>
-            </a:r>
-            <a:r>
-              <a:rPr lang="ko-KR" altLang="en-US" dirty="0">
-                <a:latin typeface="나눔스퀘어 Bold" panose="020B0600000101010101" pitchFamily="50" charset="-127"/>
-                <a:ea typeface="나눔스퀘어 Bold" panose="020B0600000101010101" pitchFamily="50" charset="-127"/>
-              </a:rPr>
-              <a:t>조사 해보세요</a:t>
-            </a:r>
-            <a:r>
-              <a:rPr lang="en-US" altLang="ko-KR" dirty="0">
-                <a:latin typeface="나눔스퀘어 Bold" panose="020B0600000101010101" pitchFamily="50" charset="-127"/>
-                <a:ea typeface="나눔스퀘어 Bold" panose="020B0600000101010101" pitchFamily="50" charset="-127"/>
-              </a:rPr>
-              <a:t>.</a:t>
-            </a:r>
-            <a:endParaRPr lang="ko-KR" altLang="en-US" dirty="0">
-              <a:latin typeface="나눔스퀘어 Bold" panose="020B0600000101010101" pitchFamily="50" charset="-127"/>
-              <a:ea typeface="나눔스퀘어 Bold" panose="020B0600000101010101" pitchFamily="50" charset="-127"/>
-            </a:endParaRPr>
-          </a:p>
-        </p:txBody>
-      </p:sp>
-      <p:sp>
-        <p:nvSpPr>
-          <p:cNvPr id="12" name="TextBox 11">
-            <a:extLst>
-              <a:ext uri="{FF2B5EF4-FFF2-40B4-BE49-F238E27FC236}">
-                <a16:creationId xmlns:a16="http://schemas.microsoft.com/office/drawing/2014/main" id="{1D90656A-EA8C-C93D-45FA-EC08FF6F6A51}"/>
-              </a:ext>
-            </a:extLst>
-          </p:cNvPr>
-          <p:cNvSpPr txBox="1"/>
-          <p:nvPr/>
-        </p:nvSpPr>
-        <p:spPr>
-          <a:xfrm>
-            <a:off x="942387" y="4088641"/>
-            <a:ext cx="10237694" cy="369332"/>
-          </a:xfrm>
-          <a:prstGeom prst="rect">
-            <a:avLst/>
-          </a:prstGeom>
-          <a:noFill/>
-        </p:spPr>
-        <p:txBody>
-          <a:bodyPr wrap="square" rtlCol="0">
-            <a:spAutoFit/>
-          </a:bodyPr>
-          <a:lstStyle/>
-          <a:p>
-            <a:r>
-              <a:rPr lang="ko-KR" altLang="en-US" dirty="0">
-                <a:latin typeface="나눔스퀘어 Light" panose="020B0600000101010101" pitchFamily="50" charset="-127"/>
-                <a:ea typeface="나눔스퀘어 Light" panose="020B0600000101010101" pitchFamily="50" charset="-127"/>
-              </a:rPr>
-              <a:t>배열 방식도 좋고</a:t>
-            </a:r>
-            <a:r>
-              <a:rPr lang="en-US" altLang="ko-KR" dirty="0">
-                <a:latin typeface="나눔스퀘어 Light" panose="020B0600000101010101" pitchFamily="50" charset="-127"/>
-                <a:ea typeface="나눔스퀘어 Light" panose="020B0600000101010101" pitchFamily="50" charset="-127"/>
-              </a:rPr>
-              <a:t>, </a:t>
-            </a:r>
-            <a:r>
-              <a:rPr lang="ko-KR" altLang="en-US" dirty="0" err="1">
-                <a:latin typeface="나눔스퀘어 Light" panose="020B0600000101010101" pitchFamily="50" charset="-127"/>
-                <a:ea typeface="나눔스퀘어 Light" panose="020B0600000101010101" pitchFamily="50" charset="-127"/>
-              </a:rPr>
-              <a:t>링크드</a:t>
-            </a:r>
-            <a:r>
-              <a:rPr lang="ko-KR" altLang="en-US" dirty="0">
-                <a:latin typeface="나눔스퀘어 Light" panose="020B0600000101010101" pitchFamily="50" charset="-127"/>
-                <a:ea typeface="나눔스퀘어 Light" panose="020B0600000101010101" pitchFamily="50" charset="-127"/>
-              </a:rPr>
-              <a:t> 리스트를 사용해 구현해도 좋습니다</a:t>
-            </a:r>
-            <a:r>
-              <a:rPr lang="en-US" altLang="ko-KR" dirty="0">
-                <a:latin typeface="나눔스퀘어 Light" panose="020B0600000101010101" pitchFamily="50" charset="-127"/>
-                <a:ea typeface="나눔스퀘어 Light" panose="020B0600000101010101" pitchFamily="50" charset="-127"/>
-              </a:rPr>
-              <a:t>.</a:t>
-            </a:r>
-            <a:endParaRPr lang="ko-KR" altLang="en-US" dirty="0">
-              <a:latin typeface="나눔스퀘어 Light" panose="020B0600000101010101" pitchFamily="50" charset="-127"/>
-              <a:ea typeface="나눔스퀘어 Light" panose="020B0600000101010101" pitchFamily="50" charset="-127"/>
-            </a:endParaRPr>
-          </a:p>
-        </p:txBody>
-      </p:sp>
-      <p:sp>
-        <p:nvSpPr>
-          <p:cNvPr id="2" name="TextBox 1">
-            <a:extLst>
-              <a:ext uri="{FF2B5EF4-FFF2-40B4-BE49-F238E27FC236}">
-                <a16:creationId xmlns:a16="http://schemas.microsoft.com/office/drawing/2014/main" id="{807C3CD1-8E1B-427F-230D-9C7C2837C1F2}"/>
-              </a:ext>
-            </a:extLst>
-          </p:cNvPr>
-          <p:cNvSpPr txBox="1"/>
-          <p:nvPr/>
-        </p:nvSpPr>
-        <p:spPr>
-          <a:xfrm>
-            <a:off x="942387" y="2400024"/>
-            <a:ext cx="8553305" cy="369332"/>
-          </a:xfrm>
-          <a:prstGeom prst="rect">
-            <a:avLst/>
-          </a:prstGeom>
-          <a:noFill/>
-        </p:spPr>
-        <p:txBody>
-          <a:bodyPr wrap="square" rtlCol="0">
-            <a:spAutoFit/>
-          </a:bodyPr>
-          <a:lstStyle/>
-          <a:p>
-            <a:r>
-              <a:rPr lang="en-US" altLang="ko-KR" dirty="0">
-                <a:latin typeface="나눔스퀘어 Light" panose="020B0600000101010101" pitchFamily="50" charset="-127"/>
-                <a:ea typeface="나눔스퀘어 Light" panose="020B0600000101010101" pitchFamily="50" charset="-127"/>
-              </a:rPr>
-              <a:t>3. 3135 </a:t>
-            </a:r>
-            <a:r>
-              <a:rPr lang="ko-KR" altLang="en-US" dirty="0">
-                <a:latin typeface="나눔스퀘어 Light" panose="020B0600000101010101" pitchFamily="50" charset="-127"/>
-                <a:ea typeface="나눔스퀘어 Light" panose="020B0600000101010101" pitchFamily="50" charset="-127"/>
-              </a:rPr>
-              <a:t>라디오</a:t>
-            </a:r>
-          </a:p>
-        </p:txBody>
-      </p:sp>
-      <p:sp>
-        <p:nvSpPr>
-          <p:cNvPr id="10" name="TextBox 9">
-            <a:extLst>
-              <a:ext uri="{FF2B5EF4-FFF2-40B4-BE49-F238E27FC236}">
-                <a16:creationId xmlns:a16="http://schemas.microsoft.com/office/drawing/2014/main" id="{C572282D-23DE-9D59-D1DB-6011A80C631D}"/>
-              </a:ext>
-            </a:extLst>
-          </p:cNvPr>
-          <p:cNvSpPr txBox="1"/>
-          <p:nvPr/>
-        </p:nvSpPr>
-        <p:spPr>
-          <a:xfrm>
-            <a:off x="942387" y="4457973"/>
-            <a:ext cx="10237694" cy="369332"/>
-          </a:xfrm>
-          <a:prstGeom prst="rect">
-            <a:avLst/>
-          </a:prstGeom>
-          <a:noFill/>
-        </p:spPr>
-        <p:txBody>
-          <a:bodyPr wrap="square" rtlCol="0">
-            <a:spAutoFit/>
-          </a:bodyPr>
-          <a:lstStyle/>
-          <a:p>
-            <a:r>
-              <a:rPr lang="en-US" altLang="ko-KR" dirty="0">
-                <a:latin typeface="나눔스퀘어 Light" panose="020B0600000101010101" pitchFamily="50" charset="-127"/>
-                <a:ea typeface="나눔스퀘어 Light" panose="020B0600000101010101" pitchFamily="50" charset="-127"/>
-              </a:rPr>
-              <a:t>DS</a:t>
-            </a:r>
-            <a:r>
-              <a:rPr lang="ko-KR" altLang="en-US" dirty="0">
-                <a:latin typeface="나눔스퀘어 Light" panose="020B0600000101010101" pitchFamily="50" charset="-127"/>
-                <a:ea typeface="나눔스퀘어 Light" panose="020B0600000101010101" pitchFamily="50" charset="-127"/>
-              </a:rPr>
-              <a:t> </a:t>
-            </a:r>
-            <a:r>
-              <a:rPr lang="en-US" altLang="ko-KR" dirty="0">
-                <a:latin typeface="나눔스퀘어 Light" panose="020B0600000101010101" pitchFamily="50" charset="-127"/>
-                <a:ea typeface="나눔스퀘어 Light" panose="020B0600000101010101" pitchFamily="50" charset="-127"/>
-              </a:rPr>
-              <a:t>/</a:t>
-            </a:r>
-            <a:r>
-              <a:rPr lang="ko-KR" altLang="en-US" dirty="0">
-                <a:latin typeface="나눔스퀘어 Light" panose="020B0600000101010101" pitchFamily="50" charset="-127"/>
-                <a:ea typeface="나눔스퀘어 Light" panose="020B0600000101010101" pitchFamily="50" charset="-127"/>
-              </a:rPr>
-              <a:t> </a:t>
-            </a:r>
-            <a:r>
-              <a:rPr lang="en-US" altLang="ko-KR" dirty="0">
-                <a:latin typeface="나눔스퀘어 Light" panose="020B0600000101010101" pitchFamily="50" charset="-127"/>
-                <a:ea typeface="나눔스퀘어 Light" panose="020B0600000101010101" pitchFamily="50" charset="-127"/>
-              </a:rPr>
-              <a:t>Algorithm</a:t>
-            </a:r>
-            <a:r>
-              <a:rPr lang="ko-KR" altLang="en-US" dirty="0">
-                <a:latin typeface="나눔스퀘어 Light" panose="020B0600000101010101" pitchFamily="50" charset="-127"/>
-                <a:ea typeface="나눔스퀘어 Light" panose="020B0600000101010101" pitchFamily="50" charset="-127"/>
-              </a:rPr>
-              <a:t> 수업 때 해보셨던 분들은 생략해도 좋습니다</a:t>
-            </a:r>
-            <a:r>
-              <a:rPr lang="en-US" altLang="ko-KR">
-                <a:latin typeface="나눔스퀘어 Light" panose="020B0600000101010101" pitchFamily="50" charset="-127"/>
-                <a:ea typeface="나눔스퀘어 Light" panose="020B0600000101010101" pitchFamily="50" charset="-127"/>
-              </a:rPr>
-              <a:t>.</a:t>
-            </a:r>
-            <a:endParaRPr lang="ko-KR" altLang="en-US" dirty="0">
-              <a:latin typeface="나눔스퀘어 Light" panose="020B0600000101010101" pitchFamily="50" charset="-127"/>
-              <a:ea typeface="나눔스퀘어 Light" panose="020B0600000101010101" pitchFamily="50" charset="-127"/>
-            </a:endParaRPr>
-          </a:p>
-        </p:txBody>
-      </p:sp>
-      <p:sp>
-        <p:nvSpPr>
-          <p:cNvPr id="4" name="TextBox 3">
-            <a:extLst>
-              <a:ext uri="{FF2B5EF4-FFF2-40B4-BE49-F238E27FC236}">
-                <a16:creationId xmlns:a16="http://schemas.microsoft.com/office/drawing/2014/main" id="{1FFB0E97-045D-CAE2-D4D4-F6AFF27F568B}"/>
-              </a:ext>
-            </a:extLst>
-          </p:cNvPr>
-          <p:cNvSpPr txBox="1"/>
-          <p:nvPr/>
-        </p:nvSpPr>
-        <p:spPr>
-          <a:xfrm>
-            <a:off x="942387" y="2775391"/>
-            <a:ext cx="8553305" cy="369332"/>
-          </a:xfrm>
-          <a:prstGeom prst="rect">
-            <a:avLst/>
-          </a:prstGeom>
-          <a:noFill/>
-        </p:spPr>
-        <p:txBody>
-          <a:bodyPr wrap="square" rtlCol="0">
-            <a:spAutoFit/>
-          </a:bodyPr>
-          <a:lstStyle/>
-          <a:p>
-            <a:r>
-              <a:rPr lang="en-US" altLang="ko-KR" dirty="0">
-                <a:latin typeface="나눔스퀘어 Light" panose="020B0600000101010101" pitchFamily="50" charset="-127"/>
-                <a:ea typeface="나눔스퀘어 Light" panose="020B0600000101010101" pitchFamily="50" charset="-127"/>
-              </a:rPr>
-              <a:t>4. 16237 </a:t>
-            </a:r>
-            <a:r>
-              <a:rPr lang="ko-KR" altLang="en-US" dirty="0">
-                <a:latin typeface="나눔스퀘어 Light" panose="020B0600000101010101" pitchFamily="50" charset="-127"/>
-                <a:ea typeface="나눔스퀘어 Light" panose="020B0600000101010101" pitchFamily="50" charset="-127"/>
-              </a:rPr>
-              <a:t>이삿짐센터</a:t>
-            </a:r>
-          </a:p>
-        </p:txBody>
-      </p:sp>
-      <p:sp>
-        <p:nvSpPr>
-          <p:cNvPr id="3" name="TextBox 2">
-            <a:extLst>
-              <a:ext uri="{FF2B5EF4-FFF2-40B4-BE49-F238E27FC236}">
-                <a16:creationId xmlns:a16="http://schemas.microsoft.com/office/drawing/2014/main" id="{F3BF5F63-D9BC-ACFF-9CA6-E8F9B73609D8}"/>
-              </a:ext>
-            </a:extLst>
-          </p:cNvPr>
-          <p:cNvSpPr txBox="1"/>
-          <p:nvPr/>
-        </p:nvSpPr>
-        <p:spPr>
-          <a:xfrm>
-            <a:off x="942387" y="5217225"/>
-            <a:ext cx="8553305" cy="369332"/>
-          </a:xfrm>
-          <a:prstGeom prst="rect">
-            <a:avLst/>
-          </a:prstGeom>
-          <a:noFill/>
-        </p:spPr>
-        <p:txBody>
-          <a:bodyPr wrap="square" rtlCol="0">
-            <a:spAutoFit/>
-          </a:bodyPr>
-          <a:lstStyle/>
-          <a:p>
-            <a:r>
-              <a:rPr lang="ko-KR" altLang="en-US" dirty="0">
-                <a:latin typeface="나눔스퀘어 Bold" panose="020B0600000101010101" pitchFamily="50" charset="-127"/>
-                <a:ea typeface="나눔스퀘어 Bold" panose="020B0600000101010101" pitchFamily="50" charset="-127"/>
-              </a:rPr>
-              <a:t>위 자료구조의 언어별 표준 라이브러리 사용법을 익혀보세요</a:t>
-            </a:r>
-            <a:r>
-              <a:rPr lang="en-US" altLang="ko-KR" dirty="0">
-                <a:latin typeface="나눔스퀘어 Bold" panose="020B0600000101010101" pitchFamily="50" charset="-127"/>
-                <a:ea typeface="나눔스퀘어 Bold" panose="020B0600000101010101" pitchFamily="50" charset="-127"/>
-              </a:rPr>
-              <a:t>.</a:t>
-            </a:r>
-            <a:endParaRPr lang="ko-KR" altLang="en-US" dirty="0">
-              <a:latin typeface="나눔스퀘어 Bold" panose="020B0600000101010101" pitchFamily="50" charset="-127"/>
-              <a:ea typeface="나눔스퀘어 Bold" panose="020B0600000101010101" pitchFamily="50" charset="-127"/>
-            </a:endParaRPr>
-          </a:p>
-        </p:txBody>
-      </p:sp>
-      <p:sp>
-        <p:nvSpPr>
-          <p:cNvPr id="13" name="TextBox 12">
-            <a:extLst>
-              <a:ext uri="{FF2B5EF4-FFF2-40B4-BE49-F238E27FC236}">
-                <a16:creationId xmlns:a16="http://schemas.microsoft.com/office/drawing/2014/main" id="{43D6A103-105B-52CD-A54A-6EC1ECBA5EB8}"/>
-              </a:ext>
-            </a:extLst>
-          </p:cNvPr>
-          <p:cNvSpPr txBox="1"/>
-          <p:nvPr/>
-        </p:nvSpPr>
-        <p:spPr>
-          <a:xfrm>
-            <a:off x="942387" y="5777254"/>
-            <a:ext cx="10237694" cy="369332"/>
-          </a:xfrm>
-          <a:prstGeom prst="rect">
-            <a:avLst/>
-          </a:prstGeom>
-          <a:noFill/>
-        </p:spPr>
-        <p:txBody>
-          <a:bodyPr wrap="square" rtlCol="0">
-            <a:spAutoFit/>
-          </a:bodyPr>
-          <a:lstStyle/>
-          <a:p>
-            <a:r>
-              <a:rPr lang="en-US" altLang="ko-KR" dirty="0">
-                <a:latin typeface="나눔스퀘어 Light" panose="020B0600000101010101" pitchFamily="50" charset="-127"/>
-                <a:ea typeface="나눔스퀘어 Light" panose="020B0600000101010101" pitchFamily="50" charset="-127"/>
-              </a:rPr>
-              <a:t>C</a:t>
-            </a:r>
-            <a:r>
-              <a:rPr lang="ko-KR" altLang="en-US" dirty="0">
-                <a:latin typeface="나눔스퀘어 Light" panose="020B0600000101010101" pitchFamily="50" charset="-127"/>
-                <a:ea typeface="나눔스퀘어 Light" panose="020B0600000101010101" pitchFamily="50" charset="-127"/>
-              </a:rPr>
-              <a:t>언어의 경우</a:t>
-            </a:r>
-            <a:r>
-              <a:rPr lang="en-US" altLang="ko-KR" dirty="0">
-                <a:latin typeface="나눔스퀘어 Light" panose="020B0600000101010101" pitchFamily="50" charset="-127"/>
-                <a:ea typeface="나눔스퀘어 Light" panose="020B0600000101010101" pitchFamily="50" charset="-127"/>
-              </a:rPr>
-              <a:t>, C++ </a:t>
-            </a:r>
-            <a:r>
-              <a:rPr lang="en-US" altLang="ko-KR" dirty="0" err="1">
-                <a:latin typeface="나눔스퀘어 Light" panose="020B0600000101010101" pitchFamily="50" charset="-127"/>
-                <a:ea typeface="나눔스퀘어 Light" panose="020B0600000101010101" pitchFamily="50" charset="-127"/>
-              </a:rPr>
-              <a:t>stl</a:t>
-            </a:r>
-            <a:r>
-              <a:rPr lang="ko-KR" altLang="en-US" dirty="0">
-                <a:latin typeface="나눔스퀘어 Light" panose="020B0600000101010101" pitchFamily="50" charset="-127"/>
-                <a:ea typeface="나눔스퀘어 Light" panose="020B0600000101010101" pitchFamily="50" charset="-127"/>
-              </a:rPr>
-              <a:t>을 사용할 필요가 있습니다</a:t>
-            </a:r>
-            <a:r>
-              <a:rPr lang="en-US" altLang="ko-KR" dirty="0">
-                <a:latin typeface="나눔스퀘어 Light" panose="020B0600000101010101" pitchFamily="50" charset="-127"/>
-                <a:ea typeface="나눔스퀘어 Light" panose="020B0600000101010101" pitchFamily="50" charset="-127"/>
-              </a:rPr>
-              <a:t>.</a:t>
-            </a:r>
-            <a:endParaRPr lang="ko-KR" altLang="en-US" dirty="0">
-              <a:latin typeface="나눔스퀘어 Light" panose="020B0600000101010101" pitchFamily="50" charset="-127"/>
-              <a:ea typeface="나눔스퀘어 Light" panose="020B0600000101010101" pitchFamily="50" charset="-127"/>
-            </a:endParaRPr>
-          </a:p>
-        </p:txBody>
-      </p:sp>
-    </p:spTree>
-    <p:extLst>
-      <p:ext uri="{BB962C8B-B14F-4D97-AF65-F5344CB8AC3E}">
-        <p14:creationId xmlns:p14="http://schemas.microsoft.com/office/powerpoint/2010/main" val="732558497"/>
-      </p:ext>
-    </p:extLst>
-  </p:cSld>
-  <p:clrMapOvr>
-    <a:masterClrMapping/>
-  </p:clrMapOvr>
-</p:sld>
-</file>
-
-<file path=ppt/slides/slide37.xml><?xml version="1.0" encoding="utf-8"?>
-<p:sld xmlns:a="http://schemas.openxmlformats.org/drawingml/2006/main" xmlns:r="http://schemas.openxmlformats.org/officeDocument/2006/relationships" xmlns:p="http://schemas.openxmlformats.org/presentationml/2006/main">
-  <p:cSld>
-    <p:spTree>
-      <p:nvGrpSpPr>
-        <p:cNvPr id="1" name=""/>
-        <p:cNvGrpSpPr/>
-        <p:nvPr/>
-      </p:nvGrpSpPr>
-      <p:grpSpPr>
-        <a:xfrm>
-          <a:off x="0" y="0"/>
-          <a:ext cx="0" cy="0"/>
-          <a:chOff x="0" y="0"/>
-          <a:chExt cx="0" cy="0"/>
-        </a:xfrm>
-      </p:grpSpPr>
-      <p:cxnSp>
-        <p:nvCxnSpPr>
-          <p:cNvPr id="5" name="직선 연결선 4">
-            <a:extLst>
-              <a:ext uri="{FF2B5EF4-FFF2-40B4-BE49-F238E27FC236}">
-                <a16:creationId xmlns:a16="http://schemas.microsoft.com/office/drawing/2014/main" id="{164C2827-EFCE-69A4-D037-1A218415F568}"/>
-              </a:ext>
-            </a:extLst>
-          </p:cNvPr>
-          <p:cNvCxnSpPr/>
-          <p:nvPr/>
-        </p:nvCxnSpPr>
-        <p:spPr>
-          <a:xfrm>
-            <a:off x="0" y="887505"/>
-            <a:ext cx="10237694" cy="0"/>
-          </a:xfrm>
-          <a:prstGeom prst="line">
-            <a:avLst/>
-          </a:prstGeom>
-          <a:ln w="76200">
-            <a:solidFill>
-              <a:schemeClr val="tx1">
-                <a:lumMod val="75000"/>
-                <a:lumOff val="25000"/>
-              </a:schemeClr>
-            </a:solidFill>
-          </a:ln>
-        </p:spPr>
-        <p:style>
-          <a:lnRef idx="1">
-            <a:schemeClr val="accent1"/>
-          </a:lnRef>
-          <a:fillRef idx="0">
-            <a:schemeClr val="accent1"/>
-          </a:fillRef>
-          <a:effectRef idx="0">
-            <a:schemeClr val="accent1"/>
-          </a:effectRef>
-          <a:fontRef idx="minor">
-            <a:schemeClr val="tx1"/>
-          </a:fontRef>
-        </p:style>
-      </p:cxnSp>
-      <p:sp>
-        <p:nvSpPr>
-          <p:cNvPr id="6" name="TextBox 5">
-            <a:extLst>
-              <a:ext uri="{FF2B5EF4-FFF2-40B4-BE49-F238E27FC236}">
-                <a16:creationId xmlns:a16="http://schemas.microsoft.com/office/drawing/2014/main" id="{908ED9B9-09D3-CFA8-625A-6F9BB9B6BD23}"/>
-              </a:ext>
-            </a:extLst>
-          </p:cNvPr>
-          <p:cNvSpPr txBox="1"/>
-          <p:nvPr/>
-        </p:nvSpPr>
-        <p:spPr>
-          <a:xfrm>
-            <a:off x="331694" y="177505"/>
-            <a:ext cx="2006190" cy="523220"/>
-          </a:xfrm>
-          <a:prstGeom prst="rect">
-            <a:avLst/>
-          </a:prstGeom>
-          <a:noFill/>
-        </p:spPr>
-        <p:txBody>
-          <a:bodyPr wrap="none" rtlCol="0">
-            <a:spAutoFit/>
-          </a:bodyPr>
-          <a:lstStyle/>
-          <a:p>
-            <a:r>
-              <a:rPr lang="en-US" altLang="ko-KR" sz="2800" dirty="0">
-                <a:latin typeface="나눔스퀘어 Bold" panose="020B0600000101010101" pitchFamily="50" charset="-127"/>
-                <a:ea typeface="나눔스퀘어 Bold" panose="020B0600000101010101" pitchFamily="50" charset="-127"/>
-              </a:rPr>
-              <a:t>Homework</a:t>
-            </a:r>
-            <a:endParaRPr lang="ko-KR" altLang="en-US" sz="2800" dirty="0">
-              <a:latin typeface="나눔스퀘어 Bold" panose="020B0600000101010101" pitchFamily="50" charset="-127"/>
-              <a:ea typeface="나눔스퀘어 Bold" panose="020B0600000101010101" pitchFamily="50" charset="-127"/>
-            </a:endParaRPr>
-          </a:p>
-        </p:txBody>
-      </p:sp>
-      <p:sp>
-        <p:nvSpPr>
-          <p:cNvPr id="9" name="TextBox 8">
-            <a:extLst>
-              <a:ext uri="{FF2B5EF4-FFF2-40B4-BE49-F238E27FC236}">
-                <a16:creationId xmlns:a16="http://schemas.microsoft.com/office/drawing/2014/main" id="{F3F091EF-3E70-16E8-983D-D9C14C2EAD61}"/>
-              </a:ext>
-            </a:extLst>
-          </p:cNvPr>
-          <p:cNvSpPr txBox="1"/>
-          <p:nvPr/>
-        </p:nvSpPr>
-        <p:spPr>
-          <a:xfrm>
-            <a:off x="942387" y="1190024"/>
-            <a:ext cx="10237694" cy="369332"/>
-          </a:xfrm>
-          <a:prstGeom prst="rect">
-            <a:avLst/>
-          </a:prstGeom>
-          <a:noFill/>
-        </p:spPr>
-        <p:txBody>
-          <a:bodyPr wrap="square" rtlCol="0">
-            <a:spAutoFit/>
-          </a:bodyPr>
-          <a:lstStyle/>
-          <a:p>
-            <a:r>
-              <a:rPr lang="en-US" altLang="ko-KR" dirty="0">
-                <a:latin typeface="나눔스퀘어 Bold" panose="020B0600000101010101" pitchFamily="50" charset="-127"/>
-                <a:ea typeface="나눔스퀘어 Bold" panose="020B0600000101010101" pitchFamily="50" charset="-127"/>
-              </a:rPr>
-              <a:t>C++ STL Stack</a:t>
-            </a:r>
-            <a:endParaRPr lang="ko-KR" altLang="en-US" dirty="0">
-              <a:latin typeface="나눔스퀘어 Bold" panose="020B0600000101010101" pitchFamily="50" charset="-127"/>
-              <a:ea typeface="나눔스퀘어 Bold" panose="020B0600000101010101" pitchFamily="50" charset="-127"/>
-            </a:endParaRPr>
-          </a:p>
-        </p:txBody>
-      </p:sp>
-      <p:pic>
-        <p:nvPicPr>
-          <p:cNvPr id="15" name="그림 14">
-            <a:extLst>
-              <a:ext uri="{FF2B5EF4-FFF2-40B4-BE49-F238E27FC236}">
-                <a16:creationId xmlns:a16="http://schemas.microsoft.com/office/drawing/2014/main" id="{A7ED2961-0FFC-773C-4269-3C4877670AF4}"/>
-              </a:ext>
-            </a:extLst>
-          </p:cNvPr>
-          <p:cNvPicPr>
-            <a:picLocks noChangeAspect="1"/>
-          </p:cNvPicPr>
-          <p:nvPr/>
-        </p:nvPicPr>
-        <p:blipFill>
-          <a:blip r:embed="rId2"/>
-          <a:stretch>
-            <a:fillRect/>
-          </a:stretch>
-        </p:blipFill>
-        <p:spPr>
-          <a:xfrm>
-            <a:off x="942387" y="1580891"/>
-            <a:ext cx="6470761" cy="4782201"/>
-          </a:xfrm>
-          <a:prstGeom prst="rect">
-            <a:avLst/>
-          </a:prstGeom>
-        </p:spPr>
-      </p:pic>
-      <p:sp>
-        <p:nvSpPr>
-          <p:cNvPr id="17" name="TextBox 16">
-            <a:extLst>
-              <a:ext uri="{FF2B5EF4-FFF2-40B4-BE49-F238E27FC236}">
-                <a16:creationId xmlns:a16="http://schemas.microsoft.com/office/drawing/2014/main" id="{89B8E62F-A12F-9DAA-BB4A-590D6345952B}"/>
-              </a:ext>
-            </a:extLst>
-          </p:cNvPr>
-          <p:cNvSpPr txBox="1"/>
-          <p:nvPr/>
-        </p:nvSpPr>
-        <p:spPr>
-          <a:xfrm>
-            <a:off x="7625991" y="4787439"/>
-            <a:ext cx="3478784" cy="369332"/>
-          </a:xfrm>
-          <a:prstGeom prst="rect">
-            <a:avLst/>
-          </a:prstGeom>
-          <a:noFill/>
-        </p:spPr>
-        <p:txBody>
-          <a:bodyPr wrap="square" rtlCol="0">
-            <a:spAutoFit/>
-          </a:bodyPr>
-          <a:lstStyle/>
-          <a:p>
-            <a:r>
-              <a:rPr lang="ko-KR" altLang="en-US" dirty="0">
-                <a:latin typeface="나눔스퀘어 Light" panose="020B0600000101010101" pitchFamily="50" charset="-127"/>
-                <a:ea typeface="나눔스퀘어 Light" panose="020B0600000101010101" pitchFamily="50" charset="-127"/>
-              </a:rPr>
-              <a:t>전체 출력 결과는</a:t>
-            </a:r>
-            <a:r>
-              <a:rPr lang="en-US" altLang="ko-KR" dirty="0">
-                <a:latin typeface="나눔스퀘어 Light" panose="020B0600000101010101" pitchFamily="50" charset="-127"/>
-                <a:ea typeface="나눔스퀘어 Light" panose="020B0600000101010101" pitchFamily="50" charset="-127"/>
-              </a:rPr>
-              <a:t>?</a:t>
-            </a:r>
-            <a:endParaRPr lang="ko-KR" altLang="en-US" dirty="0">
-              <a:latin typeface="나눔스퀘어 Light" panose="020B0600000101010101" pitchFamily="50" charset="-127"/>
-              <a:ea typeface="나눔스퀘어 Light" panose="020B0600000101010101" pitchFamily="50" charset="-127"/>
-            </a:endParaRPr>
-          </a:p>
-        </p:txBody>
-      </p:sp>
-    </p:spTree>
-    <p:extLst>
-      <p:ext uri="{BB962C8B-B14F-4D97-AF65-F5344CB8AC3E}">
-        <p14:creationId xmlns:p14="http://schemas.microsoft.com/office/powerpoint/2010/main" val="672736138"/>
-      </p:ext>
-    </p:extLst>
-  </p:cSld>
-  <p:clrMapOvr>
-    <a:masterClrMapping/>
-  </p:clrMapOvr>
-</p:sld>
-</file>
-
 <file path=ppt/slides/slide38.xml><?xml version="1.0" encoding="utf-8"?>
 <p:sld xmlns:a="http://schemas.openxmlformats.org/drawingml/2006/main" xmlns:r="http://schemas.openxmlformats.org/officeDocument/2006/relationships" xmlns:p="http://schemas.openxmlformats.org/presentationml/2006/main">
   <p:cSld>
@@ -26340,7 +26007,7 @@
           <p:cNvPr id="6" name="TextBox 5">
             <a:extLst>
               <a:ext uri="{FF2B5EF4-FFF2-40B4-BE49-F238E27FC236}">
-                <a16:creationId xmlns:a16="http://schemas.microsoft.com/office/drawing/2014/main" id="{908ED9B9-09D3-CFA8-625A-6F9BB9B6BD23}"/>
+                <a16:creationId xmlns:a16="http://schemas.microsoft.com/office/drawing/2014/main" id="{4D81AF7D-5258-8E15-FF02-E90D5EDB63A3}"/>
               </a:ext>
             </a:extLst>
           </p:cNvPr>
@@ -26350,7 +26017,7 @@
         <p:spPr>
           <a:xfrm>
             <a:off x="331694" y="177505"/>
-            <a:ext cx="2006190" cy="523220"/>
+            <a:ext cx="3339889" cy="523220"/>
           </a:xfrm>
           <a:prstGeom prst="rect">
             <a:avLst/>
@@ -26368,7 +26035,21 @@
                 <a:latin typeface="나눔스퀘어 Bold" panose="020B0600000101010101" pitchFamily="50" charset="-127"/>
                 <a:ea typeface="나눔스퀘어 Bold" panose="020B0600000101010101" pitchFamily="50" charset="-127"/>
               </a:rPr>
-              <a:t>Homework</a:t>
+              <a:t>Greedy</a:t>
+            </a:r>
+            <a:r>
+              <a:rPr lang="ko-KR" altLang="en-US" sz="2800" dirty="0">
+                <a:latin typeface="나눔스퀘어 Bold" panose="020B0600000101010101" pitchFamily="50" charset="-127"/>
+                <a:ea typeface="나눔스퀘어 Bold" panose="020B0600000101010101" pitchFamily="50" charset="-127"/>
+              </a:rPr>
+              <a:t> </a:t>
+            </a:r>
+            <a:r>
+              <a:rPr lang="en-US" altLang="ko-KR" sz="2800" dirty="0">
+                <a:latin typeface="나눔스퀘어 Bold" panose="020B0600000101010101" pitchFamily="50" charset="-127"/>
+                <a:ea typeface="나눔스퀘어 Bold" panose="020B0600000101010101" pitchFamily="50" charset="-127"/>
+              </a:rPr>
+              <a:t>– 10610 30</a:t>
             </a:r>
             <a:endParaRPr lang="ko-KR" altLang="en-US" sz="2800" dirty="0">
               <a:latin typeface="나눔스퀘어 Bold" panose="020B0600000101010101" pitchFamily="50" charset="-127"/>
@@ -26379,10 +26060,10 @@
       </p:sp>
       <p:sp>
         <p:nvSpPr>
-          <p:cNvPr id="9" name="TextBox 8">
-            <a:extLst>
-              <a:ext uri="{FF2B5EF4-FFF2-40B4-BE49-F238E27FC236}">
-                <a16:creationId xmlns:a16="http://schemas.microsoft.com/office/drawing/2014/main" id="{F3F091EF-3E70-16E8-983D-D9C14C2EAD61}"/>
+          <p:cNvPr id="3" name="TextBox 2">
+            <a:extLst>
+              <a:ext uri="{FF2B5EF4-FFF2-40B4-BE49-F238E27FC236}">
+                <a16:creationId xmlns:a16="http://schemas.microsoft.com/office/drawing/2014/main" id="{CB2E1765-B8F0-DDCE-604D-2FC685B68C9A}"/>
               </a:ext>
             </a:extLst>
           </p:cNvPr>
@@ -26392,7 +26073,7 @@
         <p:spPr>
           <a:xfrm>
             <a:off x="942387" y="1190024"/>
-            <a:ext cx="8553305" cy="369332"/>
+            <a:ext cx="10237694" cy="369332"/>
           </a:xfrm>
           <a:prstGeom prst="rect">
             <a:avLst/>
@@ -26407,24 +26088,150 @@
           <a:p>
             <a:r>
               <a:rPr lang="en-US" altLang="ko-KR" dirty="0">
-                <a:latin typeface="나눔스퀘어 Bold" panose="020B0600000101010101" pitchFamily="50" charset="-127"/>
-                <a:ea typeface="나눔스퀘어 Bold" panose="020B0600000101010101" pitchFamily="50" charset="-127"/>
-              </a:rPr>
-              <a:t>C++ STL Queue</a:t>
+                <a:latin typeface="나눔스퀘어 Light" panose="020B0600000101010101" pitchFamily="50" charset="-127"/>
+                <a:ea typeface="나눔스퀘어 Light" panose="020B0600000101010101" pitchFamily="50" charset="-127"/>
+              </a:rPr>
+              <a:t>30</a:t>
+            </a:r>
+            <a:r>
+              <a:rPr lang="ko-KR" altLang="en-US" dirty="0">
+                <a:latin typeface="나눔스퀘어 Light" panose="020B0600000101010101" pitchFamily="50" charset="-127"/>
+                <a:ea typeface="나눔스퀘어 Light" panose="020B0600000101010101" pitchFamily="50" charset="-127"/>
+              </a:rPr>
+              <a:t>배수의 판별법은 </a:t>
+            </a:r>
+            <a:r>
+              <a:rPr lang="ko-KR" altLang="en-US" dirty="0" err="1">
+                <a:latin typeface="나눔스퀘어 Light" panose="020B0600000101010101" pitchFamily="50" charset="-127"/>
+                <a:ea typeface="나눔스퀘어 Light" panose="020B0600000101010101" pitchFamily="50" charset="-127"/>
+              </a:rPr>
+              <a:t>해결됬으니</a:t>
+            </a:r>
+            <a:r>
+              <a:rPr lang="en-US" altLang="ko-KR" dirty="0">
+                <a:latin typeface="나눔스퀘어 Light" panose="020B0600000101010101" pitchFamily="50" charset="-127"/>
+                <a:ea typeface="나눔스퀘어 Light" panose="020B0600000101010101" pitchFamily="50" charset="-127"/>
+              </a:rPr>
+              <a:t>, </a:t>
+            </a:r>
+            <a:r>
+              <a:rPr lang="ko-KR" altLang="en-US" dirty="0">
+                <a:latin typeface="나눔스퀘어 Light" panose="020B0600000101010101" pitchFamily="50" charset="-127"/>
+                <a:ea typeface="나눔스퀘어 Light" panose="020B0600000101010101" pitchFamily="50" charset="-127"/>
+              </a:rPr>
+              <a:t>이제 수를 크게 만들기만 하면 됩니다</a:t>
+            </a:r>
+            <a:r>
+              <a:rPr lang="en-US" altLang="ko-KR" dirty="0">
+                <a:latin typeface="나눔스퀘어 Light" panose="020B0600000101010101" pitchFamily="50" charset="-127"/>
+                <a:ea typeface="나눔스퀘어 Light" panose="020B0600000101010101" pitchFamily="50" charset="-127"/>
+              </a:rPr>
+              <a:t>.</a:t>
             </a:r>
             <a:endParaRPr lang="ko-KR" altLang="en-US" dirty="0">
-              <a:latin typeface="나눔스퀘어 Bold" panose="020B0600000101010101" pitchFamily="50" charset="-127"/>
-              <a:ea typeface="나눔스퀘어 Bold" panose="020B0600000101010101" pitchFamily="50" charset="-127"/>
+              <a:latin typeface="나눔스퀘어 Light" panose="020B0600000101010101" pitchFamily="50" charset="-127"/>
+              <a:ea typeface="나눔스퀘어 Light" panose="020B0600000101010101" pitchFamily="50" charset="-127"/>
+            </a:endParaRPr>
+          </a:p>
+        </p:txBody>
+      </p:sp>
+      <p:sp>
+        <p:nvSpPr>
+          <p:cNvPr id="8" name="TextBox 7">
+            <a:extLst>
+              <a:ext uri="{FF2B5EF4-FFF2-40B4-BE49-F238E27FC236}">
+                <a16:creationId xmlns:a16="http://schemas.microsoft.com/office/drawing/2014/main" id="{12DB2B74-A1C5-43D0-6227-B0350E62B2F8}"/>
+              </a:ext>
+            </a:extLst>
+          </p:cNvPr>
+          <p:cNvSpPr txBox="1"/>
+          <p:nvPr/>
+        </p:nvSpPr>
+        <p:spPr>
+          <a:xfrm>
+            <a:off x="942387" y="1559356"/>
+            <a:ext cx="10237694" cy="369332"/>
+          </a:xfrm>
+          <a:prstGeom prst="rect">
+            <a:avLst/>
+          </a:prstGeom>
+          <a:noFill/>
+        </p:spPr>
+        <p:txBody>
+          <a:bodyPr wrap="square" rtlCol="0">
+            <a:spAutoFit/>
+          </a:bodyPr>
+          <a:lstStyle/>
+          <a:p>
+            <a:r>
+              <a:rPr lang="ko-KR" altLang="en-US" dirty="0">
+                <a:latin typeface="나눔스퀘어 Light" panose="020B0600000101010101" pitchFamily="50" charset="-127"/>
+                <a:ea typeface="나눔스퀘어 Light" panose="020B0600000101010101" pitchFamily="50" charset="-127"/>
+              </a:rPr>
+              <a:t>간단합니다</a:t>
+            </a:r>
+            <a:r>
+              <a:rPr lang="en-US" altLang="ko-KR" dirty="0">
+                <a:latin typeface="나눔스퀘어 Light" panose="020B0600000101010101" pitchFamily="50" charset="-127"/>
+                <a:ea typeface="나눔스퀘어 Light" panose="020B0600000101010101" pitchFamily="50" charset="-127"/>
+              </a:rPr>
+              <a:t>. </a:t>
+            </a:r>
+            <a:r>
+              <a:rPr lang="ko-KR" altLang="en-US" dirty="0">
+                <a:latin typeface="나눔스퀘어 Light" panose="020B0600000101010101" pitchFamily="50" charset="-127"/>
+                <a:ea typeface="나눔스퀘어 Light" panose="020B0600000101010101" pitchFamily="50" charset="-127"/>
+              </a:rPr>
+              <a:t>그냥 큰 수가 앞에 오도록</a:t>
+            </a:r>
+            <a:r>
+              <a:rPr lang="en-US" altLang="ko-KR" dirty="0">
+                <a:latin typeface="나눔스퀘어 Light" panose="020B0600000101010101" pitchFamily="50" charset="-127"/>
+                <a:ea typeface="나눔스퀘어 Light" panose="020B0600000101010101" pitchFamily="50" charset="-127"/>
+              </a:rPr>
+              <a:t>(</a:t>
+            </a:r>
+            <a:r>
+              <a:rPr lang="ko-KR" altLang="en-US" dirty="0">
+                <a:latin typeface="나눔스퀘어 Light" panose="020B0600000101010101" pitchFamily="50" charset="-127"/>
+                <a:ea typeface="나눔스퀘어 Light" panose="020B0600000101010101" pitchFamily="50" charset="-127"/>
+              </a:rPr>
+              <a:t>내림차순</a:t>
+            </a:r>
+            <a:r>
+              <a:rPr lang="en-US" altLang="ko-KR" dirty="0">
+                <a:latin typeface="나눔스퀘어 Light" panose="020B0600000101010101" pitchFamily="50" charset="-127"/>
+                <a:ea typeface="나눔스퀘어 Light" panose="020B0600000101010101" pitchFamily="50" charset="-127"/>
+              </a:rPr>
+              <a:t>) </a:t>
+            </a:r>
+            <a:r>
+              <a:rPr lang="ko-KR" altLang="en-US" dirty="0">
+                <a:latin typeface="나눔스퀘어 Light" panose="020B0600000101010101" pitchFamily="50" charset="-127"/>
+                <a:ea typeface="나눔스퀘어 Light" panose="020B0600000101010101" pitchFamily="50" charset="-127"/>
+              </a:rPr>
+              <a:t>하면 됩니다</a:t>
+            </a:r>
+            <a:r>
+              <a:rPr lang="en-US" altLang="ko-KR" dirty="0">
+                <a:latin typeface="나눔스퀘어 Light" panose="020B0600000101010101" pitchFamily="50" charset="-127"/>
+                <a:ea typeface="나눔스퀘어 Light" panose="020B0600000101010101" pitchFamily="50" charset="-127"/>
+              </a:rPr>
+              <a:t>.</a:t>
+            </a:r>
+            <a:endParaRPr lang="ko-KR" altLang="en-US" dirty="0">
+              <a:latin typeface="나눔스퀘어 Light" panose="020B0600000101010101" pitchFamily="50" charset="-127"/>
+              <a:ea typeface="나눔스퀘어 Light" panose="020B0600000101010101" pitchFamily="50" charset="-127"/>
             </a:endParaRPr>
           </a:p>
         </p:txBody>
       </p:sp>
       <p:pic>
         <p:nvPicPr>
-          <p:cNvPr id="4" name="그림 3">
-            <a:extLst>
-              <a:ext uri="{FF2B5EF4-FFF2-40B4-BE49-F238E27FC236}">
-                <a16:creationId xmlns:a16="http://schemas.microsoft.com/office/drawing/2014/main" id="{EDF27FED-23AF-12B2-8670-3E210D867979}"/>
+          <p:cNvPr id="15" name="그림 14">
+            <a:extLst>
+              <a:ext uri="{FF2B5EF4-FFF2-40B4-BE49-F238E27FC236}">
+                <a16:creationId xmlns:a16="http://schemas.microsoft.com/office/drawing/2014/main" id="{E3071453-19D4-D445-C16B-EC5742EA2C3D}"/>
               </a:ext>
             </a:extLst>
           </p:cNvPr>
@@ -26441,8 +26248,8 @@
         </p:blipFill>
         <p:spPr>
           <a:xfrm>
-            <a:off x="942387" y="1559355"/>
-            <a:ext cx="4176368" cy="4847117"/>
+            <a:off x="942387" y="1928687"/>
+            <a:ext cx="7361104" cy="4784101"/>
           </a:xfrm>
           <a:prstGeom prst="rect">
             <a:avLst/>
@@ -26452,7 +26259,7 @@
     </p:spTree>
     <p:extLst>
       <p:ext uri="{BB962C8B-B14F-4D97-AF65-F5344CB8AC3E}">
-        <p14:creationId xmlns:p14="http://schemas.microsoft.com/office/powerpoint/2010/main" val="1459365394"/>
+        <p14:creationId xmlns:p14="http://schemas.microsoft.com/office/powerpoint/2010/main" val="1424391052"/>
       </p:ext>
     </p:extLst>
   </p:cSld>
@@ -26567,10 +26374,10 @@
       </p:sp>
       <p:sp>
         <p:nvSpPr>
-          <p:cNvPr id="9" name="TextBox 8">
-            <a:extLst>
-              <a:ext uri="{FF2B5EF4-FFF2-40B4-BE49-F238E27FC236}">
-                <a16:creationId xmlns:a16="http://schemas.microsoft.com/office/drawing/2014/main" id="{F3F091EF-3E70-16E8-983D-D9C14C2EAD61}"/>
+          <p:cNvPr id="7" name="TextBox 6">
+            <a:extLst>
+              <a:ext uri="{FF2B5EF4-FFF2-40B4-BE49-F238E27FC236}">
+                <a16:creationId xmlns:a16="http://schemas.microsoft.com/office/drawing/2014/main" id="{DD092523-43DA-0A5F-0C04-8239F4BF07FC}"/>
               </a:ext>
             </a:extLst>
           </p:cNvPr>
@@ -26579,7 +26386,7 @@
         </p:nvSpPr>
         <p:spPr>
           <a:xfrm>
-            <a:off x="942387" y="1190024"/>
+            <a:off x="942387" y="1661364"/>
             <a:ext cx="8553305" cy="369332"/>
           </a:xfrm>
           <a:prstGeom prst="rect">
@@ -26595,10 +26402,139 @@
           <a:p>
             <a:r>
               <a:rPr lang="en-US" altLang="ko-KR" dirty="0">
+                <a:latin typeface="나눔스퀘어 Light" panose="020B0600000101010101" pitchFamily="50" charset="-127"/>
+                <a:ea typeface="나눔스퀘어 Light" panose="020B0600000101010101" pitchFamily="50" charset="-127"/>
+              </a:rPr>
+              <a:t>1. 10162 </a:t>
+            </a:r>
+            <a:r>
+              <a:rPr lang="ko-KR" altLang="en-US" dirty="0">
+                <a:latin typeface="나눔스퀘어 Light" panose="020B0600000101010101" pitchFamily="50" charset="-127"/>
+                <a:ea typeface="나눔스퀘어 Light" panose="020B0600000101010101" pitchFamily="50" charset="-127"/>
+              </a:rPr>
+              <a:t>전자레인지</a:t>
+            </a:r>
+          </a:p>
+        </p:txBody>
+      </p:sp>
+      <p:sp>
+        <p:nvSpPr>
+          <p:cNvPr id="8" name="TextBox 7">
+            <a:extLst>
+              <a:ext uri="{FF2B5EF4-FFF2-40B4-BE49-F238E27FC236}">
+                <a16:creationId xmlns:a16="http://schemas.microsoft.com/office/drawing/2014/main" id="{80045CCB-6E92-45F3-05E2-D9718BBAEE86}"/>
+              </a:ext>
+            </a:extLst>
+          </p:cNvPr>
+          <p:cNvSpPr txBox="1"/>
+          <p:nvPr/>
+        </p:nvSpPr>
+        <p:spPr>
+          <a:xfrm>
+            <a:off x="942387" y="2030696"/>
+            <a:ext cx="8553305" cy="369332"/>
+          </a:xfrm>
+          <a:prstGeom prst="rect">
+            <a:avLst/>
+          </a:prstGeom>
+          <a:noFill/>
+        </p:spPr>
+        <p:txBody>
+          <a:bodyPr wrap="square" rtlCol="0">
+            <a:spAutoFit/>
+          </a:bodyPr>
+          <a:lstStyle/>
+          <a:p>
+            <a:r>
+              <a:rPr lang="en-US" altLang="ko-KR" dirty="0">
+                <a:latin typeface="나눔스퀘어 Light" panose="020B0600000101010101" pitchFamily="50" charset="-127"/>
+                <a:ea typeface="나눔스퀘어 Light" panose="020B0600000101010101" pitchFamily="50" charset="-127"/>
+              </a:rPr>
+              <a:t>2. 1343 </a:t>
+            </a:r>
+            <a:r>
+              <a:rPr lang="ko-KR" altLang="en-US" dirty="0" err="1">
+                <a:latin typeface="나눔스퀘어 Light" panose="020B0600000101010101" pitchFamily="50" charset="-127"/>
+                <a:ea typeface="나눔스퀘어 Light" panose="020B0600000101010101" pitchFamily="50" charset="-127"/>
+              </a:rPr>
+              <a:t>폴리오미노</a:t>
+            </a:r>
+            <a:endParaRPr lang="ko-KR" altLang="en-US" dirty="0">
+              <a:latin typeface="나눔스퀘어 Light" panose="020B0600000101010101" pitchFamily="50" charset="-127"/>
+              <a:ea typeface="나눔스퀘어 Light" panose="020B0600000101010101" pitchFamily="50" charset="-127"/>
+            </a:endParaRPr>
+          </a:p>
+        </p:txBody>
+      </p:sp>
+      <p:sp>
+        <p:nvSpPr>
+          <p:cNvPr id="9" name="TextBox 8">
+            <a:extLst>
+              <a:ext uri="{FF2B5EF4-FFF2-40B4-BE49-F238E27FC236}">
+                <a16:creationId xmlns:a16="http://schemas.microsoft.com/office/drawing/2014/main" id="{F3F091EF-3E70-16E8-983D-D9C14C2EAD61}"/>
+              </a:ext>
+            </a:extLst>
+          </p:cNvPr>
+          <p:cNvSpPr txBox="1"/>
+          <p:nvPr/>
+        </p:nvSpPr>
+        <p:spPr>
+          <a:xfrm>
+            <a:off x="942387" y="1190024"/>
+            <a:ext cx="8553305" cy="369332"/>
+          </a:xfrm>
+          <a:prstGeom prst="rect">
+            <a:avLst/>
+          </a:prstGeom>
+          <a:noFill/>
+        </p:spPr>
+        <p:txBody>
+          <a:bodyPr wrap="square" rtlCol="0">
+            <a:spAutoFit/>
+          </a:bodyPr>
+          <a:lstStyle/>
+          <a:p>
+            <a:r>
+              <a:rPr lang="ko-KR" altLang="en-US" dirty="0">
                 <a:latin typeface="나눔스퀘어 Bold" panose="020B0600000101010101" pitchFamily="50" charset="-127"/>
                 <a:ea typeface="나눔스퀘어 Bold" panose="020B0600000101010101" pitchFamily="50" charset="-127"/>
               </a:rPr>
-              <a:t>C++ STL List</a:t>
+              <a:t>아래 문제들에 대해 스스로 생각하고 풀어보세요</a:t>
+            </a:r>
+            <a:r>
+              <a:rPr lang="en-US" altLang="ko-KR" dirty="0">
+                <a:latin typeface="나눔스퀘어 Bold" panose="020B0600000101010101" pitchFamily="50" charset="-127"/>
+                <a:ea typeface="나눔스퀘어 Bold" panose="020B0600000101010101" pitchFamily="50" charset="-127"/>
+              </a:rPr>
+              <a:t>.</a:t>
+            </a:r>
+            <a:r>
+              <a:rPr lang="ko-KR" altLang="en-US" dirty="0">
+                <a:latin typeface="나눔스퀘어 Bold" panose="020B0600000101010101" pitchFamily="50" charset="-127"/>
+                <a:ea typeface="나눔스퀘어 Bold" panose="020B0600000101010101" pitchFamily="50" charset="-127"/>
+              </a:rPr>
+              <a:t> </a:t>
+            </a:r>
+            <a:r>
+              <a:rPr lang="en-US" altLang="ko-KR" dirty="0">
+                <a:latin typeface="나눔스퀘어 Bold" panose="020B0600000101010101" pitchFamily="50" charset="-127"/>
+                <a:ea typeface="나눔스퀘어 Bold" panose="020B0600000101010101" pitchFamily="50" charset="-127"/>
+              </a:rPr>
+              <a:t>(</a:t>
+            </a:r>
+            <a:r>
+              <a:rPr lang="ko-KR" altLang="en-US" dirty="0">
+                <a:latin typeface="나눔스퀘어 Bold" panose="020B0600000101010101" pitchFamily="50" charset="-127"/>
+                <a:ea typeface="나눔스퀘어 Bold" panose="020B0600000101010101" pitchFamily="50" charset="-127"/>
+              </a:rPr>
+              <a:t>해설은 따로 진행하진 않겠습니다</a:t>
+            </a:r>
+            <a:r>
+              <a:rPr lang="en-US" altLang="ko-KR" dirty="0">
+                <a:latin typeface="나눔스퀘어 Bold" panose="020B0600000101010101" pitchFamily="50" charset="-127"/>
+                <a:ea typeface="나눔스퀘어 Bold" panose="020B0600000101010101" pitchFamily="50" charset="-127"/>
+              </a:rPr>
+              <a:t>.)</a:t>
             </a:r>
             <a:endParaRPr lang="ko-KR" altLang="en-US" dirty="0">
               <a:latin typeface="나눔스퀘어 Bold" panose="020B0600000101010101" pitchFamily="50" charset="-127"/>
@@ -26607,40 +26543,571 @@
           </a:p>
         </p:txBody>
       </p:sp>
-      <p:pic>
-        <p:nvPicPr>
-          <p:cNvPr id="8" name="그림 7">
-            <a:extLst>
-              <a:ext uri="{FF2B5EF4-FFF2-40B4-BE49-F238E27FC236}">
-                <a16:creationId xmlns:a16="http://schemas.microsoft.com/office/drawing/2014/main" id="{D48F7121-41B9-E3C3-2D3B-E398D5934B0C}"/>
-              </a:ext>
-            </a:extLst>
-          </p:cNvPr>
-          <p:cNvPicPr>
-            <a:picLocks noChangeAspect="1"/>
-          </p:cNvPicPr>
+      <p:sp>
+        <p:nvSpPr>
+          <p:cNvPr id="11" name="TextBox 10">
+            <a:extLst>
+              <a:ext uri="{FF2B5EF4-FFF2-40B4-BE49-F238E27FC236}">
+                <a16:creationId xmlns:a16="http://schemas.microsoft.com/office/drawing/2014/main" id="{CDF0922C-4F6F-DB5B-EC8F-F56AF894275F}"/>
+              </a:ext>
+            </a:extLst>
+          </p:cNvPr>
+          <p:cNvSpPr txBox="1"/>
           <p:nvPr/>
-        </p:nvPicPr>
-        <p:blipFill>
-          <a:blip r:embed="rId2"/>
-          <a:stretch>
-            <a:fillRect/>
-          </a:stretch>
-        </p:blipFill>
-        <p:spPr>
-          <a:xfrm>
-            <a:off x="942387" y="1559356"/>
-            <a:ext cx="6197322" cy="4942716"/>
+        </p:nvSpPr>
+        <p:spPr>
+          <a:xfrm>
+            <a:off x="942387" y="3304861"/>
+            <a:ext cx="8553305" cy="369332"/>
           </a:xfrm>
           <a:prstGeom prst="rect">
             <a:avLst/>
           </a:prstGeom>
-        </p:spPr>
-      </p:pic>
+          <a:noFill/>
+        </p:spPr>
+        <p:txBody>
+          <a:bodyPr wrap="square" rtlCol="0">
+            <a:spAutoFit/>
+          </a:bodyPr>
+          <a:lstStyle/>
+          <a:p>
+            <a:r>
+              <a:rPr lang="ko-KR" altLang="en-US" dirty="0">
+                <a:latin typeface="나눔스퀘어 Bold" panose="020B0600000101010101" pitchFamily="50" charset="-127"/>
+                <a:ea typeface="나눔스퀘어 Bold" panose="020B0600000101010101" pitchFamily="50" charset="-127"/>
+              </a:rPr>
+              <a:t>선형 자료구조</a:t>
+            </a:r>
+            <a:r>
+              <a:rPr lang="en-US" altLang="ko-KR" dirty="0">
+                <a:latin typeface="나눔스퀘어 Bold" panose="020B0600000101010101" pitchFamily="50" charset="-127"/>
+                <a:ea typeface="나눔스퀘어 Bold" panose="020B0600000101010101" pitchFamily="50" charset="-127"/>
+              </a:rPr>
+              <a:t>(</a:t>
+            </a:r>
+            <a:r>
+              <a:rPr lang="en-US" altLang="ko-KR" dirty="0">
+                <a:latin typeface="나눔스퀘어 Light" panose="020B0600000101010101" pitchFamily="50" charset="-127"/>
+                <a:ea typeface="나눔스퀘어 Light" panose="020B0600000101010101" pitchFamily="50" charset="-127"/>
+              </a:rPr>
+              <a:t>Stack, Queue, List</a:t>
+            </a:r>
+            <a:r>
+              <a:rPr lang="en-US" altLang="ko-KR" dirty="0">
+                <a:latin typeface="나눔스퀘어 Bold" panose="020B0600000101010101" pitchFamily="50" charset="-127"/>
+                <a:ea typeface="나눔스퀘어 Bold" panose="020B0600000101010101" pitchFamily="50" charset="-127"/>
+              </a:rPr>
+              <a:t>)</a:t>
+            </a:r>
+            <a:r>
+              <a:rPr lang="ko-KR" altLang="en-US" dirty="0">
+                <a:latin typeface="나눔스퀘어 Bold" panose="020B0600000101010101" pitchFamily="50" charset="-127"/>
+                <a:ea typeface="나눔스퀘어 Bold" panose="020B0600000101010101" pitchFamily="50" charset="-127"/>
+              </a:rPr>
+              <a:t>에 대해 공부</a:t>
+            </a:r>
+            <a:r>
+              <a:rPr lang="en-US" altLang="ko-KR" dirty="0">
+                <a:latin typeface="나눔스퀘어 Bold" panose="020B0600000101010101" pitchFamily="50" charset="-127"/>
+                <a:ea typeface="나눔스퀘어 Bold" panose="020B0600000101010101" pitchFamily="50" charset="-127"/>
+              </a:rPr>
+              <a:t>, </a:t>
+            </a:r>
+            <a:r>
+              <a:rPr lang="ko-KR" altLang="en-US" dirty="0">
+                <a:latin typeface="나눔스퀘어 Bold" panose="020B0600000101010101" pitchFamily="50" charset="-127"/>
+                <a:ea typeface="나눔스퀘어 Bold" panose="020B0600000101010101" pitchFamily="50" charset="-127"/>
+              </a:rPr>
+              <a:t>구현</a:t>
+            </a:r>
+            <a:r>
+              <a:rPr lang="en-US" altLang="ko-KR" dirty="0">
+                <a:latin typeface="나눔스퀘어 Bold" panose="020B0600000101010101" pitchFamily="50" charset="-127"/>
+                <a:ea typeface="나눔스퀘어 Bold" panose="020B0600000101010101" pitchFamily="50" charset="-127"/>
+              </a:rPr>
+              <a:t>, </a:t>
+            </a:r>
+            <a:r>
+              <a:rPr lang="ko-KR" altLang="en-US" dirty="0">
+                <a:latin typeface="나눔스퀘어 Bold" panose="020B0600000101010101" pitchFamily="50" charset="-127"/>
+                <a:ea typeface="나눔스퀘어 Bold" panose="020B0600000101010101" pitchFamily="50" charset="-127"/>
+              </a:rPr>
+              <a:t>조사 해보세요</a:t>
+            </a:r>
+            <a:r>
+              <a:rPr lang="en-US" altLang="ko-KR" dirty="0">
+                <a:latin typeface="나눔스퀘어 Bold" panose="020B0600000101010101" pitchFamily="50" charset="-127"/>
+                <a:ea typeface="나눔스퀘어 Bold" panose="020B0600000101010101" pitchFamily="50" charset="-127"/>
+              </a:rPr>
+              <a:t>.</a:t>
+            </a:r>
+            <a:endParaRPr lang="ko-KR" altLang="en-US" dirty="0">
+              <a:latin typeface="나눔스퀘어 Bold" panose="020B0600000101010101" pitchFamily="50" charset="-127"/>
+              <a:ea typeface="나눔스퀘어 Bold" panose="020B0600000101010101" pitchFamily="50" charset="-127"/>
+            </a:endParaRPr>
+          </a:p>
+        </p:txBody>
+      </p:sp>
+      <p:sp>
+        <p:nvSpPr>
+          <p:cNvPr id="12" name="TextBox 11">
+            <a:extLst>
+              <a:ext uri="{FF2B5EF4-FFF2-40B4-BE49-F238E27FC236}">
+                <a16:creationId xmlns:a16="http://schemas.microsoft.com/office/drawing/2014/main" id="{1D90656A-EA8C-C93D-45FA-EC08FF6F6A51}"/>
+              </a:ext>
+            </a:extLst>
+          </p:cNvPr>
+          <p:cNvSpPr txBox="1"/>
+          <p:nvPr/>
+        </p:nvSpPr>
+        <p:spPr>
+          <a:xfrm>
+            <a:off x="942387" y="3825022"/>
+            <a:ext cx="10237694" cy="369332"/>
+          </a:xfrm>
+          <a:prstGeom prst="rect">
+            <a:avLst/>
+          </a:prstGeom>
+          <a:noFill/>
+        </p:spPr>
+        <p:txBody>
+          <a:bodyPr wrap="square" rtlCol="0">
+            <a:spAutoFit/>
+          </a:bodyPr>
+          <a:lstStyle/>
+          <a:p>
+            <a:r>
+              <a:rPr lang="ko-KR" altLang="en-US" dirty="0">
+                <a:latin typeface="나눔스퀘어 Light" panose="020B0600000101010101" pitchFamily="50" charset="-127"/>
+                <a:ea typeface="나눔스퀘어 Light" panose="020B0600000101010101" pitchFamily="50" charset="-127"/>
+              </a:rPr>
+              <a:t>배열 방식도 좋고</a:t>
+            </a:r>
+            <a:r>
+              <a:rPr lang="en-US" altLang="ko-KR" dirty="0">
+                <a:latin typeface="나눔스퀘어 Light" panose="020B0600000101010101" pitchFamily="50" charset="-127"/>
+                <a:ea typeface="나눔스퀘어 Light" panose="020B0600000101010101" pitchFamily="50" charset="-127"/>
+              </a:rPr>
+              <a:t>, </a:t>
+            </a:r>
+            <a:r>
+              <a:rPr lang="ko-KR" altLang="en-US" dirty="0" err="1">
+                <a:latin typeface="나눔스퀘어 Light" panose="020B0600000101010101" pitchFamily="50" charset="-127"/>
+                <a:ea typeface="나눔스퀘어 Light" panose="020B0600000101010101" pitchFamily="50" charset="-127"/>
+              </a:rPr>
+              <a:t>링크드</a:t>
+            </a:r>
+            <a:r>
+              <a:rPr lang="ko-KR" altLang="en-US" dirty="0">
+                <a:latin typeface="나눔스퀘어 Light" panose="020B0600000101010101" pitchFamily="50" charset="-127"/>
+                <a:ea typeface="나눔스퀘어 Light" panose="020B0600000101010101" pitchFamily="50" charset="-127"/>
+              </a:rPr>
+              <a:t> 리스트를 사용해 구현해도 좋습니다</a:t>
+            </a:r>
+            <a:r>
+              <a:rPr lang="en-US" altLang="ko-KR" dirty="0">
+                <a:latin typeface="나눔스퀘어 Light" panose="020B0600000101010101" pitchFamily="50" charset="-127"/>
+                <a:ea typeface="나눔스퀘어 Light" panose="020B0600000101010101" pitchFamily="50" charset="-127"/>
+              </a:rPr>
+              <a:t>.</a:t>
+            </a:r>
+            <a:endParaRPr lang="ko-KR" altLang="en-US" dirty="0">
+              <a:latin typeface="나눔스퀘어 Light" panose="020B0600000101010101" pitchFamily="50" charset="-127"/>
+              <a:ea typeface="나눔스퀘어 Light" panose="020B0600000101010101" pitchFamily="50" charset="-127"/>
+            </a:endParaRPr>
+          </a:p>
+        </p:txBody>
+      </p:sp>
+      <p:sp>
+        <p:nvSpPr>
+          <p:cNvPr id="2" name="TextBox 1">
+            <a:extLst>
+              <a:ext uri="{FF2B5EF4-FFF2-40B4-BE49-F238E27FC236}">
+                <a16:creationId xmlns:a16="http://schemas.microsoft.com/office/drawing/2014/main" id="{807C3CD1-8E1B-427F-230D-9C7C2837C1F2}"/>
+              </a:ext>
+            </a:extLst>
+          </p:cNvPr>
+          <p:cNvSpPr txBox="1"/>
+          <p:nvPr/>
+        </p:nvSpPr>
+        <p:spPr>
+          <a:xfrm>
+            <a:off x="942387" y="2400024"/>
+            <a:ext cx="8553305" cy="369332"/>
+          </a:xfrm>
+          <a:prstGeom prst="rect">
+            <a:avLst/>
+          </a:prstGeom>
+          <a:noFill/>
+        </p:spPr>
+        <p:txBody>
+          <a:bodyPr wrap="square" rtlCol="0">
+            <a:spAutoFit/>
+          </a:bodyPr>
+          <a:lstStyle/>
+          <a:p>
+            <a:r>
+              <a:rPr lang="en-US" altLang="ko-KR" dirty="0">
+                <a:latin typeface="나눔스퀘어 Light" panose="020B0600000101010101" pitchFamily="50" charset="-127"/>
+                <a:ea typeface="나눔스퀘어 Light" panose="020B0600000101010101" pitchFamily="50" charset="-127"/>
+              </a:rPr>
+              <a:t>3. 3135 </a:t>
+            </a:r>
+            <a:r>
+              <a:rPr lang="ko-KR" altLang="en-US" dirty="0">
+                <a:latin typeface="나눔스퀘어 Light" panose="020B0600000101010101" pitchFamily="50" charset="-127"/>
+                <a:ea typeface="나눔스퀘어 Light" panose="020B0600000101010101" pitchFamily="50" charset="-127"/>
+              </a:rPr>
+              <a:t>라디오</a:t>
+            </a:r>
+          </a:p>
+        </p:txBody>
+      </p:sp>
+      <p:sp>
+        <p:nvSpPr>
+          <p:cNvPr id="10" name="TextBox 9">
+            <a:extLst>
+              <a:ext uri="{FF2B5EF4-FFF2-40B4-BE49-F238E27FC236}">
+                <a16:creationId xmlns:a16="http://schemas.microsoft.com/office/drawing/2014/main" id="{C572282D-23DE-9D59-D1DB-6011A80C631D}"/>
+              </a:ext>
+            </a:extLst>
+          </p:cNvPr>
+          <p:cNvSpPr txBox="1"/>
+          <p:nvPr/>
+        </p:nvSpPr>
+        <p:spPr>
+          <a:xfrm>
+            <a:off x="942387" y="4194354"/>
+            <a:ext cx="10237694" cy="369332"/>
+          </a:xfrm>
+          <a:prstGeom prst="rect">
+            <a:avLst/>
+          </a:prstGeom>
+          <a:noFill/>
+        </p:spPr>
+        <p:txBody>
+          <a:bodyPr wrap="square" rtlCol="0">
+            <a:spAutoFit/>
+          </a:bodyPr>
+          <a:lstStyle/>
+          <a:p>
+            <a:r>
+              <a:rPr lang="en-US" altLang="ko-KR" dirty="0">
+                <a:latin typeface="나눔스퀘어 Light" panose="020B0600000101010101" pitchFamily="50" charset="-127"/>
+                <a:ea typeface="나눔스퀘어 Light" panose="020B0600000101010101" pitchFamily="50" charset="-127"/>
+              </a:rPr>
+              <a:t>DS</a:t>
+            </a:r>
+            <a:r>
+              <a:rPr lang="ko-KR" altLang="en-US" dirty="0">
+                <a:latin typeface="나눔스퀘어 Light" panose="020B0600000101010101" pitchFamily="50" charset="-127"/>
+                <a:ea typeface="나눔스퀘어 Light" panose="020B0600000101010101" pitchFamily="50" charset="-127"/>
+              </a:rPr>
+              <a:t> </a:t>
+            </a:r>
+            <a:r>
+              <a:rPr lang="en-US" altLang="ko-KR" dirty="0">
+                <a:latin typeface="나눔스퀘어 Light" panose="020B0600000101010101" pitchFamily="50" charset="-127"/>
+                <a:ea typeface="나눔스퀘어 Light" panose="020B0600000101010101" pitchFamily="50" charset="-127"/>
+              </a:rPr>
+              <a:t>/</a:t>
+            </a:r>
+            <a:r>
+              <a:rPr lang="ko-KR" altLang="en-US" dirty="0">
+                <a:latin typeface="나눔스퀘어 Light" panose="020B0600000101010101" pitchFamily="50" charset="-127"/>
+                <a:ea typeface="나눔스퀘어 Light" panose="020B0600000101010101" pitchFamily="50" charset="-127"/>
+              </a:rPr>
+              <a:t> </a:t>
+            </a:r>
+            <a:r>
+              <a:rPr lang="en-US" altLang="ko-KR" dirty="0">
+                <a:latin typeface="나눔스퀘어 Light" panose="020B0600000101010101" pitchFamily="50" charset="-127"/>
+                <a:ea typeface="나눔스퀘어 Light" panose="020B0600000101010101" pitchFamily="50" charset="-127"/>
+              </a:rPr>
+              <a:t>Algorithm</a:t>
+            </a:r>
+            <a:r>
+              <a:rPr lang="ko-KR" altLang="en-US" dirty="0">
+                <a:latin typeface="나눔스퀘어 Light" panose="020B0600000101010101" pitchFamily="50" charset="-127"/>
+                <a:ea typeface="나눔스퀘어 Light" panose="020B0600000101010101" pitchFamily="50" charset="-127"/>
+              </a:rPr>
+              <a:t> 수업 때 해보셨던 분들은 생략해도 좋습니다</a:t>
+            </a:r>
+            <a:r>
+              <a:rPr lang="en-US" altLang="ko-KR">
+                <a:latin typeface="나눔스퀘어 Light" panose="020B0600000101010101" pitchFamily="50" charset="-127"/>
+                <a:ea typeface="나눔스퀘어 Light" panose="020B0600000101010101" pitchFamily="50" charset="-127"/>
+              </a:rPr>
+              <a:t>.</a:t>
+            </a:r>
+            <a:endParaRPr lang="ko-KR" altLang="en-US" dirty="0">
+              <a:latin typeface="나눔스퀘어 Light" panose="020B0600000101010101" pitchFamily="50" charset="-127"/>
+              <a:ea typeface="나눔스퀘어 Light" panose="020B0600000101010101" pitchFamily="50" charset="-127"/>
+            </a:endParaRPr>
+          </a:p>
+        </p:txBody>
+      </p:sp>
+      <p:sp>
+        <p:nvSpPr>
+          <p:cNvPr id="4" name="TextBox 3">
+            <a:extLst>
+              <a:ext uri="{FF2B5EF4-FFF2-40B4-BE49-F238E27FC236}">
+                <a16:creationId xmlns:a16="http://schemas.microsoft.com/office/drawing/2014/main" id="{1FFB0E97-045D-CAE2-D4D4-F6AFF27F568B}"/>
+              </a:ext>
+            </a:extLst>
+          </p:cNvPr>
+          <p:cNvSpPr txBox="1"/>
+          <p:nvPr/>
+        </p:nvSpPr>
+        <p:spPr>
+          <a:xfrm>
+            <a:off x="942387" y="2775391"/>
+            <a:ext cx="8553305" cy="369332"/>
+          </a:xfrm>
+          <a:prstGeom prst="rect">
+            <a:avLst/>
+          </a:prstGeom>
+          <a:noFill/>
+        </p:spPr>
+        <p:txBody>
+          <a:bodyPr wrap="square" rtlCol="0">
+            <a:spAutoFit/>
+          </a:bodyPr>
+          <a:lstStyle/>
+          <a:p>
+            <a:r>
+              <a:rPr lang="en-US" altLang="ko-KR" dirty="0">
+                <a:latin typeface="나눔스퀘어 Light" panose="020B0600000101010101" pitchFamily="50" charset="-127"/>
+                <a:ea typeface="나눔스퀘어 Light" panose="020B0600000101010101" pitchFamily="50" charset="-127"/>
+              </a:rPr>
+              <a:t>4. 16237 </a:t>
+            </a:r>
+            <a:r>
+              <a:rPr lang="ko-KR" altLang="en-US" dirty="0">
+                <a:latin typeface="나눔스퀘어 Light" panose="020B0600000101010101" pitchFamily="50" charset="-127"/>
+                <a:ea typeface="나눔스퀘어 Light" panose="020B0600000101010101" pitchFamily="50" charset="-127"/>
+              </a:rPr>
+              <a:t>이삿짐센터</a:t>
+            </a:r>
+          </a:p>
+        </p:txBody>
+      </p:sp>
+      <p:sp>
+        <p:nvSpPr>
+          <p:cNvPr id="3" name="TextBox 2">
+            <a:extLst>
+              <a:ext uri="{FF2B5EF4-FFF2-40B4-BE49-F238E27FC236}">
+                <a16:creationId xmlns:a16="http://schemas.microsoft.com/office/drawing/2014/main" id="{F3BF5F63-D9BC-ACFF-9CA6-E8F9B73609D8}"/>
+              </a:ext>
+            </a:extLst>
+          </p:cNvPr>
+          <p:cNvSpPr txBox="1"/>
+          <p:nvPr/>
+        </p:nvSpPr>
+        <p:spPr>
+          <a:xfrm>
+            <a:off x="942387" y="4683912"/>
+            <a:ext cx="8553305" cy="369332"/>
+          </a:xfrm>
+          <a:prstGeom prst="rect">
+            <a:avLst/>
+          </a:prstGeom>
+          <a:noFill/>
+        </p:spPr>
+        <p:txBody>
+          <a:bodyPr wrap="square" rtlCol="0">
+            <a:spAutoFit/>
+          </a:bodyPr>
+          <a:lstStyle/>
+          <a:p>
+            <a:r>
+              <a:rPr lang="ko-KR" altLang="en-US" dirty="0">
+                <a:latin typeface="나눔스퀘어 Bold" panose="020B0600000101010101" pitchFamily="50" charset="-127"/>
+                <a:ea typeface="나눔스퀘어 Bold" panose="020B0600000101010101" pitchFamily="50" charset="-127"/>
+              </a:rPr>
+              <a:t>위 자료구조의 언어별 표준 라이브러리 사용법을 익혀보세요</a:t>
+            </a:r>
+            <a:r>
+              <a:rPr lang="en-US" altLang="ko-KR" dirty="0">
+                <a:latin typeface="나눔스퀘어 Bold" panose="020B0600000101010101" pitchFamily="50" charset="-127"/>
+                <a:ea typeface="나눔스퀘어 Bold" panose="020B0600000101010101" pitchFamily="50" charset="-127"/>
+              </a:rPr>
+              <a:t>.</a:t>
+            </a:r>
+            <a:endParaRPr lang="ko-KR" altLang="en-US" dirty="0">
+              <a:latin typeface="나눔스퀘어 Bold" panose="020B0600000101010101" pitchFamily="50" charset="-127"/>
+              <a:ea typeface="나눔스퀘어 Bold" panose="020B0600000101010101" pitchFamily="50" charset="-127"/>
+            </a:endParaRPr>
+          </a:p>
+        </p:txBody>
+      </p:sp>
+      <p:sp>
+        <p:nvSpPr>
+          <p:cNvPr id="13" name="TextBox 12">
+            <a:extLst>
+              <a:ext uri="{FF2B5EF4-FFF2-40B4-BE49-F238E27FC236}">
+                <a16:creationId xmlns:a16="http://schemas.microsoft.com/office/drawing/2014/main" id="{43D6A103-105B-52CD-A54A-6EC1ECBA5EB8}"/>
+              </a:ext>
+            </a:extLst>
+          </p:cNvPr>
+          <p:cNvSpPr txBox="1"/>
+          <p:nvPr/>
+        </p:nvSpPr>
+        <p:spPr>
+          <a:xfrm>
+            <a:off x="942387" y="5243941"/>
+            <a:ext cx="10237694" cy="369332"/>
+          </a:xfrm>
+          <a:prstGeom prst="rect">
+            <a:avLst/>
+          </a:prstGeom>
+          <a:noFill/>
+        </p:spPr>
+        <p:txBody>
+          <a:bodyPr wrap="square" rtlCol="0">
+            <a:spAutoFit/>
+          </a:bodyPr>
+          <a:lstStyle/>
+          <a:p>
+            <a:r>
+              <a:rPr lang="en-US" altLang="ko-KR" dirty="0">
+                <a:latin typeface="나눔스퀘어 Light" panose="020B0600000101010101" pitchFamily="50" charset="-127"/>
+                <a:ea typeface="나눔스퀘어 Light" panose="020B0600000101010101" pitchFamily="50" charset="-127"/>
+              </a:rPr>
+              <a:t>C</a:t>
+            </a:r>
+            <a:r>
+              <a:rPr lang="ko-KR" altLang="en-US" dirty="0">
+                <a:latin typeface="나눔스퀘어 Light" panose="020B0600000101010101" pitchFamily="50" charset="-127"/>
+                <a:ea typeface="나눔스퀘어 Light" panose="020B0600000101010101" pitchFamily="50" charset="-127"/>
+              </a:rPr>
+              <a:t>언어의 경우</a:t>
+            </a:r>
+            <a:r>
+              <a:rPr lang="en-US" altLang="ko-KR" dirty="0">
+                <a:latin typeface="나눔스퀘어 Light" panose="020B0600000101010101" pitchFamily="50" charset="-127"/>
+                <a:ea typeface="나눔스퀘어 Light" panose="020B0600000101010101" pitchFamily="50" charset="-127"/>
+              </a:rPr>
+              <a:t>, C++ </a:t>
+            </a:r>
+            <a:r>
+              <a:rPr lang="en-US" altLang="ko-KR" dirty="0" err="1">
+                <a:latin typeface="나눔스퀘어 Light" panose="020B0600000101010101" pitchFamily="50" charset="-127"/>
+                <a:ea typeface="나눔스퀘어 Light" panose="020B0600000101010101" pitchFamily="50" charset="-127"/>
+              </a:rPr>
+              <a:t>stl</a:t>
+            </a:r>
+            <a:r>
+              <a:rPr lang="ko-KR" altLang="en-US" dirty="0">
+                <a:latin typeface="나눔스퀘어 Light" panose="020B0600000101010101" pitchFamily="50" charset="-127"/>
+                <a:ea typeface="나눔스퀘어 Light" panose="020B0600000101010101" pitchFamily="50" charset="-127"/>
+              </a:rPr>
+              <a:t>을 사용할 필요가 있습니다</a:t>
+            </a:r>
+            <a:r>
+              <a:rPr lang="en-US" altLang="ko-KR" dirty="0">
+                <a:latin typeface="나눔스퀘어 Light" panose="020B0600000101010101" pitchFamily="50" charset="-127"/>
+                <a:ea typeface="나눔스퀘어 Light" panose="020B0600000101010101" pitchFamily="50" charset="-127"/>
+              </a:rPr>
+              <a:t>.</a:t>
+            </a:r>
+            <a:endParaRPr lang="ko-KR" altLang="en-US" dirty="0">
+              <a:latin typeface="나눔스퀘어 Light" panose="020B0600000101010101" pitchFamily="50" charset="-127"/>
+              <a:ea typeface="나눔스퀘어 Light" panose="020B0600000101010101" pitchFamily="50" charset="-127"/>
+            </a:endParaRPr>
+          </a:p>
+        </p:txBody>
+      </p:sp>
+      <p:sp>
+        <p:nvSpPr>
+          <p:cNvPr id="14" name="TextBox 13">
+            <a:extLst>
+              <a:ext uri="{FF2B5EF4-FFF2-40B4-BE49-F238E27FC236}">
+                <a16:creationId xmlns:a16="http://schemas.microsoft.com/office/drawing/2014/main" id="{83681E5F-0716-2EA4-AE03-3C478BFDBEAE}"/>
+              </a:ext>
+            </a:extLst>
+          </p:cNvPr>
+          <p:cNvSpPr txBox="1"/>
+          <p:nvPr/>
+        </p:nvSpPr>
+        <p:spPr>
+          <a:xfrm>
+            <a:off x="942387" y="5939859"/>
+            <a:ext cx="10237694" cy="646331"/>
+          </a:xfrm>
+          <a:prstGeom prst="rect">
+            <a:avLst/>
+          </a:prstGeom>
+          <a:noFill/>
+        </p:spPr>
+        <p:txBody>
+          <a:bodyPr wrap="square" rtlCol="0">
+            <a:spAutoFit/>
+          </a:bodyPr>
+          <a:lstStyle/>
+          <a:p>
+            <a:r>
+              <a:rPr lang="ko-KR" altLang="en-US" dirty="0" err="1">
+                <a:latin typeface="나눔스퀘어 Bold" panose="020B0600000101010101" pitchFamily="50" charset="-127"/>
+                <a:ea typeface="나눔스퀘어 Bold" panose="020B0600000101010101" pitchFamily="50" charset="-127"/>
+              </a:rPr>
+              <a:t>뒷</a:t>
+            </a:r>
+            <a:r>
+              <a:rPr lang="ko-KR" altLang="en-US" dirty="0">
+                <a:latin typeface="나눔스퀘어 Bold" panose="020B0600000101010101" pitchFamily="50" charset="-127"/>
+                <a:ea typeface="나눔스퀘어 Bold" panose="020B0600000101010101" pitchFamily="50" charset="-127"/>
+              </a:rPr>
+              <a:t> 장에는 언어별 </a:t>
+            </a:r>
+            <a:r>
+              <a:rPr lang="en-US" altLang="ko-KR" dirty="0">
+                <a:latin typeface="나눔스퀘어 Bold" panose="020B0600000101010101" pitchFamily="50" charset="-127"/>
+                <a:ea typeface="나눔스퀘어 Bold" panose="020B0600000101010101" pitchFamily="50" charset="-127"/>
+              </a:rPr>
+              <a:t>DS </a:t>
+            </a:r>
+            <a:r>
+              <a:rPr lang="ko-KR" altLang="en-US" dirty="0">
+                <a:latin typeface="나눔스퀘어 Bold" panose="020B0600000101010101" pitchFamily="50" charset="-127"/>
+                <a:ea typeface="나눔스퀘어 Bold" panose="020B0600000101010101" pitchFamily="50" charset="-127"/>
+              </a:rPr>
+              <a:t>라이브러리의 기본형 코드가 있습니다</a:t>
+            </a:r>
+            <a:r>
+              <a:rPr lang="en-US" altLang="ko-KR" dirty="0">
+                <a:latin typeface="나눔스퀘어 Bold" panose="020B0600000101010101" pitchFamily="50" charset="-127"/>
+                <a:ea typeface="나눔스퀘어 Bold" panose="020B0600000101010101" pitchFamily="50" charset="-127"/>
+              </a:rPr>
+              <a:t>.</a:t>
+            </a:r>
+          </a:p>
+          <a:p>
+            <a:r>
+              <a:rPr lang="ko-KR" altLang="en-US" dirty="0">
+                <a:latin typeface="나눔스퀘어 Bold" panose="020B0600000101010101" pitchFamily="50" charset="-127"/>
+                <a:ea typeface="나눔스퀘어 Bold" panose="020B0600000101010101" pitchFamily="50" charset="-127"/>
+              </a:rPr>
+              <a:t>구현 과제 수행 후 사용법 과제 할 때 참고하세요</a:t>
+            </a:r>
+            <a:r>
+              <a:rPr lang="en-US" altLang="ko-KR" dirty="0">
+                <a:latin typeface="나눔스퀘어 Bold" panose="020B0600000101010101" pitchFamily="50" charset="-127"/>
+                <a:ea typeface="나눔스퀘어 Bold" panose="020B0600000101010101" pitchFamily="50" charset="-127"/>
+              </a:rPr>
+              <a:t>.</a:t>
+            </a:r>
+            <a:endParaRPr lang="ko-KR" altLang="en-US" dirty="0">
+              <a:latin typeface="나눔스퀘어 Bold" panose="020B0600000101010101" pitchFamily="50" charset="-127"/>
+              <a:ea typeface="나눔스퀘어 Bold" panose="020B0600000101010101" pitchFamily="50" charset="-127"/>
+            </a:endParaRPr>
+          </a:p>
+        </p:txBody>
+      </p:sp>
     </p:spTree>
     <p:extLst>
       <p:ext uri="{BB962C8B-B14F-4D97-AF65-F5344CB8AC3E}">
-        <p14:creationId xmlns:p14="http://schemas.microsoft.com/office/powerpoint/2010/main" val="2554987469"/>
+        <p14:creationId xmlns:p14="http://schemas.microsoft.com/office/powerpoint/2010/main" val="732558497"/>
       </p:ext>
     </p:extLst>
   </p:cSld>
@@ -27138,7 +27605,7 @@
         <p:spPr>
           <a:xfrm>
             <a:off x="942387" y="1190024"/>
-            <a:ext cx="8553305" cy="369332"/>
+            <a:ext cx="10237694" cy="369332"/>
           </a:xfrm>
           <a:prstGeom prst="rect">
             <a:avLst/>
@@ -27156,7 +27623,7 @@
                 <a:latin typeface="나눔스퀘어 Bold" panose="020B0600000101010101" pitchFamily="50" charset="-127"/>
                 <a:ea typeface="나눔스퀘어 Bold" panose="020B0600000101010101" pitchFamily="50" charset="-127"/>
               </a:rPr>
-              <a:t>Java Stack</a:t>
+              <a:t>C++ STL Stack</a:t>
             </a:r>
             <a:endParaRPr lang="ko-KR" altLang="en-US" dirty="0">
               <a:latin typeface="나눔스퀘어 Bold" panose="020B0600000101010101" pitchFamily="50" charset="-127"/>
@@ -27167,10 +27634,10 @@
       </p:sp>
       <p:pic>
         <p:nvPicPr>
-          <p:cNvPr id="3" name="그림 2">
-            <a:extLst>
-              <a:ext uri="{FF2B5EF4-FFF2-40B4-BE49-F238E27FC236}">
-                <a16:creationId xmlns:a16="http://schemas.microsoft.com/office/drawing/2014/main" id="{0E6EF19E-8832-1DB7-982A-0998530F17F8}"/>
+          <p:cNvPr id="15" name="그림 14">
+            <a:extLst>
+              <a:ext uri="{FF2B5EF4-FFF2-40B4-BE49-F238E27FC236}">
+                <a16:creationId xmlns:a16="http://schemas.microsoft.com/office/drawing/2014/main" id="{A7ED2961-0FFC-773C-4269-3C4877670AF4}"/>
               </a:ext>
             </a:extLst>
           </p:cNvPr>
@@ -27187,8 +27654,8 @@
         </p:blipFill>
         <p:spPr>
           <a:xfrm>
-            <a:off x="942387" y="1559356"/>
-            <a:ext cx="4715349" cy="1869643"/>
+            <a:off x="942387" y="1580891"/>
+            <a:ext cx="6470761" cy="4782201"/>
           </a:xfrm>
           <a:prstGeom prst="rect">
             <a:avLst/>
@@ -27197,10 +27664,10 @@
       </p:pic>
       <p:sp>
         <p:nvSpPr>
-          <p:cNvPr id="4" name="TextBox 3">
-            <a:extLst>
-              <a:ext uri="{FF2B5EF4-FFF2-40B4-BE49-F238E27FC236}">
-                <a16:creationId xmlns:a16="http://schemas.microsoft.com/office/drawing/2014/main" id="{0D956F9C-5DAB-6D05-3D1E-FD3697612656}"/>
+          <p:cNvPr id="17" name="TextBox 16">
+            <a:extLst>
+              <a:ext uri="{FF2B5EF4-FFF2-40B4-BE49-F238E27FC236}">
+                <a16:creationId xmlns:a16="http://schemas.microsoft.com/office/drawing/2014/main" id="{89B8E62F-A12F-9DAA-BB4A-590D6345952B}"/>
               </a:ext>
             </a:extLst>
           </p:cNvPr>
@@ -27209,8 +27676,8 @@
         </p:nvSpPr>
         <p:spPr>
           <a:xfrm>
-            <a:off x="942387" y="3654412"/>
-            <a:ext cx="8553305" cy="369332"/>
+            <a:off x="7625991" y="4787439"/>
+            <a:ext cx="3478784" cy="369332"/>
           </a:xfrm>
           <a:prstGeom prst="rect">
             <a:avLst/>
@@ -27224,53 +27691,30 @@
           <a:lstStyle/>
           <a:p>
             <a:r>
+              <a:rPr lang="ko-KR" altLang="en-US" dirty="0">
+                <a:latin typeface="나눔스퀘어 Light" panose="020B0600000101010101" pitchFamily="50" charset="-127"/>
+                <a:ea typeface="나눔스퀘어 Light" panose="020B0600000101010101" pitchFamily="50" charset="-127"/>
+              </a:rPr>
+              <a:t>전체 출력 결과는</a:t>
+            </a:r>
+            <a:r>
               <a:rPr lang="en-US" altLang="ko-KR" dirty="0">
-                <a:latin typeface="나눔스퀘어 Bold" panose="020B0600000101010101" pitchFamily="50" charset="-127"/>
-                <a:ea typeface="나눔스퀘어 Bold" panose="020B0600000101010101" pitchFamily="50" charset="-127"/>
-              </a:rPr>
-              <a:t>Java Queue</a:t>
+                <a:latin typeface="나눔스퀘어 Light" panose="020B0600000101010101" pitchFamily="50" charset="-127"/>
+                <a:ea typeface="나눔스퀘어 Light" panose="020B0600000101010101" pitchFamily="50" charset="-127"/>
+              </a:rPr>
+              <a:t>?</a:t>
             </a:r>
             <a:endParaRPr lang="ko-KR" altLang="en-US" dirty="0">
-              <a:latin typeface="나눔스퀘어 Bold" panose="020B0600000101010101" pitchFamily="50" charset="-127"/>
-              <a:ea typeface="나눔스퀘어 Bold" panose="020B0600000101010101" pitchFamily="50" charset="-127"/>
+              <a:latin typeface="나눔스퀘어 Light" panose="020B0600000101010101" pitchFamily="50" charset="-127"/>
+              <a:ea typeface="나눔스퀘어 Light" panose="020B0600000101010101" pitchFamily="50" charset="-127"/>
             </a:endParaRPr>
           </a:p>
         </p:txBody>
       </p:sp>
-      <p:pic>
-        <p:nvPicPr>
-          <p:cNvPr id="10" name="그림 9">
-            <a:extLst>
-              <a:ext uri="{FF2B5EF4-FFF2-40B4-BE49-F238E27FC236}">
-                <a16:creationId xmlns:a16="http://schemas.microsoft.com/office/drawing/2014/main" id="{7768AE14-6EDF-E64F-0C75-4D9B13B6A941}"/>
-              </a:ext>
-            </a:extLst>
-          </p:cNvPr>
-          <p:cNvPicPr>
-            <a:picLocks noChangeAspect="1"/>
-          </p:cNvPicPr>
-          <p:nvPr/>
-        </p:nvPicPr>
-        <p:blipFill>
-          <a:blip r:embed="rId3"/>
-          <a:stretch>
-            <a:fillRect/>
-          </a:stretch>
-        </p:blipFill>
-        <p:spPr>
-          <a:xfrm>
-            <a:off x="942387" y="4023744"/>
-            <a:ext cx="4715348" cy="2074754"/>
-          </a:xfrm>
-          <a:prstGeom prst="rect">
-            <a:avLst/>
-          </a:prstGeom>
-        </p:spPr>
-      </p:pic>
     </p:spTree>
     <p:extLst>
       <p:ext uri="{BB962C8B-B14F-4D97-AF65-F5344CB8AC3E}">
-        <p14:creationId xmlns:p14="http://schemas.microsoft.com/office/powerpoint/2010/main" val="4267449709"/>
+        <p14:creationId xmlns:p14="http://schemas.microsoft.com/office/powerpoint/2010/main" val="672736138"/>
       </p:ext>
     </p:extLst>
   </p:cSld>
@@ -27398,7 +27842,7 @@
         <p:spPr>
           <a:xfrm>
             <a:off x="942387" y="1190024"/>
-            <a:ext cx="10237694" cy="369332"/>
+            <a:ext cx="8553305" cy="369332"/>
           </a:xfrm>
           <a:prstGeom prst="rect">
             <a:avLst/>
@@ -27416,7 +27860,7 @@
                 <a:latin typeface="나눔스퀘어 Bold" panose="020B0600000101010101" pitchFamily="50" charset="-127"/>
                 <a:ea typeface="나눔스퀘어 Bold" panose="020B0600000101010101" pitchFamily="50" charset="-127"/>
               </a:rPr>
-              <a:t>Java List</a:t>
+              <a:t>C++ STL Queue</a:t>
             </a:r>
             <a:endParaRPr lang="ko-KR" altLang="en-US" dirty="0">
               <a:latin typeface="나눔스퀘어 Bold" panose="020B0600000101010101" pitchFamily="50" charset="-127"/>
@@ -27427,10 +27871,10 @@
       </p:sp>
       <p:pic>
         <p:nvPicPr>
-          <p:cNvPr id="7" name="그림 6">
-            <a:extLst>
-              <a:ext uri="{FF2B5EF4-FFF2-40B4-BE49-F238E27FC236}">
-                <a16:creationId xmlns:a16="http://schemas.microsoft.com/office/drawing/2014/main" id="{E411D802-EBF4-2976-4468-442E3B674DA0}"/>
+          <p:cNvPr id="4" name="그림 3">
+            <a:extLst>
+              <a:ext uri="{FF2B5EF4-FFF2-40B4-BE49-F238E27FC236}">
+                <a16:creationId xmlns:a16="http://schemas.microsoft.com/office/drawing/2014/main" id="{EDF27FED-23AF-12B2-8670-3E210D867979}"/>
               </a:ext>
             </a:extLst>
           </p:cNvPr>
@@ -27447,297 +27891,18 @@
         </p:blipFill>
         <p:spPr>
           <a:xfrm>
-            <a:off x="942387" y="1561839"/>
-            <a:ext cx="5153613" cy="3237527"/>
+            <a:off x="942387" y="1559355"/>
+            <a:ext cx="4176368" cy="4847117"/>
           </a:xfrm>
           <a:prstGeom prst="rect">
             <a:avLst/>
           </a:prstGeom>
         </p:spPr>
       </p:pic>
-      <p:sp>
-        <p:nvSpPr>
-          <p:cNvPr id="12" name="TextBox 11">
-            <a:extLst>
-              <a:ext uri="{FF2B5EF4-FFF2-40B4-BE49-F238E27FC236}">
-                <a16:creationId xmlns:a16="http://schemas.microsoft.com/office/drawing/2014/main" id="{A7356F74-1A38-95D5-6A00-2B4DD7BA33F0}"/>
-              </a:ext>
-            </a:extLst>
-          </p:cNvPr>
-          <p:cNvSpPr txBox="1"/>
-          <p:nvPr/>
-        </p:nvSpPr>
-        <p:spPr>
-          <a:xfrm>
-            <a:off x="6758909" y="2442266"/>
-            <a:ext cx="4421172" cy="369332"/>
-          </a:xfrm>
-          <a:prstGeom prst="rect">
-            <a:avLst/>
-          </a:prstGeom>
-          <a:noFill/>
-        </p:spPr>
-        <p:txBody>
-          <a:bodyPr wrap="square" rtlCol="0">
-            <a:spAutoFit/>
-          </a:bodyPr>
-          <a:lstStyle/>
-          <a:p>
-            <a:r>
-              <a:rPr lang="en-US" altLang="ko-KR" dirty="0">
-                <a:latin typeface="나눔스퀘어 Light" panose="020B0600000101010101" pitchFamily="50" charset="-127"/>
-                <a:ea typeface="나눔스퀘어 Light" panose="020B0600000101010101" pitchFamily="50" charset="-127"/>
-              </a:rPr>
-              <a:t>Java</a:t>
-            </a:r>
-            <a:r>
-              <a:rPr lang="ko-KR" altLang="en-US" dirty="0">
-                <a:latin typeface="나눔스퀘어 Light" panose="020B0600000101010101" pitchFamily="50" charset="-127"/>
-                <a:ea typeface="나눔스퀘어 Light" panose="020B0600000101010101" pitchFamily="50" charset="-127"/>
-              </a:rPr>
-              <a:t>의 </a:t>
-            </a:r>
-            <a:r>
-              <a:rPr lang="en-US" altLang="ko-KR" dirty="0">
-                <a:latin typeface="나눔스퀘어 Light" panose="020B0600000101010101" pitchFamily="50" charset="-127"/>
-                <a:ea typeface="나눔스퀘어 Light" panose="020B0600000101010101" pitchFamily="50" charset="-127"/>
-              </a:rPr>
-              <a:t>List </a:t>
-            </a:r>
-            <a:r>
-              <a:rPr lang="ko-KR" altLang="en-US" dirty="0">
-                <a:latin typeface="나눔스퀘어 Light" panose="020B0600000101010101" pitchFamily="50" charset="-127"/>
-                <a:ea typeface="나눔스퀘어 Light" panose="020B0600000101010101" pitchFamily="50" charset="-127"/>
-              </a:rPr>
-              <a:t>구현체에는</a:t>
-            </a:r>
-          </a:p>
-        </p:txBody>
-      </p:sp>
-      <p:sp>
-        <p:nvSpPr>
-          <p:cNvPr id="13" name="TextBox 12">
-            <a:extLst>
-              <a:ext uri="{FF2B5EF4-FFF2-40B4-BE49-F238E27FC236}">
-                <a16:creationId xmlns:a16="http://schemas.microsoft.com/office/drawing/2014/main" id="{5E2A409B-4807-A44A-13CA-FD320F1C6EBB}"/>
-              </a:ext>
-            </a:extLst>
-          </p:cNvPr>
-          <p:cNvSpPr txBox="1"/>
-          <p:nvPr/>
-        </p:nvSpPr>
-        <p:spPr>
-          <a:xfrm>
-            <a:off x="6758909" y="2811598"/>
-            <a:ext cx="4421172" cy="369332"/>
-          </a:xfrm>
-          <a:prstGeom prst="rect">
-            <a:avLst/>
-          </a:prstGeom>
-          <a:noFill/>
-        </p:spPr>
-        <p:txBody>
-          <a:bodyPr wrap="square" rtlCol="0">
-            <a:spAutoFit/>
-          </a:bodyPr>
-          <a:lstStyle/>
-          <a:p>
-            <a:r>
-              <a:rPr lang="en-US" altLang="ko-KR" dirty="0" err="1">
-                <a:latin typeface="나눔스퀘어 Light" panose="020B0600000101010101" pitchFamily="50" charset="-127"/>
-                <a:ea typeface="나눔스퀘어 Light" panose="020B0600000101010101" pitchFamily="50" charset="-127"/>
-              </a:rPr>
-              <a:t>ArrayList</a:t>
-            </a:r>
-            <a:r>
-              <a:rPr lang="ko-KR" altLang="en-US" dirty="0">
-                <a:latin typeface="나눔스퀘어 Light" panose="020B0600000101010101" pitchFamily="50" charset="-127"/>
-                <a:ea typeface="나눔스퀘어 Light" panose="020B0600000101010101" pitchFamily="50" charset="-127"/>
-              </a:rPr>
-              <a:t>와 </a:t>
-            </a:r>
-            <a:r>
-              <a:rPr lang="en-US" altLang="ko-KR" dirty="0">
-                <a:latin typeface="나눔스퀘어 Light" panose="020B0600000101010101" pitchFamily="50" charset="-127"/>
-                <a:ea typeface="나눔스퀘어 Light" panose="020B0600000101010101" pitchFamily="50" charset="-127"/>
-              </a:rPr>
-              <a:t>LinkedList</a:t>
-            </a:r>
-            <a:r>
-              <a:rPr lang="ko-KR" altLang="en-US" dirty="0">
-                <a:latin typeface="나눔스퀘어 Light" panose="020B0600000101010101" pitchFamily="50" charset="-127"/>
-                <a:ea typeface="나눔스퀘어 Light" panose="020B0600000101010101" pitchFamily="50" charset="-127"/>
-              </a:rPr>
-              <a:t>가 있습니다</a:t>
-            </a:r>
-            <a:r>
-              <a:rPr lang="en-US" altLang="ko-KR" dirty="0">
-                <a:latin typeface="나눔스퀘어 Light" panose="020B0600000101010101" pitchFamily="50" charset="-127"/>
-                <a:ea typeface="나눔스퀘어 Light" panose="020B0600000101010101" pitchFamily="50" charset="-127"/>
-              </a:rPr>
-              <a:t>.</a:t>
-            </a:r>
-            <a:endParaRPr lang="ko-KR" altLang="en-US" dirty="0">
-              <a:latin typeface="나눔스퀘어 Light" panose="020B0600000101010101" pitchFamily="50" charset="-127"/>
-              <a:ea typeface="나눔스퀘어 Light" panose="020B0600000101010101" pitchFamily="50" charset="-127"/>
-            </a:endParaRPr>
-          </a:p>
-        </p:txBody>
-      </p:sp>
-      <p:sp>
-        <p:nvSpPr>
-          <p:cNvPr id="14" name="TextBox 13">
-            <a:extLst>
-              <a:ext uri="{FF2B5EF4-FFF2-40B4-BE49-F238E27FC236}">
-                <a16:creationId xmlns:a16="http://schemas.microsoft.com/office/drawing/2014/main" id="{C46A2EAB-A75C-A530-5F19-1720CD802EEB}"/>
-              </a:ext>
-            </a:extLst>
-          </p:cNvPr>
-          <p:cNvSpPr txBox="1"/>
-          <p:nvPr/>
-        </p:nvSpPr>
-        <p:spPr>
-          <a:xfrm>
-            <a:off x="6758909" y="3180930"/>
-            <a:ext cx="4421172" cy="369332"/>
-          </a:xfrm>
-          <a:prstGeom prst="rect">
-            <a:avLst/>
-          </a:prstGeom>
-          <a:noFill/>
-        </p:spPr>
-        <p:txBody>
-          <a:bodyPr wrap="square" rtlCol="0">
-            <a:spAutoFit/>
-          </a:bodyPr>
-          <a:lstStyle/>
-          <a:p>
-            <a:r>
-              <a:rPr lang="ko-KR" altLang="en-US" dirty="0">
-                <a:latin typeface="나눔스퀘어 Light" panose="020B0600000101010101" pitchFamily="50" charset="-127"/>
-                <a:ea typeface="나눔스퀘어 Light" panose="020B0600000101010101" pitchFamily="50" charset="-127"/>
-              </a:rPr>
-              <a:t>둘의 차이를 </a:t>
-            </a:r>
-            <a:r>
-              <a:rPr lang="ko-KR" altLang="en-US" dirty="0" err="1">
-                <a:latin typeface="나눔스퀘어 Light" panose="020B0600000101010101" pitchFamily="50" charset="-127"/>
-                <a:ea typeface="나눔스퀘어 Light" panose="020B0600000101010101" pitchFamily="50" charset="-127"/>
-              </a:rPr>
-              <a:t>알아두는</a:t>
-            </a:r>
-            <a:r>
-              <a:rPr lang="ko-KR" altLang="en-US" dirty="0">
-                <a:latin typeface="나눔스퀘어 Light" panose="020B0600000101010101" pitchFamily="50" charset="-127"/>
-                <a:ea typeface="나눔스퀘어 Light" panose="020B0600000101010101" pitchFamily="50" charset="-127"/>
-              </a:rPr>
-              <a:t> 것도 좋겠네요</a:t>
-            </a:r>
-            <a:r>
-              <a:rPr lang="en-US" altLang="ko-KR" dirty="0">
-                <a:latin typeface="나눔스퀘어 Light" panose="020B0600000101010101" pitchFamily="50" charset="-127"/>
-                <a:ea typeface="나눔스퀘어 Light" panose="020B0600000101010101" pitchFamily="50" charset="-127"/>
-              </a:rPr>
-              <a:t>.</a:t>
-            </a:r>
-            <a:endParaRPr lang="ko-KR" altLang="en-US" dirty="0">
-              <a:latin typeface="나눔스퀘어 Light" panose="020B0600000101010101" pitchFamily="50" charset="-127"/>
-              <a:ea typeface="나눔스퀘어 Light" panose="020B0600000101010101" pitchFamily="50" charset="-127"/>
-            </a:endParaRPr>
-          </a:p>
-        </p:txBody>
-      </p:sp>
-      <p:sp>
-        <p:nvSpPr>
-          <p:cNvPr id="15" name="TextBox 14">
-            <a:extLst>
-              <a:ext uri="{FF2B5EF4-FFF2-40B4-BE49-F238E27FC236}">
-                <a16:creationId xmlns:a16="http://schemas.microsoft.com/office/drawing/2014/main" id="{0A8D32AB-D5B4-01D2-442F-F26F19CB3C75}"/>
-              </a:ext>
-            </a:extLst>
-          </p:cNvPr>
-          <p:cNvSpPr txBox="1"/>
-          <p:nvPr/>
-        </p:nvSpPr>
-        <p:spPr>
-          <a:xfrm>
-            <a:off x="942386" y="5002053"/>
-            <a:ext cx="9295307" cy="369332"/>
-          </a:xfrm>
-          <a:prstGeom prst="rect">
-            <a:avLst/>
-          </a:prstGeom>
-          <a:noFill/>
-        </p:spPr>
-        <p:txBody>
-          <a:bodyPr wrap="square" rtlCol="0">
-            <a:spAutoFit/>
-          </a:bodyPr>
-          <a:lstStyle/>
-          <a:p>
-            <a:r>
-              <a:rPr lang="en-US" altLang="ko-KR" dirty="0">
-                <a:latin typeface="나눔스퀘어 Light" panose="020B0600000101010101" pitchFamily="50" charset="-127"/>
-                <a:ea typeface="나눔스퀘어 Light" panose="020B0600000101010101" pitchFamily="50" charset="-127"/>
-              </a:rPr>
-              <a:t>C++ </a:t>
-            </a:r>
-            <a:r>
-              <a:rPr lang="ko-KR" altLang="en-US" dirty="0">
-                <a:latin typeface="나눔스퀘어 Light" panose="020B0600000101010101" pitchFamily="50" charset="-127"/>
-                <a:ea typeface="나눔스퀘어 Light" panose="020B0600000101010101" pitchFamily="50" charset="-127"/>
-              </a:rPr>
-              <a:t>코드와 마찬가지로</a:t>
-            </a:r>
-            <a:r>
-              <a:rPr lang="en-US" altLang="ko-KR" dirty="0">
-                <a:latin typeface="나눔스퀘어 Light" panose="020B0600000101010101" pitchFamily="50" charset="-127"/>
-                <a:ea typeface="나눔스퀘어 Light" panose="020B0600000101010101" pitchFamily="50" charset="-127"/>
-              </a:rPr>
-              <a:t>, 457 </a:t>
-            </a:r>
-            <a:r>
-              <a:rPr lang="ko-KR" altLang="en-US" dirty="0">
-                <a:latin typeface="나눔스퀘어 Light" panose="020B0600000101010101" pitchFamily="50" charset="-127"/>
-                <a:ea typeface="나눔스퀘어 Light" panose="020B0600000101010101" pitchFamily="50" charset="-127"/>
-              </a:rPr>
-              <a:t>사이에 </a:t>
-            </a:r>
-            <a:r>
-              <a:rPr lang="en-US" altLang="ko-KR" dirty="0">
-                <a:latin typeface="나눔스퀘어 Light" panose="020B0600000101010101" pitchFamily="50" charset="-127"/>
-                <a:ea typeface="나눔스퀘어 Light" panose="020B0600000101010101" pitchFamily="50" charset="-127"/>
-              </a:rPr>
-              <a:t>6</a:t>
-            </a:r>
-            <a:r>
-              <a:rPr lang="ko-KR" altLang="en-US" dirty="0">
-                <a:latin typeface="나눔스퀘어 Light" panose="020B0600000101010101" pitchFamily="50" charset="-127"/>
-                <a:ea typeface="나눔스퀘어 Light" panose="020B0600000101010101" pitchFamily="50" charset="-127"/>
-              </a:rPr>
-              <a:t>을 </a:t>
-            </a:r>
-            <a:r>
-              <a:rPr lang="ko-KR" altLang="en-US" dirty="0" err="1">
-                <a:latin typeface="나눔스퀘어 Light" panose="020B0600000101010101" pitchFamily="50" charset="-127"/>
-                <a:ea typeface="나눔스퀘어 Light" panose="020B0600000101010101" pitchFamily="50" charset="-127"/>
-              </a:rPr>
-              <a:t>끼워넣는</a:t>
-            </a:r>
-            <a:r>
-              <a:rPr lang="ko-KR" altLang="en-US" dirty="0">
-                <a:latin typeface="나눔스퀘어 Light" panose="020B0600000101010101" pitchFamily="50" charset="-127"/>
-                <a:ea typeface="나눔스퀘어 Light" panose="020B0600000101010101" pitchFamily="50" charset="-127"/>
-              </a:rPr>
-              <a:t> 코드</a:t>
-            </a:r>
-          </a:p>
-        </p:txBody>
-      </p:sp>
     </p:spTree>
     <p:extLst>
       <p:ext uri="{BB962C8B-B14F-4D97-AF65-F5344CB8AC3E}">
-        <p14:creationId xmlns:p14="http://schemas.microsoft.com/office/powerpoint/2010/main" val="2848135897"/>
+        <p14:creationId xmlns:p14="http://schemas.microsoft.com/office/powerpoint/2010/main" val="1459365394"/>
       </p:ext>
     </p:extLst>
   </p:cSld>
@@ -27865,6 +28030,921 @@
         <p:spPr>
           <a:xfrm>
             <a:off x="942387" y="1190024"/>
+            <a:ext cx="8553305" cy="369332"/>
+          </a:xfrm>
+          <a:prstGeom prst="rect">
+            <a:avLst/>
+          </a:prstGeom>
+          <a:noFill/>
+        </p:spPr>
+        <p:txBody>
+          <a:bodyPr wrap="square" rtlCol="0">
+            <a:spAutoFit/>
+          </a:bodyPr>
+          <a:lstStyle/>
+          <a:p>
+            <a:r>
+              <a:rPr lang="en-US" altLang="ko-KR" dirty="0">
+                <a:latin typeface="나눔스퀘어 Bold" panose="020B0600000101010101" pitchFamily="50" charset="-127"/>
+                <a:ea typeface="나눔스퀘어 Bold" panose="020B0600000101010101" pitchFamily="50" charset="-127"/>
+              </a:rPr>
+              <a:t>C++ STL List</a:t>
+            </a:r>
+            <a:endParaRPr lang="ko-KR" altLang="en-US" dirty="0">
+              <a:latin typeface="나눔스퀘어 Bold" panose="020B0600000101010101" pitchFamily="50" charset="-127"/>
+              <a:ea typeface="나눔스퀘어 Bold" panose="020B0600000101010101" pitchFamily="50" charset="-127"/>
+            </a:endParaRPr>
+          </a:p>
+        </p:txBody>
+      </p:sp>
+      <p:pic>
+        <p:nvPicPr>
+          <p:cNvPr id="8" name="그림 7">
+            <a:extLst>
+              <a:ext uri="{FF2B5EF4-FFF2-40B4-BE49-F238E27FC236}">
+                <a16:creationId xmlns:a16="http://schemas.microsoft.com/office/drawing/2014/main" id="{D48F7121-41B9-E3C3-2D3B-E398D5934B0C}"/>
+              </a:ext>
+            </a:extLst>
+          </p:cNvPr>
+          <p:cNvPicPr>
+            <a:picLocks noChangeAspect="1"/>
+          </p:cNvPicPr>
+          <p:nvPr/>
+        </p:nvPicPr>
+        <p:blipFill>
+          <a:blip r:embed="rId2"/>
+          <a:stretch>
+            <a:fillRect/>
+          </a:stretch>
+        </p:blipFill>
+        <p:spPr>
+          <a:xfrm>
+            <a:off x="942387" y="1559356"/>
+            <a:ext cx="6197322" cy="4942716"/>
+          </a:xfrm>
+          <a:prstGeom prst="rect">
+            <a:avLst/>
+          </a:prstGeom>
+        </p:spPr>
+      </p:pic>
+    </p:spTree>
+    <p:extLst>
+      <p:ext uri="{BB962C8B-B14F-4D97-AF65-F5344CB8AC3E}">
+        <p14:creationId xmlns:p14="http://schemas.microsoft.com/office/powerpoint/2010/main" val="2554987469"/>
+      </p:ext>
+    </p:extLst>
+  </p:cSld>
+  <p:clrMapOvr>
+    <a:masterClrMapping/>
+  </p:clrMapOvr>
+</p:sld>
+</file>
+
+<file path=ppt/slides/slide43.xml><?xml version="1.0" encoding="utf-8"?>
+<p:sld xmlns:a="http://schemas.openxmlformats.org/drawingml/2006/main" xmlns:r="http://schemas.openxmlformats.org/officeDocument/2006/relationships" xmlns:p="http://schemas.openxmlformats.org/presentationml/2006/main">
+  <p:cSld>
+    <p:spTree>
+      <p:nvGrpSpPr>
+        <p:cNvPr id="1" name=""/>
+        <p:cNvGrpSpPr/>
+        <p:nvPr/>
+      </p:nvGrpSpPr>
+      <p:grpSpPr>
+        <a:xfrm>
+          <a:off x="0" y="0"/>
+          <a:ext cx="0" cy="0"/>
+          <a:chOff x="0" y="0"/>
+          <a:chExt cx="0" cy="0"/>
+        </a:xfrm>
+      </p:grpSpPr>
+      <p:cxnSp>
+        <p:nvCxnSpPr>
+          <p:cNvPr id="5" name="직선 연결선 4">
+            <a:extLst>
+              <a:ext uri="{FF2B5EF4-FFF2-40B4-BE49-F238E27FC236}">
+                <a16:creationId xmlns:a16="http://schemas.microsoft.com/office/drawing/2014/main" id="{164C2827-EFCE-69A4-D037-1A218415F568}"/>
+              </a:ext>
+            </a:extLst>
+          </p:cNvPr>
+          <p:cNvCxnSpPr/>
+          <p:nvPr/>
+        </p:nvCxnSpPr>
+        <p:spPr>
+          <a:xfrm>
+            <a:off x="0" y="887505"/>
+            <a:ext cx="10237694" cy="0"/>
+          </a:xfrm>
+          <a:prstGeom prst="line">
+            <a:avLst/>
+          </a:prstGeom>
+          <a:ln w="76200">
+            <a:solidFill>
+              <a:schemeClr val="tx1">
+                <a:lumMod val="75000"/>
+                <a:lumOff val="25000"/>
+              </a:schemeClr>
+            </a:solidFill>
+          </a:ln>
+        </p:spPr>
+        <p:style>
+          <a:lnRef idx="1">
+            <a:schemeClr val="accent1"/>
+          </a:lnRef>
+          <a:fillRef idx="0">
+            <a:schemeClr val="accent1"/>
+          </a:fillRef>
+          <a:effectRef idx="0">
+            <a:schemeClr val="accent1"/>
+          </a:effectRef>
+          <a:fontRef idx="minor">
+            <a:schemeClr val="tx1"/>
+          </a:fontRef>
+        </p:style>
+      </p:cxnSp>
+      <p:sp>
+        <p:nvSpPr>
+          <p:cNvPr id="6" name="TextBox 5">
+            <a:extLst>
+              <a:ext uri="{FF2B5EF4-FFF2-40B4-BE49-F238E27FC236}">
+                <a16:creationId xmlns:a16="http://schemas.microsoft.com/office/drawing/2014/main" id="{908ED9B9-09D3-CFA8-625A-6F9BB9B6BD23}"/>
+              </a:ext>
+            </a:extLst>
+          </p:cNvPr>
+          <p:cNvSpPr txBox="1"/>
+          <p:nvPr/>
+        </p:nvSpPr>
+        <p:spPr>
+          <a:xfrm>
+            <a:off x="331694" y="177505"/>
+            <a:ext cx="2006190" cy="523220"/>
+          </a:xfrm>
+          <a:prstGeom prst="rect">
+            <a:avLst/>
+          </a:prstGeom>
+          <a:noFill/>
+        </p:spPr>
+        <p:txBody>
+          <a:bodyPr wrap="none" rtlCol="0">
+            <a:spAutoFit/>
+          </a:bodyPr>
+          <a:lstStyle/>
+          <a:p>
+            <a:r>
+              <a:rPr lang="en-US" altLang="ko-KR" sz="2800" dirty="0">
+                <a:latin typeface="나눔스퀘어 Bold" panose="020B0600000101010101" pitchFamily="50" charset="-127"/>
+                <a:ea typeface="나눔스퀘어 Bold" panose="020B0600000101010101" pitchFamily="50" charset="-127"/>
+              </a:rPr>
+              <a:t>Homework</a:t>
+            </a:r>
+            <a:endParaRPr lang="ko-KR" altLang="en-US" sz="2800" dirty="0">
+              <a:latin typeface="나눔스퀘어 Bold" panose="020B0600000101010101" pitchFamily="50" charset="-127"/>
+              <a:ea typeface="나눔스퀘어 Bold" panose="020B0600000101010101" pitchFamily="50" charset="-127"/>
+            </a:endParaRPr>
+          </a:p>
+        </p:txBody>
+      </p:sp>
+      <p:sp>
+        <p:nvSpPr>
+          <p:cNvPr id="9" name="TextBox 8">
+            <a:extLst>
+              <a:ext uri="{FF2B5EF4-FFF2-40B4-BE49-F238E27FC236}">
+                <a16:creationId xmlns:a16="http://schemas.microsoft.com/office/drawing/2014/main" id="{F3F091EF-3E70-16E8-983D-D9C14C2EAD61}"/>
+              </a:ext>
+            </a:extLst>
+          </p:cNvPr>
+          <p:cNvSpPr txBox="1"/>
+          <p:nvPr/>
+        </p:nvSpPr>
+        <p:spPr>
+          <a:xfrm>
+            <a:off x="942387" y="1190024"/>
+            <a:ext cx="8553305" cy="369332"/>
+          </a:xfrm>
+          <a:prstGeom prst="rect">
+            <a:avLst/>
+          </a:prstGeom>
+          <a:noFill/>
+        </p:spPr>
+        <p:txBody>
+          <a:bodyPr wrap="square" rtlCol="0">
+            <a:spAutoFit/>
+          </a:bodyPr>
+          <a:lstStyle/>
+          <a:p>
+            <a:r>
+              <a:rPr lang="en-US" altLang="ko-KR" dirty="0">
+                <a:latin typeface="나눔스퀘어 Bold" panose="020B0600000101010101" pitchFamily="50" charset="-127"/>
+                <a:ea typeface="나눔스퀘어 Bold" panose="020B0600000101010101" pitchFamily="50" charset="-127"/>
+              </a:rPr>
+              <a:t>Java Stack</a:t>
+            </a:r>
+            <a:endParaRPr lang="ko-KR" altLang="en-US" dirty="0">
+              <a:latin typeface="나눔스퀘어 Bold" panose="020B0600000101010101" pitchFamily="50" charset="-127"/>
+              <a:ea typeface="나눔스퀘어 Bold" panose="020B0600000101010101" pitchFamily="50" charset="-127"/>
+            </a:endParaRPr>
+          </a:p>
+        </p:txBody>
+      </p:sp>
+      <p:pic>
+        <p:nvPicPr>
+          <p:cNvPr id="3" name="그림 2">
+            <a:extLst>
+              <a:ext uri="{FF2B5EF4-FFF2-40B4-BE49-F238E27FC236}">
+                <a16:creationId xmlns:a16="http://schemas.microsoft.com/office/drawing/2014/main" id="{0E6EF19E-8832-1DB7-982A-0998530F17F8}"/>
+              </a:ext>
+            </a:extLst>
+          </p:cNvPr>
+          <p:cNvPicPr>
+            <a:picLocks noChangeAspect="1"/>
+          </p:cNvPicPr>
+          <p:nvPr/>
+        </p:nvPicPr>
+        <p:blipFill>
+          <a:blip r:embed="rId2"/>
+          <a:stretch>
+            <a:fillRect/>
+          </a:stretch>
+        </p:blipFill>
+        <p:spPr>
+          <a:xfrm>
+            <a:off x="942387" y="1559356"/>
+            <a:ext cx="4715349" cy="1869643"/>
+          </a:xfrm>
+          <a:prstGeom prst="rect">
+            <a:avLst/>
+          </a:prstGeom>
+        </p:spPr>
+      </p:pic>
+      <p:sp>
+        <p:nvSpPr>
+          <p:cNvPr id="4" name="TextBox 3">
+            <a:extLst>
+              <a:ext uri="{FF2B5EF4-FFF2-40B4-BE49-F238E27FC236}">
+                <a16:creationId xmlns:a16="http://schemas.microsoft.com/office/drawing/2014/main" id="{0D956F9C-5DAB-6D05-3D1E-FD3697612656}"/>
+              </a:ext>
+            </a:extLst>
+          </p:cNvPr>
+          <p:cNvSpPr txBox="1"/>
+          <p:nvPr/>
+        </p:nvSpPr>
+        <p:spPr>
+          <a:xfrm>
+            <a:off x="942387" y="3654412"/>
+            <a:ext cx="8553305" cy="369332"/>
+          </a:xfrm>
+          <a:prstGeom prst="rect">
+            <a:avLst/>
+          </a:prstGeom>
+          <a:noFill/>
+        </p:spPr>
+        <p:txBody>
+          <a:bodyPr wrap="square" rtlCol="0">
+            <a:spAutoFit/>
+          </a:bodyPr>
+          <a:lstStyle/>
+          <a:p>
+            <a:r>
+              <a:rPr lang="en-US" altLang="ko-KR" dirty="0">
+                <a:latin typeface="나눔스퀘어 Bold" panose="020B0600000101010101" pitchFamily="50" charset="-127"/>
+                <a:ea typeface="나눔스퀘어 Bold" panose="020B0600000101010101" pitchFamily="50" charset="-127"/>
+              </a:rPr>
+              <a:t>Java Queue</a:t>
+            </a:r>
+            <a:endParaRPr lang="ko-KR" altLang="en-US" dirty="0">
+              <a:latin typeface="나눔스퀘어 Bold" panose="020B0600000101010101" pitchFamily="50" charset="-127"/>
+              <a:ea typeface="나눔스퀘어 Bold" panose="020B0600000101010101" pitchFamily="50" charset="-127"/>
+            </a:endParaRPr>
+          </a:p>
+        </p:txBody>
+      </p:sp>
+      <p:pic>
+        <p:nvPicPr>
+          <p:cNvPr id="10" name="그림 9">
+            <a:extLst>
+              <a:ext uri="{FF2B5EF4-FFF2-40B4-BE49-F238E27FC236}">
+                <a16:creationId xmlns:a16="http://schemas.microsoft.com/office/drawing/2014/main" id="{7768AE14-6EDF-E64F-0C75-4D9B13B6A941}"/>
+              </a:ext>
+            </a:extLst>
+          </p:cNvPr>
+          <p:cNvPicPr>
+            <a:picLocks noChangeAspect="1"/>
+          </p:cNvPicPr>
+          <p:nvPr/>
+        </p:nvPicPr>
+        <p:blipFill>
+          <a:blip r:embed="rId3"/>
+          <a:stretch>
+            <a:fillRect/>
+          </a:stretch>
+        </p:blipFill>
+        <p:spPr>
+          <a:xfrm>
+            <a:off x="942387" y="4023744"/>
+            <a:ext cx="4715348" cy="2074754"/>
+          </a:xfrm>
+          <a:prstGeom prst="rect">
+            <a:avLst/>
+          </a:prstGeom>
+        </p:spPr>
+      </p:pic>
+    </p:spTree>
+    <p:extLst>
+      <p:ext uri="{BB962C8B-B14F-4D97-AF65-F5344CB8AC3E}">
+        <p14:creationId xmlns:p14="http://schemas.microsoft.com/office/powerpoint/2010/main" val="4267449709"/>
+      </p:ext>
+    </p:extLst>
+  </p:cSld>
+  <p:clrMapOvr>
+    <a:masterClrMapping/>
+  </p:clrMapOvr>
+</p:sld>
+</file>
+
+<file path=ppt/slides/slide44.xml><?xml version="1.0" encoding="utf-8"?>
+<p:sld xmlns:a="http://schemas.openxmlformats.org/drawingml/2006/main" xmlns:r="http://schemas.openxmlformats.org/officeDocument/2006/relationships" xmlns:p="http://schemas.openxmlformats.org/presentationml/2006/main">
+  <p:cSld>
+    <p:spTree>
+      <p:nvGrpSpPr>
+        <p:cNvPr id="1" name=""/>
+        <p:cNvGrpSpPr/>
+        <p:nvPr/>
+      </p:nvGrpSpPr>
+      <p:grpSpPr>
+        <a:xfrm>
+          <a:off x="0" y="0"/>
+          <a:ext cx="0" cy="0"/>
+          <a:chOff x="0" y="0"/>
+          <a:chExt cx="0" cy="0"/>
+        </a:xfrm>
+      </p:grpSpPr>
+      <p:cxnSp>
+        <p:nvCxnSpPr>
+          <p:cNvPr id="5" name="직선 연결선 4">
+            <a:extLst>
+              <a:ext uri="{FF2B5EF4-FFF2-40B4-BE49-F238E27FC236}">
+                <a16:creationId xmlns:a16="http://schemas.microsoft.com/office/drawing/2014/main" id="{164C2827-EFCE-69A4-D037-1A218415F568}"/>
+              </a:ext>
+            </a:extLst>
+          </p:cNvPr>
+          <p:cNvCxnSpPr/>
+          <p:nvPr/>
+        </p:nvCxnSpPr>
+        <p:spPr>
+          <a:xfrm>
+            <a:off x="0" y="887505"/>
+            <a:ext cx="10237694" cy="0"/>
+          </a:xfrm>
+          <a:prstGeom prst="line">
+            <a:avLst/>
+          </a:prstGeom>
+          <a:ln w="76200">
+            <a:solidFill>
+              <a:schemeClr val="tx1">
+                <a:lumMod val="75000"/>
+                <a:lumOff val="25000"/>
+              </a:schemeClr>
+            </a:solidFill>
+          </a:ln>
+        </p:spPr>
+        <p:style>
+          <a:lnRef idx="1">
+            <a:schemeClr val="accent1"/>
+          </a:lnRef>
+          <a:fillRef idx="0">
+            <a:schemeClr val="accent1"/>
+          </a:fillRef>
+          <a:effectRef idx="0">
+            <a:schemeClr val="accent1"/>
+          </a:effectRef>
+          <a:fontRef idx="minor">
+            <a:schemeClr val="tx1"/>
+          </a:fontRef>
+        </p:style>
+      </p:cxnSp>
+      <p:sp>
+        <p:nvSpPr>
+          <p:cNvPr id="6" name="TextBox 5">
+            <a:extLst>
+              <a:ext uri="{FF2B5EF4-FFF2-40B4-BE49-F238E27FC236}">
+                <a16:creationId xmlns:a16="http://schemas.microsoft.com/office/drawing/2014/main" id="{908ED9B9-09D3-CFA8-625A-6F9BB9B6BD23}"/>
+              </a:ext>
+            </a:extLst>
+          </p:cNvPr>
+          <p:cNvSpPr txBox="1"/>
+          <p:nvPr/>
+        </p:nvSpPr>
+        <p:spPr>
+          <a:xfrm>
+            <a:off x="331694" y="177505"/>
+            <a:ext cx="2006190" cy="523220"/>
+          </a:xfrm>
+          <a:prstGeom prst="rect">
+            <a:avLst/>
+          </a:prstGeom>
+          <a:noFill/>
+        </p:spPr>
+        <p:txBody>
+          <a:bodyPr wrap="none" rtlCol="0">
+            <a:spAutoFit/>
+          </a:bodyPr>
+          <a:lstStyle/>
+          <a:p>
+            <a:r>
+              <a:rPr lang="en-US" altLang="ko-KR" sz="2800" dirty="0">
+                <a:latin typeface="나눔스퀘어 Bold" panose="020B0600000101010101" pitchFamily="50" charset="-127"/>
+                <a:ea typeface="나눔스퀘어 Bold" panose="020B0600000101010101" pitchFamily="50" charset="-127"/>
+              </a:rPr>
+              <a:t>Homework</a:t>
+            </a:r>
+            <a:endParaRPr lang="ko-KR" altLang="en-US" sz="2800" dirty="0">
+              <a:latin typeface="나눔스퀘어 Bold" panose="020B0600000101010101" pitchFamily="50" charset="-127"/>
+              <a:ea typeface="나눔스퀘어 Bold" panose="020B0600000101010101" pitchFamily="50" charset="-127"/>
+            </a:endParaRPr>
+          </a:p>
+        </p:txBody>
+      </p:sp>
+      <p:sp>
+        <p:nvSpPr>
+          <p:cNvPr id="9" name="TextBox 8">
+            <a:extLst>
+              <a:ext uri="{FF2B5EF4-FFF2-40B4-BE49-F238E27FC236}">
+                <a16:creationId xmlns:a16="http://schemas.microsoft.com/office/drawing/2014/main" id="{F3F091EF-3E70-16E8-983D-D9C14C2EAD61}"/>
+              </a:ext>
+            </a:extLst>
+          </p:cNvPr>
+          <p:cNvSpPr txBox="1"/>
+          <p:nvPr/>
+        </p:nvSpPr>
+        <p:spPr>
+          <a:xfrm>
+            <a:off x="942387" y="1190024"/>
+            <a:ext cx="10237694" cy="369332"/>
+          </a:xfrm>
+          <a:prstGeom prst="rect">
+            <a:avLst/>
+          </a:prstGeom>
+          <a:noFill/>
+        </p:spPr>
+        <p:txBody>
+          <a:bodyPr wrap="square" rtlCol="0">
+            <a:spAutoFit/>
+          </a:bodyPr>
+          <a:lstStyle/>
+          <a:p>
+            <a:r>
+              <a:rPr lang="en-US" altLang="ko-KR" dirty="0">
+                <a:latin typeface="나눔스퀘어 Bold" panose="020B0600000101010101" pitchFamily="50" charset="-127"/>
+                <a:ea typeface="나눔스퀘어 Bold" panose="020B0600000101010101" pitchFamily="50" charset="-127"/>
+              </a:rPr>
+              <a:t>Java List</a:t>
+            </a:r>
+            <a:endParaRPr lang="ko-KR" altLang="en-US" dirty="0">
+              <a:latin typeface="나눔스퀘어 Bold" panose="020B0600000101010101" pitchFamily="50" charset="-127"/>
+              <a:ea typeface="나눔스퀘어 Bold" panose="020B0600000101010101" pitchFamily="50" charset="-127"/>
+            </a:endParaRPr>
+          </a:p>
+        </p:txBody>
+      </p:sp>
+      <p:pic>
+        <p:nvPicPr>
+          <p:cNvPr id="7" name="그림 6">
+            <a:extLst>
+              <a:ext uri="{FF2B5EF4-FFF2-40B4-BE49-F238E27FC236}">
+                <a16:creationId xmlns:a16="http://schemas.microsoft.com/office/drawing/2014/main" id="{E411D802-EBF4-2976-4468-442E3B674DA0}"/>
+              </a:ext>
+            </a:extLst>
+          </p:cNvPr>
+          <p:cNvPicPr>
+            <a:picLocks noChangeAspect="1"/>
+          </p:cNvPicPr>
+          <p:nvPr/>
+        </p:nvPicPr>
+        <p:blipFill>
+          <a:blip r:embed="rId2"/>
+          <a:stretch>
+            <a:fillRect/>
+          </a:stretch>
+        </p:blipFill>
+        <p:spPr>
+          <a:xfrm>
+            <a:off x="942387" y="1561839"/>
+            <a:ext cx="5153613" cy="3237527"/>
+          </a:xfrm>
+          <a:prstGeom prst="rect">
+            <a:avLst/>
+          </a:prstGeom>
+        </p:spPr>
+      </p:pic>
+      <p:sp>
+        <p:nvSpPr>
+          <p:cNvPr id="12" name="TextBox 11">
+            <a:extLst>
+              <a:ext uri="{FF2B5EF4-FFF2-40B4-BE49-F238E27FC236}">
+                <a16:creationId xmlns:a16="http://schemas.microsoft.com/office/drawing/2014/main" id="{A7356F74-1A38-95D5-6A00-2B4DD7BA33F0}"/>
+              </a:ext>
+            </a:extLst>
+          </p:cNvPr>
+          <p:cNvSpPr txBox="1"/>
+          <p:nvPr/>
+        </p:nvSpPr>
+        <p:spPr>
+          <a:xfrm>
+            <a:off x="6758909" y="2442266"/>
+            <a:ext cx="4421172" cy="369332"/>
+          </a:xfrm>
+          <a:prstGeom prst="rect">
+            <a:avLst/>
+          </a:prstGeom>
+          <a:noFill/>
+        </p:spPr>
+        <p:txBody>
+          <a:bodyPr wrap="square" rtlCol="0">
+            <a:spAutoFit/>
+          </a:bodyPr>
+          <a:lstStyle/>
+          <a:p>
+            <a:r>
+              <a:rPr lang="en-US" altLang="ko-KR" dirty="0">
+                <a:latin typeface="나눔스퀘어 Light" panose="020B0600000101010101" pitchFamily="50" charset="-127"/>
+                <a:ea typeface="나눔스퀘어 Light" panose="020B0600000101010101" pitchFamily="50" charset="-127"/>
+              </a:rPr>
+              <a:t>Java</a:t>
+            </a:r>
+            <a:r>
+              <a:rPr lang="ko-KR" altLang="en-US" dirty="0">
+                <a:latin typeface="나눔스퀘어 Light" panose="020B0600000101010101" pitchFamily="50" charset="-127"/>
+                <a:ea typeface="나눔스퀘어 Light" panose="020B0600000101010101" pitchFamily="50" charset="-127"/>
+              </a:rPr>
+              <a:t>의 </a:t>
+            </a:r>
+            <a:r>
+              <a:rPr lang="en-US" altLang="ko-KR" dirty="0">
+                <a:latin typeface="나눔스퀘어 Light" panose="020B0600000101010101" pitchFamily="50" charset="-127"/>
+                <a:ea typeface="나눔스퀘어 Light" panose="020B0600000101010101" pitchFamily="50" charset="-127"/>
+              </a:rPr>
+              <a:t>List </a:t>
+            </a:r>
+            <a:r>
+              <a:rPr lang="ko-KR" altLang="en-US" dirty="0">
+                <a:latin typeface="나눔스퀘어 Light" panose="020B0600000101010101" pitchFamily="50" charset="-127"/>
+                <a:ea typeface="나눔스퀘어 Light" panose="020B0600000101010101" pitchFamily="50" charset="-127"/>
+              </a:rPr>
+              <a:t>구현체에는</a:t>
+            </a:r>
+          </a:p>
+        </p:txBody>
+      </p:sp>
+      <p:sp>
+        <p:nvSpPr>
+          <p:cNvPr id="13" name="TextBox 12">
+            <a:extLst>
+              <a:ext uri="{FF2B5EF4-FFF2-40B4-BE49-F238E27FC236}">
+                <a16:creationId xmlns:a16="http://schemas.microsoft.com/office/drawing/2014/main" id="{5E2A409B-4807-A44A-13CA-FD320F1C6EBB}"/>
+              </a:ext>
+            </a:extLst>
+          </p:cNvPr>
+          <p:cNvSpPr txBox="1"/>
+          <p:nvPr/>
+        </p:nvSpPr>
+        <p:spPr>
+          <a:xfrm>
+            <a:off x="6758909" y="2811598"/>
+            <a:ext cx="4421172" cy="369332"/>
+          </a:xfrm>
+          <a:prstGeom prst="rect">
+            <a:avLst/>
+          </a:prstGeom>
+          <a:noFill/>
+        </p:spPr>
+        <p:txBody>
+          <a:bodyPr wrap="square" rtlCol="0">
+            <a:spAutoFit/>
+          </a:bodyPr>
+          <a:lstStyle/>
+          <a:p>
+            <a:r>
+              <a:rPr lang="en-US" altLang="ko-KR" dirty="0" err="1">
+                <a:latin typeface="나눔스퀘어 Light" panose="020B0600000101010101" pitchFamily="50" charset="-127"/>
+                <a:ea typeface="나눔스퀘어 Light" panose="020B0600000101010101" pitchFamily="50" charset="-127"/>
+              </a:rPr>
+              <a:t>ArrayList</a:t>
+            </a:r>
+            <a:r>
+              <a:rPr lang="ko-KR" altLang="en-US" dirty="0">
+                <a:latin typeface="나눔스퀘어 Light" panose="020B0600000101010101" pitchFamily="50" charset="-127"/>
+                <a:ea typeface="나눔스퀘어 Light" panose="020B0600000101010101" pitchFamily="50" charset="-127"/>
+              </a:rPr>
+              <a:t>와 </a:t>
+            </a:r>
+            <a:r>
+              <a:rPr lang="en-US" altLang="ko-KR" dirty="0">
+                <a:latin typeface="나눔스퀘어 Light" panose="020B0600000101010101" pitchFamily="50" charset="-127"/>
+                <a:ea typeface="나눔스퀘어 Light" panose="020B0600000101010101" pitchFamily="50" charset="-127"/>
+              </a:rPr>
+              <a:t>LinkedList</a:t>
+            </a:r>
+            <a:r>
+              <a:rPr lang="ko-KR" altLang="en-US" dirty="0">
+                <a:latin typeface="나눔스퀘어 Light" panose="020B0600000101010101" pitchFamily="50" charset="-127"/>
+                <a:ea typeface="나눔스퀘어 Light" panose="020B0600000101010101" pitchFamily="50" charset="-127"/>
+              </a:rPr>
+              <a:t>가 있습니다</a:t>
+            </a:r>
+            <a:r>
+              <a:rPr lang="en-US" altLang="ko-KR" dirty="0">
+                <a:latin typeface="나눔스퀘어 Light" panose="020B0600000101010101" pitchFamily="50" charset="-127"/>
+                <a:ea typeface="나눔스퀘어 Light" panose="020B0600000101010101" pitchFamily="50" charset="-127"/>
+              </a:rPr>
+              <a:t>.</a:t>
+            </a:r>
+            <a:endParaRPr lang="ko-KR" altLang="en-US" dirty="0">
+              <a:latin typeface="나눔스퀘어 Light" panose="020B0600000101010101" pitchFamily="50" charset="-127"/>
+              <a:ea typeface="나눔스퀘어 Light" panose="020B0600000101010101" pitchFamily="50" charset="-127"/>
+            </a:endParaRPr>
+          </a:p>
+        </p:txBody>
+      </p:sp>
+      <p:sp>
+        <p:nvSpPr>
+          <p:cNvPr id="14" name="TextBox 13">
+            <a:extLst>
+              <a:ext uri="{FF2B5EF4-FFF2-40B4-BE49-F238E27FC236}">
+                <a16:creationId xmlns:a16="http://schemas.microsoft.com/office/drawing/2014/main" id="{C46A2EAB-A75C-A530-5F19-1720CD802EEB}"/>
+              </a:ext>
+            </a:extLst>
+          </p:cNvPr>
+          <p:cNvSpPr txBox="1"/>
+          <p:nvPr/>
+        </p:nvSpPr>
+        <p:spPr>
+          <a:xfrm>
+            <a:off x="6758909" y="3180930"/>
+            <a:ext cx="4421172" cy="369332"/>
+          </a:xfrm>
+          <a:prstGeom prst="rect">
+            <a:avLst/>
+          </a:prstGeom>
+          <a:noFill/>
+        </p:spPr>
+        <p:txBody>
+          <a:bodyPr wrap="square" rtlCol="0">
+            <a:spAutoFit/>
+          </a:bodyPr>
+          <a:lstStyle/>
+          <a:p>
+            <a:r>
+              <a:rPr lang="ko-KR" altLang="en-US" dirty="0">
+                <a:latin typeface="나눔스퀘어 Light" panose="020B0600000101010101" pitchFamily="50" charset="-127"/>
+                <a:ea typeface="나눔스퀘어 Light" panose="020B0600000101010101" pitchFamily="50" charset="-127"/>
+              </a:rPr>
+              <a:t>둘의 차이를 </a:t>
+            </a:r>
+            <a:r>
+              <a:rPr lang="ko-KR" altLang="en-US" dirty="0" err="1">
+                <a:latin typeface="나눔스퀘어 Light" panose="020B0600000101010101" pitchFamily="50" charset="-127"/>
+                <a:ea typeface="나눔스퀘어 Light" panose="020B0600000101010101" pitchFamily="50" charset="-127"/>
+              </a:rPr>
+              <a:t>알아두는</a:t>
+            </a:r>
+            <a:r>
+              <a:rPr lang="ko-KR" altLang="en-US" dirty="0">
+                <a:latin typeface="나눔스퀘어 Light" panose="020B0600000101010101" pitchFamily="50" charset="-127"/>
+                <a:ea typeface="나눔스퀘어 Light" panose="020B0600000101010101" pitchFamily="50" charset="-127"/>
+              </a:rPr>
+              <a:t> 것도 좋겠네요</a:t>
+            </a:r>
+            <a:r>
+              <a:rPr lang="en-US" altLang="ko-KR" dirty="0">
+                <a:latin typeface="나눔스퀘어 Light" panose="020B0600000101010101" pitchFamily="50" charset="-127"/>
+                <a:ea typeface="나눔스퀘어 Light" panose="020B0600000101010101" pitchFamily="50" charset="-127"/>
+              </a:rPr>
+              <a:t>.</a:t>
+            </a:r>
+            <a:endParaRPr lang="ko-KR" altLang="en-US" dirty="0">
+              <a:latin typeface="나눔스퀘어 Light" panose="020B0600000101010101" pitchFamily="50" charset="-127"/>
+              <a:ea typeface="나눔스퀘어 Light" panose="020B0600000101010101" pitchFamily="50" charset="-127"/>
+            </a:endParaRPr>
+          </a:p>
+        </p:txBody>
+      </p:sp>
+      <p:sp>
+        <p:nvSpPr>
+          <p:cNvPr id="15" name="TextBox 14">
+            <a:extLst>
+              <a:ext uri="{FF2B5EF4-FFF2-40B4-BE49-F238E27FC236}">
+                <a16:creationId xmlns:a16="http://schemas.microsoft.com/office/drawing/2014/main" id="{0A8D32AB-D5B4-01D2-442F-F26F19CB3C75}"/>
+              </a:ext>
+            </a:extLst>
+          </p:cNvPr>
+          <p:cNvSpPr txBox="1"/>
+          <p:nvPr/>
+        </p:nvSpPr>
+        <p:spPr>
+          <a:xfrm>
+            <a:off x="942386" y="5002053"/>
+            <a:ext cx="9295307" cy="369332"/>
+          </a:xfrm>
+          <a:prstGeom prst="rect">
+            <a:avLst/>
+          </a:prstGeom>
+          <a:noFill/>
+        </p:spPr>
+        <p:txBody>
+          <a:bodyPr wrap="square" rtlCol="0">
+            <a:spAutoFit/>
+          </a:bodyPr>
+          <a:lstStyle/>
+          <a:p>
+            <a:r>
+              <a:rPr lang="en-US" altLang="ko-KR" dirty="0">
+                <a:latin typeface="나눔스퀘어 Light" panose="020B0600000101010101" pitchFamily="50" charset="-127"/>
+                <a:ea typeface="나눔스퀘어 Light" panose="020B0600000101010101" pitchFamily="50" charset="-127"/>
+              </a:rPr>
+              <a:t>C++ </a:t>
+            </a:r>
+            <a:r>
+              <a:rPr lang="ko-KR" altLang="en-US" dirty="0">
+                <a:latin typeface="나눔스퀘어 Light" panose="020B0600000101010101" pitchFamily="50" charset="-127"/>
+                <a:ea typeface="나눔스퀘어 Light" panose="020B0600000101010101" pitchFamily="50" charset="-127"/>
+              </a:rPr>
+              <a:t>코드와 마찬가지로</a:t>
+            </a:r>
+            <a:r>
+              <a:rPr lang="en-US" altLang="ko-KR" dirty="0">
+                <a:latin typeface="나눔스퀘어 Light" panose="020B0600000101010101" pitchFamily="50" charset="-127"/>
+                <a:ea typeface="나눔스퀘어 Light" panose="020B0600000101010101" pitchFamily="50" charset="-127"/>
+              </a:rPr>
+              <a:t>, 457 </a:t>
+            </a:r>
+            <a:r>
+              <a:rPr lang="ko-KR" altLang="en-US" dirty="0">
+                <a:latin typeface="나눔스퀘어 Light" panose="020B0600000101010101" pitchFamily="50" charset="-127"/>
+                <a:ea typeface="나눔스퀘어 Light" panose="020B0600000101010101" pitchFamily="50" charset="-127"/>
+              </a:rPr>
+              <a:t>사이에 </a:t>
+            </a:r>
+            <a:r>
+              <a:rPr lang="en-US" altLang="ko-KR" dirty="0">
+                <a:latin typeface="나눔스퀘어 Light" panose="020B0600000101010101" pitchFamily="50" charset="-127"/>
+                <a:ea typeface="나눔스퀘어 Light" panose="020B0600000101010101" pitchFamily="50" charset="-127"/>
+              </a:rPr>
+              <a:t>6</a:t>
+            </a:r>
+            <a:r>
+              <a:rPr lang="ko-KR" altLang="en-US" dirty="0">
+                <a:latin typeface="나눔스퀘어 Light" panose="020B0600000101010101" pitchFamily="50" charset="-127"/>
+                <a:ea typeface="나눔스퀘어 Light" panose="020B0600000101010101" pitchFamily="50" charset="-127"/>
+              </a:rPr>
+              <a:t>을 </a:t>
+            </a:r>
+            <a:r>
+              <a:rPr lang="ko-KR" altLang="en-US" dirty="0" err="1">
+                <a:latin typeface="나눔스퀘어 Light" panose="020B0600000101010101" pitchFamily="50" charset="-127"/>
+                <a:ea typeface="나눔스퀘어 Light" panose="020B0600000101010101" pitchFamily="50" charset="-127"/>
+              </a:rPr>
+              <a:t>끼워넣는</a:t>
+            </a:r>
+            <a:r>
+              <a:rPr lang="ko-KR" altLang="en-US" dirty="0">
+                <a:latin typeface="나눔스퀘어 Light" panose="020B0600000101010101" pitchFamily="50" charset="-127"/>
+                <a:ea typeface="나눔스퀘어 Light" panose="020B0600000101010101" pitchFamily="50" charset="-127"/>
+              </a:rPr>
+              <a:t> 코드</a:t>
+            </a:r>
+          </a:p>
+        </p:txBody>
+      </p:sp>
+    </p:spTree>
+    <p:extLst>
+      <p:ext uri="{BB962C8B-B14F-4D97-AF65-F5344CB8AC3E}">
+        <p14:creationId xmlns:p14="http://schemas.microsoft.com/office/powerpoint/2010/main" val="2848135897"/>
+      </p:ext>
+    </p:extLst>
+  </p:cSld>
+  <p:clrMapOvr>
+    <a:masterClrMapping/>
+  </p:clrMapOvr>
+</p:sld>
+</file>
+
+<file path=ppt/slides/slide45.xml><?xml version="1.0" encoding="utf-8"?>
+<p:sld xmlns:a="http://schemas.openxmlformats.org/drawingml/2006/main" xmlns:r="http://schemas.openxmlformats.org/officeDocument/2006/relationships" xmlns:p="http://schemas.openxmlformats.org/presentationml/2006/main">
+  <p:cSld>
+    <p:spTree>
+      <p:nvGrpSpPr>
+        <p:cNvPr id="1" name=""/>
+        <p:cNvGrpSpPr/>
+        <p:nvPr/>
+      </p:nvGrpSpPr>
+      <p:grpSpPr>
+        <a:xfrm>
+          <a:off x="0" y="0"/>
+          <a:ext cx="0" cy="0"/>
+          <a:chOff x="0" y="0"/>
+          <a:chExt cx="0" cy="0"/>
+        </a:xfrm>
+      </p:grpSpPr>
+      <p:cxnSp>
+        <p:nvCxnSpPr>
+          <p:cNvPr id="5" name="직선 연결선 4">
+            <a:extLst>
+              <a:ext uri="{FF2B5EF4-FFF2-40B4-BE49-F238E27FC236}">
+                <a16:creationId xmlns:a16="http://schemas.microsoft.com/office/drawing/2014/main" id="{164C2827-EFCE-69A4-D037-1A218415F568}"/>
+              </a:ext>
+            </a:extLst>
+          </p:cNvPr>
+          <p:cNvCxnSpPr/>
+          <p:nvPr/>
+        </p:nvCxnSpPr>
+        <p:spPr>
+          <a:xfrm>
+            <a:off x="0" y="887505"/>
+            <a:ext cx="10237694" cy="0"/>
+          </a:xfrm>
+          <a:prstGeom prst="line">
+            <a:avLst/>
+          </a:prstGeom>
+          <a:ln w="76200">
+            <a:solidFill>
+              <a:schemeClr val="tx1">
+                <a:lumMod val="75000"/>
+                <a:lumOff val="25000"/>
+              </a:schemeClr>
+            </a:solidFill>
+          </a:ln>
+        </p:spPr>
+        <p:style>
+          <a:lnRef idx="1">
+            <a:schemeClr val="accent1"/>
+          </a:lnRef>
+          <a:fillRef idx="0">
+            <a:schemeClr val="accent1"/>
+          </a:fillRef>
+          <a:effectRef idx="0">
+            <a:schemeClr val="accent1"/>
+          </a:effectRef>
+          <a:fontRef idx="minor">
+            <a:schemeClr val="tx1"/>
+          </a:fontRef>
+        </p:style>
+      </p:cxnSp>
+      <p:sp>
+        <p:nvSpPr>
+          <p:cNvPr id="6" name="TextBox 5">
+            <a:extLst>
+              <a:ext uri="{FF2B5EF4-FFF2-40B4-BE49-F238E27FC236}">
+                <a16:creationId xmlns:a16="http://schemas.microsoft.com/office/drawing/2014/main" id="{908ED9B9-09D3-CFA8-625A-6F9BB9B6BD23}"/>
+              </a:ext>
+            </a:extLst>
+          </p:cNvPr>
+          <p:cNvSpPr txBox="1"/>
+          <p:nvPr/>
+        </p:nvSpPr>
+        <p:spPr>
+          <a:xfrm>
+            <a:off x="331694" y="177505"/>
+            <a:ext cx="2006190" cy="523220"/>
+          </a:xfrm>
+          <a:prstGeom prst="rect">
+            <a:avLst/>
+          </a:prstGeom>
+          <a:noFill/>
+        </p:spPr>
+        <p:txBody>
+          <a:bodyPr wrap="none" rtlCol="0">
+            <a:spAutoFit/>
+          </a:bodyPr>
+          <a:lstStyle/>
+          <a:p>
+            <a:r>
+              <a:rPr lang="en-US" altLang="ko-KR" sz="2800" dirty="0">
+                <a:latin typeface="나눔스퀘어 Bold" panose="020B0600000101010101" pitchFamily="50" charset="-127"/>
+                <a:ea typeface="나눔스퀘어 Bold" panose="020B0600000101010101" pitchFamily="50" charset="-127"/>
+              </a:rPr>
+              <a:t>Homework</a:t>
+            </a:r>
+            <a:endParaRPr lang="ko-KR" altLang="en-US" sz="2800" dirty="0">
+              <a:latin typeface="나눔스퀘어 Bold" panose="020B0600000101010101" pitchFamily="50" charset="-127"/>
+              <a:ea typeface="나눔스퀘어 Bold" panose="020B0600000101010101" pitchFamily="50" charset="-127"/>
+            </a:endParaRPr>
+          </a:p>
+        </p:txBody>
+      </p:sp>
+      <p:sp>
+        <p:nvSpPr>
+          <p:cNvPr id="9" name="TextBox 8">
+            <a:extLst>
+              <a:ext uri="{FF2B5EF4-FFF2-40B4-BE49-F238E27FC236}">
+                <a16:creationId xmlns:a16="http://schemas.microsoft.com/office/drawing/2014/main" id="{F3F091EF-3E70-16E8-983D-D9C14C2EAD61}"/>
+              </a:ext>
+            </a:extLst>
+          </p:cNvPr>
+          <p:cNvSpPr txBox="1"/>
+          <p:nvPr/>
+        </p:nvSpPr>
+        <p:spPr>
+          <a:xfrm>
+            <a:off x="942387" y="1190024"/>
             <a:ext cx="10237694" cy="369332"/>
           </a:xfrm>
           <a:prstGeom prst="rect">
@@ -28169,7 +29249,7 @@
 </p:sld>
 </file>
 
-<file path=ppt/slides/slide43.xml><?xml version="1.0" encoding="utf-8"?>
+<file path=ppt/slides/slide46.xml><?xml version="1.0" encoding="utf-8"?>
 <p:sld xmlns:a="http://schemas.openxmlformats.org/drawingml/2006/main" xmlns:r="http://schemas.openxmlformats.org/officeDocument/2006/relationships" xmlns:p="http://schemas.openxmlformats.org/presentationml/2006/main">
   <p:cSld>
     <p:spTree>
